--- a/專題海報/專題海報.pptx
+++ b/專題海報/專題海報.pptx
@@ -2,134 +2,104 @@
 <file path=ppt/presentation.xml><?xml version="1.0" encoding="utf-8"?>
 <p:presentation xmlns:a="http://schemas.openxmlformats.org/drawingml/2006/main" xmlns:r="http://schemas.openxmlformats.org/officeDocument/2006/relationships" xmlns:p="http://schemas.openxmlformats.org/presentationml/2006/main" saveSubsetFonts="1">
   <p:sldMasterIdLst>
-    <p:sldMasterId id="2147483648" r:id="rId1"/>
+    <p:sldMasterId id="2147483672" r:id="rId1"/>
   </p:sldMasterIdLst>
   <p:sldIdLst>
     <p:sldId id="257" r:id="rId2"/>
   </p:sldIdLst>
-  <p:sldSz cx="34290000" cy="45720000"/>
+  <p:sldSz cx="21599525" cy="28800425"/>
   <p:notesSz cx="6858000" cy="9144000"/>
   <p:defaultTextStyle>
     <a:defPPr>
-      <a:defRPr lang="zh-TW"/>
+      <a:defRPr lang="en-US"/>
     </a:defPPr>
-    <a:lvl1pPr algn="l" rtl="0" fontAlgn="base">
-      <a:spcBef>
-        <a:spcPct val="0"/>
-      </a:spcBef>
-      <a:spcAft>
-        <a:spcPct val="0"/>
-      </a:spcAft>
-      <a:defRPr kumimoji="1" sz="8500" kern="1200">
+    <a:lvl1pPr marL="0" algn="l" defTabSz="457200" rtl="0" eaLnBrk="1" latinLnBrk="0" hangingPunct="1">
+      <a:defRPr sz="1800" kern="1200">
         <a:solidFill>
           <a:schemeClr val="tx1"/>
         </a:solidFill>
-        <a:latin typeface="Arial" panose="020B0604020202020204" pitchFamily="34" charset="0"/>
-        <a:ea typeface="新細明體" panose="02020500000000000000" pitchFamily="18" charset="-120"/>
+        <a:latin typeface="+mn-lt"/>
+        <a:ea typeface="+mn-ea"/>
         <a:cs typeface="+mn-cs"/>
       </a:defRPr>
     </a:lvl1pPr>
-    <a:lvl2pPr marL="457200" algn="l" rtl="0" fontAlgn="base">
-      <a:spcBef>
-        <a:spcPct val="0"/>
-      </a:spcBef>
-      <a:spcAft>
-        <a:spcPct val="0"/>
-      </a:spcAft>
-      <a:defRPr kumimoji="1" sz="8500" kern="1200">
+    <a:lvl2pPr marL="457200" algn="l" defTabSz="457200" rtl="0" eaLnBrk="1" latinLnBrk="0" hangingPunct="1">
+      <a:defRPr sz="1800" kern="1200">
         <a:solidFill>
           <a:schemeClr val="tx1"/>
         </a:solidFill>
-        <a:latin typeface="Arial" panose="020B0604020202020204" pitchFamily="34" charset="0"/>
-        <a:ea typeface="新細明體" panose="02020500000000000000" pitchFamily="18" charset="-120"/>
+        <a:latin typeface="+mn-lt"/>
+        <a:ea typeface="+mn-ea"/>
         <a:cs typeface="+mn-cs"/>
       </a:defRPr>
     </a:lvl2pPr>
-    <a:lvl3pPr marL="914400" algn="l" rtl="0" fontAlgn="base">
-      <a:spcBef>
-        <a:spcPct val="0"/>
-      </a:spcBef>
-      <a:spcAft>
-        <a:spcPct val="0"/>
-      </a:spcAft>
-      <a:defRPr kumimoji="1" sz="8500" kern="1200">
+    <a:lvl3pPr marL="914400" algn="l" defTabSz="457200" rtl="0" eaLnBrk="1" latinLnBrk="0" hangingPunct="1">
+      <a:defRPr sz="1800" kern="1200">
         <a:solidFill>
           <a:schemeClr val="tx1"/>
         </a:solidFill>
-        <a:latin typeface="Arial" panose="020B0604020202020204" pitchFamily="34" charset="0"/>
-        <a:ea typeface="新細明體" panose="02020500000000000000" pitchFamily="18" charset="-120"/>
+        <a:latin typeface="+mn-lt"/>
+        <a:ea typeface="+mn-ea"/>
         <a:cs typeface="+mn-cs"/>
       </a:defRPr>
     </a:lvl3pPr>
-    <a:lvl4pPr marL="1371600" algn="l" rtl="0" fontAlgn="base">
-      <a:spcBef>
-        <a:spcPct val="0"/>
-      </a:spcBef>
-      <a:spcAft>
-        <a:spcPct val="0"/>
-      </a:spcAft>
-      <a:defRPr kumimoji="1" sz="8500" kern="1200">
+    <a:lvl4pPr marL="1371600" algn="l" defTabSz="457200" rtl="0" eaLnBrk="1" latinLnBrk="0" hangingPunct="1">
+      <a:defRPr sz="1800" kern="1200">
         <a:solidFill>
           <a:schemeClr val="tx1"/>
         </a:solidFill>
-        <a:latin typeface="Arial" panose="020B0604020202020204" pitchFamily="34" charset="0"/>
-        <a:ea typeface="新細明體" panose="02020500000000000000" pitchFamily="18" charset="-120"/>
+        <a:latin typeface="+mn-lt"/>
+        <a:ea typeface="+mn-ea"/>
         <a:cs typeface="+mn-cs"/>
       </a:defRPr>
     </a:lvl4pPr>
-    <a:lvl5pPr marL="1828800" algn="l" rtl="0" fontAlgn="base">
-      <a:spcBef>
-        <a:spcPct val="0"/>
-      </a:spcBef>
-      <a:spcAft>
-        <a:spcPct val="0"/>
-      </a:spcAft>
-      <a:defRPr kumimoji="1" sz="8500" kern="1200">
+    <a:lvl5pPr marL="1828800" algn="l" defTabSz="457200" rtl="0" eaLnBrk="1" latinLnBrk="0" hangingPunct="1">
+      <a:defRPr sz="1800" kern="1200">
         <a:solidFill>
           <a:schemeClr val="tx1"/>
         </a:solidFill>
-        <a:latin typeface="Arial" panose="020B0604020202020204" pitchFamily="34" charset="0"/>
-        <a:ea typeface="新細明體" panose="02020500000000000000" pitchFamily="18" charset="-120"/>
+        <a:latin typeface="+mn-lt"/>
+        <a:ea typeface="+mn-ea"/>
         <a:cs typeface="+mn-cs"/>
       </a:defRPr>
     </a:lvl5pPr>
-    <a:lvl6pPr marL="2286000" algn="l" defTabSz="914400" rtl="0" eaLnBrk="1" latinLnBrk="0" hangingPunct="1">
-      <a:defRPr kumimoji="1" sz="8500" kern="1200">
+    <a:lvl6pPr marL="2286000" algn="l" defTabSz="457200" rtl="0" eaLnBrk="1" latinLnBrk="0" hangingPunct="1">
+      <a:defRPr sz="1800" kern="1200">
         <a:solidFill>
           <a:schemeClr val="tx1"/>
         </a:solidFill>
-        <a:latin typeface="Arial" panose="020B0604020202020204" pitchFamily="34" charset="0"/>
-        <a:ea typeface="新細明體" panose="02020500000000000000" pitchFamily="18" charset="-120"/>
+        <a:latin typeface="+mn-lt"/>
+        <a:ea typeface="+mn-ea"/>
         <a:cs typeface="+mn-cs"/>
       </a:defRPr>
     </a:lvl6pPr>
-    <a:lvl7pPr marL="2743200" algn="l" defTabSz="914400" rtl="0" eaLnBrk="1" latinLnBrk="0" hangingPunct="1">
-      <a:defRPr kumimoji="1" sz="8500" kern="1200">
+    <a:lvl7pPr marL="2743200" algn="l" defTabSz="457200" rtl="0" eaLnBrk="1" latinLnBrk="0" hangingPunct="1">
+      <a:defRPr sz="1800" kern="1200">
         <a:solidFill>
           <a:schemeClr val="tx1"/>
         </a:solidFill>
-        <a:latin typeface="Arial" panose="020B0604020202020204" pitchFamily="34" charset="0"/>
-        <a:ea typeface="新細明體" panose="02020500000000000000" pitchFamily="18" charset="-120"/>
+        <a:latin typeface="+mn-lt"/>
+        <a:ea typeface="+mn-ea"/>
         <a:cs typeface="+mn-cs"/>
       </a:defRPr>
     </a:lvl7pPr>
-    <a:lvl8pPr marL="3200400" algn="l" defTabSz="914400" rtl="0" eaLnBrk="1" latinLnBrk="0" hangingPunct="1">
-      <a:defRPr kumimoji="1" sz="8500" kern="1200">
+    <a:lvl8pPr marL="3200400" algn="l" defTabSz="457200" rtl="0" eaLnBrk="1" latinLnBrk="0" hangingPunct="1">
+      <a:defRPr sz="1800" kern="1200">
         <a:solidFill>
           <a:schemeClr val="tx1"/>
         </a:solidFill>
-        <a:latin typeface="Arial" panose="020B0604020202020204" pitchFamily="34" charset="0"/>
-        <a:ea typeface="新細明體" panose="02020500000000000000" pitchFamily="18" charset="-120"/>
+        <a:latin typeface="+mn-lt"/>
+        <a:ea typeface="+mn-ea"/>
         <a:cs typeface="+mn-cs"/>
       </a:defRPr>
     </a:lvl8pPr>
-    <a:lvl9pPr marL="3657600" algn="l" defTabSz="914400" rtl="0" eaLnBrk="1" latinLnBrk="0" hangingPunct="1">
-      <a:defRPr kumimoji="1" sz="8500" kern="1200">
+    <a:lvl9pPr marL="3657600" algn="l" defTabSz="457200" rtl="0" eaLnBrk="1" latinLnBrk="0" hangingPunct="1">
+      <a:defRPr sz="1800" kern="1200">
         <a:solidFill>
           <a:schemeClr val="tx1"/>
         </a:solidFill>
-        <a:latin typeface="Arial" panose="020B0604020202020204" pitchFamily="34" charset="0"/>
-        <a:ea typeface="新細明體" panose="02020500000000000000" pitchFamily="18" charset="-120"/>
+        <a:latin typeface="+mn-lt"/>
+        <a:ea typeface="+mn-ea"/>
         <a:cs typeface="+mn-cs"/>
       </a:defRPr>
     </a:lvl9pPr>
@@ -137,12 +107,12 @@
   <p:extLst>
     <p:ext uri="{EFAFB233-063F-42B5-8137-9DF3F51BA10A}">
       <p15:sldGuideLst xmlns:p15="http://schemas.microsoft.com/office/powerpoint/2012/main">
-        <p15:guide id="1" orient="horz" pos="14400">
+        <p15:guide id="1" orient="horz" pos="9071" userDrawn="1">
           <p15:clr>
             <a:srgbClr val="A4A3A4"/>
           </p15:clr>
         </p15:guide>
-        <p15:guide id="2" pos="10800">
+        <p15:guide id="2" pos="6804" userDrawn="1">
           <p15:clr>
             <a:srgbClr val="A4A3A4"/>
           </p15:clr>
@@ -172,13 +142,7 @@
       </p:grpSpPr>
       <p:sp>
         <p:nvSpPr>
-          <p:cNvPr id="2" name="標題 1">
-            <a:extLst>
-              <a:ext uri="{FF2B5EF4-FFF2-40B4-BE49-F238E27FC236}">
-                <a16:creationId xmlns:a16="http://schemas.microsoft.com/office/drawing/2014/main" id="{1579ECC1-D510-4D64-9C8C-F63FF8FDB3A6}"/>
-              </a:ext>
-            </a:extLst>
-          </p:cNvPr>
+          <p:cNvPr id="2" name="Title 1"/>
           <p:cNvSpPr>
             <a:spLocks noGrp="1"/>
           </p:cNvSpPr>
@@ -188,15 +152,15 @@
         </p:nvSpPr>
         <p:spPr>
           <a:xfrm>
-            <a:off x="4286250" y="7481888"/>
-            <a:ext cx="25717500" cy="15917862"/>
+            <a:off x="1619965" y="4713405"/>
+            <a:ext cx="18359596" cy="10026815"/>
           </a:xfrm>
         </p:spPr>
         <p:txBody>
           <a:bodyPr anchor="b"/>
           <a:lstStyle>
             <a:lvl1pPr algn="ctr">
-              <a:defRPr sz="6000"/>
+              <a:defRPr sz="14173"/>
             </a:lvl1pPr>
           </a:lstStyle>
           <a:p>
@@ -204,18 +168,13 @@
               <a:rPr lang="zh-TW" altLang="en-US"/>
               <a:t>按一下以編輯母片標題樣式</a:t>
             </a:r>
+            <a:endParaRPr lang="en-US" dirty="0"/>
           </a:p>
         </p:txBody>
       </p:sp>
       <p:sp>
         <p:nvSpPr>
-          <p:cNvPr id="3" name="副標題 2">
-            <a:extLst>
-              <a:ext uri="{FF2B5EF4-FFF2-40B4-BE49-F238E27FC236}">
-                <a16:creationId xmlns:a16="http://schemas.microsoft.com/office/drawing/2014/main" id="{FAA25225-1FB2-438D-8E2E-583FE09CEC92}"/>
-              </a:ext>
-            </a:extLst>
-          </p:cNvPr>
+          <p:cNvPr id="3" name="Subtitle 2"/>
           <p:cNvSpPr>
             <a:spLocks noGrp="1"/>
           </p:cNvSpPr>
@@ -225,8 +184,8 @@
         </p:nvSpPr>
         <p:spPr>
           <a:xfrm>
-            <a:off x="4286250" y="24014113"/>
-            <a:ext cx="25717500" cy="11037887"/>
+            <a:off x="2699941" y="15126892"/>
+            <a:ext cx="16199644" cy="6953434"/>
           </a:xfrm>
         </p:spPr>
         <p:txBody>
@@ -234,39 +193,39 @@
           <a:lstStyle>
             <a:lvl1pPr marL="0" indent="0" algn="ctr">
               <a:buNone/>
-              <a:defRPr sz="2400"/>
+              <a:defRPr sz="5669"/>
             </a:lvl1pPr>
-            <a:lvl2pPr marL="457200" indent="0" algn="ctr">
+            <a:lvl2pPr marL="1079998" indent="0" algn="ctr">
               <a:buNone/>
-              <a:defRPr sz="2000"/>
+              <a:defRPr sz="4724"/>
             </a:lvl2pPr>
-            <a:lvl3pPr marL="914400" indent="0" algn="ctr">
+            <a:lvl3pPr marL="2159996" indent="0" algn="ctr">
               <a:buNone/>
-              <a:defRPr sz="1800"/>
+              <a:defRPr sz="4252"/>
             </a:lvl3pPr>
-            <a:lvl4pPr marL="1371600" indent="0" algn="ctr">
+            <a:lvl4pPr marL="3239994" indent="0" algn="ctr">
               <a:buNone/>
-              <a:defRPr sz="1600"/>
+              <a:defRPr sz="3780"/>
             </a:lvl4pPr>
-            <a:lvl5pPr marL="1828800" indent="0" algn="ctr">
+            <a:lvl5pPr marL="4319991" indent="0" algn="ctr">
               <a:buNone/>
-              <a:defRPr sz="1600"/>
+              <a:defRPr sz="3780"/>
             </a:lvl5pPr>
-            <a:lvl6pPr marL="2286000" indent="0" algn="ctr">
+            <a:lvl6pPr marL="5399989" indent="0" algn="ctr">
               <a:buNone/>
-              <a:defRPr sz="1600"/>
+              <a:defRPr sz="3780"/>
             </a:lvl6pPr>
-            <a:lvl7pPr marL="2743200" indent="0" algn="ctr">
+            <a:lvl7pPr marL="6479987" indent="0" algn="ctr">
               <a:buNone/>
-              <a:defRPr sz="1600"/>
+              <a:defRPr sz="3780"/>
             </a:lvl7pPr>
-            <a:lvl8pPr marL="3200400" indent="0" algn="ctr">
+            <a:lvl8pPr marL="7559985" indent="0" algn="ctr">
               <a:buNone/>
-              <a:defRPr sz="1600"/>
+              <a:defRPr sz="3780"/>
             </a:lvl8pPr>
-            <a:lvl9pPr marL="3657600" indent="0" algn="ctr">
+            <a:lvl9pPr marL="8639983" indent="0" algn="ctr">
               <a:buNone/>
-              <a:defRPr sz="1600"/>
+              <a:defRPr sz="3780"/>
             </a:lvl9pPr>
           </a:lstStyle>
           <a:p>
@@ -274,18 +233,13 @@
               <a:rPr lang="zh-TW" altLang="en-US"/>
               <a:t>按一下以編輯母片子標題樣式</a:t>
             </a:r>
+            <a:endParaRPr lang="en-US" dirty="0"/>
           </a:p>
         </p:txBody>
       </p:sp>
       <p:sp>
         <p:nvSpPr>
-          <p:cNvPr id="4" name="日期版面配置區 3">
-            <a:extLst>
-              <a:ext uri="{FF2B5EF4-FFF2-40B4-BE49-F238E27FC236}">
-                <a16:creationId xmlns:a16="http://schemas.microsoft.com/office/drawing/2014/main" id="{FC8AF7C1-DA6F-44AF-B604-E06127234E54}"/>
-              </a:ext>
-            </a:extLst>
-          </p:cNvPr>
+          <p:cNvPr id="4" name="Date Placeholder 3"/>
           <p:cNvSpPr>
             <a:spLocks noGrp="1"/>
           </p:cNvSpPr>
@@ -296,11 +250,7 @@
         <p:spPr/>
         <p:txBody>
           <a:bodyPr/>
-          <a:lstStyle>
-            <a:lvl1pPr>
-              <a:defRPr/>
-            </a:lvl1pPr>
-          </a:lstStyle>
+          <a:lstStyle/>
           <a:p>
             <a:endParaRPr lang="en-US" altLang="zh-TW"/>
           </a:p>
@@ -308,13 +258,7 @@
       </p:sp>
       <p:sp>
         <p:nvSpPr>
-          <p:cNvPr id="5" name="頁尾版面配置區 4">
-            <a:extLst>
-              <a:ext uri="{FF2B5EF4-FFF2-40B4-BE49-F238E27FC236}">
-                <a16:creationId xmlns:a16="http://schemas.microsoft.com/office/drawing/2014/main" id="{89F724F5-0979-47FE-8E68-285988CFD595}"/>
-              </a:ext>
-            </a:extLst>
-          </p:cNvPr>
+          <p:cNvPr id="5" name="Footer Placeholder 4"/>
           <p:cNvSpPr>
             <a:spLocks noGrp="1"/>
           </p:cNvSpPr>
@@ -325,11 +269,7 @@
         <p:spPr/>
         <p:txBody>
           <a:bodyPr/>
-          <a:lstStyle>
-            <a:lvl1pPr>
-              <a:defRPr/>
-            </a:lvl1pPr>
-          </a:lstStyle>
+          <a:lstStyle/>
           <a:p>
             <a:endParaRPr lang="en-US" altLang="zh-TW"/>
           </a:p>
@@ -337,13 +277,7 @@
       </p:sp>
       <p:sp>
         <p:nvSpPr>
-          <p:cNvPr id="6" name="投影片編號版面配置區 5">
-            <a:extLst>
-              <a:ext uri="{FF2B5EF4-FFF2-40B4-BE49-F238E27FC236}">
-                <a16:creationId xmlns:a16="http://schemas.microsoft.com/office/drawing/2014/main" id="{6C90143E-3F7A-4571-9377-C7EDBC2E3766}"/>
-              </a:ext>
-            </a:extLst>
-          </p:cNvPr>
+          <p:cNvPr id="6" name="Slide Number Placeholder 5"/>
           <p:cNvSpPr>
             <a:spLocks noGrp="1"/>
           </p:cNvSpPr>
@@ -354,14 +288,10 @@
         <p:spPr/>
         <p:txBody>
           <a:bodyPr/>
-          <a:lstStyle>
-            <a:lvl1pPr>
-              <a:defRPr/>
-            </a:lvl1pPr>
-          </a:lstStyle>
+          <a:lstStyle/>
           <a:p>
             <a:fld id="{E6966F82-7304-43F8-A283-372AC7E9F1AE}" type="slidenum">
-              <a:rPr lang="en-US" altLang="zh-TW"/>
+              <a:rPr lang="en-US" altLang="zh-TW" smtClean="0"/>
               <a:pPr/>
               <a:t>‹#›</a:t>
             </a:fld>
@@ -372,7 +302,7 @@
     </p:spTree>
     <p:extLst>
       <p:ext uri="{BB962C8B-B14F-4D97-AF65-F5344CB8AC3E}">
-        <p14:creationId xmlns:p14="http://schemas.microsoft.com/office/powerpoint/2010/main" val="154534912"/>
+        <p14:creationId xmlns:p14="http://schemas.microsoft.com/office/powerpoint/2010/main" val="2943214479"/>
       </p:ext>
     </p:extLst>
   </p:cSld>
@@ -401,13 +331,7 @@
       </p:grpSpPr>
       <p:sp>
         <p:nvSpPr>
-          <p:cNvPr id="2" name="標題 1">
-            <a:extLst>
-              <a:ext uri="{FF2B5EF4-FFF2-40B4-BE49-F238E27FC236}">
-                <a16:creationId xmlns:a16="http://schemas.microsoft.com/office/drawing/2014/main" id="{F7E1DB00-63E3-4887-90C3-A7F89EF86B5A}"/>
-              </a:ext>
-            </a:extLst>
-          </p:cNvPr>
+          <p:cNvPr id="2" name="Title 1"/>
           <p:cNvSpPr>
             <a:spLocks noGrp="1"/>
           </p:cNvSpPr>
@@ -424,18 +348,13 @@
               <a:rPr lang="zh-TW" altLang="en-US"/>
               <a:t>按一下以編輯母片標題樣式</a:t>
             </a:r>
+            <a:endParaRPr lang="en-US" dirty="0"/>
           </a:p>
         </p:txBody>
       </p:sp>
       <p:sp>
         <p:nvSpPr>
-          <p:cNvPr id="3" name="直排文字版面配置區 2">
-            <a:extLst>
-              <a:ext uri="{FF2B5EF4-FFF2-40B4-BE49-F238E27FC236}">
-                <a16:creationId xmlns:a16="http://schemas.microsoft.com/office/drawing/2014/main" id="{17541DAC-6711-417C-B110-66FBE8E152DD}"/>
-              </a:ext>
-            </a:extLst>
-          </p:cNvPr>
+          <p:cNvPr id="3" name="Vertical Text Placeholder 2"/>
           <p:cNvSpPr>
             <a:spLocks noGrp="1"/>
           </p:cNvSpPr>
@@ -481,18 +400,13 @@
               <a:rPr lang="zh-TW" altLang="en-US"/>
               <a:t>第五層</a:t>
             </a:r>
+            <a:endParaRPr lang="en-US" dirty="0"/>
           </a:p>
         </p:txBody>
       </p:sp>
       <p:sp>
         <p:nvSpPr>
-          <p:cNvPr id="4" name="日期版面配置區 3">
-            <a:extLst>
-              <a:ext uri="{FF2B5EF4-FFF2-40B4-BE49-F238E27FC236}">
-                <a16:creationId xmlns:a16="http://schemas.microsoft.com/office/drawing/2014/main" id="{DA733324-AA6A-4E89-9582-029772FDA094}"/>
-              </a:ext>
-            </a:extLst>
-          </p:cNvPr>
+          <p:cNvPr id="4" name="Date Placeholder 3"/>
           <p:cNvSpPr>
             <a:spLocks noGrp="1"/>
           </p:cNvSpPr>
@@ -503,11 +417,7 @@
         <p:spPr/>
         <p:txBody>
           <a:bodyPr/>
-          <a:lstStyle>
-            <a:lvl1pPr>
-              <a:defRPr/>
-            </a:lvl1pPr>
-          </a:lstStyle>
+          <a:lstStyle/>
           <a:p>
             <a:endParaRPr lang="en-US" altLang="zh-TW"/>
           </a:p>
@@ -515,13 +425,7 @@
       </p:sp>
       <p:sp>
         <p:nvSpPr>
-          <p:cNvPr id="5" name="頁尾版面配置區 4">
-            <a:extLst>
-              <a:ext uri="{FF2B5EF4-FFF2-40B4-BE49-F238E27FC236}">
-                <a16:creationId xmlns:a16="http://schemas.microsoft.com/office/drawing/2014/main" id="{410C026C-2065-4169-A3A9-9052583AA31B}"/>
-              </a:ext>
-            </a:extLst>
-          </p:cNvPr>
+          <p:cNvPr id="5" name="Footer Placeholder 4"/>
           <p:cNvSpPr>
             <a:spLocks noGrp="1"/>
           </p:cNvSpPr>
@@ -532,11 +436,7 @@
         <p:spPr/>
         <p:txBody>
           <a:bodyPr/>
-          <a:lstStyle>
-            <a:lvl1pPr>
-              <a:defRPr/>
-            </a:lvl1pPr>
-          </a:lstStyle>
+          <a:lstStyle/>
           <a:p>
             <a:endParaRPr lang="en-US" altLang="zh-TW"/>
           </a:p>
@@ -544,13 +444,7 @@
       </p:sp>
       <p:sp>
         <p:nvSpPr>
-          <p:cNvPr id="6" name="投影片編號版面配置區 5">
-            <a:extLst>
-              <a:ext uri="{FF2B5EF4-FFF2-40B4-BE49-F238E27FC236}">
-                <a16:creationId xmlns:a16="http://schemas.microsoft.com/office/drawing/2014/main" id="{2051AC2F-0A6F-4588-AA17-3D80605DEAEE}"/>
-              </a:ext>
-            </a:extLst>
-          </p:cNvPr>
+          <p:cNvPr id="6" name="Slide Number Placeholder 5"/>
           <p:cNvSpPr>
             <a:spLocks noGrp="1"/>
           </p:cNvSpPr>
@@ -561,14 +455,10 @@
         <p:spPr/>
         <p:txBody>
           <a:bodyPr/>
-          <a:lstStyle>
-            <a:lvl1pPr>
-              <a:defRPr/>
-            </a:lvl1pPr>
-          </a:lstStyle>
+          <a:lstStyle/>
           <a:p>
             <a:fld id="{EA346395-59F3-4185-8D36-60638CEB8B01}" type="slidenum">
-              <a:rPr lang="en-US" altLang="zh-TW"/>
+              <a:rPr lang="en-US" altLang="zh-TW" smtClean="0"/>
               <a:pPr/>
               <a:t>‹#›</a:t>
             </a:fld>
@@ -579,7 +469,7 @@
     </p:spTree>
     <p:extLst>
       <p:ext uri="{BB962C8B-B14F-4D97-AF65-F5344CB8AC3E}">
-        <p14:creationId xmlns:p14="http://schemas.microsoft.com/office/powerpoint/2010/main" val="780547566"/>
+        <p14:creationId xmlns:p14="http://schemas.microsoft.com/office/powerpoint/2010/main" val="1635701739"/>
       </p:ext>
     </p:extLst>
   </p:cSld>
@@ -608,13 +498,7 @@
       </p:grpSpPr>
       <p:sp>
         <p:nvSpPr>
-          <p:cNvPr id="2" name="直排標題 1">
-            <a:extLst>
-              <a:ext uri="{FF2B5EF4-FFF2-40B4-BE49-F238E27FC236}">
-                <a16:creationId xmlns:a16="http://schemas.microsoft.com/office/drawing/2014/main" id="{4DC7D6A0-A19D-4840-BA94-BAA881CAF57D}"/>
-              </a:ext>
-            </a:extLst>
-          </p:cNvPr>
+          <p:cNvPr id="2" name="Vertical Title 1"/>
           <p:cNvSpPr>
             <a:spLocks noGrp="1"/>
           </p:cNvSpPr>
@@ -624,8 +508,8 @@
         </p:nvSpPr>
         <p:spPr>
           <a:xfrm>
-            <a:off x="24861838" y="1830388"/>
-            <a:ext cx="7715250" cy="39011225"/>
+            <a:off x="15457161" y="1533356"/>
+            <a:ext cx="4657398" cy="24407029"/>
           </a:xfrm>
         </p:spPr>
         <p:txBody>
@@ -636,18 +520,13 @@
               <a:rPr lang="zh-TW" altLang="en-US"/>
               <a:t>按一下以編輯母片標題樣式</a:t>
             </a:r>
+            <a:endParaRPr lang="en-US" dirty="0"/>
           </a:p>
         </p:txBody>
       </p:sp>
       <p:sp>
         <p:nvSpPr>
-          <p:cNvPr id="3" name="直排文字版面配置區 2">
-            <a:extLst>
-              <a:ext uri="{FF2B5EF4-FFF2-40B4-BE49-F238E27FC236}">
-                <a16:creationId xmlns:a16="http://schemas.microsoft.com/office/drawing/2014/main" id="{CBB50FE6-CEFD-436C-87E5-3A37F714315D}"/>
-              </a:ext>
-            </a:extLst>
-          </p:cNvPr>
+          <p:cNvPr id="3" name="Vertical Text Placeholder 2"/>
           <p:cNvSpPr>
             <a:spLocks noGrp="1"/>
           </p:cNvSpPr>
@@ -657,8 +536,8 @@
         </p:nvSpPr>
         <p:spPr>
           <a:xfrm>
-            <a:off x="1712913" y="1830388"/>
-            <a:ext cx="22996525" cy="39011225"/>
+            <a:off x="1484968" y="1533356"/>
+            <a:ext cx="13702199" cy="24407029"/>
           </a:xfrm>
         </p:spPr>
         <p:txBody>
@@ -698,18 +577,13 @@
               <a:rPr lang="zh-TW" altLang="en-US"/>
               <a:t>第五層</a:t>
             </a:r>
+            <a:endParaRPr lang="en-US" dirty="0"/>
           </a:p>
         </p:txBody>
       </p:sp>
       <p:sp>
         <p:nvSpPr>
-          <p:cNvPr id="4" name="日期版面配置區 3">
-            <a:extLst>
-              <a:ext uri="{FF2B5EF4-FFF2-40B4-BE49-F238E27FC236}">
-                <a16:creationId xmlns:a16="http://schemas.microsoft.com/office/drawing/2014/main" id="{C7076746-02AC-4C0C-9500-68F3ED4B37A6}"/>
-              </a:ext>
-            </a:extLst>
-          </p:cNvPr>
+          <p:cNvPr id="4" name="Date Placeholder 3"/>
           <p:cNvSpPr>
             <a:spLocks noGrp="1"/>
           </p:cNvSpPr>
@@ -720,11 +594,7 @@
         <p:spPr/>
         <p:txBody>
           <a:bodyPr/>
-          <a:lstStyle>
-            <a:lvl1pPr>
-              <a:defRPr/>
-            </a:lvl1pPr>
-          </a:lstStyle>
+          <a:lstStyle/>
           <a:p>
             <a:endParaRPr lang="en-US" altLang="zh-TW"/>
           </a:p>
@@ -732,13 +602,7 @@
       </p:sp>
       <p:sp>
         <p:nvSpPr>
-          <p:cNvPr id="5" name="頁尾版面配置區 4">
-            <a:extLst>
-              <a:ext uri="{FF2B5EF4-FFF2-40B4-BE49-F238E27FC236}">
-                <a16:creationId xmlns:a16="http://schemas.microsoft.com/office/drawing/2014/main" id="{C1C04AFF-13AB-4D5D-8D20-183C5D82A930}"/>
-              </a:ext>
-            </a:extLst>
-          </p:cNvPr>
+          <p:cNvPr id="5" name="Footer Placeholder 4"/>
           <p:cNvSpPr>
             <a:spLocks noGrp="1"/>
           </p:cNvSpPr>
@@ -749,11 +613,7 @@
         <p:spPr/>
         <p:txBody>
           <a:bodyPr/>
-          <a:lstStyle>
-            <a:lvl1pPr>
-              <a:defRPr/>
-            </a:lvl1pPr>
-          </a:lstStyle>
+          <a:lstStyle/>
           <a:p>
             <a:endParaRPr lang="en-US" altLang="zh-TW"/>
           </a:p>
@@ -761,13 +621,7 @@
       </p:sp>
       <p:sp>
         <p:nvSpPr>
-          <p:cNvPr id="6" name="投影片編號版面配置區 5">
-            <a:extLst>
-              <a:ext uri="{FF2B5EF4-FFF2-40B4-BE49-F238E27FC236}">
-                <a16:creationId xmlns:a16="http://schemas.microsoft.com/office/drawing/2014/main" id="{63CED8A2-2C35-4C15-B19A-3C7CD99E5B44}"/>
-              </a:ext>
-            </a:extLst>
-          </p:cNvPr>
+          <p:cNvPr id="6" name="Slide Number Placeholder 5"/>
           <p:cNvSpPr>
             <a:spLocks noGrp="1"/>
           </p:cNvSpPr>
@@ -778,14 +632,10 @@
         <p:spPr/>
         <p:txBody>
           <a:bodyPr/>
-          <a:lstStyle>
-            <a:lvl1pPr>
-              <a:defRPr/>
-            </a:lvl1pPr>
-          </a:lstStyle>
+          <a:lstStyle/>
           <a:p>
             <a:fld id="{5E87D5C9-73E6-49E8-AFE7-9F8E083BC581}" type="slidenum">
-              <a:rPr lang="en-US" altLang="zh-TW"/>
+              <a:rPr lang="en-US" altLang="zh-TW" smtClean="0"/>
               <a:pPr/>
               <a:t>‹#›</a:t>
             </a:fld>
@@ -796,7 +646,7 @@
     </p:spTree>
     <p:extLst>
       <p:ext uri="{BB962C8B-B14F-4D97-AF65-F5344CB8AC3E}">
-        <p14:creationId xmlns:p14="http://schemas.microsoft.com/office/powerpoint/2010/main" val="3220113266"/>
+        <p14:creationId xmlns:p14="http://schemas.microsoft.com/office/powerpoint/2010/main" val="2961936408"/>
       </p:ext>
     </p:extLst>
   </p:cSld>
@@ -825,13 +675,7 @@
       </p:grpSpPr>
       <p:sp>
         <p:nvSpPr>
-          <p:cNvPr id="2" name="標題 1">
-            <a:extLst>
-              <a:ext uri="{FF2B5EF4-FFF2-40B4-BE49-F238E27FC236}">
-                <a16:creationId xmlns:a16="http://schemas.microsoft.com/office/drawing/2014/main" id="{3D7E2129-9327-4EF4-9BD0-9797AF37DDD6}"/>
-              </a:ext>
-            </a:extLst>
-          </p:cNvPr>
+          <p:cNvPr id="2" name="Title 1"/>
           <p:cNvSpPr>
             <a:spLocks noGrp="1"/>
           </p:cNvSpPr>
@@ -848,18 +692,13 @@
               <a:rPr lang="zh-TW" altLang="en-US"/>
               <a:t>按一下以編輯母片標題樣式</a:t>
             </a:r>
+            <a:endParaRPr lang="en-US" dirty="0"/>
           </a:p>
         </p:txBody>
       </p:sp>
       <p:sp>
         <p:nvSpPr>
-          <p:cNvPr id="3" name="內容版面配置區 2">
-            <a:extLst>
-              <a:ext uri="{FF2B5EF4-FFF2-40B4-BE49-F238E27FC236}">
-                <a16:creationId xmlns:a16="http://schemas.microsoft.com/office/drawing/2014/main" id="{A1DD6DCC-22B1-4B5A-B0E8-DE32DC68CD6D}"/>
-              </a:ext>
-            </a:extLst>
-          </p:cNvPr>
+          <p:cNvPr id="3" name="Content Placeholder 2"/>
           <p:cNvSpPr>
             <a:spLocks noGrp="1"/>
           </p:cNvSpPr>
@@ -905,18 +744,13 @@
               <a:rPr lang="zh-TW" altLang="en-US"/>
               <a:t>第五層</a:t>
             </a:r>
+            <a:endParaRPr lang="en-US" dirty="0"/>
           </a:p>
         </p:txBody>
       </p:sp>
       <p:sp>
         <p:nvSpPr>
-          <p:cNvPr id="4" name="日期版面配置區 3">
-            <a:extLst>
-              <a:ext uri="{FF2B5EF4-FFF2-40B4-BE49-F238E27FC236}">
-                <a16:creationId xmlns:a16="http://schemas.microsoft.com/office/drawing/2014/main" id="{78C221F0-2633-4EC5-AAE5-C9C5248F9989}"/>
-              </a:ext>
-            </a:extLst>
-          </p:cNvPr>
+          <p:cNvPr id="4" name="Date Placeholder 3"/>
           <p:cNvSpPr>
             <a:spLocks noGrp="1"/>
           </p:cNvSpPr>
@@ -927,11 +761,7 @@
         <p:spPr/>
         <p:txBody>
           <a:bodyPr/>
-          <a:lstStyle>
-            <a:lvl1pPr>
-              <a:defRPr/>
-            </a:lvl1pPr>
-          </a:lstStyle>
+          <a:lstStyle/>
           <a:p>
             <a:endParaRPr lang="en-US" altLang="zh-TW"/>
           </a:p>
@@ -939,13 +769,7 @@
       </p:sp>
       <p:sp>
         <p:nvSpPr>
-          <p:cNvPr id="5" name="頁尾版面配置區 4">
-            <a:extLst>
-              <a:ext uri="{FF2B5EF4-FFF2-40B4-BE49-F238E27FC236}">
-                <a16:creationId xmlns:a16="http://schemas.microsoft.com/office/drawing/2014/main" id="{8A478E30-81EA-4AA6-8CB5-EAB669C19A9F}"/>
-              </a:ext>
-            </a:extLst>
-          </p:cNvPr>
+          <p:cNvPr id="5" name="Footer Placeholder 4"/>
           <p:cNvSpPr>
             <a:spLocks noGrp="1"/>
           </p:cNvSpPr>
@@ -956,11 +780,7 @@
         <p:spPr/>
         <p:txBody>
           <a:bodyPr/>
-          <a:lstStyle>
-            <a:lvl1pPr>
-              <a:defRPr/>
-            </a:lvl1pPr>
-          </a:lstStyle>
+          <a:lstStyle/>
           <a:p>
             <a:endParaRPr lang="en-US" altLang="zh-TW"/>
           </a:p>
@@ -968,13 +788,7 @@
       </p:sp>
       <p:sp>
         <p:nvSpPr>
-          <p:cNvPr id="6" name="投影片編號版面配置區 5">
-            <a:extLst>
-              <a:ext uri="{FF2B5EF4-FFF2-40B4-BE49-F238E27FC236}">
-                <a16:creationId xmlns:a16="http://schemas.microsoft.com/office/drawing/2014/main" id="{0583AFB2-2704-4304-99EF-1FC6F9B0E7DF}"/>
-              </a:ext>
-            </a:extLst>
-          </p:cNvPr>
+          <p:cNvPr id="6" name="Slide Number Placeholder 5"/>
           <p:cNvSpPr>
             <a:spLocks noGrp="1"/>
           </p:cNvSpPr>
@@ -985,14 +799,10 @@
         <p:spPr/>
         <p:txBody>
           <a:bodyPr/>
-          <a:lstStyle>
-            <a:lvl1pPr>
-              <a:defRPr/>
-            </a:lvl1pPr>
-          </a:lstStyle>
+          <a:lstStyle/>
           <a:p>
             <a:fld id="{10505C81-B3E0-45F2-90C3-809B24B4059C}" type="slidenum">
-              <a:rPr lang="en-US" altLang="zh-TW"/>
+              <a:rPr lang="en-US" altLang="zh-TW" smtClean="0"/>
               <a:pPr/>
               <a:t>‹#›</a:t>
             </a:fld>
@@ -1003,7 +813,7 @@
     </p:spTree>
     <p:extLst>
       <p:ext uri="{BB962C8B-B14F-4D97-AF65-F5344CB8AC3E}">
-        <p14:creationId xmlns:p14="http://schemas.microsoft.com/office/powerpoint/2010/main" val="1862791086"/>
+        <p14:creationId xmlns:p14="http://schemas.microsoft.com/office/powerpoint/2010/main" val="1395406864"/>
       </p:ext>
     </p:extLst>
   </p:cSld>
@@ -1032,13 +842,7 @@
       </p:grpSpPr>
       <p:sp>
         <p:nvSpPr>
-          <p:cNvPr id="2" name="標題 1">
-            <a:extLst>
-              <a:ext uri="{FF2B5EF4-FFF2-40B4-BE49-F238E27FC236}">
-                <a16:creationId xmlns:a16="http://schemas.microsoft.com/office/drawing/2014/main" id="{3AE12320-C5AA-44BE-8E0C-8CB5A75D9BEE}"/>
-              </a:ext>
-            </a:extLst>
-          </p:cNvPr>
+          <p:cNvPr id="2" name="Title 1"/>
           <p:cNvSpPr>
             <a:spLocks noGrp="1"/>
           </p:cNvSpPr>
@@ -1048,15 +852,15 @@
         </p:nvSpPr>
         <p:spPr>
           <a:xfrm>
-            <a:off x="2339975" y="11398250"/>
-            <a:ext cx="29575125" cy="19018250"/>
+            <a:off x="1473719" y="7180114"/>
+            <a:ext cx="18629590" cy="11980175"/>
           </a:xfrm>
         </p:spPr>
         <p:txBody>
           <a:bodyPr anchor="b"/>
           <a:lstStyle>
             <a:lvl1pPr>
-              <a:defRPr sz="6000"/>
+              <a:defRPr sz="14173"/>
             </a:lvl1pPr>
           </a:lstStyle>
           <a:p>
@@ -1064,18 +868,13 @@
               <a:rPr lang="zh-TW" altLang="en-US"/>
               <a:t>按一下以編輯母片標題樣式</a:t>
             </a:r>
+            <a:endParaRPr lang="en-US" dirty="0"/>
           </a:p>
         </p:txBody>
       </p:sp>
       <p:sp>
         <p:nvSpPr>
-          <p:cNvPr id="3" name="文字版面配置區 2">
-            <a:extLst>
-              <a:ext uri="{FF2B5EF4-FFF2-40B4-BE49-F238E27FC236}">
-                <a16:creationId xmlns:a16="http://schemas.microsoft.com/office/drawing/2014/main" id="{0257C3D4-21A9-48F6-A432-91557EC70DF6}"/>
-              </a:ext>
-            </a:extLst>
-          </p:cNvPr>
+          <p:cNvPr id="3" name="Text Placeholder 2"/>
           <p:cNvSpPr>
             <a:spLocks noGrp="1"/>
           </p:cNvSpPr>
@@ -1085,8 +884,8 @@
         </p:nvSpPr>
         <p:spPr>
           <a:xfrm>
-            <a:off x="2339975" y="30595888"/>
-            <a:ext cx="29575125" cy="10001250"/>
+            <a:off x="1473719" y="19273626"/>
+            <a:ext cx="18629590" cy="6300091"/>
           </a:xfrm>
         </p:spPr>
         <p:txBody>
@@ -1094,39 +893,91 @@
           <a:lstStyle>
             <a:lvl1pPr marL="0" indent="0">
               <a:buNone/>
-              <a:defRPr sz="2400"/>
+              <a:defRPr sz="5669">
+                <a:solidFill>
+                  <a:schemeClr val="tx1"/>
+                </a:solidFill>
+              </a:defRPr>
             </a:lvl1pPr>
-            <a:lvl2pPr marL="457200" indent="0">
+            <a:lvl2pPr marL="1079998" indent="0">
               <a:buNone/>
-              <a:defRPr sz="2000"/>
+              <a:defRPr sz="4724">
+                <a:solidFill>
+                  <a:schemeClr val="tx1">
+                    <a:tint val="75000"/>
+                  </a:schemeClr>
+                </a:solidFill>
+              </a:defRPr>
             </a:lvl2pPr>
-            <a:lvl3pPr marL="914400" indent="0">
+            <a:lvl3pPr marL="2159996" indent="0">
               <a:buNone/>
-              <a:defRPr sz="1800"/>
+              <a:defRPr sz="4252">
+                <a:solidFill>
+                  <a:schemeClr val="tx1">
+                    <a:tint val="75000"/>
+                  </a:schemeClr>
+                </a:solidFill>
+              </a:defRPr>
             </a:lvl3pPr>
-            <a:lvl4pPr marL="1371600" indent="0">
+            <a:lvl4pPr marL="3239994" indent="0">
               <a:buNone/>
-              <a:defRPr sz="1600"/>
+              <a:defRPr sz="3780">
+                <a:solidFill>
+                  <a:schemeClr val="tx1">
+                    <a:tint val="75000"/>
+                  </a:schemeClr>
+                </a:solidFill>
+              </a:defRPr>
             </a:lvl4pPr>
-            <a:lvl5pPr marL="1828800" indent="0">
+            <a:lvl5pPr marL="4319991" indent="0">
               <a:buNone/>
-              <a:defRPr sz="1600"/>
+              <a:defRPr sz="3780">
+                <a:solidFill>
+                  <a:schemeClr val="tx1">
+                    <a:tint val="75000"/>
+                  </a:schemeClr>
+                </a:solidFill>
+              </a:defRPr>
             </a:lvl5pPr>
-            <a:lvl6pPr marL="2286000" indent="0">
+            <a:lvl6pPr marL="5399989" indent="0">
               <a:buNone/>
-              <a:defRPr sz="1600"/>
+              <a:defRPr sz="3780">
+                <a:solidFill>
+                  <a:schemeClr val="tx1">
+                    <a:tint val="75000"/>
+                  </a:schemeClr>
+                </a:solidFill>
+              </a:defRPr>
             </a:lvl6pPr>
-            <a:lvl7pPr marL="2743200" indent="0">
+            <a:lvl7pPr marL="6479987" indent="0">
               <a:buNone/>
-              <a:defRPr sz="1600"/>
+              <a:defRPr sz="3780">
+                <a:solidFill>
+                  <a:schemeClr val="tx1">
+                    <a:tint val="75000"/>
+                  </a:schemeClr>
+                </a:solidFill>
+              </a:defRPr>
             </a:lvl7pPr>
-            <a:lvl8pPr marL="3200400" indent="0">
+            <a:lvl8pPr marL="7559985" indent="0">
               <a:buNone/>
-              <a:defRPr sz="1600"/>
+              <a:defRPr sz="3780">
+                <a:solidFill>
+                  <a:schemeClr val="tx1">
+                    <a:tint val="75000"/>
+                  </a:schemeClr>
+                </a:solidFill>
+              </a:defRPr>
             </a:lvl8pPr>
-            <a:lvl9pPr marL="3657600" indent="0">
+            <a:lvl9pPr marL="8639983" indent="0">
               <a:buNone/>
-              <a:defRPr sz="1600"/>
+              <a:defRPr sz="3780">
+                <a:solidFill>
+                  <a:schemeClr val="tx1">
+                    <a:tint val="75000"/>
+                  </a:schemeClr>
+                </a:solidFill>
+              </a:defRPr>
             </a:lvl9pPr>
           </a:lstStyle>
           <a:p>
@@ -1140,13 +991,7 @@
       </p:sp>
       <p:sp>
         <p:nvSpPr>
-          <p:cNvPr id="4" name="日期版面配置區 3">
-            <a:extLst>
-              <a:ext uri="{FF2B5EF4-FFF2-40B4-BE49-F238E27FC236}">
-                <a16:creationId xmlns:a16="http://schemas.microsoft.com/office/drawing/2014/main" id="{96DCCC5A-FC2D-4021-92A8-81E769141295}"/>
-              </a:ext>
-            </a:extLst>
-          </p:cNvPr>
+          <p:cNvPr id="4" name="Date Placeholder 3"/>
           <p:cNvSpPr>
             <a:spLocks noGrp="1"/>
           </p:cNvSpPr>
@@ -1157,11 +1002,7 @@
         <p:spPr/>
         <p:txBody>
           <a:bodyPr/>
-          <a:lstStyle>
-            <a:lvl1pPr>
-              <a:defRPr/>
-            </a:lvl1pPr>
-          </a:lstStyle>
+          <a:lstStyle/>
           <a:p>
             <a:endParaRPr lang="en-US" altLang="zh-TW"/>
           </a:p>
@@ -1169,13 +1010,7 @@
       </p:sp>
       <p:sp>
         <p:nvSpPr>
-          <p:cNvPr id="5" name="頁尾版面配置區 4">
-            <a:extLst>
-              <a:ext uri="{FF2B5EF4-FFF2-40B4-BE49-F238E27FC236}">
-                <a16:creationId xmlns:a16="http://schemas.microsoft.com/office/drawing/2014/main" id="{B4C7FF68-352C-468C-ACB4-ABA9C8502C9D}"/>
-              </a:ext>
-            </a:extLst>
-          </p:cNvPr>
+          <p:cNvPr id="5" name="Footer Placeholder 4"/>
           <p:cNvSpPr>
             <a:spLocks noGrp="1"/>
           </p:cNvSpPr>
@@ -1186,11 +1021,7 @@
         <p:spPr/>
         <p:txBody>
           <a:bodyPr/>
-          <a:lstStyle>
-            <a:lvl1pPr>
-              <a:defRPr/>
-            </a:lvl1pPr>
-          </a:lstStyle>
+          <a:lstStyle/>
           <a:p>
             <a:endParaRPr lang="en-US" altLang="zh-TW"/>
           </a:p>
@@ -1198,13 +1029,7 @@
       </p:sp>
       <p:sp>
         <p:nvSpPr>
-          <p:cNvPr id="6" name="投影片編號版面配置區 5">
-            <a:extLst>
-              <a:ext uri="{FF2B5EF4-FFF2-40B4-BE49-F238E27FC236}">
-                <a16:creationId xmlns:a16="http://schemas.microsoft.com/office/drawing/2014/main" id="{4CAC8C68-B54B-4DE1-9907-FFDD5ED945D5}"/>
-              </a:ext>
-            </a:extLst>
-          </p:cNvPr>
+          <p:cNvPr id="6" name="Slide Number Placeholder 5"/>
           <p:cNvSpPr>
             <a:spLocks noGrp="1"/>
           </p:cNvSpPr>
@@ -1215,14 +1040,10 @@
         <p:spPr/>
         <p:txBody>
           <a:bodyPr/>
-          <a:lstStyle>
-            <a:lvl1pPr>
-              <a:defRPr/>
-            </a:lvl1pPr>
-          </a:lstStyle>
+          <a:lstStyle/>
           <a:p>
             <a:fld id="{0D1D0F77-8DDC-412F-A762-9A7EB86C19B4}" type="slidenum">
-              <a:rPr lang="en-US" altLang="zh-TW"/>
+              <a:rPr lang="en-US" altLang="zh-TW" smtClean="0"/>
               <a:pPr/>
               <a:t>‹#›</a:t>
             </a:fld>
@@ -1233,7 +1054,7 @@
     </p:spTree>
     <p:extLst>
       <p:ext uri="{BB962C8B-B14F-4D97-AF65-F5344CB8AC3E}">
-        <p14:creationId xmlns:p14="http://schemas.microsoft.com/office/powerpoint/2010/main" val="4170305232"/>
+        <p14:creationId xmlns:p14="http://schemas.microsoft.com/office/powerpoint/2010/main" val="4225302046"/>
       </p:ext>
     </p:extLst>
   </p:cSld>
@@ -1262,13 +1083,7 @@
       </p:grpSpPr>
       <p:sp>
         <p:nvSpPr>
-          <p:cNvPr id="2" name="標題 1">
-            <a:extLst>
-              <a:ext uri="{FF2B5EF4-FFF2-40B4-BE49-F238E27FC236}">
-                <a16:creationId xmlns:a16="http://schemas.microsoft.com/office/drawing/2014/main" id="{4B9FB490-67ED-442A-8E5D-5C869EBA7C40}"/>
-              </a:ext>
-            </a:extLst>
-          </p:cNvPr>
+          <p:cNvPr id="2" name="Title 1"/>
           <p:cNvSpPr>
             <a:spLocks noGrp="1"/>
           </p:cNvSpPr>
@@ -1285,18 +1100,13 @@
               <a:rPr lang="zh-TW" altLang="en-US"/>
               <a:t>按一下以編輯母片標題樣式</a:t>
             </a:r>
+            <a:endParaRPr lang="en-US" dirty="0"/>
           </a:p>
         </p:txBody>
       </p:sp>
       <p:sp>
         <p:nvSpPr>
-          <p:cNvPr id="3" name="內容版面配置區 2">
-            <a:extLst>
-              <a:ext uri="{FF2B5EF4-FFF2-40B4-BE49-F238E27FC236}">
-                <a16:creationId xmlns:a16="http://schemas.microsoft.com/office/drawing/2014/main" id="{CC27D4C9-6F31-4738-9F76-28FC4A02AD34}"/>
-              </a:ext>
-            </a:extLst>
-          </p:cNvPr>
+          <p:cNvPr id="3" name="Content Placeholder 2"/>
           <p:cNvSpPr>
             <a:spLocks noGrp="1"/>
           </p:cNvSpPr>
@@ -1306,8 +1116,8 @@
         </p:nvSpPr>
         <p:spPr>
           <a:xfrm>
-            <a:off x="1712913" y="10668000"/>
-            <a:ext cx="15355887" cy="30173613"/>
+            <a:off x="1484967" y="7666780"/>
+            <a:ext cx="9179798" cy="18273605"/>
           </a:xfrm>
         </p:spPr>
         <p:txBody>
@@ -1347,18 +1157,13 @@
               <a:rPr lang="zh-TW" altLang="en-US"/>
               <a:t>第五層</a:t>
             </a:r>
+            <a:endParaRPr lang="en-US" dirty="0"/>
           </a:p>
         </p:txBody>
       </p:sp>
       <p:sp>
         <p:nvSpPr>
-          <p:cNvPr id="4" name="內容版面配置區 3">
-            <a:extLst>
-              <a:ext uri="{FF2B5EF4-FFF2-40B4-BE49-F238E27FC236}">
-                <a16:creationId xmlns:a16="http://schemas.microsoft.com/office/drawing/2014/main" id="{8BA7F7BC-D7F2-436A-8CDE-B36D6E14D53A}"/>
-              </a:ext>
-            </a:extLst>
-          </p:cNvPr>
+          <p:cNvPr id="4" name="Content Placeholder 3"/>
           <p:cNvSpPr>
             <a:spLocks noGrp="1"/>
           </p:cNvSpPr>
@@ -1368,8 +1173,8 @@
         </p:nvSpPr>
         <p:spPr>
           <a:xfrm>
-            <a:off x="17221200" y="10668000"/>
-            <a:ext cx="15355888" cy="30173613"/>
+            <a:off x="10934760" y="7666780"/>
+            <a:ext cx="9179798" cy="18273605"/>
           </a:xfrm>
         </p:spPr>
         <p:txBody>
@@ -1409,18 +1214,13 @@
               <a:rPr lang="zh-TW" altLang="en-US"/>
               <a:t>第五層</a:t>
             </a:r>
+            <a:endParaRPr lang="en-US" dirty="0"/>
           </a:p>
         </p:txBody>
       </p:sp>
       <p:sp>
         <p:nvSpPr>
-          <p:cNvPr id="5" name="日期版面配置區 4">
-            <a:extLst>
-              <a:ext uri="{FF2B5EF4-FFF2-40B4-BE49-F238E27FC236}">
-                <a16:creationId xmlns:a16="http://schemas.microsoft.com/office/drawing/2014/main" id="{4AD1644B-FBB2-4615-A8EC-E9628B8F8174}"/>
-              </a:ext>
-            </a:extLst>
-          </p:cNvPr>
+          <p:cNvPr id="5" name="Date Placeholder 4"/>
           <p:cNvSpPr>
             <a:spLocks noGrp="1"/>
           </p:cNvSpPr>
@@ -1431,11 +1231,7 @@
         <p:spPr/>
         <p:txBody>
           <a:bodyPr/>
-          <a:lstStyle>
-            <a:lvl1pPr>
-              <a:defRPr/>
-            </a:lvl1pPr>
-          </a:lstStyle>
+          <a:lstStyle/>
           <a:p>
             <a:endParaRPr lang="en-US" altLang="zh-TW"/>
           </a:p>
@@ -1443,13 +1239,7 @@
       </p:sp>
       <p:sp>
         <p:nvSpPr>
-          <p:cNvPr id="6" name="頁尾版面配置區 5">
-            <a:extLst>
-              <a:ext uri="{FF2B5EF4-FFF2-40B4-BE49-F238E27FC236}">
-                <a16:creationId xmlns:a16="http://schemas.microsoft.com/office/drawing/2014/main" id="{047716C0-3CA7-456D-9FDF-44A4ACBBFB2D}"/>
-              </a:ext>
-            </a:extLst>
-          </p:cNvPr>
+          <p:cNvPr id="6" name="Footer Placeholder 5"/>
           <p:cNvSpPr>
             <a:spLocks noGrp="1"/>
           </p:cNvSpPr>
@@ -1460,11 +1250,7 @@
         <p:spPr/>
         <p:txBody>
           <a:bodyPr/>
-          <a:lstStyle>
-            <a:lvl1pPr>
-              <a:defRPr/>
-            </a:lvl1pPr>
-          </a:lstStyle>
+          <a:lstStyle/>
           <a:p>
             <a:endParaRPr lang="en-US" altLang="zh-TW"/>
           </a:p>
@@ -1472,13 +1258,7 @@
       </p:sp>
       <p:sp>
         <p:nvSpPr>
-          <p:cNvPr id="7" name="投影片編號版面配置區 6">
-            <a:extLst>
-              <a:ext uri="{FF2B5EF4-FFF2-40B4-BE49-F238E27FC236}">
-                <a16:creationId xmlns:a16="http://schemas.microsoft.com/office/drawing/2014/main" id="{9CE95DD7-9188-4152-B6BE-34A236F47D85}"/>
-              </a:ext>
-            </a:extLst>
-          </p:cNvPr>
+          <p:cNvPr id="7" name="Slide Number Placeholder 6"/>
           <p:cNvSpPr>
             <a:spLocks noGrp="1"/>
           </p:cNvSpPr>
@@ -1489,14 +1269,10 @@
         <p:spPr/>
         <p:txBody>
           <a:bodyPr/>
-          <a:lstStyle>
-            <a:lvl1pPr>
-              <a:defRPr/>
-            </a:lvl1pPr>
-          </a:lstStyle>
+          <a:lstStyle/>
           <a:p>
             <a:fld id="{3C2C64FF-C2B0-41A2-801B-5382742EDCFF}" type="slidenum">
-              <a:rPr lang="en-US" altLang="zh-TW"/>
+              <a:rPr lang="en-US" altLang="zh-TW" smtClean="0"/>
               <a:pPr/>
               <a:t>‹#›</a:t>
             </a:fld>
@@ -1507,7 +1283,7 @@
     </p:spTree>
     <p:extLst>
       <p:ext uri="{BB962C8B-B14F-4D97-AF65-F5344CB8AC3E}">
-        <p14:creationId xmlns:p14="http://schemas.microsoft.com/office/powerpoint/2010/main" val="40698577"/>
+        <p14:creationId xmlns:p14="http://schemas.microsoft.com/office/powerpoint/2010/main" val="3368484193"/>
       </p:ext>
     </p:extLst>
   </p:cSld>
@@ -1536,13 +1312,7 @@
       </p:grpSpPr>
       <p:sp>
         <p:nvSpPr>
-          <p:cNvPr id="2" name="標題 1">
-            <a:extLst>
-              <a:ext uri="{FF2B5EF4-FFF2-40B4-BE49-F238E27FC236}">
-                <a16:creationId xmlns:a16="http://schemas.microsoft.com/office/drawing/2014/main" id="{697AD3B7-DF5D-4F53-8BEA-9FAF2D5CFF64}"/>
-              </a:ext>
-            </a:extLst>
-          </p:cNvPr>
+          <p:cNvPr id="2" name="Title 1"/>
           <p:cNvSpPr>
             <a:spLocks noGrp="1"/>
           </p:cNvSpPr>
@@ -1552,8 +1322,8 @@
         </p:nvSpPr>
         <p:spPr>
           <a:xfrm>
-            <a:off x="2362200" y="2433638"/>
-            <a:ext cx="29575125" cy="8837612"/>
+            <a:off x="1487781" y="1533362"/>
+            <a:ext cx="18629590" cy="5566751"/>
           </a:xfrm>
         </p:spPr>
         <p:txBody>
@@ -1564,18 +1334,13 @@
               <a:rPr lang="zh-TW" altLang="en-US"/>
               <a:t>按一下以編輯母片標題樣式</a:t>
             </a:r>
+            <a:endParaRPr lang="en-US" dirty="0"/>
           </a:p>
         </p:txBody>
       </p:sp>
       <p:sp>
         <p:nvSpPr>
-          <p:cNvPr id="3" name="文字版面配置區 2">
-            <a:extLst>
-              <a:ext uri="{FF2B5EF4-FFF2-40B4-BE49-F238E27FC236}">
-                <a16:creationId xmlns:a16="http://schemas.microsoft.com/office/drawing/2014/main" id="{0F3497A6-FEFC-45BD-99E8-A83BC95320B0}"/>
-              </a:ext>
-            </a:extLst>
-          </p:cNvPr>
+          <p:cNvPr id="3" name="Text Placeholder 2"/>
           <p:cNvSpPr>
             <a:spLocks noGrp="1"/>
           </p:cNvSpPr>
@@ -1585,8 +1350,8 @@
         </p:nvSpPr>
         <p:spPr>
           <a:xfrm>
-            <a:off x="2362200" y="11207750"/>
-            <a:ext cx="14506575" cy="5492750"/>
+            <a:off x="1487783" y="7060106"/>
+            <a:ext cx="9137610" cy="3460049"/>
           </a:xfrm>
         </p:spPr>
         <p:txBody>
@@ -1594,39 +1359,39 @@
           <a:lstStyle>
             <a:lvl1pPr marL="0" indent="0">
               <a:buNone/>
-              <a:defRPr sz="2400" b="1"/>
+              <a:defRPr sz="5669" b="1"/>
             </a:lvl1pPr>
-            <a:lvl2pPr marL="457200" indent="0">
+            <a:lvl2pPr marL="1079998" indent="0">
               <a:buNone/>
-              <a:defRPr sz="2000" b="1"/>
+              <a:defRPr sz="4724" b="1"/>
             </a:lvl2pPr>
-            <a:lvl3pPr marL="914400" indent="0">
+            <a:lvl3pPr marL="2159996" indent="0">
               <a:buNone/>
-              <a:defRPr sz="1800" b="1"/>
+              <a:defRPr sz="4252" b="1"/>
             </a:lvl3pPr>
-            <a:lvl4pPr marL="1371600" indent="0">
+            <a:lvl4pPr marL="3239994" indent="0">
               <a:buNone/>
-              <a:defRPr sz="1600" b="1"/>
+              <a:defRPr sz="3780" b="1"/>
             </a:lvl4pPr>
-            <a:lvl5pPr marL="1828800" indent="0">
+            <a:lvl5pPr marL="4319991" indent="0">
               <a:buNone/>
-              <a:defRPr sz="1600" b="1"/>
+              <a:defRPr sz="3780" b="1"/>
             </a:lvl5pPr>
-            <a:lvl6pPr marL="2286000" indent="0">
+            <a:lvl6pPr marL="5399989" indent="0">
               <a:buNone/>
-              <a:defRPr sz="1600" b="1"/>
+              <a:defRPr sz="3780" b="1"/>
             </a:lvl6pPr>
-            <a:lvl7pPr marL="2743200" indent="0">
+            <a:lvl7pPr marL="6479987" indent="0">
               <a:buNone/>
-              <a:defRPr sz="1600" b="1"/>
+              <a:defRPr sz="3780" b="1"/>
             </a:lvl7pPr>
-            <a:lvl8pPr marL="3200400" indent="0">
+            <a:lvl8pPr marL="7559985" indent="0">
               <a:buNone/>
-              <a:defRPr sz="1600" b="1"/>
+              <a:defRPr sz="3780" b="1"/>
             </a:lvl8pPr>
-            <a:lvl9pPr marL="3657600" indent="0">
+            <a:lvl9pPr marL="8639983" indent="0">
               <a:buNone/>
-              <a:defRPr sz="1600" b="1"/>
+              <a:defRPr sz="3780" b="1"/>
             </a:lvl9pPr>
           </a:lstStyle>
           <a:p>
@@ -1640,13 +1405,7 @@
       </p:sp>
       <p:sp>
         <p:nvSpPr>
-          <p:cNvPr id="4" name="內容版面配置區 3">
-            <a:extLst>
-              <a:ext uri="{FF2B5EF4-FFF2-40B4-BE49-F238E27FC236}">
-                <a16:creationId xmlns:a16="http://schemas.microsoft.com/office/drawing/2014/main" id="{506462F8-B92E-4F5E-9EF7-F3EBD148D40F}"/>
-              </a:ext>
-            </a:extLst>
-          </p:cNvPr>
+          <p:cNvPr id="4" name="Content Placeholder 3"/>
           <p:cNvSpPr>
             <a:spLocks noGrp="1"/>
           </p:cNvSpPr>
@@ -1656,8 +1415,8 @@
         </p:nvSpPr>
         <p:spPr>
           <a:xfrm>
-            <a:off x="2362200" y="16700500"/>
-            <a:ext cx="14506575" cy="24563388"/>
+            <a:off x="1487783" y="10520155"/>
+            <a:ext cx="9137610" cy="15473564"/>
           </a:xfrm>
         </p:spPr>
         <p:txBody>
@@ -1697,18 +1456,13 @@
               <a:rPr lang="zh-TW" altLang="en-US"/>
               <a:t>第五層</a:t>
             </a:r>
+            <a:endParaRPr lang="en-US" dirty="0"/>
           </a:p>
         </p:txBody>
       </p:sp>
       <p:sp>
         <p:nvSpPr>
-          <p:cNvPr id="5" name="文字版面配置區 4">
-            <a:extLst>
-              <a:ext uri="{FF2B5EF4-FFF2-40B4-BE49-F238E27FC236}">
-                <a16:creationId xmlns:a16="http://schemas.microsoft.com/office/drawing/2014/main" id="{E11FB909-48C9-46C3-BB90-BFF02EAD4D52}"/>
-              </a:ext>
-            </a:extLst>
-          </p:cNvPr>
+          <p:cNvPr id="5" name="Text Placeholder 4"/>
           <p:cNvSpPr>
             <a:spLocks noGrp="1"/>
           </p:cNvSpPr>
@@ -1718,8 +1472,8 @@
         </p:nvSpPr>
         <p:spPr>
           <a:xfrm>
-            <a:off x="17359313" y="11207750"/>
-            <a:ext cx="14578012" cy="5492750"/>
+            <a:off x="10934761" y="7060106"/>
+            <a:ext cx="9182611" cy="3460049"/>
           </a:xfrm>
         </p:spPr>
         <p:txBody>
@@ -1727,39 +1481,39 @@
           <a:lstStyle>
             <a:lvl1pPr marL="0" indent="0">
               <a:buNone/>
-              <a:defRPr sz="2400" b="1"/>
+              <a:defRPr sz="5669" b="1"/>
             </a:lvl1pPr>
-            <a:lvl2pPr marL="457200" indent="0">
+            <a:lvl2pPr marL="1079998" indent="0">
               <a:buNone/>
-              <a:defRPr sz="2000" b="1"/>
+              <a:defRPr sz="4724" b="1"/>
             </a:lvl2pPr>
-            <a:lvl3pPr marL="914400" indent="0">
+            <a:lvl3pPr marL="2159996" indent="0">
               <a:buNone/>
-              <a:defRPr sz="1800" b="1"/>
+              <a:defRPr sz="4252" b="1"/>
             </a:lvl3pPr>
-            <a:lvl4pPr marL="1371600" indent="0">
+            <a:lvl4pPr marL="3239994" indent="0">
               <a:buNone/>
-              <a:defRPr sz="1600" b="1"/>
+              <a:defRPr sz="3780" b="1"/>
             </a:lvl4pPr>
-            <a:lvl5pPr marL="1828800" indent="0">
+            <a:lvl5pPr marL="4319991" indent="0">
               <a:buNone/>
-              <a:defRPr sz="1600" b="1"/>
+              <a:defRPr sz="3780" b="1"/>
             </a:lvl5pPr>
-            <a:lvl6pPr marL="2286000" indent="0">
+            <a:lvl6pPr marL="5399989" indent="0">
               <a:buNone/>
-              <a:defRPr sz="1600" b="1"/>
+              <a:defRPr sz="3780" b="1"/>
             </a:lvl6pPr>
-            <a:lvl7pPr marL="2743200" indent="0">
+            <a:lvl7pPr marL="6479987" indent="0">
               <a:buNone/>
-              <a:defRPr sz="1600" b="1"/>
+              <a:defRPr sz="3780" b="1"/>
             </a:lvl7pPr>
-            <a:lvl8pPr marL="3200400" indent="0">
+            <a:lvl8pPr marL="7559985" indent="0">
               <a:buNone/>
-              <a:defRPr sz="1600" b="1"/>
+              <a:defRPr sz="3780" b="1"/>
             </a:lvl8pPr>
-            <a:lvl9pPr marL="3657600" indent="0">
+            <a:lvl9pPr marL="8639983" indent="0">
               <a:buNone/>
-              <a:defRPr sz="1600" b="1"/>
+              <a:defRPr sz="3780" b="1"/>
             </a:lvl9pPr>
           </a:lstStyle>
           <a:p>
@@ -1773,13 +1527,7 @@
       </p:sp>
       <p:sp>
         <p:nvSpPr>
-          <p:cNvPr id="6" name="內容版面配置區 5">
-            <a:extLst>
-              <a:ext uri="{FF2B5EF4-FFF2-40B4-BE49-F238E27FC236}">
-                <a16:creationId xmlns:a16="http://schemas.microsoft.com/office/drawing/2014/main" id="{66CFA85C-095F-4D98-8DF7-88C8D8AEDC97}"/>
-              </a:ext>
-            </a:extLst>
-          </p:cNvPr>
+          <p:cNvPr id="6" name="Content Placeholder 5"/>
           <p:cNvSpPr>
             <a:spLocks noGrp="1"/>
           </p:cNvSpPr>
@@ -1789,8 +1537,8 @@
         </p:nvSpPr>
         <p:spPr>
           <a:xfrm>
-            <a:off x="17359313" y="16700500"/>
-            <a:ext cx="14578012" cy="24563388"/>
+            <a:off x="10934761" y="10520155"/>
+            <a:ext cx="9182611" cy="15473564"/>
           </a:xfrm>
         </p:spPr>
         <p:txBody>
@@ -1830,18 +1578,13 @@
               <a:rPr lang="zh-TW" altLang="en-US"/>
               <a:t>第五層</a:t>
             </a:r>
+            <a:endParaRPr lang="en-US" dirty="0"/>
           </a:p>
         </p:txBody>
       </p:sp>
       <p:sp>
         <p:nvSpPr>
-          <p:cNvPr id="7" name="日期版面配置區 6">
-            <a:extLst>
-              <a:ext uri="{FF2B5EF4-FFF2-40B4-BE49-F238E27FC236}">
-                <a16:creationId xmlns:a16="http://schemas.microsoft.com/office/drawing/2014/main" id="{357E9089-A90E-4F86-A73B-F0F0716BB5BD}"/>
-              </a:ext>
-            </a:extLst>
-          </p:cNvPr>
+          <p:cNvPr id="7" name="Date Placeholder 6"/>
           <p:cNvSpPr>
             <a:spLocks noGrp="1"/>
           </p:cNvSpPr>
@@ -1852,11 +1595,7 @@
         <p:spPr/>
         <p:txBody>
           <a:bodyPr/>
-          <a:lstStyle>
-            <a:lvl1pPr>
-              <a:defRPr/>
-            </a:lvl1pPr>
-          </a:lstStyle>
+          <a:lstStyle/>
           <a:p>
             <a:endParaRPr lang="en-US" altLang="zh-TW"/>
           </a:p>
@@ -1864,13 +1603,7 @@
       </p:sp>
       <p:sp>
         <p:nvSpPr>
-          <p:cNvPr id="8" name="頁尾版面配置區 7">
-            <a:extLst>
-              <a:ext uri="{FF2B5EF4-FFF2-40B4-BE49-F238E27FC236}">
-                <a16:creationId xmlns:a16="http://schemas.microsoft.com/office/drawing/2014/main" id="{14B8AB23-45D9-489E-BFD0-083113C77D32}"/>
-              </a:ext>
-            </a:extLst>
-          </p:cNvPr>
+          <p:cNvPr id="8" name="Footer Placeholder 7"/>
           <p:cNvSpPr>
             <a:spLocks noGrp="1"/>
           </p:cNvSpPr>
@@ -1881,11 +1614,7 @@
         <p:spPr/>
         <p:txBody>
           <a:bodyPr/>
-          <a:lstStyle>
-            <a:lvl1pPr>
-              <a:defRPr/>
-            </a:lvl1pPr>
-          </a:lstStyle>
+          <a:lstStyle/>
           <a:p>
             <a:endParaRPr lang="en-US" altLang="zh-TW"/>
           </a:p>
@@ -1893,13 +1622,7 @@
       </p:sp>
       <p:sp>
         <p:nvSpPr>
-          <p:cNvPr id="9" name="投影片編號版面配置區 8">
-            <a:extLst>
-              <a:ext uri="{FF2B5EF4-FFF2-40B4-BE49-F238E27FC236}">
-                <a16:creationId xmlns:a16="http://schemas.microsoft.com/office/drawing/2014/main" id="{ED109675-23D6-4321-B9BC-DE14CF1BF277}"/>
-              </a:ext>
-            </a:extLst>
-          </p:cNvPr>
+          <p:cNvPr id="9" name="Slide Number Placeholder 8"/>
           <p:cNvSpPr>
             <a:spLocks noGrp="1"/>
           </p:cNvSpPr>
@@ -1910,14 +1633,10 @@
         <p:spPr/>
         <p:txBody>
           <a:bodyPr/>
-          <a:lstStyle>
-            <a:lvl1pPr>
-              <a:defRPr/>
-            </a:lvl1pPr>
-          </a:lstStyle>
+          <a:lstStyle/>
           <a:p>
             <a:fld id="{D6B46992-E573-49D2-88BC-69BC76A8F2D8}" type="slidenum">
-              <a:rPr lang="en-US" altLang="zh-TW"/>
+              <a:rPr lang="en-US" altLang="zh-TW" smtClean="0"/>
               <a:pPr/>
               <a:t>‹#›</a:t>
             </a:fld>
@@ -1928,7 +1647,7 @@
     </p:spTree>
     <p:extLst>
       <p:ext uri="{BB962C8B-B14F-4D97-AF65-F5344CB8AC3E}">
-        <p14:creationId xmlns:p14="http://schemas.microsoft.com/office/powerpoint/2010/main" val="1166972212"/>
+        <p14:creationId xmlns:p14="http://schemas.microsoft.com/office/powerpoint/2010/main" val="3734985290"/>
       </p:ext>
     </p:extLst>
   </p:cSld>
@@ -1957,13 +1676,7 @@
       </p:grpSpPr>
       <p:sp>
         <p:nvSpPr>
-          <p:cNvPr id="2" name="標題 1">
-            <a:extLst>
-              <a:ext uri="{FF2B5EF4-FFF2-40B4-BE49-F238E27FC236}">
-                <a16:creationId xmlns:a16="http://schemas.microsoft.com/office/drawing/2014/main" id="{CEA56770-2E93-4099-B521-BC4A4B8D0202}"/>
-              </a:ext>
-            </a:extLst>
-          </p:cNvPr>
+          <p:cNvPr id="2" name="Title 1"/>
           <p:cNvSpPr>
             <a:spLocks noGrp="1"/>
           </p:cNvSpPr>
@@ -1980,18 +1693,13 @@
               <a:rPr lang="zh-TW" altLang="en-US"/>
               <a:t>按一下以編輯母片標題樣式</a:t>
             </a:r>
+            <a:endParaRPr lang="en-US" dirty="0"/>
           </a:p>
         </p:txBody>
       </p:sp>
       <p:sp>
         <p:nvSpPr>
-          <p:cNvPr id="3" name="日期版面配置區 2">
-            <a:extLst>
-              <a:ext uri="{FF2B5EF4-FFF2-40B4-BE49-F238E27FC236}">
-                <a16:creationId xmlns:a16="http://schemas.microsoft.com/office/drawing/2014/main" id="{26DABB04-6255-405C-8E23-C3C4C43147AB}"/>
-              </a:ext>
-            </a:extLst>
-          </p:cNvPr>
+          <p:cNvPr id="3" name="Date Placeholder 2"/>
           <p:cNvSpPr>
             <a:spLocks noGrp="1"/>
           </p:cNvSpPr>
@@ -2002,11 +1710,7 @@
         <p:spPr/>
         <p:txBody>
           <a:bodyPr/>
-          <a:lstStyle>
-            <a:lvl1pPr>
-              <a:defRPr/>
-            </a:lvl1pPr>
-          </a:lstStyle>
+          <a:lstStyle/>
           <a:p>
             <a:endParaRPr lang="en-US" altLang="zh-TW"/>
           </a:p>
@@ -2014,13 +1718,7 @@
       </p:sp>
       <p:sp>
         <p:nvSpPr>
-          <p:cNvPr id="4" name="頁尾版面配置區 3">
-            <a:extLst>
-              <a:ext uri="{FF2B5EF4-FFF2-40B4-BE49-F238E27FC236}">
-                <a16:creationId xmlns:a16="http://schemas.microsoft.com/office/drawing/2014/main" id="{742E2115-2E6A-41A8-A5BA-1F86E35D817E}"/>
-              </a:ext>
-            </a:extLst>
-          </p:cNvPr>
+          <p:cNvPr id="4" name="Footer Placeholder 3"/>
           <p:cNvSpPr>
             <a:spLocks noGrp="1"/>
           </p:cNvSpPr>
@@ -2031,11 +1729,7 @@
         <p:spPr/>
         <p:txBody>
           <a:bodyPr/>
-          <a:lstStyle>
-            <a:lvl1pPr>
-              <a:defRPr/>
-            </a:lvl1pPr>
-          </a:lstStyle>
+          <a:lstStyle/>
           <a:p>
             <a:endParaRPr lang="en-US" altLang="zh-TW"/>
           </a:p>
@@ -2043,13 +1737,7 @@
       </p:sp>
       <p:sp>
         <p:nvSpPr>
-          <p:cNvPr id="5" name="投影片編號版面配置區 4">
-            <a:extLst>
-              <a:ext uri="{FF2B5EF4-FFF2-40B4-BE49-F238E27FC236}">
-                <a16:creationId xmlns:a16="http://schemas.microsoft.com/office/drawing/2014/main" id="{8D825363-7412-4FA0-A8BB-399790CC55F9}"/>
-              </a:ext>
-            </a:extLst>
-          </p:cNvPr>
+          <p:cNvPr id="5" name="Slide Number Placeholder 4"/>
           <p:cNvSpPr>
             <a:spLocks noGrp="1"/>
           </p:cNvSpPr>
@@ -2060,14 +1748,10 @@
         <p:spPr/>
         <p:txBody>
           <a:bodyPr/>
-          <a:lstStyle>
-            <a:lvl1pPr>
-              <a:defRPr/>
-            </a:lvl1pPr>
-          </a:lstStyle>
+          <a:lstStyle/>
           <a:p>
             <a:fld id="{B7BECFD1-9624-47CB-B59F-BA131CA4899D}" type="slidenum">
-              <a:rPr lang="en-US" altLang="zh-TW"/>
+              <a:rPr lang="en-US" altLang="zh-TW" smtClean="0"/>
               <a:pPr/>
               <a:t>‹#›</a:t>
             </a:fld>
@@ -2078,7 +1762,7 @@
     </p:spTree>
     <p:extLst>
       <p:ext uri="{BB962C8B-B14F-4D97-AF65-F5344CB8AC3E}">
-        <p14:creationId xmlns:p14="http://schemas.microsoft.com/office/powerpoint/2010/main" val="313477082"/>
+        <p14:creationId xmlns:p14="http://schemas.microsoft.com/office/powerpoint/2010/main" val="2371411289"/>
       </p:ext>
     </p:extLst>
   </p:cSld>
@@ -2107,13 +1791,7 @@
       </p:grpSpPr>
       <p:sp>
         <p:nvSpPr>
-          <p:cNvPr id="2" name="日期版面配置區 1">
-            <a:extLst>
-              <a:ext uri="{FF2B5EF4-FFF2-40B4-BE49-F238E27FC236}">
-                <a16:creationId xmlns:a16="http://schemas.microsoft.com/office/drawing/2014/main" id="{09917BDC-C7DB-4A7D-8E11-0856BAD3BE2B}"/>
-              </a:ext>
-            </a:extLst>
-          </p:cNvPr>
+          <p:cNvPr id="2" name="Date Placeholder 1"/>
           <p:cNvSpPr>
             <a:spLocks noGrp="1"/>
           </p:cNvSpPr>
@@ -2124,11 +1802,7 @@
         <p:spPr/>
         <p:txBody>
           <a:bodyPr/>
-          <a:lstStyle>
-            <a:lvl1pPr>
-              <a:defRPr/>
-            </a:lvl1pPr>
-          </a:lstStyle>
+          <a:lstStyle/>
           <a:p>
             <a:endParaRPr lang="en-US" altLang="zh-TW"/>
           </a:p>
@@ -2136,13 +1810,7 @@
       </p:sp>
       <p:sp>
         <p:nvSpPr>
-          <p:cNvPr id="3" name="頁尾版面配置區 2">
-            <a:extLst>
-              <a:ext uri="{FF2B5EF4-FFF2-40B4-BE49-F238E27FC236}">
-                <a16:creationId xmlns:a16="http://schemas.microsoft.com/office/drawing/2014/main" id="{652A53C7-30BE-46E6-8320-71EBF79FE48F}"/>
-              </a:ext>
-            </a:extLst>
-          </p:cNvPr>
+          <p:cNvPr id="3" name="Footer Placeholder 2"/>
           <p:cNvSpPr>
             <a:spLocks noGrp="1"/>
           </p:cNvSpPr>
@@ -2153,11 +1821,7 @@
         <p:spPr/>
         <p:txBody>
           <a:bodyPr/>
-          <a:lstStyle>
-            <a:lvl1pPr>
-              <a:defRPr/>
-            </a:lvl1pPr>
-          </a:lstStyle>
+          <a:lstStyle/>
           <a:p>
             <a:endParaRPr lang="en-US" altLang="zh-TW"/>
           </a:p>
@@ -2165,13 +1829,7 @@
       </p:sp>
       <p:sp>
         <p:nvSpPr>
-          <p:cNvPr id="4" name="投影片編號版面配置區 3">
-            <a:extLst>
-              <a:ext uri="{FF2B5EF4-FFF2-40B4-BE49-F238E27FC236}">
-                <a16:creationId xmlns:a16="http://schemas.microsoft.com/office/drawing/2014/main" id="{64DF8B86-B135-4AED-9F52-557F3EFFF1E3}"/>
-              </a:ext>
-            </a:extLst>
-          </p:cNvPr>
+          <p:cNvPr id="4" name="Slide Number Placeholder 3"/>
           <p:cNvSpPr>
             <a:spLocks noGrp="1"/>
           </p:cNvSpPr>
@@ -2182,14 +1840,10 @@
         <p:spPr/>
         <p:txBody>
           <a:bodyPr/>
-          <a:lstStyle>
-            <a:lvl1pPr>
-              <a:defRPr/>
-            </a:lvl1pPr>
-          </a:lstStyle>
+          <a:lstStyle/>
           <a:p>
             <a:fld id="{89DF9B31-9D2C-4A41-8835-99C0C006CFDF}" type="slidenum">
-              <a:rPr lang="en-US" altLang="zh-TW"/>
+              <a:rPr lang="en-US" altLang="zh-TW" smtClean="0"/>
               <a:pPr/>
               <a:t>‹#›</a:t>
             </a:fld>
@@ -2200,7 +1854,7 @@
     </p:spTree>
     <p:extLst>
       <p:ext uri="{BB962C8B-B14F-4D97-AF65-F5344CB8AC3E}">
-        <p14:creationId xmlns:p14="http://schemas.microsoft.com/office/powerpoint/2010/main" val="1529164578"/>
+        <p14:creationId xmlns:p14="http://schemas.microsoft.com/office/powerpoint/2010/main" val="3782510585"/>
       </p:ext>
     </p:extLst>
   </p:cSld>
@@ -2229,13 +1883,7 @@
       </p:grpSpPr>
       <p:sp>
         <p:nvSpPr>
-          <p:cNvPr id="2" name="標題 1">
-            <a:extLst>
-              <a:ext uri="{FF2B5EF4-FFF2-40B4-BE49-F238E27FC236}">
-                <a16:creationId xmlns:a16="http://schemas.microsoft.com/office/drawing/2014/main" id="{ED258338-FA04-41D9-A248-B2AE3484B829}"/>
-              </a:ext>
-            </a:extLst>
-          </p:cNvPr>
+          <p:cNvPr id="2" name="Title 1"/>
           <p:cNvSpPr>
             <a:spLocks noGrp="1"/>
           </p:cNvSpPr>
@@ -2245,15 +1893,15 @@
         </p:nvSpPr>
         <p:spPr>
           <a:xfrm>
-            <a:off x="2362200" y="3048000"/>
-            <a:ext cx="11058525" cy="10668000"/>
+            <a:off x="1487781" y="1920028"/>
+            <a:ext cx="6966409" cy="6720099"/>
           </a:xfrm>
         </p:spPr>
         <p:txBody>
           <a:bodyPr anchor="b"/>
           <a:lstStyle>
             <a:lvl1pPr>
-              <a:defRPr sz="3200"/>
+              <a:defRPr sz="7559"/>
             </a:lvl1pPr>
           </a:lstStyle>
           <a:p>
@@ -2261,18 +1909,13 @@
               <a:rPr lang="zh-TW" altLang="en-US"/>
               <a:t>按一下以編輯母片標題樣式</a:t>
             </a:r>
+            <a:endParaRPr lang="en-US" dirty="0"/>
           </a:p>
         </p:txBody>
       </p:sp>
       <p:sp>
         <p:nvSpPr>
-          <p:cNvPr id="3" name="內容版面配置區 2">
-            <a:extLst>
-              <a:ext uri="{FF2B5EF4-FFF2-40B4-BE49-F238E27FC236}">
-                <a16:creationId xmlns:a16="http://schemas.microsoft.com/office/drawing/2014/main" id="{4272DBA6-5638-4AF6-9366-78496B42B59C}"/>
-              </a:ext>
-            </a:extLst>
-          </p:cNvPr>
+          <p:cNvPr id="3" name="Content Placeholder 2"/>
           <p:cNvSpPr>
             <a:spLocks noGrp="1"/>
           </p:cNvSpPr>
@@ -2282,39 +1925,39 @@
         </p:nvSpPr>
         <p:spPr>
           <a:xfrm>
-            <a:off x="14578013" y="6583363"/>
-            <a:ext cx="17359312" cy="32489775"/>
+            <a:off x="9182611" y="4146734"/>
+            <a:ext cx="10934760" cy="20466969"/>
           </a:xfrm>
         </p:spPr>
         <p:txBody>
           <a:bodyPr/>
           <a:lstStyle>
             <a:lvl1pPr>
-              <a:defRPr sz="3200"/>
+              <a:defRPr sz="7559"/>
             </a:lvl1pPr>
             <a:lvl2pPr>
-              <a:defRPr sz="2800"/>
+              <a:defRPr sz="6614"/>
             </a:lvl2pPr>
             <a:lvl3pPr>
-              <a:defRPr sz="2400"/>
+              <a:defRPr sz="5669"/>
             </a:lvl3pPr>
             <a:lvl4pPr>
-              <a:defRPr sz="2000"/>
+              <a:defRPr sz="4724"/>
             </a:lvl4pPr>
             <a:lvl5pPr>
-              <a:defRPr sz="2000"/>
+              <a:defRPr sz="4724"/>
             </a:lvl5pPr>
             <a:lvl6pPr>
-              <a:defRPr sz="2000"/>
+              <a:defRPr sz="4724"/>
             </a:lvl6pPr>
             <a:lvl7pPr>
-              <a:defRPr sz="2000"/>
+              <a:defRPr sz="4724"/>
             </a:lvl7pPr>
             <a:lvl8pPr>
-              <a:defRPr sz="2000"/>
+              <a:defRPr sz="4724"/>
             </a:lvl8pPr>
             <a:lvl9pPr>
-              <a:defRPr sz="2000"/>
+              <a:defRPr sz="4724"/>
             </a:lvl9pPr>
           </a:lstStyle>
           <a:p>
@@ -2351,18 +1994,13 @@
               <a:rPr lang="zh-TW" altLang="en-US"/>
               <a:t>第五層</a:t>
             </a:r>
+            <a:endParaRPr lang="en-US" dirty="0"/>
           </a:p>
         </p:txBody>
       </p:sp>
       <p:sp>
         <p:nvSpPr>
-          <p:cNvPr id="4" name="文字版面配置區 3">
-            <a:extLst>
-              <a:ext uri="{FF2B5EF4-FFF2-40B4-BE49-F238E27FC236}">
-                <a16:creationId xmlns:a16="http://schemas.microsoft.com/office/drawing/2014/main" id="{ACBCCC47-9DEA-4D99-8182-5377D43FAA5D}"/>
-              </a:ext>
-            </a:extLst>
-          </p:cNvPr>
+          <p:cNvPr id="4" name="Text Placeholder 3"/>
           <p:cNvSpPr>
             <a:spLocks noGrp="1"/>
           </p:cNvSpPr>
@@ -2372,8 +2010,8 @@
         </p:nvSpPr>
         <p:spPr>
           <a:xfrm>
-            <a:off x="2362200" y="13716000"/>
-            <a:ext cx="11058525" cy="25411113"/>
+            <a:off x="1487781" y="8640127"/>
+            <a:ext cx="6966409" cy="16006905"/>
           </a:xfrm>
         </p:spPr>
         <p:txBody>
@@ -2381,39 +2019,39 @@
           <a:lstStyle>
             <a:lvl1pPr marL="0" indent="0">
               <a:buNone/>
-              <a:defRPr sz="1600"/>
+              <a:defRPr sz="3780"/>
             </a:lvl1pPr>
-            <a:lvl2pPr marL="457200" indent="0">
+            <a:lvl2pPr marL="1079998" indent="0">
               <a:buNone/>
-              <a:defRPr sz="1400"/>
+              <a:defRPr sz="3307"/>
             </a:lvl2pPr>
-            <a:lvl3pPr marL="914400" indent="0">
+            <a:lvl3pPr marL="2159996" indent="0">
               <a:buNone/>
-              <a:defRPr sz="1200"/>
+              <a:defRPr sz="2835"/>
             </a:lvl3pPr>
-            <a:lvl4pPr marL="1371600" indent="0">
+            <a:lvl4pPr marL="3239994" indent="0">
               <a:buNone/>
-              <a:defRPr sz="1000"/>
+              <a:defRPr sz="2362"/>
             </a:lvl4pPr>
-            <a:lvl5pPr marL="1828800" indent="0">
+            <a:lvl5pPr marL="4319991" indent="0">
               <a:buNone/>
-              <a:defRPr sz="1000"/>
+              <a:defRPr sz="2362"/>
             </a:lvl5pPr>
-            <a:lvl6pPr marL="2286000" indent="0">
+            <a:lvl6pPr marL="5399989" indent="0">
               <a:buNone/>
-              <a:defRPr sz="1000"/>
+              <a:defRPr sz="2362"/>
             </a:lvl6pPr>
-            <a:lvl7pPr marL="2743200" indent="0">
+            <a:lvl7pPr marL="6479987" indent="0">
               <a:buNone/>
-              <a:defRPr sz="1000"/>
+              <a:defRPr sz="2362"/>
             </a:lvl7pPr>
-            <a:lvl8pPr marL="3200400" indent="0">
+            <a:lvl8pPr marL="7559985" indent="0">
               <a:buNone/>
-              <a:defRPr sz="1000"/>
+              <a:defRPr sz="2362"/>
             </a:lvl8pPr>
-            <a:lvl9pPr marL="3657600" indent="0">
+            <a:lvl9pPr marL="8639983" indent="0">
               <a:buNone/>
-              <a:defRPr sz="1000"/>
+              <a:defRPr sz="2362"/>
             </a:lvl9pPr>
           </a:lstStyle>
           <a:p>
@@ -2427,13 +2065,7 @@
       </p:sp>
       <p:sp>
         <p:nvSpPr>
-          <p:cNvPr id="5" name="日期版面配置區 4">
-            <a:extLst>
-              <a:ext uri="{FF2B5EF4-FFF2-40B4-BE49-F238E27FC236}">
-                <a16:creationId xmlns:a16="http://schemas.microsoft.com/office/drawing/2014/main" id="{952D4893-15E0-4E70-B3E3-BC488A4FAC5C}"/>
-              </a:ext>
-            </a:extLst>
-          </p:cNvPr>
+          <p:cNvPr id="5" name="Date Placeholder 4"/>
           <p:cNvSpPr>
             <a:spLocks noGrp="1"/>
           </p:cNvSpPr>
@@ -2444,11 +2076,7 @@
         <p:spPr/>
         <p:txBody>
           <a:bodyPr/>
-          <a:lstStyle>
-            <a:lvl1pPr>
-              <a:defRPr/>
-            </a:lvl1pPr>
-          </a:lstStyle>
+          <a:lstStyle/>
           <a:p>
             <a:endParaRPr lang="en-US" altLang="zh-TW"/>
           </a:p>
@@ -2456,13 +2084,7 @@
       </p:sp>
       <p:sp>
         <p:nvSpPr>
-          <p:cNvPr id="6" name="頁尾版面配置區 5">
-            <a:extLst>
-              <a:ext uri="{FF2B5EF4-FFF2-40B4-BE49-F238E27FC236}">
-                <a16:creationId xmlns:a16="http://schemas.microsoft.com/office/drawing/2014/main" id="{5E3C18B6-DFE4-4C72-BDE3-BD7D4A03E991}"/>
-              </a:ext>
-            </a:extLst>
-          </p:cNvPr>
+          <p:cNvPr id="6" name="Footer Placeholder 5"/>
           <p:cNvSpPr>
             <a:spLocks noGrp="1"/>
           </p:cNvSpPr>
@@ -2473,11 +2095,7 @@
         <p:spPr/>
         <p:txBody>
           <a:bodyPr/>
-          <a:lstStyle>
-            <a:lvl1pPr>
-              <a:defRPr/>
-            </a:lvl1pPr>
-          </a:lstStyle>
+          <a:lstStyle/>
           <a:p>
             <a:endParaRPr lang="en-US" altLang="zh-TW"/>
           </a:p>
@@ -2485,13 +2103,7 @@
       </p:sp>
       <p:sp>
         <p:nvSpPr>
-          <p:cNvPr id="7" name="投影片編號版面配置區 6">
-            <a:extLst>
-              <a:ext uri="{FF2B5EF4-FFF2-40B4-BE49-F238E27FC236}">
-                <a16:creationId xmlns:a16="http://schemas.microsoft.com/office/drawing/2014/main" id="{26ADC73A-D18E-4F6A-8735-D887476B03F4}"/>
-              </a:ext>
-            </a:extLst>
-          </p:cNvPr>
+          <p:cNvPr id="7" name="Slide Number Placeholder 6"/>
           <p:cNvSpPr>
             <a:spLocks noGrp="1"/>
           </p:cNvSpPr>
@@ -2502,14 +2114,10 @@
         <p:spPr/>
         <p:txBody>
           <a:bodyPr/>
-          <a:lstStyle>
-            <a:lvl1pPr>
-              <a:defRPr/>
-            </a:lvl1pPr>
-          </a:lstStyle>
+          <a:lstStyle/>
           <a:p>
             <a:fld id="{F7DB71E2-CA2B-468F-A9B0-C4191898F487}" type="slidenum">
-              <a:rPr lang="en-US" altLang="zh-TW"/>
+              <a:rPr lang="en-US" altLang="zh-TW" smtClean="0"/>
               <a:pPr/>
               <a:t>‹#›</a:t>
             </a:fld>
@@ -2520,7 +2128,7 @@
     </p:spTree>
     <p:extLst>
       <p:ext uri="{BB962C8B-B14F-4D97-AF65-F5344CB8AC3E}">
-        <p14:creationId xmlns:p14="http://schemas.microsoft.com/office/powerpoint/2010/main" val="2407409299"/>
+        <p14:creationId xmlns:p14="http://schemas.microsoft.com/office/powerpoint/2010/main" val="4193416683"/>
       </p:ext>
     </p:extLst>
   </p:cSld>
@@ -2549,13 +2157,7 @@
       </p:grpSpPr>
       <p:sp>
         <p:nvSpPr>
-          <p:cNvPr id="2" name="標題 1">
-            <a:extLst>
-              <a:ext uri="{FF2B5EF4-FFF2-40B4-BE49-F238E27FC236}">
-                <a16:creationId xmlns:a16="http://schemas.microsoft.com/office/drawing/2014/main" id="{899E26F2-8887-422F-A9E0-D653DD504D28}"/>
-              </a:ext>
-            </a:extLst>
-          </p:cNvPr>
+          <p:cNvPr id="2" name="Title 1"/>
           <p:cNvSpPr>
             <a:spLocks noGrp="1"/>
           </p:cNvSpPr>
@@ -2565,15 +2167,15 @@
         </p:nvSpPr>
         <p:spPr>
           <a:xfrm>
-            <a:off x="2362200" y="3048000"/>
-            <a:ext cx="11058525" cy="10668000"/>
+            <a:off x="1487781" y="1920028"/>
+            <a:ext cx="6966409" cy="6720099"/>
           </a:xfrm>
         </p:spPr>
         <p:txBody>
           <a:bodyPr anchor="b"/>
           <a:lstStyle>
             <a:lvl1pPr>
-              <a:defRPr sz="3200"/>
+              <a:defRPr sz="7559"/>
             </a:lvl1pPr>
           </a:lstStyle>
           <a:p>
@@ -2581,20 +2183,15 @@
               <a:rPr lang="zh-TW" altLang="en-US"/>
               <a:t>按一下以編輯母片標題樣式</a:t>
             </a:r>
+            <a:endParaRPr lang="en-US" dirty="0"/>
           </a:p>
         </p:txBody>
       </p:sp>
       <p:sp>
         <p:nvSpPr>
-          <p:cNvPr id="3" name="圖片版面配置區 2">
-            <a:extLst>
-              <a:ext uri="{FF2B5EF4-FFF2-40B4-BE49-F238E27FC236}">
-                <a16:creationId xmlns:a16="http://schemas.microsoft.com/office/drawing/2014/main" id="{06A2A3F0-0C45-4825-9976-654742037C6B}"/>
-              </a:ext>
-            </a:extLst>
-          </p:cNvPr>
+          <p:cNvPr id="3" name="Picture Placeholder 2"/>
           <p:cNvSpPr>
-            <a:spLocks noGrp="1"/>
+            <a:spLocks noGrp="1" noChangeAspect="1"/>
           </p:cNvSpPr>
           <p:nvPr>
             <p:ph type="pic" idx="1"/>
@@ -2602,64 +2199,62 @@
         </p:nvSpPr>
         <p:spPr>
           <a:xfrm>
-            <a:off x="14578013" y="6583363"/>
-            <a:ext cx="17359312" cy="32489775"/>
+            <a:off x="9182611" y="4146734"/>
+            <a:ext cx="10934760" cy="20466969"/>
           </a:xfrm>
         </p:spPr>
         <p:txBody>
-          <a:bodyPr/>
+          <a:bodyPr anchor="t"/>
           <a:lstStyle>
             <a:lvl1pPr marL="0" indent="0">
               <a:buNone/>
-              <a:defRPr sz="3200"/>
+              <a:defRPr sz="7559"/>
             </a:lvl1pPr>
-            <a:lvl2pPr marL="457200" indent="0">
+            <a:lvl2pPr marL="1079998" indent="0">
               <a:buNone/>
-              <a:defRPr sz="2800"/>
+              <a:defRPr sz="6614"/>
             </a:lvl2pPr>
-            <a:lvl3pPr marL="914400" indent="0">
+            <a:lvl3pPr marL="2159996" indent="0">
               <a:buNone/>
-              <a:defRPr sz="2400"/>
+              <a:defRPr sz="5669"/>
             </a:lvl3pPr>
-            <a:lvl4pPr marL="1371600" indent="0">
+            <a:lvl4pPr marL="3239994" indent="0">
               <a:buNone/>
-              <a:defRPr sz="2000"/>
+              <a:defRPr sz="4724"/>
             </a:lvl4pPr>
-            <a:lvl5pPr marL="1828800" indent="0">
+            <a:lvl5pPr marL="4319991" indent="0">
               <a:buNone/>
-              <a:defRPr sz="2000"/>
+              <a:defRPr sz="4724"/>
             </a:lvl5pPr>
-            <a:lvl6pPr marL="2286000" indent="0">
+            <a:lvl6pPr marL="5399989" indent="0">
               <a:buNone/>
-              <a:defRPr sz="2000"/>
+              <a:defRPr sz="4724"/>
             </a:lvl6pPr>
-            <a:lvl7pPr marL="2743200" indent="0">
+            <a:lvl7pPr marL="6479987" indent="0">
               <a:buNone/>
-              <a:defRPr sz="2000"/>
+              <a:defRPr sz="4724"/>
             </a:lvl7pPr>
-            <a:lvl8pPr marL="3200400" indent="0">
+            <a:lvl8pPr marL="7559985" indent="0">
               <a:buNone/>
-              <a:defRPr sz="2000"/>
+              <a:defRPr sz="4724"/>
             </a:lvl8pPr>
-            <a:lvl9pPr marL="3657600" indent="0">
+            <a:lvl9pPr marL="8639983" indent="0">
               <a:buNone/>
-              <a:defRPr sz="2000"/>
+              <a:defRPr sz="4724"/>
             </a:lvl9pPr>
           </a:lstStyle>
           <a:p>
-            <a:endParaRPr lang="zh-TW" altLang="en-US"/>
+            <a:r>
+              <a:rPr lang="zh-TW" altLang="en-US"/>
+              <a:t>按一下圖示以新增圖片</a:t>
+            </a:r>
+            <a:endParaRPr lang="en-US" dirty="0"/>
           </a:p>
         </p:txBody>
       </p:sp>
       <p:sp>
         <p:nvSpPr>
-          <p:cNvPr id="4" name="文字版面配置區 3">
-            <a:extLst>
-              <a:ext uri="{FF2B5EF4-FFF2-40B4-BE49-F238E27FC236}">
-                <a16:creationId xmlns:a16="http://schemas.microsoft.com/office/drawing/2014/main" id="{DB3F3791-B227-4AC7-B606-B692CBE890F7}"/>
-              </a:ext>
-            </a:extLst>
-          </p:cNvPr>
+          <p:cNvPr id="4" name="Text Placeholder 3"/>
           <p:cNvSpPr>
             <a:spLocks noGrp="1"/>
           </p:cNvSpPr>
@@ -2669,8 +2264,8 @@
         </p:nvSpPr>
         <p:spPr>
           <a:xfrm>
-            <a:off x="2362200" y="13716000"/>
-            <a:ext cx="11058525" cy="25411113"/>
+            <a:off x="1487781" y="8640127"/>
+            <a:ext cx="6966409" cy="16006905"/>
           </a:xfrm>
         </p:spPr>
         <p:txBody>
@@ -2678,39 +2273,39 @@
           <a:lstStyle>
             <a:lvl1pPr marL="0" indent="0">
               <a:buNone/>
-              <a:defRPr sz="1600"/>
+              <a:defRPr sz="3780"/>
             </a:lvl1pPr>
-            <a:lvl2pPr marL="457200" indent="0">
+            <a:lvl2pPr marL="1079998" indent="0">
               <a:buNone/>
-              <a:defRPr sz="1400"/>
+              <a:defRPr sz="3307"/>
             </a:lvl2pPr>
-            <a:lvl3pPr marL="914400" indent="0">
+            <a:lvl3pPr marL="2159996" indent="0">
               <a:buNone/>
-              <a:defRPr sz="1200"/>
+              <a:defRPr sz="2835"/>
             </a:lvl3pPr>
-            <a:lvl4pPr marL="1371600" indent="0">
+            <a:lvl4pPr marL="3239994" indent="0">
               <a:buNone/>
-              <a:defRPr sz="1000"/>
+              <a:defRPr sz="2362"/>
             </a:lvl4pPr>
-            <a:lvl5pPr marL="1828800" indent="0">
+            <a:lvl5pPr marL="4319991" indent="0">
               <a:buNone/>
-              <a:defRPr sz="1000"/>
+              <a:defRPr sz="2362"/>
             </a:lvl5pPr>
-            <a:lvl6pPr marL="2286000" indent="0">
+            <a:lvl6pPr marL="5399989" indent="0">
               <a:buNone/>
-              <a:defRPr sz="1000"/>
+              <a:defRPr sz="2362"/>
             </a:lvl6pPr>
-            <a:lvl7pPr marL="2743200" indent="0">
+            <a:lvl7pPr marL="6479987" indent="0">
               <a:buNone/>
-              <a:defRPr sz="1000"/>
+              <a:defRPr sz="2362"/>
             </a:lvl7pPr>
-            <a:lvl8pPr marL="3200400" indent="0">
+            <a:lvl8pPr marL="7559985" indent="0">
               <a:buNone/>
-              <a:defRPr sz="1000"/>
+              <a:defRPr sz="2362"/>
             </a:lvl8pPr>
-            <a:lvl9pPr marL="3657600" indent="0">
+            <a:lvl9pPr marL="8639983" indent="0">
               <a:buNone/>
-              <a:defRPr sz="1000"/>
+              <a:defRPr sz="2362"/>
             </a:lvl9pPr>
           </a:lstStyle>
           <a:p>
@@ -2724,13 +2319,7 @@
       </p:sp>
       <p:sp>
         <p:nvSpPr>
-          <p:cNvPr id="5" name="日期版面配置區 4">
-            <a:extLst>
-              <a:ext uri="{FF2B5EF4-FFF2-40B4-BE49-F238E27FC236}">
-                <a16:creationId xmlns:a16="http://schemas.microsoft.com/office/drawing/2014/main" id="{F924F64A-3E4E-4129-83B9-E378B42879C7}"/>
-              </a:ext>
-            </a:extLst>
-          </p:cNvPr>
+          <p:cNvPr id="5" name="Date Placeholder 4"/>
           <p:cNvSpPr>
             <a:spLocks noGrp="1"/>
           </p:cNvSpPr>
@@ -2741,11 +2330,7 @@
         <p:spPr/>
         <p:txBody>
           <a:bodyPr/>
-          <a:lstStyle>
-            <a:lvl1pPr>
-              <a:defRPr/>
-            </a:lvl1pPr>
-          </a:lstStyle>
+          <a:lstStyle/>
           <a:p>
             <a:endParaRPr lang="en-US" altLang="zh-TW"/>
           </a:p>
@@ -2753,13 +2338,7 @@
       </p:sp>
       <p:sp>
         <p:nvSpPr>
-          <p:cNvPr id="6" name="頁尾版面配置區 5">
-            <a:extLst>
-              <a:ext uri="{FF2B5EF4-FFF2-40B4-BE49-F238E27FC236}">
-                <a16:creationId xmlns:a16="http://schemas.microsoft.com/office/drawing/2014/main" id="{C2F20B00-DC5B-42FE-9545-84B501EE4A04}"/>
-              </a:ext>
-            </a:extLst>
-          </p:cNvPr>
+          <p:cNvPr id="6" name="Footer Placeholder 5"/>
           <p:cNvSpPr>
             <a:spLocks noGrp="1"/>
           </p:cNvSpPr>
@@ -2770,11 +2349,7 @@
         <p:spPr/>
         <p:txBody>
           <a:bodyPr/>
-          <a:lstStyle>
-            <a:lvl1pPr>
-              <a:defRPr/>
-            </a:lvl1pPr>
-          </a:lstStyle>
+          <a:lstStyle/>
           <a:p>
             <a:endParaRPr lang="en-US" altLang="zh-TW"/>
           </a:p>
@@ -2782,13 +2357,7 @@
       </p:sp>
       <p:sp>
         <p:nvSpPr>
-          <p:cNvPr id="7" name="投影片編號版面配置區 6">
-            <a:extLst>
-              <a:ext uri="{FF2B5EF4-FFF2-40B4-BE49-F238E27FC236}">
-                <a16:creationId xmlns:a16="http://schemas.microsoft.com/office/drawing/2014/main" id="{073BFC8E-A267-4C86-9315-643043178BA9}"/>
-              </a:ext>
-            </a:extLst>
-          </p:cNvPr>
+          <p:cNvPr id="7" name="Slide Number Placeholder 6"/>
           <p:cNvSpPr>
             <a:spLocks noGrp="1"/>
           </p:cNvSpPr>
@@ -2799,14 +2368,10 @@
         <p:spPr/>
         <p:txBody>
           <a:bodyPr/>
-          <a:lstStyle>
-            <a:lvl1pPr>
-              <a:defRPr/>
-            </a:lvl1pPr>
-          </a:lstStyle>
+          <a:lstStyle/>
           <a:p>
             <a:fld id="{DCD3C6FB-3960-4FF9-A82F-A495499655E7}" type="slidenum">
-              <a:rPr lang="en-US" altLang="zh-TW"/>
+              <a:rPr lang="en-US" altLang="zh-TW" smtClean="0"/>
               <a:pPr/>
               <a:t>‹#›</a:t>
             </a:fld>
@@ -2817,7 +2382,7 @@
     </p:spTree>
     <p:extLst>
       <p:ext uri="{BB962C8B-B14F-4D97-AF65-F5344CB8AC3E}">
-        <p14:creationId xmlns:p14="http://schemas.microsoft.com/office/powerpoint/2010/main" val="3158598955"/>
+        <p14:creationId xmlns:p14="http://schemas.microsoft.com/office/powerpoint/2010/main" val="2749584294"/>
       </p:ext>
     </p:extLst>
   </p:cSld>
@@ -2831,12 +2396,9 @@
 <p:sldMaster xmlns:a="http://schemas.openxmlformats.org/drawingml/2006/main" xmlns:r="http://schemas.openxmlformats.org/officeDocument/2006/relationships" xmlns:p="http://schemas.openxmlformats.org/presentationml/2006/main">
   <p:cSld>
     <p:bg>
-      <p:bgPr>
-        <a:solidFill>
-          <a:schemeClr val="bg1"/>
-        </a:solidFill>
-        <a:effectLst/>
-      </p:bgPr>
+      <p:bgRef idx="1001">
+        <a:schemeClr val="bg1"/>
+      </p:bgRef>
     </p:bg>
     <p:spTree>
       <p:nvGrpSpPr>
@@ -2854,148 +2416,66 @@
       </p:grpSpPr>
       <p:sp>
         <p:nvSpPr>
-          <p:cNvPr id="1026" name="Rectangle 2">
-            <a:extLst>
-              <a:ext uri="{FF2B5EF4-FFF2-40B4-BE49-F238E27FC236}">
-                <a16:creationId xmlns:a16="http://schemas.microsoft.com/office/drawing/2014/main" id="{59424531-587A-40D7-B27B-B6E67FDF48A3}"/>
-              </a:ext>
-            </a:extLst>
-          </p:cNvPr>
+          <p:cNvPr id="2" name="Title Placeholder 1"/>
           <p:cNvSpPr>
-            <a:spLocks noGrp="1" noChangeArrowheads="1"/>
+            <a:spLocks noGrp="1"/>
           </p:cNvSpPr>
           <p:nvPr>
             <p:ph type="title"/>
           </p:nvPr>
         </p:nvSpPr>
-        <p:spPr bwMode="auto">
+        <p:spPr>
           <a:xfrm>
-            <a:off x="1712913" y="1830388"/>
-            <a:ext cx="30864175" cy="7620000"/>
+            <a:off x="1484968" y="1533362"/>
+            <a:ext cx="18629590" cy="5566751"/>
           </a:xfrm>
           <a:prstGeom prst="rect">
             <a:avLst/>
           </a:prstGeom>
-          <a:noFill/>
-          <a:ln>
-            <a:noFill/>
-          </a:ln>
-          <a:effectLst/>
-          <a:extLst>
-            <a:ext uri="{909E8E84-426E-40DD-AFC4-6F175D3DCCD1}">
-              <a14:hiddenFill xmlns:a14="http://schemas.microsoft.com/office/drawing/2010/main">
-                <a:solidFill>
-                  <a:schemeClr val="accent1"/>
-                </a:solidFill>
-              </a14:hiddenFill>
-            </a:ext>
-            <a:ext uri="{91240B29-F687-4F45-9708-019B960494DF}">
-              <a14:hiddenLine xmlns:a14="http://schemas.microsoft.com/office/drawing/2010/main" w="9525">
-                <a:solidFill>
-                  <a:schemeClr val="tx1"/>
-                </a:solidFill>
-                <a:miter lim="800000"/>
-                <a:headEnd/>
-                <a:tailEnd/>
-              </a14:hiddenLine>
-            </a:ext>
-            <a:ext uri="{AF507438-7753-43E0-B8FC-AC1667EBCBE1}">
-              <a14:hiddenEffects xmlns:a14="http://schemas.microsoft.com/office/drawing/2010/main">
-                <a:effectLst>
-                  <a:outerShdw dist="35921" dir="2700000" algn="ctr" rotWithShape="0">
-                    <a:schemeClr val="bg2"/>
-                  </a:outerShdw>
-                </a:effectLst>
-              </a14:hiddenEffects>
-            </a:ext>
-          </a:extLst>
         </p:spPr>
         <p:txBody>
-          <a:bodyPr vert="horz" wrap="square" lIns="457173" tIns="228587" rIns="457173" bIns="228587" numCol="1" anchor="ctr" anchorCtr="0" compatLnSpc="1">
-            <a:prstTxWarp prst="textNoShape">
-              <a:avLst/>
-            </a:prstTxWarp>
+          <a:bodyPr vert="horz" lIns="91440" tIns="45720" rIns="91440" bIns="45720" rtlCol="0" anchor="ctr">
+            <a:normAutofit/>
           </a:bodyPr>
           <a:lstStyle/>
           <a:p>
-            <a:pPr lvl="0"/>
             <a:r>
               <a:rPr lang="zh-TW" altLang="en-US"/>
               <a:t>按一下以編輯母片標題樣式</a:t>
             </a:r>
+            <a:endParaRPr lang="en-US" dirty="0"/>
           </a:p>
         </p:txBody>
       </p:sp>
       <p:sp>
         <p:nvSpPr>
-          <p:cNvPr id="1027" name="Rectangle 3">
-            <a:extLst>
-              <a:ext uri="{FF2B5EF4-FFF2-40B4-BE49-F238E27FC236}">
-                <a16:creationId xmlns:a16="http://schemas.microsoft.com/office/drawing/2014/main" id="{48A99642-BA97-4F0F-8FA8-850482512AF1}"/>
-              </a:ext>
-            </a:extLst>
-          </p:cNvPr>
+          <p:cNvPr id="3" name="Text Placeholder 2"/>
           <p:cNvSpPr>
-            <a:spLocks noGrp="1" noChangeArrowheads="1"/>
+            <a:spLocks noGrp="1"/>
           </p:cNvSpPr>
           <p:nvPr>
             <p:ph type="body" idx="1"/>
           </p:nvPr>
         </p:nvSpPr>
-        <p:spPr bwMode="auto">
+        <p:spPr>
           <a:xfrm>
-            <a:off x="1712913" y="10668000"/>
-            <a:ext cx="30864175" cy="30173613"/>
+            <a:off x="1484968" y="7666780"/>
+            <a:ext cx="18629590" cy="18273605"/>
           </a:xfrm>
           <a:prstGeom prst="rect">
             <a:avLst/>
           </a:prstGeom>
-          <a:noFill/>
-          <a:ln>
-            <a:noFill/>
-          </a:ln>
-          <a:effectLst/>
-          <a:extLst>
-            <a:ext uri="{909E8E84-426E-40DD-AFC4-6F175D3DCCD1}">
-              <a14:hiddenFill xmlns:a14="http://schemas.microsoft.com/office/drawing/2010/main">
-                <a:solidFill>
-                  <a:schemeClr val="accent1"/>
-                </a:solidFill>
-              </a14:hiddenFill>
-            </a:ext>
-            <a:ext uri="{91240B29-F687-4F45-9708-019B960494DF}">
-              <a14:hiddenLine xmlns:a14="http://schemas.microsoft.com/office/drawing/2010/main" w="9525">
-                <a:solidFill>
-                  <a:schemeClr val="tx1"/>
-                </a:solidFill>
-                <a:miter lim="800000"/>
-                <a:headEnd/>
-                <a:tailEnd/>
-              </a14:hiddenLine>
-            </a:ext>
-            <a:ext uri="{AF507438-7753-43E0-B8FC-AC1667EBCBE1}">
-              <a14:hiddenEffects xmlns:a14="http://schemas.microsoft.com/office/drawing/2010/main">
-                <a:effectLst>
-                  <a:outerShdw dist="35921" dir="2700000" algn="ctr" rotWithShape="0">
-                    <a:schemeClr val="bg2"/>
-                  </a:outerShdw>
-                </a:effectLst>
-              </a14:hiddenEffects>
-            </a:ext>
-          </a:extLst>
         </p:spPr>
         <p:txBody>
-          <a:bodyPr vert="horz" wrap="square" lIns="457173" tIns="228587" rIns="457173" bIns="228587" numCol="1" anchor="t" anchorCtr="0" compatLnSpc="1">
-            <a:prstTxWarp prst="textNoShape">
-              <a:avLst/>
-            </a:prstTxWarp>
+          <a:bodyPr vert="horz" lIns="91440" tIns="45720" rIns="91440" bIns="45720" rtlCol="0">
+            <a:normAutofit/>
           </a:bodyPr>
           <a:lstStyle/>
           <a:p>
             <a:pPr lvl="0"/>
             <a:r>
               <a:rPr lang="zh-TW" altLang="en-US"/>
-              <a:t>按一下以編輯母片</a:t>
+              <a:t>按一下以編輯母片文字樣式</a:t>
             </a:r>
           </a:p>
           <a:p>
@@ -3025,76 +2505,40 @@
               <a:rPr lang="zh-TW" altLang="en-US"/>
               <a:t>第五層</a:t>
             </a:r>
+            <a:endParaRPr lang="en-US" dirty="0"/>
           </a:p>
         </p:txBody>
       </p:sp>
       <p:sp>
         <p:nvSpPr>
-          <p:cNvPr id="1028" name="Rectangle 4">
-            <a:extLst>
-              <a:ext uri="{FF2B5EF4-FFF2-40B4-BE49-F238E27FC236}">
-                <a16:creationId xmlns:a16="http://schemas.microsoft.com/office/drawing/2014/main" id="{F5E3A94A-7629-4C24-A7C8-751FAF84BD28}"/>
-              </a:ext>
-            </a:extLst>
-          </p:cNvPr>
+          <p:cNvPr id="4" name="Date Placeholder 3"/>
           <p:cNvSpPr>
-            <a:spLocks noGrp="1" noChangeArrowheads="1"/>
+            <a:spLocks noGrp="1"/>
           </p:cNvSpPr>
           <p:nvPr>
             <p:ph type="dt" sz="half" idx="2"/>
           </p:nvPr>
         </p:nvSpPr>
-        <p:spPr bwMode="auto">
+        <p:spPr>
           <a:xfrm>
-            <a:off x="1712913" y="41633775"/>
-            <a:ext cx="8004175" cy="3175000"/>
+            <a:off x="1484967" y="26693734"/>
+            <a:ext cx="4859893" cy="1533356"/>
           </a:xfrm>
           <a:prstGeom prst="rect">
             <a:avLst/>
           </a:prstGeom>
-          <a:noFill/>
-          <a:ln>
-            <a:noFill/>
-          </a:ln>
-          <a:effectLst/>
-          <a:extLst>
-            <a:ext uri="{909E8E84-426E-40DD-AFC4-6F175D3DCCD1}">
-              <a14:hiddenFill xmlns:a14="http://schemas.microsoft.com/office/drawing/2010/main">
-                <a:solidFill>
-                  <a:schemeClr val="accent1"/>
-                </a:solidFill>
-              </a14:hiddenFill>
-            </a:ext>
-            <a:ext uri="{91240B29-F687-4F45-9708-019B960494DF}">
-              <a14:hiddenLine xmlns:a14="http://schemas.microsoft.com/office/drawing/2010/main" w="9525">
-                <a:solidFill>
-                  <a:schemeClr val="tx1"/>
-                </a:solidFill>
-                <a:miter lim="800000"/>
-                <a:headEnd/>
-                <a:tailEnd/>
-              </a14:hiddenLine>
-            </a:ext>
-            <a:ext uri="{AF507438-7753-43E0-B8FC-AC1667EBCBE1}">
-              <a14:hiddenEffects xmlns:a14="http://schemas.microsoft.com/office/drawing/2010/main">
-                <a:effectLst>
-                  <a:outerShdw dist="35921" dir="2700000" algn="ctr" rotWithShape="0">
-                    <a:schemeClr val="bg2"/>
-                  </a:outerShdw>
-                </a:effectLst>
-              </a14:hiddenEffects>
-            </a:ext>
-          </a:extLst>
         </p:spPr>
         <p:txBody>
-          <a:bodyPr vert="horz" wrap="square" lIns="457173" tIns="228587" rIns="457173" bIns="228587" numCol="1" anchor="t" anchorCtr="0" compatLnSpc="1">
-            <a:prstTxWarp prst="textNoShape">
-              <a:avLst/>
-            </a:prstTxWarp>
-          </a:bodyPr>
+          <a:bodyPr vert="horz" lIns="91440" tIns="45720" rIns="91440" bIns="45720" rtlCol="0" anchor="ctr"/>
           <a:lstStyle>
-            <a:lvl1pPr defTabSz="4570413">
-              <a:defRPr sz="7000"/>
+            <a:lvl1pPr algn="l">
+              <a:defRPr sz="2835">
+                <a:solidFill>
+                  <a:schemeClr val="tx1">
+                    <a:tint val="75000"/>
+                  </a:schemeClr>
+                </a:solidFill>
+              </a:defRPr>
             </a:lvl1pPr>
           </a:lstStyle>
           <a:p>
@@ -3104,71 +2548,34 @@
       </p:sp>
       <p:sp>
         <p:nvSpPr>
-          <p:cNvPr id="1029" name="Rectangle 5">
-            <a:extLst>
-              <a:ext uri="{FF2B5EF4-FFF2-40B4-BE49-F238E27FC236}">
-                <a16:creationId xmlns:a16="http://schemas.microsoft.com/office/drawing/2014/main" id="{A8BBD9E7-994D-49A4-9434-EB26EDF856B2}"/>
-              </a:ext>
-            </a:extLst>
-          </p:cNvPr>
+          <p:cNvPr id="5" name="Footer Placeholder 4"/>
           <p:cNvSpPr>
-            <a:spLocks noGrp="1" noChangeArrowheads="1"/>
+            <a:spLocks noGrp="1"/>
           </p:cNvSpPr>
           <p:nvPr>
             <p:ph type="ftr" sz="quarter" idx="3"/>
           </p:nvPr>
         </p:nvSpPr>
-        <p:spPr bwMode="auto">
+        <p:spPr>
           <a:xfrm>
-            <a:off x="11715750" y="41633775"/>
-            <a:ext cx="10858500" cy="3175000"/>
+            <a:off x="7154843" y="26693734"/>
+            <a:ext cx="7289840" cy="1533356"/>
           </a:xfrm>
           <a:prstGeom prst="rect">
             <a:avLst/>
           </a:prstGeom>
-          <a:noFill/>
-          <a:ln>
-            <a:noFill/>
-          </a:ln>
-          <a:effectLst/>
-          <a:extLst>
-            <a:ext uri="{909E8E84-426E-40DD-AFC4-6F175D3DCCD1}">
-              <a14:hiddenFill xmlns:a14="http://schemas.microsoft.com/office/drawing/2010/main">
-                <a:solidFill>
-                  <a:schemeClr val="accent1"/>
-                </a:solidFill>
-              </a14:hiddenFill>
-            </a:ext>
-            <a:ext uri="{91240B29-F687-4F45-9708-019B960494DF}">
-              <a14:hiddenLine xmlns:a14="http://schemas.microsoft.com/office/drawing/2010/main" w="9525">
-                <a:solidFill>
-                  <a:schemeClr val="tx1"/>
-                </a:solidFill>
-                <a:miter lim="800000"/>
-                <a:headEnd/>
-                <a:tailEnd/>
-              </a14:hiddenLine>
-            </a:ext>
-            <a:ext uri="{AF507438-7753-43E0-B8FC-AC1667EBCBE1}">
-              <a14:hiddenEffects xmlns:a14="http://schemas.microsoft.com/office/drawing/2010/main">
-                <a:effectLst>
-                  <a:outerShdw dist="35921" dir="2700000" algn="ctr" rotWithShape="0">
-                    <a:schemeClr val="bg2"/>
-                  </a:outerShdw>
-                </a:effectLst>
-              </a14:hiddenEffects>
-            </a:ext>
-          </a:extLst>
         </p:spPr>
         <p:txBody>
-          <a:bodyPr vert="horz" wrap="square" lIns="457173" tIns="228587" rIns="457173" bIns="228587" numCol="1" anchor="t" anchorCtr="0" compatLnSpc="1">
-            <a:prstTxWarp prst="textNoShape">
-              <a:avLst/>
-            </a:prstTxWarp>
-          </a:bodyPr>
+          <a:bodyPr vert="horz" lIns="91440" tIns="45720" rIns="91440" bIns="45720" rtlCol="0" anchor="ctr"/>
           <a:lstStyle>
-            <a:lvl1pPr algn="ctr" defTabSz="4570413">
-              <a:defRPr sz="7000"/>
+            <a:lvl1pPr algn="ctr">
+              <a:defRPr sz="2835">
+                <a:solidFill>
+                  <a:schemeClr val="tx1">
+                    <a:tint val="75000"/>
+                  </a:schemeClr>
+                </a:solidFill>
+              </a:defRPr>
             </a:lvl1pPr>
           </a:lstStyle>
           <a:p>
@@ -3178,76 +2585,39 @@
       </p:sp>
       <p:sp>
         <p:nvSpPr>
-          <p:cNvPr id="1030" name="Rectangle 6">
-            <a:extLst>
-              <a:ext uri="{FF2B5EF4-FFF2-40B4-BE49-F238E27FC236}">
-                <a16:creationId xmlns:a16="http://schemas.microsoft.com/office/drawing/2014/main" id="{03E0657E-E7F5-4F81-BCB5-0DB6BD0D8A94}"/>
-              </a:ext>
-            </a:extLst>
-          </p:cNvPr>
+          <p:cNvPr id="6" name="Slide Number Placeholder 5"/>
           <p:cNvSpPr>
-            <a:spLocks noGrp="1" noChangeArrowheads="1"/>
+            <a:spLocks noGrp="1"/>
           </p:cNvSpPr>
           <p:nvPr>
             <p:ph type="sldNum" sz="quarter" idx="4"/>
           </p:nvPr>
         </p:nvSpPr>
-        <p:spPr bwMode="auto">
+        <p:spPr>
           <a:xfrm>
-            <a:off x="24572913" y="41633775"/>
-            <a:ext cx="8004175" cy="3175000"/>
+            <a:off x="15254665" y="26693734"/>
+            <a:ext cx="4859893" cy="1533356"/>
           </a:xfrm>
           <a:prstGeom prst="rect">
             <a:avLst/>
           </a:prstGeom>
-          <a:noFill/>
-          <a:ln>
-            <a:noFill/>
-          </a:ln>
-          <a:effectLst/>
-          <a:extLst>
-            <a:ext uri="{909E8E84-426E-40DD-AFC4-6F175D3DCCD1}">
-              <a14:hiddenFill xmlns:a14="http://schemas.microsoft.com/office/drawing/2010/main">
-                <a:solidFill>
-                  <a:schemeClr val="accent1"/>
-                </a:solidFill>
-              </a14:hiddenFill>
-            </a:ext>
-            <a:ext uri="{91240B29-F687-4F45-9708-019B960494DF}">
-              <a14:hiddenLine xmlns:a14="http://schemas.microsoft.com/office/drawing/2010/main" w="9525">
-                <a:solidFill>
-                  <a:schemeClr val="tx1"/>
-                </a:solidFill>
-                <a:miter lim="800000"/>
-                <a:headEnd/>
-                <a:tailEnd/>
-              </a14:hiddenLine>
-            </a:ext>
-            <a:ext uri="{AF507438-7753-43E0-B8FC-AC1667EBCBE1}">
-              <a14:hiddenEffects xmlns:a14="http://schemas.microsoft.com/office/drawing/2010/main">
-                <a:effectLst>
-                  <a:outerShdw dist="35921" dir="2700000" algn="ctr" rotWithShape="0">
-                    <a:schemeClr val="bg2"/>
-                  </a:outerShdw>
-                </a:effectLst>
-              </a14:hiddenEffects>
-            </a:ext>
-          </a:extLst>
         </p:spPr>
         <p:txBody>
-          <a:bodyPr vert="horz" wrap="square" lIns="457173" tIns="228587" rIns="457173" bIns="228587" numCol="1" anchor="t" anchorCtr="0" compatLnSpc="1">
-            <a:prstTxWarp prst="textNoShape">
-              <a:avLst/>
-            </a:prstTxWarp>
-          </a:bodyPr>
+          <a:bodyPr vert="horz" lIns="91440" tIns="45720" rIns="91440" bIns="45720" rtlCol="0" anchor="ctr"/>
           <a:lstStyle>
-            <a:lvl1pPr algn="r" defTabSz="4570413">
-              <a:defRPr sz="7000"/>
+            <a:lvl1pPr algn="r">
+              <a:defRPr sz="2835">
+                <a:solidFill>
+                  <a:schemeClr val="tx1">
+                    <a:tint val="75000"/>
+                  </a:schemeClr>
+                </a:solidFill>
+              </a:defRPr>
             </a:lvl1pPr>
           </a:lstStyle>
           <a:p>
             <a:fld id="{58CA4EA2-7E2F-40BC-98CE-9D705D575A74}" type="slidenum">
-              <a:rPr lang="en-US" altLang="zh-TW"/>
+              <a:rPr lang="en-US" altLang="zh-TW" smtClean="0"/>
               <a:pPr/>
               <a:t>‹#›</a:t>
             </a:fld>
@@ -3256,170 +2626,57 @@
         </p:txBody>
       </p:sp>
     </p:spTree>
+    <p:extLst>
+      <p:ext uri="{BB962C8B-B14F-4D97-AF65-F5344CB8AC3E}">
+        <p14:creationId xmlns:p14="http://schemas.microsoft.com/office/powerpoint/2010/main" val="1554317563"/>
+      </p:ext>
+    </p:extLst>
   </p:cSld>
   <p:clrMap bg1="lt1" tx1="dk1" bg2="lt2" tx2="dk2" accent1="accent1" accent2="accent2" accent3="accent3" accent4="accent4" accent5="accent5" accent6="accent6" hlink="hlink" folHlink="folHlink"/>
   <p:sldLayoutIdLst>
-    <p:sldLayoutId id="2147483649" r:id="rId1"/>
-    <p:sldLayoutId id="2147483650" r:id="rId2"/>
-    <p:sldLayoutId id="2147483651" r:id="rId3"/>
-    <p:sldLayoutId id="2147483652" r:id="rId4"/>
-    <p:sldLayoutId id="2147483653" r:id="rId5"/>
-    <p:sldLayoutId id="2147483654" r:id="rId6"/>
-    <p:sldLayoutId id="2147483655" r:id="rId7"/>
-    <p:sldLayoutId id="2147483656" r:id="rId8"/>
-    <p:sldLayoutId id="2147483657" r:id="rId9"/>
-    <p:sldLayoutId id="2147483658" r:id="rId10"/>
-    <p:sldLayoutId id="2147483659" r:id="rId11"/>
+    <p:sldLayoutId id="2147483673" r:id="rId1"/>
+    <p:sldLayoutId id="2147483674" r:id="rId2"/>
+    <p:sldLayoutId id="2147483675" r:id="rId3"/>
+    <p:sldLayoutId id="2147483676" r:id="rId4"/>
+    <p:sldLayoutId id="2147483677" r:id="rId5"/>
+    <p:sldLayoutId id="2147483678" r:id="rId6"/>
+    <p:sldLayoutId id="2147483679" r:id="rId7"/>
+    <p:sldLayoutId id="2147483680" r:id="rId8"/>
+    <p:sldLayoutId id="2147483681" r:id="rId9"/>
+    <p:sldLayoutId id="2147483682" r:id="rId10"/>
+    <p:sldLayoutId id="2147483683" r:id="rId11"/>
   </p:sldLayoutIdLst>
   <p:txStyles>
     <p:titleStyle>
-      <a:lvl1pPr algn="ctr" defTabSz="4570413" rtl="0" fontAlgn="base">
+      <a:lvl1pPr algn="l" defTabSz="2159996" rtl="0" eaLnBrk="1" latinLnBrk="0" hangingPunct="1">
+        <a:lnSpc>
+          <a:spcPct val="90000"/>
+        </a:lnSpc>
         <a:spcBef>
           <a:spcPct val="0"/>
         </a:spcBef>
-        <a:spcAft>
-          <a:spcPct val="0"/>
-        </a:spcAft>
-        <a:defRPr kumimoji="1" sz="22000" kern="1200">
+        <a:buNone/>
+        <a:defRPr sz="10394" kern="1200">
           <a:solidFill>
-            <a:schemeClr val="tx2"/>
+            <a:schemeClr val="tx1"/>
           </a:solidFill>
           <a:latin typeface="+mj-lt"/>
           <a:ea typeface="+mj-ea"/>
           <a:cs typeface="+mj-cs"/>
         </a:defRPr>
       </a:lvl1pPr>
-      <a:lvl2pPr algn="ctr" defTabSz="4570413" rtl="0" fontAlgn="base">
-        <a:spcBef>
-          <a:spcPct val="0"/>
-        </a:spcBef>
-        <a:spcAft>
-          <a:spcPct val="0"/>
-        </a:spcAft>
-        <a:defRPr kumimoji="1" sz="22000">
-          <a:solidFill>
-            <a:schemeClr val="tx2"/>
-          </a:solidFill>
-          <a:latin typeface="Arial" panose="020B0604020202020204" pitchFamily="34" charset="0"/>
-          <a:ea typeface="新細明體" panose="02020500000000000000" pitchFamily="18" charset="-120"/>
-        </a:defRPr>
-      </a:lvl2pPr>
-      <a:lvl3pPr algn="ctr" defTabSz="4570413" rtl="0" fontAlgn="base">
-        <a:spcBef>
-          <a:spcPct val="0"/>
-        </a:spcBef>
-        <a:spcAft>
-          <a:spcPct val="0"/>
-        </a:spcAft>
-        <a:defRPr kumimoji="1" sz="22000">
-          <a:solidFill>
-            <a:schemeClr val="tx2"/>
-          </a:solidFill>
-          <a:latin typeface="Arial" panose="020B0604020202020204" pitchFamily="34" charset="0"/>
-          <a:ea typeface="新細明體" panose="02020500000000000000" pitchFamily="18" charset="-120"/>
-        </a:defRPr>
-      </a:lvl3pPr>
-      <a:lvl4pPr algn="ctr" defTabSz="4570413" rtl="0" fontAlgn="base">
-        <a:spcBef>
-          <a:spcPct val="0"/>
-        </a:spcBef>
-        <a:spcAft>
-          <a:spcPct val="0"/>
-        </a:spcAft>
-        <a:defRPr kumimoji="1" sz="22000">
-          <a:solidFill>
-            <a:schemeClr val="tx2"/>
-          </a:solidFill>
-          <a:latin typeface="Arial" panose="020B0604020202020204" pitchFamily="34" charset="0"/>
-          <a:ea typeface="新細明體" panose="02020500000000000000" pitchFamily="18" charset="-120"/>
-        </a:defRPr>
-      </a:lvl4pPr>
-      <a:lvl5pPr algn="ctr" defTabSz="4570413" rtl="0" fontAlgn="base">
-        <a:spcBef>
-          <a:spcPct val="0"/>
-        </a:spcBef>
-        <a:spcAft>
-          <a:spcPct val="0"/>
-        </a:spcAft>
-        <a:defRPr kumimoji="1" sz="22000">
-          <a:solidFill>
-            <a:schemeClr val="tx2"/>
-          </a:solidFill>
-          <a:latin typeface="Arial" panose="020B0604020202020204" pitchFamily="34" charset="0"/>
-          <a:ea typeface="新細明體" panose="02020500000000000000" pitchFamily="18" charset="-120"/>
-        </a:defRPr>
-      </a:lvl5pPr>
-      <a:lvl6pPr marL="457200" algn="ctr" defTabSz="4570413" rtl="0" fontAlgn="base">
-        <a:spcBef>
-          <a:spcPct val="0"/>
-        </a:spcBef>
-        <a:spcAft>
-          <a:spcPct val="0"/>
-        </a:spcAft>
-        <a:defRPr kumimoji="1" sz="22000">
-          <a:solidFill>
-            <a:schemeClr val="tx2"/>
-          </a:solidFill>
-          <a:latin typeface="Arial" panose="020B0604020202020204" pitchFamily="34" charset="0"/>
-          <a:ea typeface="新細明體" panose="02020500000000000000" pitchFamily="18" charset="-120"/>
-        </a:defRPr>
-      </a:lvl6pPr>
-      <a:lvl7pPr marL="914400" algn="ctr" defTabSz="4570413" rtl="0" fontAlgn="base">
-        <a:spcBef>
-          <a:spcPct val="0"/>
-        </a:spcBef>
-        <a:spcAft>
-          <a:spcPct val="0"/>
-        </a:spcAft>
-        <a:defRPr kumimoji="1" sz="22000">
-          <a:solidFill>
-            <a:schemeClr val="tx2"/>
-          </a:solidFill>
-          <a:latin typeface="Arial" panose="020B0604020202020204" pitchFamily="34" charset="0"/>
-          <a:ea typeface="新細明體" panose="02020500000000000000" pitchFamily="18" charset="-120"/>
-        </a:defRPr>
-      </a:lvl7pPr>
-      <a:lvl8pPr marL="1371600" algn="ctr" defTabSz="4570413" rtl="0" fontAlgn="base">
-        <a:spcBef>
-          <a:spcPct val="0"/>
-        </a:spcBef>
-        <a:spcAft>
-          <a:spcPct val="0"/>
-        </a:spcAft>
-        <a:defRPr kumimoji="1" sz="22000">
-          <a:solidFill>
-            <a:schemeClr val="tx2"/>
-          </a:solidFill>
-          <a:latin typeface="Arial" panose="020B0604020202020204" pitchFamily="34" charset="0"/>
-          <a:ea typeface="新細明體" panose="02020500000000000000" pitchFamily="18" charset="-120"/>
-        </a:defRPr>
-      </a:lvl8pPr>
-      <a:lvl9pPr marL="1828800" algn="ctr" defTabSz="4570413" rtl="0" fontAlgn="base">
-        <a:spcBef>
-          <a:spcPct val="0"/>
-        </a:spcBef>
-        <a:spcAft>
-          <a:spcPct val="0"/>
-        </a:spcAft>
-        <a:defRPr kumimoji="1" sz="22000">
-          <a:solidFill>
-            <a:schemeClr val="tx2"/>
-          </a:solidFill>
-          <a:latin typeface="Arial" panose="020B0604020202020204" pitchFamily="34" charset="0"/>
-          <a:ea typeface="新細明體" panose="02020500000000000000" pitchFamily="18" charset="-120"/>
-        </a:defRPr>
-      </a:lvl9pPr>
     </p:titleStyle>
     <p:bodyStyle>
-      <a:lvl1pPr marL="1712913" indent="-1712913" algn="l" defTabSz="4570413" rtl="0" fontAlgn="base">
+      <a:lvl1pPr marL="539999" indent="-539999" algn="l" defTabSz="2159996" rtl="0" eaLnBrk="1" latinLnBrk="0" hangingPunct="1">
+        <a:lnSpc>
+          <a:spcPct val="90000"/>
+        </a:lnSpc>
         <a:spcBef>
-          <a:spcPct val="20000"/>
+          <a:spcPts val="2362"/>
         </a:spcBef>
-        <a:spcAft>
-          <a:spcPct val="0"/>
-        </a:spcAft>
+        <a:buFont typeface="Arial" panose="020B0604020202020204" pitchFamily="34" charset="0"/>
         <a:buChar char="•"/>
-        <a:defRPr kumimoji="1" sz="16000" kern="1200">
+        <a:defRPr sz="6614" kern="1200">
           <a:solidFill>
             <a:schemeClr val="tx1"/>
           </a:solidFill>
@@ -3428,15 +2685,16 @@
           <a:cs typeface="+mn-cs"/>
         </a:defRPr>
       </a:lvl1pPr>
-      <a:lvl2pPr marL="3716338" indent="-1430338" algn="l" defTabSz="4570413" rtl="0" fontAlgn="base">
+      <a:lvl2pPr marL="1619997" indent="-539999" algn="l" defTabSz="2159996" rtl="0" eaLnBrk="1" latinLnBrk="0" hangingPunct="1">
+        <a:lnSpc>
+          <a:spcPct val="90000"/>
+        </a:lnSpc>
         <a:spcBef>
-          <a:spcPct val="20000"/>
+          <a:spcPts val="1181"/>
         </a:spcBef>
-        <a:spcAft>
-          <a:spcPct val="0"/>
-        </a:spcAft>
-        <a:buChar char="–"/>
-        <a:defRPr kumimoji="1" sz="14100" kern="1200">
+        <a:buFont typeface="Arial" panose="020B0604020202020204" pitchFamily="34" charset="0"/>
+        <a:buChar char="•"/>
+        <a:defRPr sz="5669" kern="1200">
           <a:solidFill>
             <a:schemeClr val="tx1"/>
           </a:solidFill>
@@ -3445,15 +2703,16 @@
           <a:cs typeface="+mn-cs"/>
         </a:defRPr>
       </a:lvl2pPr>
-      <a:lvl3pPr marL="5715000" indent="-1144588" algn="l" defTabSz="4570413" rtl="0" fontAlgn="base">
+      <a:lvl3pPr marL="2699995" indent="-539999" algn="l" defTabSz="2159996" rtl="0" eaLnBrk="1" latinLnBrk="0" hangingPunct="1">
+        <a:lnSpc>
+          <a:spcPct val="90000"/>
+        </a:lnSpc>
         <a:spcBef>
-          <a:spcPct val="20000"/>
+          <a:spcPts val="1181"/>
         </a:spcBef>
-        <a:spcAft>
-          <a:spcPct val="0"/>
-        </a:spcAft>
+        <a:buFont typeface="Arial" panose="020B0604020202020204" pitchFamily="34" charset="0"/>
         <a:buChar char="•"/>
-        <a:defRPr kumimoji="1" sz="12100" kern="1200">
+        <a:defRPr sz="4724" kern="1200">
           <a:solidFill>
             <a:schemeClr val="tx1"/>
           </a:solidFill>
@@ -3462,15 +2721,16 @@
           <a:cs typeface="+mn-cs"/>
         </a:defRPr>
       </a:lvl3pPr>
-      <a:lvl4pPr marL="7999413" indent="-1139825" algn="l" defTabSz="4570413" rtl="0" fontAlgn="base">
+      <a:lvl4pPr marL="3779992" indent="-539999" algn="l" defTabSz="2159996" rtl="0" eaLnBrk="1" latinLnBrk="0" hangingPunct="1">
+        <a:lnSpc>
+          <a:spcPct val="90000"/>
+        </a:lnSpc>
         <a:spcBef>
-          <a:spcPct val="20000"/>
+          <a:spcPts val="1181"/>
         </a:spcBef>
-        <a:spcAft>
-          <a:spcPct val="0"/>
-        </a:spcAft>
-        <a:buChar char="–"/>
-        <a:defRPr kumimoji="1" sz="10100" kern="1200">
+        <a:buFont typeface="Arial" panose="020B0604020202020204" pitchFamily="34" charset="0"/>
+        <a:buChar char="•"/>
+        <a:defRPr sz="4252" kern="1200">
           <a:solidFill>
             <a:schemeClr val="tx1"/>
           </a:solidFill>
@@ -3479,15 +2739,16 @@
           <a:cs typeface="+mn-cs"/>
         </a:defRPr>
       </a:lvl4pPr>
-      <a:lvl5pPr marL="10285413" indent="-1141413" algn="l" defTabSz="4570413" rtl="0" fontAlgn="base">
+      <a:lvl5pPr marL="4859990" indent="-539999" algn="l" defTabSz="2159996" rtl="0" eaLnBrk="1" latinLnBrk="0" hangingPunct="1">
+        <a:lnSpc>
+          <a:spcPct val="90000"/>
+        </a:lnSpc>
         <a:spcBef>
-          <a:spcPct val="20000"/>
+          <a:spcPts val="1181"/>
         </a:spcBef>
-        <a:spcAft>
-          <a:spcPct val="0"/>
-        </a:spcAft>
-        <a:buChar char="»"/>
-        <a:defRPr kumimoji="1" sz="10100" kern="1200">
+        <a:buFont typeface="Arial" panose="020B0604020202020204" pitchFamily="34" charset="0"/>
+        <a:buChar char="•"/>
+        <a:defRPr sz="4252" kern="1200">
           <a:solidFill>
             <a:schemeClr val="tx1"/>
           </a:solidFill>
@@ -3496,16 +2757,16 @@
           <a:cs typeface="+mn-cs"/>
         </a:defRPr>
       </a:lvl5pPr>
-      <a:lvl6pPr marL="2514600" indent="-228600" algn="l" defTabSz="914400" rtl="0" eaLnBrk="1" latinLnBrk="0" hangingPunct="1">
+      <a:lvl6pPr marL="5939988" indent="-539999" algn="l" defTabSz="2159996" rtl="0" eaLnBrk="1" latinLnBrk="0" hangingPunct="1">
         <a:lnSpc>
           <a:spcPct val="90000"/>
         </a:lnSpc>
         <a:spcBef>
-          <a:spcPts val="500"/>
+          <a:spcPts val="1181"/>
         </a:spcBef>
         <a:buFont typeface="Arial" panose="020B0604020202020204" pitchFamily="34" charset="0"/>
         <a:buChar char="•"/>
-        <a:defRPr sz="1800" kern="1200">
+        <a:defRPr sz="4252" kern="1200">
           <a:solidFill>
             <a:schemeClr val="tx1"/>
           </a:solidFill>
@@ -3514,16 +2775,16 @@
           <a:cs typeface="+mn-cs"/>
         </a:defRPr>
       </a:lvl6pPr>
-      <a:lvl7pPr marL="2971800" indent="-228600" algn="l" defTabSz="914400" rtl="0" eaLnBrk="1" latinLnBrk="0" hangingPunct="1">
+      <a:lvl7pPr marL="7019986" indent="-539999" algn="l" defTabSz="2159996" rtl="0" eaLnBrk="1" latinLnBrk="0" hangingPunct="1">
         <a:lnSpc>
           <a:spcPct val="90000"/>
         </a:lnSpc>
         <a:spcBef>
-          <a:spcPts val="500"/>
+          <a:spcPts val="1181"/>
         </a:spcBef>
         <a:buFont typeface="Arial" panose="020B0604020202020204" pitchFamily="34" charset="0"/>
         <a:buChar char="•"/>
-        <a:defRPr sz="1800" kern="1200">
+        <a:defRPr sz="4252" kern="1200">
           <a:solidFill>
             <a:schemeClr val="tx1"/>
           </a:solidFill>
@@ -3532,16 +2793,16 @@
           <a:cs typeface="+mn-cs"/>
         </a:defRPr>
       </a:lvl7pPr>
-      <a:lvl8pPr marL="3429000" indent="-228600" algn="l" defTabSz="914400" rtl="0" eaLnBrk="1" latinLnBrk="0" hangingPunct="1">
+      <a:lvl8pPr marL="8099984" indent="-539999" algn="l" defTabSz="2159996" rtl="0" eaLnBrk="1" latinLnBrk="0" hangingPunct="1">
         <a:lnSpc>
           <a:spcPct val="90000"/>
         </a:lnSpc>
         <a:spcBef>
-          <a:spcPts val="500"/>
+          <a:spcPts val="1181"/>
         </a:spcBef>
         <a:buFont typeface="Arial" panose="020B0604020202020204" pitchFamily="34" charset="0"/>
         <a:buChar char="•"/>
-        <a:defRPr sz="1800" kern="1200">
+        <a:defRPr sz="4252" kern="1200">
           <a:solidFill>
             <a:schemeClr val="tx1"/>
           </a:solidFill>
@@ -3550,16 +2811,16 @@
           <a:cs typeface="+mn-cs"/>
         </a:defRPr>
       </a:lvl8pPr>
-      <a:lvl9pPr marL="3886200" indent="-228600" algn="l" defTabSz="914400" rtl="0" eaLnBrk="1" latinLnBrk="0" hangingPunct="1">
+      <a:lvl9pPr marL="9179982" indent="-539999" algn="l" defTabSz="2159996" rtl="0" eaLnBrk="1" latinLnBrk="0" hangingPunct="1">
         <a:lnSpc>
           <a:spcPct val="90000"/>
         </a:lnSpc>
         <a:spcBef>
-          <a:spcPts val="500"/>
+          <a:spcPts val="1181"/>
         </a:spcBef>
         <a:buFont typeface="Arial" panose="020B0604020202020204" pitchFamily="34" charset="0"/>
         <a:buChar char="•"/>
-        <a:defRPr sz="1800" kern="1200">
+        <a:defRPr sz="4252" kern="1200">
           <a:solidFill>
             <a:schemeClr val="tx1"/>
           </a:solidFill>
@@ -3571,10 +2832,10 @@
     </p:bodyStyle>
     <p:otherStyle>
       <a:defPPr>
-        <a:defRPr lang="zh-TW"/>
+        <a:defRPr lang="en-US"/>
       </a:defPPr>
-      <a:lvl1pPr marL="0" algn="l" defTabSz="914400" rtl="0" eaLnBrk="1" latinLnBrk="0" hangingPunct="1">
-        <a:defRPr sz="1800" kern="1200">
+      <a:lvl1pPr marL="0" algn="l" defTabSz="2159996" rtl="0" eaLnBrk="1" latinLnBrk="0" hangingPunct="1">
+        <a:defRPr sz="4252" kern="1200">
           <a:solidFill>
             <a:schemeClr val="tx1"/>
           </a:solidFill>
@@ -3583,8 +2844,8 @@
           <a:cs typeface="+mn-cs"/>
         </a:defRPr>
       </a:lvl1pPr>
-      <a:lvl2pPr marL="457200" algn="l" defTabSz="914400" rtl="0" eaLnBrk="1" latinLnBrk="0" hangingPunct="1">
-        <a:defRPr sz="1800" kern="1200">
+      <a:lvl2pPr marL="1079998" algn="l" defTabSz="2159996" rtl="0" eaLnBrk="1" latinLnBrk="0" hangingPunct="1">
+        <a:defRPr sz="4252" kern="1200">
           <a:solidFill>
             <a:schemeClr val="tx1"/>
           </a:solidFill>
@@ -3593,8 +2854,8 @@
           <a:cs typeface="+mn-cs"/>
         </a:defRPr>
       </a:lvl2pPr>
-      <a:lvl3pPr marL="914400" algn="l" defTabSz="914400" rtl="0" eaLnBrk="1" latinLnBrk="0" hangingPunct="1">
-        <a:defRPr sz="1800" kern="1200">
+      <a:lvl3pPr marL="2159996" algn="l" defTabSz="2159996" rtl="0" eaLnBrk="1" latinLnBrk="0" hangingPunct="1">
+        <a:defRPr sz="4252" kern="1200">
           <a:solidFill>
             <a:schemeClr val="tx1"/>
           </a:solidFill>
@@ -3603,8 +2864,8 @@
           <a:cs typeface="+mn-cs"/>
         </a:defRPr>
       </a:lvl3pPr>
-      <a:lvl4pPr marL="1371600" algn="l" defTabSz="914400" rtl="0" eaLnBrk="1" latinLnBrk="0" hangingPunct="1">
-        <a:defRPr sz="1800" kern="1200">
+      <a:lvl4pPr marL="3239994" algn="l" defTabSz="2159996" rtl="0" eaLnBrk="1" latinLnBrk="0" hangingPunct="1">
+        <a:defRPr sz="4252" kern="1200">
           <a:solidFill>
             <a:schemeClr val="tx1"/>
           </a:solidFill>
@@ -3613,8 +2874,8 @@
           <a:cs typeface="+mn-cs"/>
         </a:defRPr>
       </a:lvl4pPr>
-      <a:lvl5pPr marL="1828800" algn="l" defTabSz="914400" rtl="0" eaLnBrk="1" latinLnBrk="0" hangingPunct="1">
-        <a:defRPr sz="1800" kern="1200">
+      <a:lvl5pPr marL="4319991" algn="l" defTabSz="2159996" rtl="0" eaLnBrk="1" latinLnBrk="0" hangingPunct="1">
+        <a:defRPr sz="4252" kern="1200">
           <a:solidFill>
             <a:schemeClr val="tx1"/>
           </a:solidFill>
@@ -3623,8 +2884,8 @@
           <a:cs typeface="+mn-cs"/>
         </a:defRPr>
       </a:lvl5pPr>
-      <a:lvl6pPr marL="2286000" algn="l" defTabSz="914400" rtl="0" eaLnBrk="1" latinLnBrk="0" hangingPunct="1">
-        <a:defRPr sz="1800" kern="1200">
+      <a:lvl6pPr marL="5399989" algn="l" defTabSz="2159996" rtl="0" eaLnBrk="1" latinLnBrk="0" hangingPunct="1">
+        <a:defRPr sz="4252" kern="1200">
           <a:solidFill>
             <a:schemeClr val="tx1"/>
           </a:solidFill>
@@ -3633,8 +2894,8 @@
           <a:cs typeface="+mn-cs"/>
         </a:defRPr>
       </a:lvl6pPr>
-      <a:lvl7pPr marL="2743200" algn="l" defTabSz="914400" rtl="0" eaLnBrk="1" latinLnBrk="0" hangingPunct="1">
-        <a:defRPr sz="1800" kern="1200">
+      <a:lvl7pPr marL="6479987" algn="l" defTabSz="2159996" rtl="0" eaLnBrk="1" latinLnBrk="0" hangingPunct="1">
+        <a:defRPr sz="4252" kern="1200">
           <a:solidFill>
             <a:schemeClr val="tx1"/>
           </a:solidFill>
@@ -3643,8 +2904,8 @@
           <a:cs typeface="+mn-cs"/>
         </a:defRPr>
       </a:lvl7pPr>
-      <a:lvl8pPr marL="3200400" algn="l" defTabSz="914400" rtl="0" eaLnBrk="1" latinLnBrk="0" hangingPunct="1">
-        <a:defRPr sz="1800" kern="1200">
+      <a:lvl8pPr marL="7559985" algn="l" defTabSz="2159996" rtl="0" eaLnBrk="1" latinLnBrk="0" hangingPunct="1">
+        <a:defRPr sz="4252" kern="1200">
           <a:solidFill>
             <a:schemeClr val="tx1"/>
           </a:solidFill>
@@ -3653,8 +2914,8 @@
           <a:cs typeface="+mn-cs"/>
         </a:defRPr>
       </a:lvl8pPr>
-      <a:lvl9pPr marL="3657600" algn="l" defTabSz="914400" rtl="0" eaLnBrk="1" latinLnBrk="0" hangingPunct="1">
-        <a:defRPr sz="1800" kern="1200">
+      <a:lvl9pPr marL="8639983" algn="l" defTabSz="2159996" rtl="0" eaLnBrk="1" latinLnBrk="0" hangingPunct="1">
+        <a:defRPr sz="4252" kern="1200">
           <a:solidFill>
             <a:schemeClr val="tx1"/>
           </a:solidFill>
@@ -3721,8 +2982,8 @@
         </p:nvSpPr>
         <p:spPr bwMode="auto">
           <a:xfrm>
-            <a:off x="17380094" y="6362629"/>
-            <a:ext cx="16444374" cy="8651845"/>
+            <a:off x="10961939" y="4145718"/>
+            <a:ext cx="9667922" cy="6366728"/>
           </a:xfrm>
           <a:prstGeom prst="roundRect">
             <a:avLst>
@@ -3757,10 +3018,10 @@
           <a:lstStyle/>
           <a:p>
             <a:r>
-              <a:rPr lang="en-US" altLang="zh-TW" dirty="0"/>
+              <a:rPr lang="en-US" altLang="zh-TW" sz="3058" dirty="0"/>
               <a:t>v</a:t>
             </a:r>
-            <a:endParaRPr lang="zh-TW" altLang="en-US" dirty="0"/>
+            <a:endParaRPr lang="zh-TW" altLang="en-US" sz="3058" dirty="0"/>
           </a:p>
         </p:txBody>
       </p:sp>
@@ -3780,8 +3041,8 @@
         </p:nvSpPr>
         <p:spPr bwMode="auto">
           <a:xfrm>
-            <a:off x="308122" y="6362629"/>
-            <a:ext cx="16639595" cy="8651845"/>
+            <a:off x="925044" y="4145718"/>
+            <a:ext cx="9782695" cy="6395996"/>
           </a:xfrm>
           <a:prstGeom prst="roundRect">
             <a:avLst>
@@ -3816,10 +3077,10 @@
           <a:lstStyle/>
           <a:p>
             <a:r>
-              <a:rPr lang="en-US" altLang="zh-TW" dirty="0"/>
+              <a:rPr lang="en-US" altLang="zh-TW" sz="3058" dirty="0"/>
               <a:t>v</a:t>
             </a:r>
-            <a:endParaRPr lang="zh-TW" altLang="en-US" dirty="0"/>
+            <a:endParaRPr lang="zh-TW" altLang="en-US" sz="3058" dirty="0"/>
           </a:p>
         </p:txBody>
       </p:sp>
@@ -3841,8 +3102,8 @@
         </p:nvSpPr>
         <p:spPr>
           <a:xfrm>
-            <a:off x="1278452" y="203026"/>
-            <a:ext cx="30557788" cy="3895725"/>
+            <a:off x="1614509" y="401095"/>
+            <a:ext cx="17965433" cy="2290362"/>
           </a:xfrm>
           <a:noFill/>
         </p:spPr>
@@ -3851,35 +3112,26 @@
           <a:lstStyle/>
           <a:p>
             <a:r>
-              <a:rPr lang="zh-TW" altLang="en-US" sz="8800" b="1" dirty="0">
+              <a:rPr lang="zh-TW" altLang="en-US" sz="5174" b="1" dirty="0">
                 <a:ea typeface="標楷體" panose="03000509000000000000" pitchFamily="65" charset="-120"/>
               </a:rPr>
               <a:t> </a:t>
             </a:r>
             <a:r>
-              <a:rPr lang="en-US" altLang="zh-TW" sz="11500" b="1" dirty="0">
-                <a:solidFill>
-                  <a:schemeClr val="tx1"/>
-                </a:solidFill>
+              <a:rPr lang="en-US" altLang="zh-TW" sz="6761" b="1" dirty="0">
                 <a:latin typeface="Microsoft YaHei UI" panose="020B0503020204020204" pitchFamily="34" charset="-122"/>
                 <a:ea typeface="Microsoft YaHei UI" panose="020B0503020204020204" pitchFamily="34" charset="-122"/>
               </a:rPr>
               <a:t>AIOT</a:t>
             </a:r>
             <a:r>
-              <a:rPr lang="zh-TW" altLang="en-US" sz="11500" b="1" dirty="0">
-                <a:solidFill>
-                  <a:schemeClr val="tx1"/>
-                </a:solidFill>
+              <a:rPr lang="zh-TW" altLang="en-US" sz="6761" b="1" dirty="0">
                 <a:latin typeface="Microsoft YaHei UI" panose="020B0503020204020204" pitchFamily="34" charset="-122"/>
                 <a:ea typeface="Microsoft YaHei UI" panose="020B0503020204020204" pitchFamily="34" charset="-122"/>
               </a:rPr>
               <a:t>生理量測與分析系統</a:t>
             </a:r>
-            <a:endParaRPr lang="zh-TW" altLang="en-US" sz="8800" b="1" dirty="0">
-              <a:solidFill>
-                <a:schemeClr val="tx1"/>
-              </a:solidFill>
+            <a:endParaRPr lang="zh-TW" altLang="en-US" sz="5174" b="1" dirty="0">
               <a:latin typeface="Microsoft YaHei UI" panose="020B0503020204020204" pitchFamily="34" charset="-122"/>
               <a:ea typeface="Microsoft YaHei UI" panose="020B0503020204020204" pitchFamily="34" charset="-122"/>
             </a:endParaRPr>
@@ -3902,8 +3154,8 @@
         </p:nvSpPr>
         <p:spPr bwMode="auto">
           <a:xfrm>
-            <a:off x="5924929" y="6425690"/>
-            <a:ext cx="4030662" cy="1205684"/>
+            <a:off x="4611332" y="4239562"/>
+            <a:ext cx="2369693" cy="708830"/>
           </a:xfrm>
           <a:prstGeom prst="rect">
             <a:avLst/>
@@ -3943,7 +3195,7 @@
           </a:extLst>
         </p:spPr>
         <p:txBody>
-          <a:bodyPr lIns="96744" tIns="48372" rIns="96744" bIns="48372">
+          <a:bodyPr lIns="56877" tIns="28439" rIns="56877" bIns="28439">
             <a:spAutoFit/>
           </a:bodyPr>
           <a:lstStyle>
@@ -4060,10 +3312,7 @@
               </a:spcBef>
             </a:pPr>
             <a:r>
-              <a:rPr lang="zh-TW" altLang="en-US" sz="7200" b="1" dirty="0">
-                <a:solidFill>
-                  <a:schemeClr val="tx2"/>
-                </a:solidFill>
+              <a:rPr lang="zh-TW" altLang="en-US" sz="4233" b="1" dirty="0">
                 <a:latin typeface="Microsoft YaHei UI" panose="020B0503020204020204" pitchFamily="34" charset="-122"/>
                 <a:ea typeface="Microsoft YaHei UI" panose="020B0503020204020204" pitchFamily="34" charset="-122"/>
               </a:rPr>
@@ -4088,8 +3337,8 @@
         </p:nvSpPr>
         <p:spPr bwMode="auto">
           <a:xfrm>
-            <a:off x="1767949" y="8418532"/>
-            <a:ext cx="14036675" cy="769441"/>
+            <a:off x="1783301" y="5354418"/>
+            <a:ext cx="8252395" cy="490455"/>
           </a:xfrm>
           <a:prstGeom prst="rect">
             <a:avLst/>
@@ -4135,10 +3384,10 @@
           <a:lstStyle/>
           <a:p>
             <a:r>
-              <a:rPr lang="en-US" altLang="zh-TW" sz="4400" b="1" dirty="0"/>
+              <a:rPr lang="en-US" altLang="zh-TW" sz="2587" b="1" dirty="0"/>
               <a:t>       </a:t>
             </a:r>
-            <a:endParaRPr lang="zh-TW" altLang="en-US" sz="4400" b="1" dirty="0">
+            <a:endParaRPr lang="zh-TW" altLang="en-US" sz="2587" b="1" dirty="0">
               <a:latin typeface="華康娃娃體" pitchFamily="49" charset="-120"/>
               <a:ea typeface="華康娃娃體" pitchFamily="49" charset="-120"/>
             </a:endParaRPr>
@@ -4174,8 +3423,8 @@
         </p:blipFill>
         <p:spPr>
           <a:xfrm>
-            <a:off x="26974364" y="1711299"/>
-            <a:ext cx="5953635" cy="3295147"/>
+            <a:off x="16721564" y="1287834"/>
+            <a:ext cx="3500241" cy="1937272"/>
           </a:xfrm>
           <a:prstGeom prst="rect">
             <a:avLst/>
@@ -4196,8 +3445,8 @@
         </p:nvSpPr>
         <p:spPr>
           <a:xfrm>
-            <a:off x="8521007" y="3463844"/>
-            <a:ext cx="16853420" cy="2308324"/>
+            <a:off x="5872528" y="2318185"/>
+            <a:ext cx="9908407" cy="1395126"/>
           </a:xfrm>
           <a:prstGeom prst="rect">
             <a:avLst/>
@@ -4212,27 +3461,27 @@
           <a:p>
             <a:pPr algn="ctr"/>
             <a:r>
-              <a:rPr lang="zh-TW" altLang="en-US" sz="7200" dirty="0">
+              <a:rPr lang="zh-TW" altLang="en-US" sz="4233" dirty="0">
                 <a:latin typeface="Microsoft YaHei UI" panose="020B0503020204020204" pitchFamily="34" charset="-122"/>
                 <a:ea typeface="Microsoft YaHei UI" panose="020B0503020204020204" pitchFamily="34" charset="-122"/>
               </a:rPr>
               <a:t>指導教授</a:t>
             </a:r>
             <a:r>
-              <a:rPr lang="en-US" altLang="zh-TW" sz="7200" dirty="0">
+              <a:rPr lang="en-US" altLang="zh-TW" sz="4233" dirty="0">
                 <a:latin typeface="Microsoft YaHei UI" panose="020B0503020204020204" pitchFamily="34" charset="-122"/>
                 <a:ea typeface="Microsoft YaHei UI" panose="020B0503020204020204" pitchFamily="34" charset="-122"/>
               </a:rPr>
               <a:t>:</a:t>
             </a:r>
             <a:r>
-              <a:rPr lang="zh-TW" altLang="en-US" sz="7200" dirty="0">
+              <a:rPr lang="zh-TW" altLang="en-US" sz="4233" dirty="0">
                 <a:latin typeface="Microsoft YaHei UI" panose="020B0503020204020204" pitchFamily="34" charset="-122"/>
                 <a:ea typeface="Microsoft YaHei UI" panose="020B0503020204020204" pitchFamily="34" charset="-122"/>
               </a:rPr>
               <a:t>曾士桓 教授</a:t>
             </a:r>
-            <a:endParaRPr lang="en-US" altLang="zh-TW" sz="7200" dirty="0">
+            <a:endParaRPr lang="en-US" altLang="zh-TW" sz="4233" dirty="0">
               <a:latin typeface="Microsoft YaHei UI" panose="020B0503020204020204" pitchFamily="34" charset="-122"/>
               <a:ea typeface="Microsoft YaHei UI" panose="020B0503020204020204" pitchFamily="34" charset="-122"/>
             </a:endParaRPr>
@@ -4240,21 +3489,21 @@
           <a:p>
             <a:pPr algn="ctr"/>
             <a:r>
-              <a:rPr lang="zh-TW" altLang="en-US" sz="7200" dirty="0">
+              <a:rPr lang="zh-TW" altLang="en-US" sz="4233" dirty="0">
                 <a:latin typeface="Microsoft YaHei UI" panose="020B0503020204020204" pitchFamily="34" charset="-122"/>
                 <a:ea typeface="Microsoft YaHei UI" panose="020B0503020204020204" pitchFamily="34" charset="-122"/>
               </a:rPr>
               <a:t>組員姓名</a:t>
             </a:r>
             <a:r>
-              <a:rPr lang="en-US" altLang="zh-TW" sz="7200" dirty="0">
+              <a:rPr lang="en-US" altLang="zh-TW" sz="4233" dirty="0">
                 <a:latin typeface="Microsoft YaHei UI" panose="020B0503020204020204" pitchFamily="34" charset="-122"/>
                 <a:ea typeface="Microsoft YaHei UI" panose="020B0503020204020204" pitchFamily="34" charset="-122"/>
               </a:rPr>
               <a:t>:</a:t>
             </a:r>
             <a:r>
-              <a:rPr lang="zh-TW" altLang="en-US" sz="7200" dirty="0">
+              <a:rPr lang="zh-TW" altLang="en-US" sz="4233" dirty="0">
                 <a:latin typeface="Microsoft YaHei UI" panose="020B0503020204020204" pitchFamily="34" charset="-122"/>
                 <a:ea typeface="Microsoft YaHei UI" panose="020B0503020204020204" pitchFamily="34" charset="-122"/>
               </a:rPr>
@@ -4279,8 +3528,8 @@
         </p:nvGrpSpPr>
         <p:grpSpPr>
           <a:xfrm>
-            <a:off x="18945199" y="7625282"/>
-            <a:ext cx="14604301" cy="6863296"/>
+            <a:off x="10932891" y="5212025"/>
+            <a:ext cx="10299855" cy="4840420"/>
             <a:chOff x="17993467" y="9337813"/>
             <a:chExt cx="16654906" cy="7702727"/>
           </a:xfrm>
@@ -4655,18 +3904,18 @@
                 </p:spPr>
                 <p:txBody>
                   <a:bodyPr wrap="square" rtlCol="0">
-                    <a:normAutofit/>
+                    <a:normAutofit fontScale="92500" lnSpcReduction="20000"/>
                   </a:bodyPr>
                   <a:lstStyle/>
                   <a:p>
                     <a:r>
-                      <a:rPr kumimoji="1" lang="en-US" altLang="zh-TW" sz="2000" dirty="0">
+                      <a:rPr lang="en-US" altLang="zh-TW" sz="1600" dirty="0">
                         <a:latin typeface="微軟正黑體" panose="020B0604030504040204" pitchFamily="34" charset="-120"/>
                         <a:ea typeface="微軟正黑體" panose="020B0604030504040204" pitchFamily="34" charset="-120"/>
                       </a:rPr>
                       <a:t>server</a:t>
                     </a:r>
-                    <a:endParaRPr kumimoji="1" lang="zh-TW" altLang="en-US" sz="2000" dirty="0">
+                    <a:endParaRPr lang="zh-TW" altLang="en-US" sz="1600" dirty="0">
                       <a:latin typeface="微軟正黑體" panose="020B0604030504040204" pitchFamily="34" charset="-120"/>
                       <a:ea typeface="微軟正黑體" panose="020B0604030504040204" pitchFamily="34" charset="-120"/>
                     </a:endParaRPr>
@@ -5326,11 +4575,11 @@
                 </p:spPr>
                 <p:txBody>
                   <a:bodyPr wrap="square" rtlCol="0">
-                    <a:normAutofit fontScale="92500" lnSpcReduction="10000"/>
+                    <a:normAutofit lnSpcReduction="10000"/>
                   </a:bodyPr>
                   <a:lstStyle/>
                   <a:p>
-                    <a:endParaRPr kumimoji="1" lang="zh-TW" altLang="en-US" sz="2400" dirty="0">
+                    <a:endParaRPr lang="zh-TW" altLang="en-US" sz="1411" dirty="0">
                       <a:solidFill>
                         <a:srgbClr val="5C727C"/>
                       </a:solidFill>
@@ -5364,12 +4613,12 @@
                 </p:spPr>
                 <p:txBody>
                   <a:bodyPr wrap="square" rtlCol="0">
-                    <a:normAutofit/>
+                    <a:normAutofit fontScale="92500" lnSpcReduction="20000"/>
                   </a:bodyPr>
                   <a:lstStyle/>
                   <a:p>
                     <a:r>
-                      <a:rPr kumimoji="1" lang="zh-TW" altLang="en-US" sz="2000" b="1" dirty="0">
+                      <a:rPr lang="zh-TW" altLang="en-US" sz="1600" b="1" dirty="0">
                         <a:latin typeface="微軟正黑體" panose="020B0604030504040204" pitchFamily="34" charset="-120"/>
                         <a:ea typeface="微軟正黑體" panose="020B0604030504040204" pitchFamily="34" charset="-120"/>
                       </a:rPr>
@@ -5402,12 +4651,12 @@
                 </p:spPr>
                 <p:txBody>
                   <a:bodyPr wrap="square" rtlCol="0">
-                    <a:normAutofit/>
+                    <a:normAutofit fontScale="92500" lnSpcReduction="20000"/>
                   </a:bodyPr>
                   <a:lstStyle/>
                   <a:p>
                     <a:r>
-                      <a:rPr kumimoji="1" lang="zh-TW" altLang="en-US" sz="2000" b="1" dirty="0">
+                      <a:rPr lang="zh-TW" altLang="en-US" sz="1600" b="1" dirty="0">
                         <a:latin typeface="微軟正黑體" panose="020B0604030504040204" pitchFamily="34" charset="-120"/>
                         <a:ea typeface="微軟正黑體" panose="020B0604030504040204" pitchFamily="34" charset="-120"/>
                       </a:rPr>
@@ -5440,53 +4689,53 @@
                 </p:spPr>
                 <p:txBody>
                   <a:bodyPr wrap="square" rtlCol="0">
-                    <a:normAutofit/>
+                    <a:normAutofit fontScale="92500" lnSpcReduction="20000"/>
                   </a:bodyPr>
                   <a:lstStyle/>
                   <a:p>
                     <a:r>
-                      <a:rPr kumimoji="1" lang="zh-TW" altLang="en-US" sz="2000" b="1" dirty="0">
+                      <a:rPr lang="zh-TW" altLang="en-US" sz="1600" b="1" dirty="0">
                         <a:latin typeface="微軟正黑體" panose="020B0604030504040204" pitchFamily="34" charset="-120"/>
                         <a:ea typeface="微軟正黑體" panose="020B0604030504040204" pitchFamily="34" charset="-120"/>
                       </a:rPr>
                       <a:t>互動</a:t>
                     </a:r>
                     <a:r>
-                      <a:rPr kumimoji="1" lang="en-US" altLang="zh-TW" sz="2000" b="1" dirty="0">
+                      <a:rPr lang="en-US" altLang="zh-TW" sz="1600" b="1" dirty="0">
                         <a:latin typeface="微軟正黑體" panose="020B0604030504040204" pitchFamily="34" charset="-120"/>
                         <a:ea typeface="微軟正黑體" panose="020B0604030504040204" pitchFamily="34" charset="-120"/>
                       </a:rPr>
                       <a:t>(</a:t>
                     </a:r>
                     <a:r>
-                      <a:rPr kumimoji="1" lang="zh-TW" altLang="en-US" sz="2000" b="1" dirty="0">
+                      <a:rPr lang="zh-TW" altLang="en-US" sz="1600" b="1" dirty="0">
                         <a:latin typeface="微軟正黑體" panose="020B0604030504040204" pitchFamily="34" charset="-120"/>
                         <a:ea typeface="微軟正黑體" panose="020B0604030504040204" pitchFamily="34" charset="-120"/>
                       </a:rPr>
                       <a:t>詢問</a:t>
                     </a:r>
                     <a:r>
-                      <a:rPr kumimoji="1" lang="en-US" altLang="zh-TW" sz="2000" b="1" dirty="0">
+                      <a:rPr lang="en-US" altLang="zh-TW" sz="1600" b="1" dirty="0">
                         <a:latin typeface="微軟正黑體" panose="020B0604030504040204" pitchFamily="34" charset="-120"/>
                         <a:ea typeface="微軟正黑體" panose="020B0604030504040204" pitchFamily="34" charset="-120"/>
                       </a:rPr>
                       <a:t>/</a:t>
                     </a:r>
                     <a:r>
-                      <a:rPr kumimoji="1" lang="zh-TW" altLang="en-US" sz="2000" b="1" dirty="0">
+                      <a:rPr lang="zh-TW" altLang="en-US" sz="1600" b="1" dirty="0">
                         <a:latin typeface="微軟正黑體" panose="020B0604030504040204" pitchFamily="34" charset="-120"/>
                         <a:ea typeface="微軟正黑體" panose="020B0604030504040204" pitchFamily="34" charset="-120"/>
                       </a:rPr>
                       <a:t>提醒</a:t>
                     </a:r>
                     <a:r>
-                      <a:rPr kumimoji="1" lang="en-US" altLang="zh-TW" sz="2000" b="1" dirty="0">
+                      <a:rPr lang="en-US" altLang="zh-TW" sz="1600" b="1" dirty="0">
                         <a:latin typeface="微軟正黑體" panose="020B0604030504040204" pitchFamily="34" charset="-120"/>
                         <a:ea typeface="微軟正黑體" panose="020B0604030504040204" pitchFamily="34" charset="-120"/>
                       </a:rPr>
                       <a:t>)</a:t>
                     </a:r>
-                    <a:endParaRPr kumimoji="1" lang="zh-TW" altLang="en-US" sz="2000" b="1" dirty="0">
+                    <a:endParaRPr lang="zh-TW" altLang="en-US" sz="1600" b="1" dirty="0">
                       <a:latin typeface="微軟正黑體" panose="020B0604030504040204" pitchFamily="34" charset="-120"/>
                       <a:ea typeface="微軟正黑體" panose="020B0604030504040204" pitchFamily="34" charset="-120"/>
                     </a:endParaRPr>
@@ -5517,12 +4766,12 @@
                 </p:spPr>
                 <p:txBody>
                   <a:bodyPr wrap="square" rtlCol="0">
-                    <a:normAutofit/>
+                    <a:normAutofit fontScale="92500" lnSpcReduction="10000"/>
                   </a:bodyPr>
                   <a:lstStyle/>
                   <a:p>
                     <a:r>
-                      <a:rPr kumimoji="1" lang="zh-TW" altLang="en-US" sz="2000" b="1" dirty="0">
+                      <a:rPr lang="zh-TW" altLang="en-US" sz="1600" b="1" dirty="0">
                         <a:latin typeface="微軟正黑體" panose="020B0604030504040204" pitchFamily="34" charset="-120"/>
                         <a:ea typeface="微軟正黑體" panose="020B0604030504040204" pitchFamily="34" charset="-120"/>
                       </a:rPr>
@@ -5555,53 +4804,53 @@
                 </p:spPr>
                 <p:txBody>
                   <a:bodyPr wrap="square" rtlCol="0">
-                    <a:normAutofit/>
+                    <a:normAutofit fontScale="92500" lnSpcReduction="20000"/>
                   </a:bodyPr>
                   <a:lstStyle/>
                   <a:p>
                     <a:r>
-                      <a:rPr kumimoji="1" lang="zh-TW" altLang="en-US" sz="2000" b="1" dirty="0">
+                      <a:rPr lang="zh-TW" altLang="en-US" sz="1600" b="1" dirty="0">
                         <a:latin typeface="微軟正黑體" panose="020B0604030504040204" pitchFamily="34" charset="-120"/>
                         <a:ea typeface="微軟正黑體" panose="020B0604030504040204" pitchFamily="34" charset="-120"/>
                       </a:rPr>
                       <a:t>做出動作</a:t>
                     </a:r>
                     <a:r>
-                      <a:rPr kumimoji="1" lang="en-US" altLang="zh-TW" sz="2000" b="1" dirty="0">
+                      <a:rPr lang="en-US" altLang="zh-TW" sz="1600" b="1" dirty="0">
                         <a:latin typeface="微軟正黑體" panose="020B0604030504040204" pitchFamily="34" charset="-120"/>
                         <a:ea typeface="微軟正黑體" panose="020B0604030504040204" pitchFamily="34" charset="-120"/>
                       </a:rPr>
                       <a:t>(</a:t>
                     </a:r>
                     <a:r>
-                      <a:rPr kumimoji="1" lang="zh-TW" altLang="en-US" sz="2000" b="1" dirty="0">
+                      <a:rPr lang="zh-TW" altLang="en-US" sz="1600" b="1" dirty="0">
                         <a:latin typeface="微軟正黑體" panose="020B0604030504040204" pitchFamily="34" charset="-120"/>
                         <a:ea typeface="微軟正黑體" panose="020B0604030504040204" pitchFamily="34" charset="-120"/>
                       </a:rPr>
                       <a:t>插入</a:t>
                     </a:r>
                     <a:r>
-                      <a:rPr kumimoji="1" lang="en-US" altLang="zh-TW" sz="2000" b="1" dirty="0">
+                      <a:rPr lang="en-US" altLang="zh-TW" sz="1600" b="1" dirty="0">
                         <a:latin typeface="微軟正黑體" panose="020B0604030504040204" pitchFamily="34" charset="-120"/>
                         <a:ea typeface="微軟正黑體" panose="020B0604030504040204" pitchFamily="34" charset="-120"/>
                       </a:rPr>
                       <a:t>/</a:t>
                     </a:r>
                     <a:r>
-                      <a:rPr kumimoji="1" lang="zh-TW" altLang="en-US" sz="2000" b="1" dirty="0">
+                      <a:rPr lang="zh-TW" altLang="en-US" sz="1600" b="1" dirty="0">
                         <a:latin typeface="微軟正黑體" panose="020B0604030504040204" pitchFamily="34" charset="-120"/>
                         <a:ea typeface="微軟正黑體" panose="020B0604030504040204" pitchFamily="34" charset="-120"/>
                       </a:rPr>
                       <a:t>量測</a:t>
                     </a:r>
                     <a:r>
-                      <a:rPr kumimoji="1" lang="en-US" altLang="zh-TW" sz="2000" b="1" dirty="0">
+                      <a:rPr lang="en-US" altLang="zh-TW" sz="1600" b="1" dirty="0">
                         <a:latin typeface="微軟正黑體" panose="020B0604030504040204" pitchFamily="34" charset="-120"/>
                         <a:ea typeface="微軟正黑體" panose="020B0604030504040204" pitchFamily="34" charset="-120"/>
                       </a:rPr>
                       <a:t>)</a:t>
                     </a:r>
-                    <a:endParaRPr kumimoji="1" lang="zh-TW" altLang="en-US" sz="2000" b="1" dirty="0">
+                    <a:endParaRPr lang="zh-TW" altLang="en-US" sz="1600" b="1" dirty="0">
                       <a:latin typeface="微軟正黑體" panose="020B0604030504040204" pitchFamily="34" charset="-120"/>
                       <a:ea typeface="微軟正黑體" panose="020B0604030504040204" pitchFamily="34" charset="-120"/>
                     </a:endParaRPr>
@@ -5632,12 +4881,12 @@
                 </p:spPr>
                 <p:txBody>
                   <a:bodyPr wrap="square" rtlCol="0">
-                    <a:normAutofit/>
+                    <a:normAutofit fontScale="92500" lnSpcReduction="20000"/>
                   </a:bodyPr>
                   <a:lstStyle/>
                   <a:p>
                     <a:r>
-                      <a:rPr kumimoji="1" lang="zh-TW" altLang="en-US" sz="2000" b="1" dirty="0">
+                      <a:rPr lang="zh-TW" altLang="en-US" sz="1600" b="1" dirty="0">
                         <a:latin typeface="微軟正黑體" panose="020B0604030504040204" pitchFamily="34" charset="-120"/>
                         <a:ea typeface="微軟正黑體" panose="020B0604030504040204" pitchFamily="34" charset="-120"/>
                       </a:rPr>
@@ -5670,18 +4919,18 @@
                 </p:spPr>
                 <p:txBody>
                   <a:bodyPr wrap="square" rtlCol="0">
-                    <a:normAutofit/>
+                    <a:normAutofit fontScale="92500" lnSpcReduction="20000"/>
                   </a:bodyPr>
                   <a:lstStyle/>
                   <a:p>
                     <a:r>
-                      <a:rPr kumimoji="1" lang="en-US" altLang="zh-TW" sz="2000" b="1" dirty="0">
+                      <a:rPr lang="en-US" altLang="zh-TW" sz="1600" b="1" dirty="0">
                         <a:latin typeface="微軟正黑體" panose="020B0604030504040204" pitchFamily="34" charset="-120"/>
                         <a:ea typeface="微軟正黑體" panose="020B0604030504040204" pitchFamily="34" charset="-120"/>
                       </a:rPr>
                       <a:t>Data base</a:t>
                     </a:r>
-                    <a:endParaRPr kumimoji="1" lang="zh-TW" altLang="en-US" sz="2000" b="1" dirty="0">
+                    <a:endParaRPr lang="zh-TW" altLang="en-US" sz="1600" b="1" dirty="0">
                       <a:latin typeface="微軟正黑體" panose="020B0604030504040204" pitchFamily="34" charset="-120"/>
                       <a:ea typeface="微軟正黑體" panose="020B0604030504040204" pitchFamily="34" charset="-120"/>
                     </a:endParaRPr>
@@ -5712,12 +4961,12 @@
                 </p:spPr>
                 <p:txBody>
                   <a:bodyPr wrap="square" rtlCol="0">
-                    <a:normAutofit/>
+                    <a:normAutofit fontScale="92500" lnSpcReduction="20000"/>
                   </a:bodyPr>
                   <a:lstStyle/>
                   <a:p>
                     <a:r>
-                      <a:rPr kumimoji="1" lang="zh-TW" altLang="en-US" sz="2000" b="1" dirty="0">
+                      <a:rPr lang="zh-TW" altLang="en-US" sz="1600" b="1" dirty="0">
                         <a:latin typeface="微軟正黑體" panose="020B0604030504040204" pitchFamily="34" charset="-120"/>
                         <a:ea typeface="微軟正黑體" panose="020B0604030504040204" pitchFamily="34" charset="-120"/>
                       </a:rPr>
@@ -5799,12 +5048,12 @@
                 </p:spPr>
                 <p:txBody>
                   <a:bodyPr wrap="square" rtlCol="0">
-                    <a:normAutofit/>
+                    <a:normAutofit fontScale="92500" lnSpcReduction="20000"/>
                   </a:bodyPr>
                   <a:lstStyle/>
                   <a:p>
                     <a:r>
-                      <a:rPr kumimoji="1" lang="zh-TW" altLang="en-US" sz="2000" b="1" dirty="0">
+                      <a:rPr lang="zh-TW" altLang="en-US" sz="1600" b="1" dirty="0">
                         <a:latin typeface="微軟正黑體" panose="020B0604030504040204" pitchFamily="34" charset="-120"/>
                         <a:ea typeface="微軟正黑體" panose="020B0604030504040204" pitchFamily="34" charset="-120"/>
                       </a:rPr>
@@ -5837,12 +5086,12 @@
                 </p:spPr>
                 <p:txBody>
                   <a:bodyPr wrap="square" rtlCol="0">
-                    <a:normAutofit/>
+                    <a:normAutofit fontScale="92500" lnSpcReduction="20000"/>
                   </a:bodyPr>
                   <a:lstStyle/>
                   <a:p>
                     <a:r>
-                      <a:rPr kumimoji="1" lang="zh-TW" altLang="en-US" sz="2000" b="1" dirty="0">
+                      <a:rPr lang="zh-TW" altLang="en-US" sz="1600" b="1" dirty="0">
                         <a:latin typeface="微軟正黑體" panose="020B0604030504040204" pitchFamily="34" charset="-120"/>
                         <a:ea typeface="微軟正黑體" panose="020B0604030504040204" pitchFamily="34" charset="-120"/>
                       </a:rPr>
@@ -5878,81 +5127,81 @@
           </p:spPr>
           <p:txBody>
             <a:bodyPr wrap="square" rtlCol="0">
-              <a:normAutofit/>
+              <a:normAutofit fontScale="70000" lnSpcReduction="20000"/>
             </a:bodyPr>
             <a:lstStyle/>
             <a:p>
               <a:r>
-                <a:rPr kumimoji="1" lang="zh-TW" altLang="en-US" sz="2000" b="1" dirty="0">
+                <a:rPr lang="zh-TW" altLang="en-US" sz="2200" b="1" dirty="0">
                   <a:latin typeface="微軟正黑體" panose="020B0604030504040204" pitchFamily="34" charset="-120"/>
                   <a:ea typeface="微軟正黑體" panose="020B0604030504040204" pitchFamily="34" charset="-120"/>
                 </a:rPr>
                 <a:t>數據傳送</a:t>
               </a:r>
               <a:r>
-                <a:rPr kumimoji="1" lang="en-US" altLang="zh-TW" sz="2000" b="1" dirty="0">
+                <a:rPr lang="en-US" altLang="zh-TW" sz="2200" b="1" dirty="0">
                   <a:latin typeface="微軟正黑體" panose="020B0604030504040204" pitchFamily="34" charset="-120"/>
                   <a:ea typeface="微軟正黑體" panose="020B0604030504040204" pitchFamily="34" charset="-120"/>
                 </a:rPr>
                 <a:t>(</a:t>
               </a:r>
               <a:r>
-                <a:rPr kumimoji="1" lang="zh-TW" altLang="en-US" sz="2000" b="1" dirty="0">
+                <a:rPr lang="zh-TW" altLang="en-US" sz="2200" b="1" dirty="0">
                   <a:latin typeface="微軟正黑體" panose="020B0604030504040204" pitchFamily="34" charset="-120"/>
                   <a:ea typeface="微軟正黑體" panose="020B0604030504040204" pitchFamily="34" charset="-120"/>
                 </a:rPr>
                 <a:t>溫度計</a:t>
               </a:r>
               <a:r>
-                <a:rPr kumimoji="1" lang="en-US" altLang="zh-TW" sz="2000" b="1" dirty="0">
+                <a:rPr lang="en-US" altLang="zh-TW" sz="2200" b="1" dirty="0">
                   <a:latin typeface="微軟正黑體" panose="020B0604030504040204" pitchFamily="34" charset="-120"/>
                   <a:ea typeface="微軟正黑體" panose="020B0604030504040204" pitchFamily="34" charset="-120"/>
                 </a:rPr>
                 <a:t>/</a:t>
               </a:r>
               <a:r>
-                <a:rPr kumimoji="1" lang="zh-TW" altLang="en-US" sz="2000" b="1" dirty="0">
+                <a:rPr lang="zh-TW" altLang="en-US" sz="2200" b="1" dirty="0">
                   <a:latin typeface="微軟正黑體" panose="020B0604030504040204" pitchFamily="34" charset="-120"/>
                   <a:ea typeface="微軟正黑體" panose="020B0604030504040204" pitchFamily="34" charset="-120"/>
                 </a:rPr>
                 <a:t>血壓計</a:t>
               </a:r>
               <a:r>
-                <a:rPr kumimoji="1" lang="en-US" altLang="zh-TW" sz="2000" b="1" dirty="0">
+                <a:rPr lang="en-US" altLang="zh-TW" sz="2200" b="1" dirty="0">
                   <a:latin typeface="微軟正黑體" panose="020B0604030504040204" pitchFamily="34" charset="-120"/>
                   <a:ea typeface="微軟正黑體" panose="020B0604030504040204" pitchFamily="34" charset="-120"/>
                 </a:rPr>
                 <a:t>/</a:t>
               </a:r>
               <a:r>
-                <a:rPr kumimoji="1" lang="zh-TW" altLang="en-US" sz="2000" b="1" dirty="0">
+                <a:rPr lang="zh-TW" altLang="en-US" sz="2200" b="1" dirty="0">
                   <a:latin typeface="微軟正黑體" panose="020B0604030504040204" pitchFamily="34" charset="-120"/>
                   <a:ea typeface="微軟正黑體" panose="020B0604030504040204" pitchFamily="34" charset="-120"/>
                 </a:rPr>
                 <a:t>體重計</a:t>
               </a:r>
               <a:r>
-                <a:rPr kumimoji="1" lang="en-US" altLang="zh-TW" sz="2000" b="1" dirty="0">
+                <a:rPr lang="en-US" altLang="zh-TW" sz="2200" b="1" dirty="0">
                   <a:latin typeface="微軟正黑體" panose="020B0604030504040204" pitchFamily="34" charset="-120"/>
                   <a:ea typeface="微軟正黑體" panose="020B0604030504040204" pitchFamily="34" charset="-120"/>
                 </a:rPr>
                 <a:t>/</a:t>
               </a:r>
               <a:r>
-                <a:rPr kumimoji="1" lang="zh-TW" altLang="en-US" sz="2000" b="1" dirty="0">
+                <a:rPr lang="zh-TW" altLang="en-US" sz="2200" b="1" dirty="0">
                   <a:latin typeface="微軟正黑體" panose="020B0604030504040204" pitchFamily="34" charset="-120"/>
                   <a:ea typeface="微軟正黑體" panose="020B0604030504040204" pitchFamily="34" charset="-120"/>
                 </a:rPr>
                 <a:t>讀卡機</a:t>
               </a:r>
               <a:r>
-                <a:rPr kumimoji="1" lang="en-US" altLang="zh-TW" sz="2000" b="1" dirty="0">
+                <a:rPr lang="en-US" altLang="zh-TW" sz="2200" b="1" dirty="0">
                   <a:latin typeface="微軟正黑體" panose="020B0604030504040204" pitchFamily="34" charset="-120"/>
                   <a:ea typeface="微軟正黑體" panose="020B0604030504040204" pitchFamily="34" charset="-120"/>
                 </a:rPr>
                 <a:t>)</a:t>
               </a:r>
-              <a:endParaRPr kumimoji="1" lang="zh-TW" altLang="en-US" sz="2000" dirty="0">
+              <a:endParaRPr lang="zh-TW" altLang="en-US" sz="2200" dirty="0">
                 <a:solidFill>
                   <a:srgbClr val="5C727C"/>
                 </a:solidFill>
@@ -5961,7 +5210,7 @@
               </a:endParaRPr>
             </a:p>
             <a:p>
-              <a:endParaRPr lang="zh-TW" altLang="en-US" dirty="0"/>
+              <a:endParaRPr lang="zh-TW" altLang="en-US" sz="3058" dirty="0"/>
             </a:p>
           </p:txBody>
         </p:sp>
@@ -5980,8 +5229,8 @@
         </p:nvSpPr>
         <p:spPr>
           <a:xfrm>
-            <a:off x="981745" y="7635502"/>
-            <a:ext cx="15280340" cy="8787021"/>
+            <a:off x="1322842" y="4846257"/>
+            <a:ext cx="8983567" cy="5733557"/>
           </a:xfrm>
           <a:prstGeom prst="rect">
             <a:avLst/>
@@ -5994,282 +5243,208 @@
           </a:bodyPr>
           <a:lstStyle/>
           <a:p>
-            <a:pPr algn="just" defTabSz="4319588"/>
-            <a:r>
-              <a:rPr lang="zh-TW" altLang="zh-TW" sz="4000" b="1" dirty="0">
-                <a:solidFill>
-                  <a:schemeClr val="tx1"/>
-                </a:solidFill>
-                <a:effectLst/>
+            <a:pPr algn="just" defTabSz="2539486">
+              <a:lnSpc>
+                <a:spcPct val="150000"/>
+              </a:lnSpc>
+            </a:pPr>
+            <a:r>
+              <a:rPr lang="zh-TW" altLang="zh-TW" sz="2800" b="1" dirty="0">
                 <a:latin typeface="微軟正黑體" panose="020B0604030504040204" pitchFamily="34" charset="-120"/>
                 <a:ea typeface="微軟正黑體" panose="020B0604030504040204" pitchFamily="34" charset="-120"/>
               </a:rPr>
               <a:t>本</a:t>
             </a:r>
             <a:r>
-              <a:rPr lang="zh-TW" altLang="en-US" sz="4000" b="1" dirty="0">
-                <a:solidFill>
-                  <a:schemeClr val="tx1"/>
-                </a:solidFill>
+              <a:rPr lang="zh-TW" altLang="en-US" sz="2800" b="1" dirty="0">
                 <a:latin typeface="微軟正黑體" panose="020B0604030504040204" pitchFamily="34" charset="-120"/>
                 <a:ea typeface="微軟正黑體" panose="020B0604030504040204" pitchFamily="34" charset="-120"/>
               </a:rPr>
               <a:t>專題</a:t>
             </a:r>
             <a:r>
-              <a:rPr lang="zh-TW" altLang="zh-TW" sz="4000" b="1" dirty="0">
-                <a:solidFill>
-                  <a:schemeClr val="tx1"/>
-                </a:solidFill>
-                <a:effectLst/>
+              <a:rPr lang="zh-TW" altLang="zh-TW" sz="2800" b="1" dirty="0">
                 <a:latin typeface="微軟正黑體" panose="020B0604030504040204" pitchFamily="34" charset="-120"/>
                 <a:ea typeface="微軟正黑體" panose="020B0604030504040204" pitchFamily="34" charset="-120"/>
               </a:rPr>
               <a:t>以</a:t>
             </a:r>
             <a:r>
-              <a:rPr lang="en-US" altLang="zh-TW" sz="4000" b="1" dirty="0" err="1">
-                <a:solidFill>
-                  <a:schemeClr val="tx1"/>
-                </a:solidFill>
-                <a:effectLst/>
+              <a:rPr lang="en-US" altLang="zh-TW" sz="2800" b="1" dirty="0" err="1">
                 <a:latin typeface="微軟正黑體" panose="020B0604030504040204" pitchFamily="34" charset="-120"/>
                 <a:ea typeface="微軟正黑體" panose="020B0604030504040204" pitchFamily="34" charset="-120"/>
               </a:rPr>
               <a:t>Zenbo</a:t>
             </a:r>
             <a:r>
-              <a:rPr lang="en-US" altLang="zh-TW" sz="4000" b="1" dirty="0">
-                <a:solidFill>
-                  <a:schemeClr val="tx1"/>
-                </a:solidFill>
-                <a:effectLst/>
+              <a:rPr lang="en-US" altLang="zh-TW" sz="2800" b="1" dirty="0">
                 <a:latin typeface="微軟正黑體" panose="020B0604030504040204" pitchFamily="34" charset="-120"/>
                 <a:ea typeface="微軟正黑體" panose="020B0604030504040204" pitchFamily="34" charset="-120"/>
               </a:rPr>
               <a:t> Junior</a:t>
             </a:r>
             <a:r>
-              <a:rPr lang="zh-TW" altLang="zh-TW" sz="4000" b="1" dirty="0">
-                <a:solidFill>
-                  <a:schemeClr val="tx1"/>
-                </a:solidFill>
-                <a:effectLst/>
+              <a:rPr lang="zh-TW" altLang="zh-TW" sz="2800" b="1" dirty="0">
                 <a:latin typeface="微軟正黑體" panose="020B0604030504040204" pitchFamily="34" charset="-120"/>
                 <a:ea typeface="微軟正黑體" panose="020B0604030504040204" pitchFamily="34" charset="-120"/>
               </a:rPr>
-              <a:t>機器人、樹莓派、讀卡機和生理量測設備開發</a:t>
-            </a:r>
-            <a:r>
-              <a:rPr lang="en-US" altLang="zh-TW" sz="4000" b="1" dirty="0">
-                <a:solidFill>
-                  <a:schemeClr val="tx1"/>
-                </a:solidFill>
-                <a:effectLst/>
+              <a:t>機器人、</a:t>
+            </a:r>
+            <a:r>
+              <a:rPr lang="en-US" altLang="zh-TW" sz="2800" b="1" dirty="0">
                 <a:latin typeface="微軟正黑體" panose="020B0604030504040204" pitchFamily="34" charset="-120"/>
                 <a:ea typeface="微軟正黑體" panose="020B0604030504040204" pitchFamily="34" charset="-120"/>
               </a:rPr>
-              <a:t>AIOT</a:t>
-            </a:r>
-            <a:r>
-              <a:rPr lang="zh-TW" altLang="zh-TW" sz="4000" b="1" dirty="0">
-                <a:solidFill>
-                  <a:schemeClr val="tx1"/>
-                </a:solidFill>
-                <a:effectLst/>
+              <a:t>Raspberry Pi</a:t>
+            </a:r>
+            <a:r>
+              <a:rPr lang="zh-TW" altLang="zh-TW" sz="2800" b="1" dirty="0">
                 <a:latin typeface="微軟正黑體" panose="020B0604030504040204" pitchFamily="34" charset="-120"/>
                 <a:ea typeface="微軟正黑體" panose="020B0604030504040204" pitchFamily="34" charset="-120"/>
               </a:rPr>
-              <a:t>生理量測與分析系統</a:t>
-            </a:r>
-            <a:r>
-              <a:rPr lang="zh-TW" altLang="en-US" sz="4000" b="1" dirty="0">
-                <a:solidFill>
-                  <a:schemeClr val="tx1"/>
-                </a:solidFill>
-                <a:effectLst/>
+              <a:t>、讀卡機和生理量測設備開發</a:t>
+            </a:r>
+            <a:r>
+              <a:rPr lang="en-US" altLang="zh-TW" sz="2800" b="1" dirty="0">
                 <a:latin typeface="微軟正黑體" panose="020B0604030504040204" pitchFamily="34" charset="-120"/>
                 <a:ea typeface="微軟正黑體" panose="020B0604030504040204" pitchFamily="34" charset="-120"/>
               </a:rPr>
-              <a:t>，實現以下幾項目的</a:t>
-            </a:r>
-            <a:r>
-              <a:rPr lang="en-US" altLang="zh-TW" sz="4000" b="1" dirty="0">
-                <a:solidFill>
-                  <a:schemeClr val="tx1"/>
-                </a:solidFill>
+              <a:t>AIOT</a:t>
+            </a:r>
+            <a:r>
+              <a:rPr lang="zh-TW" altLang="zh-TW" sz="2800" b="1" dirty="0">
                 <a:latin typeface="微軟正黑體" panose="020B0604030504040204" pitchFamily="34" charset="-120"/>
                 <a:ea typeface="微軟正黑體" panose="020B0604030504040204" pitchFamily="34" charset="-120"/>
               </a:rPr>
+              <a:t>生理量測與分析系統</a:t>
+            </a:r>
+            <a:r>
+              <a:rPr lang="zh-TW" altLang="en-US" sz="2800" b="1" dirty="0">
+                <a:latin typeface="微軟正黑體" panose="020B0604030504040204" pitchFamily="34" charset="-120"/>
+                <a:ea typeface="微軟正黑體" panose="020B0604030504040204" pitchFamily="34" charset="-120"/>
+              </a:rPr>
+              <a:t>，實現以下幾項目的</a:t>
+            </a:r>
+            <a:r>
+              <a:rPr lang="en-US" altLang="zh-TW" sz="2800" b="1" dirty="0">
+                <a:latin typeface="微軟正黑體" panose="020B0604030504040204" pitchFamily="34" charset="-120"/>
+                <a:ea typeface="微軟正黑體" panose="020B0604030504040204" pitchFamily="34" charset="-120"/>
+              </a:rPr>
               <a:t>:</a:t>
             </a:r>
           </a:p>
           <a:p>
-            <a:pPr marL="914400" indent="-914400" algn="just" defTabSz="4319588">
+            <a:pPr marL="537576" indent="-537576" algn="just" defTabSz="2539486">
               <a:lnSpc>
-                <a:spcPct val="200000"/>
+                <a:spcPct val="150000"/>
               </a:lnSpc>
               <a:buAutoNum type="arabicPeriod"/>
             </a:pPr>
             <a:r>
-              <a:rPr lang="zh-TW" altLang="zh-TW" sz="4000" b="1" dirty="0">
-                <a:solidFill>
-                  <a:schemeClr val="tx1"/>
-                </a:solidFill>
-                <a:effectLst/>
+              <a:rPr lang="zh-TW" altLang="zh-TW" sz="2800" b="1" dirty="0">
                 <a:latin typeface="微軟正黑體" panose="020B0604030504040204" pitchFamily="34" charset="-120"/>
                 <a:ea typeface="微軟正黑體" panose="020B0604030504040204" pitchFamily="34" charset="-120"/>
               </a:rPr>
               <a:t>系統利用使用者的歷史生理量測資料分析出的結果以網頁或機器人給予使用者健康上的建議。</a:t>
             </a:r>
-            <a:endParaRPr lang="en-US" altLang="zh-TW" sz="4000" b="1" dirty="0">
-              <a:solidFill>
-                <a:schemeClr val="tx1"/>
-              </a:solidFill>
-              <a:effectLst/>
+            <a:endParaRPr lang="en-US" altLang="zh-TW" sz="2800" b="1" dirty="0">
               <a:latin typeface="微軟正黑體" panose="020B0604030504040204" pitchFamily="34" charset="-120"/>
               <a:ea typeface="微軟正黑體" panose="020B0604030504040204" pitchFamily="34" charset="-120"/>
             </a:endParaRPr>
           </a:p>
           <a:p>
-            <a:pPr algn="just" defTabSz="4319588">
+            <a:pPr algn="just" defTabSz="2539486">
               <a:lnSpc>
-                <a:spcPct val="200000"/>
+                <a:spcPct val="150000"/>
               </a:lnSpc>
             </a:pPr>
             <a:r>
-              <a:rPr lang="en-US" altLang="zh-TW" sz="4000" b="1" dirty="0">
-                <a:solidFill>
-                  <a:schemeClr val="tx1"/>
-                </a:solidFill>
+              <a:rPr lang="en-US" altLang="zh-TW" sz="2800" b="1" dirty="0">
                 <a:latin typeface="微軟正黑體" panose="020B0604030504040204" pitchFamily="34" charset="-120"/>
                 <a:ea typeface="微軟正黑體" panose="020B0604030504040204" pitchFamily="34" charset="-120"/>
               </a:rPr>
               <a:t>2.</a:t>
             </a:r>
             <a:r>
-              <a:rPr lang="zh-TW" altLang="en-US" sz="4000" b="1" dirty="0">
-                <a:solidFill>
-                  <a:schemeClr val="tx1"/>
-                </a:solidFill>
+              <a:rPr lang="zh-TW" altLang="en-US" sz="2800" b="1" dirty="0">
                 <a:latin typeface="微軟正黑體" panose="020B0604030504040204" pitchFamily="34" charset="-120"/>
                 <a:ea typeface="微軟正黑體" panose="020B0604030504040204" pitchFamily="34" charset="-120"/>
               </a:rPr>
               <a:t>  使用多個演算法</a:t>
             </a:r>
             <a:r>
-              <a:rPr lang="zh-TW" altLang="zh-TW" sz="4000" b="1" dirty="0">
-                <a:solidFill>
-                  <a:schemeClr val="tx1"/>
-                </a:solidFill>
-                <a:effectLst/>
+              <a:rPr lang="zh-TW" altLang="zh-TW" sz="2800" b="1" dirty="0">
                 <a:latin typeface="微軟正黑體" panose="020B0604030504040204" pitchFamily="34" charset="-120"/>
                 <a:ea typeface="微軟正黑體" panose="020B0604030504040204" pitchFamily="34" charset="-120"/>
               </a:rPr>
               <a:t>進行資料的分析及推算，</a:t>
             </a:r>
-            <a:endParaRPr lang="en-US" altLang="zh-TW" sz="4000" b="1" dirty="0">
-              <a:solidFill>
-                <a:schemeClr val="tx1"/>
-              </a:solidFill>
-              <a:effectLst/>
+            <a:endParaRPr lang="en-US" altLang="zh-TW" sz="2800" b="1" dirty="0">
               <a:latin typeface="微軟正黑體" panose="020B0604030504040204" pitchFamily="34" charset="-120"/>
               <a:ea typeface="微軟正黑體" panose="020B0604030504040204" pitchFamily="34" charset="-120"/>
             </a:endParaRPr>
           </a:p>
           <a:p>
-            <a:pPr algn="just" defTabSz="4319588">
+            <a:pPr algn="just" defTabSz="2539486">
               <a:lnSpc>
-                <a:spcPct val="200000"/>
+                <a:spcPct val="150000"/>
               </a:lnSpc>
             </a:pPr>
             <a:r>
-              <a:rPr lang="en-US" altLang="zh-TW" sz="4000" b="1" dirty="0">
-                <a:solidFill>
-                  <a:schemeClr val="tx1"/>
-                </a:solidFill>
-                <a:effectLst/>
+              <a:rPr lang="en-US" altLang="zh-TW" sz="2800" b="1" dirty="0">
                 <a:latin typeface="微軟正黑體" panose="020B0604030504040204" pitchFamily="34" charset="-120"/>
                 <a:ea typeface="微軟正黑體" panose="020B0604030504040204" pitchFamily="34" charset="-120"/>
               </a:rPr>
               <a:t>3.</a:t>
             </a:r>
             <a:r>
-              <a:rPr lang="zh-TW" altLang="en-US" sz="4000" b="1" dirty="0">
-                <a:solidFill>
-                  <a:schemeClr val="tx1"/>
-                </a:solidFill>
-                <a:effectLst/>
+              <a:rPr lang="zh-TW" altLang="en-US" sz="2800" b="1" dirty="0">
                 <a:latin typeface="微軟正黑體" panose="020B0604030504040204" pitchFamily="34" charset="-120"/>
                 <a:ea typeface="微軟正黑體" panose="020B0604030504040204" pitchFamily="34" charset="-120"/>
               </a:rPr>
               <a:t>  </a:t>
             </a:r>
             <a:r>
-              <a:rPr lang="zh-TW" altLang="zh-TW" sz="4000" b="1" dirty="0">
-                <a:solidFill>
-                  <a:schemeClr val="tx1"/>
-                </a:solidFill>
-                <a:effectLst/>
+              <a:rPr lang="zh-TW" altLang="zh-TW" sz="2800" b="1" dirty="0">
                 <a:latin typeface="微軟正黑體" panose="020B0604030504040204" pitchFamily="34" charset="-120"/>
                 <a:ea typeface="微軟正黑體" panose="020B0604030504040204" pitchFamily="34" charset="-120"/>
               </a:rPr>
               <a:t>將建議的內容、生理指標的周</a:t>
             </a:r>
             <a:r>
-              <a:rPr lang="en-US" altLang="zh-TW" sz="4000" b="1" dirty="0">
-                <a:solidFill>
-                  <a:schemeClr val="tx1"/>
-                </a:solidFill>
-                <a:effectLst/>
+              <a:rPr lang="en-US" altLang="zh-TW" sz="2800" b="1" dirty="0">
                 <a:latin typeface="微軟正黑體" panose="020B0604030504040204" pitchFamily="34" charset="-120"/>
                 <a:ea typeface="微軟正黑體" panose="020B0604030504040204" pitchFamily="34" charset="-120"/>
               </a:rPr>
               <a:t>/</a:t>
             </a:r>
             <a:r>
-              <a:rPr lang="zh-TW" altLang="zh-TW" sz="4000" b="1" dirty="0">
-                <a:solidFill>
-                  <a:schemeClr val="tx1"/>
-                </a:solidFill>
-                <a:effectLst/>
+              <a:rPr lang="zh-TW" altLang="zh-TW" sz="2800" b="1" dirty="0">
                 <a:latin typeface="微軟正黑體" panose="020B0604030504040204" pitchFamily="34" charset="-120"/>
                 <a:ea typeface="微軟正黑體" panose="020B0604030504040204" pitchFamily="34" charset="-120"/>
               </a:rPr>
               <a:t>月趨勢圖表呈現</a:t>
             </a:r>
-            <a:endParaRPr lang="en-US" altLang="zh-TW" sz="4000" b="1" dirty="0">
-              <a:solidFill>
-                <a:schemeClr val="tx1"/>
-              </a:solidFill>
-              <a:effectLst/>
+            <a:endParaRPr lang="en-US" altLang="zh-TW" sz="2800" b="1" dirty="0">
               <a:latin typeface="微軟正黑體" panose="020B0604030504040204" pitchFamily="34" charset="-120"/>
               <a:ea typeface="微軟正黑體" panose="020B0604030504040204" pitchFamily="34" charset="-120"/>
             </a:endParaRPr>
           </a:p>
           <a:p>
-            <a:pPr algn="just" defTabSz="4319588">
+            <a:pPr algn="just" defTabSz="2539486">
               <a:lnSpc>
-                <a:spcPct val="200000"/>
+                <a:spcPct val="150000"/>
               </a:lnSpc>
             </a:pPr>
             <a:r>
-              <a:rPr lang="zh-TW" altLang="en-US" sz="4000" b="1" dirty="0">
-                <a:solidFill>
-                  <a:schemeClr val="tx1"/>
-                </a:solidFill>
-                <a:effectLst/>
+              <a:rPr lang="zh-TW" altLang="en-US" sz="2800" b="1" dirty="0">
                 <a:latin typeface="微軟正黑體" panose="020B0604030504040204" pitchFamily="34" charset="-120"/>
                 <a:ea typeface="微軟正黑體" panose="020B0604030504040204" pitchFamily="34" charset="-120"/>
               </a:rPr>
               <a:t>     </a:t>
             </a:r>
             <a:r>
-              <a:rPr lang="zh-TW" altLang="zh-TW" sz="4000" b="1" dirty="0">
-                <a:solidFill>
-                  <a:schemeClr val="tx1"/>
-                </a:solidFill>
-                <a:effectLst/>
+              <a:rPr lang="zh-TW" altLang="zh-TW" sz="2800" b="1" dirty="0">
                 <a:latin typeface="微軟正黑體" panose="020B0604030504040204" pitchFamily="34" charset="-120"/>
                 <a:ea typeface="微軟正黑體" panose="020B0604030504040204" pitchFamily="34" charset="-120"/>
               </a:rPr>
@@ -6277,7 +5452,7 @@
             </a:r>
           </a:p>
           <a:p>
-            <a:endParaRPr lang="zh-TW" altLang="en-US" dirty="0"/>
+            <a:endParaRPr lang="zh-TW" altLang="en-US" sz="3058" dirty="0"/>
           </a:p>
         </p:txBody>
       </p:sp>
@@ -6297,8 +5472,8 @@
         </p:nvSpPr>
         <p:spPr bwMode="auto">
           <a:xfrm>
-            <a:off x="3464309" y="23876215"/>
-            <a:ext cx="11010132" cy="1255178"/>
+            <a:off x="2804693" y="15829801"/>
+            <a:ext cx="6473040" cy="737940"/>
           </a:xfrm>
           <a:prstGeom prst="roundRect">
             <a:avLst>
@@ -6347,7 +5522,7 @@
           </a:fontRef>
         </p:style>
         <p:txBody>
-          <a:bodyPr wrap="none" lIns="106934" tIns="53467" rIns="106934" bIns="53467" anchor="ctr">
+          <a:bodyPr wrap="none" lIns="62868" tIns="31434" rIns="62868" bIns="31434" anchor="ctr">
             <a:flatTx/>
           </a:bodyPr>
           <a:lstStyle>
@@ -6460,7 +5635,7 @@
           <a:p>
             <a:pPr algn="ctr"/>
             <a:r>
-              <a:rPr lang="zh-TW" altLang="en-US" sz="7200" b="1" dirty="0">
+              <a:rPr lang="zh-TW" altLang="en-US" sz="4233" b="1" dirty="0">
                 <a:latin typeface="Microsoft YaHei UI" panose="020B0503020204020204" pitchFamily="34" charset="-122"/>
                 <a:ea typeface="Microsoft YaHei UI" panose="020B0503020204020204" pitchFamily="34" charset="-122"/>
               </a:rPr>
@@ -6469,127 +5644,195 @@
           </a:p>
         </p:txBody>
       </p:sp>
-      <p:sp>
-        <p:nvSpPr>
-          <p:cNvPr id="336" name="矩形: 圓角 335">
-            <a:extLst>
-              <a:ext uri="{FF2B5EF4-FFF2-40B4-BE49-F238E27FC236}">
-                <a16:creationId xmlns:a16="http://schemas.microsoft.com/office/drawing/2014/main" id="{68383854-D6B0-40C8-8ED4-AAF27F72900C}"/>
-              </a:ext>
-            </a:extLst>
-          </p:cNvPr>
-          <p:cNvSpPr/>
-          <p:nvPr/>
-        </p:nvSpPr>
-        <p:spPr bwMode="auto">
-          <a:xfrm>
-            <a:off x="308122" y="15489526"/>
-            <a:ext cx="33579249" cy="20718982"/>
-          </a:xfrm>
-          <a:prstGeom prst="roundRect">
-            <a:avLst>
-              <a:gd name="adj" fmla="val 5819"/>
-            </a:avLst>
-          </a:prstGeom>
-          <a:solidFill>
-            <a:schemeClr val="bg1"/>
-          </a:solidFill>
-          <a:ln>
-            <a:noFill/>
-          </a:ln>
-        </p:spPr>
-        <p:style>
-          <a:lnRef idx="0">
-            <a:scrgbClr r="0" g="0" b="0"/>
-          </a:lnRef>
-          <a:fillRef idx="0">
-            <a:scrgbClr r="0" g="0" b="0"/>
-          </a:fillRef>
-          <a:effectRef idx="0">
-            <a:scrgbClr r="0" g="0" b="0"/>
-          </a:effectRef>
-          <a:fontRef idx="minor">
-            <a:schemeClr val="lt1"/>
-          </a:fontRef>
-        </p:style>
-        <p:txBody>
-          <a:bodyPr vert="horz" wrap="square" lIns="91440" tIns="45720" rIns="91440" bIns="45720" numCol="1" rtlCol="0" anchor="b" anchorCtr="0" compatLnSpc="1">
-            <a:prstTxWarp prst="textNoShape">
-              <a:avLst/>
-            </a:prstTxWarp>
-          </a:bodyPr>
-          <a:lstStyle/>
-          <a:p>
-            <a:pPr marL="0" marR="0" indent="0" algn="l" defTabSz="4319588" rtl="0" eaLnBrk="1" fontAlgn="base" latinLnBrk="0" hangingPunct="1">
-              <a:lnSpc>
-                <a:spcPct val="100000"/>
-              </a:lnSpc>
-              <a:spcBef>
-                <a:spcPct val="0"/>
-              </a:spcBef>
-              <a:spcAft>
-                <a:spcPct val="0"/>
-              </a:spcAft>
-              <a:buClrTx/>
-              <a:buSzTx/>
-              <a:buFontTx/>
-              <a:buNone/>
-              <a:tabLst/>
-            </a:pPr>
-            <a:endParaRPr kumimoji="1" lang="zh-TW" altLang="en-US" sz="8500" b="0" i="0" u="none" strike="noStrike" cap="none" normalizeH="0" baseline="0" dirty="0">
+      <mc:AlternateContent xmlns:mc="http://schemas.openxmlformats.org/markup-compatibility/2006">
+        <mc:Choice xmlns:a14="http://schemas.microsoft.com/office/drawing/2010/main" Requires="a14">
+          <p:sp>
+            <p:nvSpPr>
+              <p:cNvPr id="336" name="矩形: 圓角 335">
+                <a:extLst>
+                  <a:ext uri="{FF2B5EF4-FFF2-40B4-BE49-F238E27FC236}">
+                    <a16:creationId xmlns:a16="http://schemas.microsoft.com/office/drawing/2014/main" id="{68383854-D6B0-40C8-8ED4-AAF27F72900C}"/>
+                  </a:ext>
+                </a:extLst>
+              </p:cNvPr>
+              <p:cNvSpPr/>
+              <p:nvPr/>
+            </p:nvSpPr>
+            <p:spPr bwMode="auto">
+              <a:xfrm>
+                <a:off x="972557" y="10666718"/>
+                <a:ext cx="19708348" cy="12627999"/>
+              </a:xfrm>
+              <a:prstGeom prst="roundRect">
+                <a:avLst>
+                  <a:gd name="adj" fmla="val 5070"/>
+                </a:avLst>
+              </a:prstGeom>
+              <a:solidFill>
+                <a:schemeClr val="bg1"/>
+              </a:solidFill>
               <a:ln>
                 <a:noFill/>
               </a:ln>
-              <a:solidFill>
-                <a:schemeClr val="tx1"/>
-              </a:solidFill>
-              <a:effectLst/>
-              <a:latin typeface="Arial" panose="020B0604020202020204" pitchFamily="34" charset="0"/>
-              <a:ea typeface="新細明體" panose="02020500000000000000" pitchFamily="18" charset="-120"/>
-            </a:endParaRPr>
-          </a:p>
-        </p:txBody>
-      </p:sp>
-      <p:sp>
-        <p:nvSpPr>
-          <p:cNvPr id="217" name="文字方塊 216">
-            <a:extLst>
-              <a:ext uri="{FF2B5EF4-FFF2-40B4-BE49-F238E27FC236}">
-                <a16:creationId xmlns:a16="http://schemas.microsoft.com/office/drawing/2014/main" id="{D4349865-2C3F-493C-B363-36B163243429}"/>
-              </a:ext>
-            </a:extLst>
-          </p:cNvPr>
-          <p:cNvSpPr txBox="1">
-            <a:spLocks/>
-          </p:cNvSpPr>
-          <p:nvPr/>
-        </p:nvSpPr>
-        <p:spPr>
-          <a:xfrm>
-            <a:off x="8898841" y="14488578"/>
-            <a:ext cx="7658505" cy="409983"/>
-          </a:xfrm>
-          <a:prstGeom prst="rect">
-            <a:avLst/>
-          </a:prstGeom>
-          <a:noFill/>
-        </p:spPr>
-        <p:txBody>
-          <a:bodyPr wrap="square" rtlCol="0">
-            <a:noAutofit/>
-          </a:bodyPr>
-          <a:lstStyle/>
-          <a:p>
-            <a:endParaRPr kumimoji="1" lang="zh-TW" altLang="en-US" sz="2400" dirty="0">
-              <a:solidFill>
-                <a:srgbClr val="5C727C"/>
-              </a:solidFill>
-              <a:latin typeface="微軟正黑體" panose="020B0604030504040204" pitchFamily="34" charset="-120"/>
-              <a:ea typeface="微軟正黑體" panose="020B0604030504040204" pitchFamily="34" charset="-120"/>
-            </a:endParaRPr>
-          </a:p>
-        </p:txBody>
-      </p:sp>
+            </p:spPr>
+            <p:style>
+              <a:lnRef idx="0">
+                <a:scrgbClr r="0" g="0" b="0"/>
+              </a:lnRef>
+              <a:fillRef idx="0">
+                <a:scrgbClr r="0" g="0" b="0"/>
+              </a:fillRef>
+              <a:effectRef idx="0">
+                <a:scrgbClr r="0" g="0" b="0"/>
+              </a:effectRef>
+              <a:fontRef idx="minor">
+                <a:schemeClr val="lt1"/>
+              </a:fontRef>
+            </p:style>
+            <p:txBody>
+              <a:bodyPr vert="horz" wrap="square" lIns="53759" tIns="26880" rIns="53759" bIns="26880" numCol="1" rtlCol="0" anchor="b" anchorCtr="0" compatLnSpc="1">
+                <a:prstTxWarp prst="textNoShape">
+                  <a:avLst/>
+                </a:prstTxWarp>
+              </a:bodyPr>
+              <a:lstStyle/>
+              <a:p>
+                <a:pPr/>
+                <a14:m>
+                  <m:oMathPara xmlns:m="http://schemas.openxmlformats.org/officeDocument/2006/math">
+                    <m:oMathParaPr>
+                      <m:jc m:val="centerGroup"/>
+                    </m:oMathParaPr>
+                    <m:oMath xmlns:m="http://schemas.openxmlformats.org/officeDocument/2006/math">
+                      <m:r>
+                        <a:rPr lang="en-US" altLang="zh-TW" sz="1800" i="1" smtClean="0">
+                          <a:effectLst/>
+                          <a:latin typeface="Cambria Math" panose="02040503050406030204" pitchFamily="18" charset="0"/>
+                          <a:ea typeface="新細明體" panose="02020500000000000000" pitchFamily="18" charset="-120"/>
+                          <a:cs typeface="Times New Roman" panose="02020603050405020304" pitchFamily="18" charset="0"/>
+                        </a:rPr>
+                        <m:t>𝑃𝑟𝑒𝑐𝑖𝑠𝑖𝑜𝑛</m:t>
+                      </m:r>
+                      <m:r>
+                        <a:rPr lang="en-US" altLang="zh-TW" sz="1800" i="1" smtClean="0">
+                          <a:effectLst/>
+                          <a:latin typeface="Cambria Math" panose="02040503050406030204" pitchFamily="18" charset="0"/>
+                          <a:ea typeface="新細明體" panose="02020500000000000000" pitchFamily="18" charset="-120"/>
+                          <a:cs typeface="Times New Roman" panose="02020603050405020304" pitchFamily="18" charset="0"/>
+                        </a:rPr>
+                        <m:t>=</m:t>
+                      </m:r>
+                      <m:f>
+                        <m:fPr>
+                          <m:ctrlPr>
+                            <a:rPr lang="zh-TW" altLang="zh-TW" i="1">
+                              <a:effectLst/>
+                              <a:latin typeface="Cambria Math" panose="02040503050406030204" pitchFamily="18" charset="0"/>
+                            </a:rPr>
+                          </m:ctrlPr>
+                        </m:fPr>
+                        <m:num>
+                          <m:r>
+                            <a:rPr lang="en-US" altLang="zh-TW" sz="1800" i="1">
+                              <a:effectLst/>
+                              <a:latin typeface="Cambria Math" panose="02040503050406030204" pitchFamily="18" charset="0"/>
+                              <a:ea typeface="新細明體" panose="02020500000000000000" pitchFamily="18" charset="-120"/>
+                              <a:cs typeface="Times New Roman" panose="02020603050405020304" pitchFamily="18" charset="0"/>
+                            </a:rPr>
+                            <m:t>𝑇𝑃</m:t>
+                          </m:r>
+                        </m:num>
+                        <m:den>
+                          <m:r>
+                            <a:rPr lang="en-US" altLang="zh-TW" sz="1800" i="1">
+                              <a:effectLst/>
+                              <a:latin typeface="Cambria Math" panose="02040503050406030204" pitchFamily="18" charset="0"/>
+                              <a:ea typeface="新細明體" panose="02020500000000000000" pitchFamily="18" charset="-120"/>
+                              <a:cs typeface="Times New Roman" panose="02020603050405020304" pitchFamily="18" charset="0"/>
+                            </a:rPr>
+                            <m:t>𝑇𝑃</m:t>
+                          </m:r>
+                          <m:r>
+                            <a:rPr lang="en-US" altLang="zh-TW" sz="1800" i="1">
+                              <a:effectLst/>
+                              <a:latin typeface="Cambria Math" panose="02040503050406030204" pitchFamily="18" charset="0"/>
+                              <a:ea typeface="新細明體" panose="02020500000000000000" pitchFamily="18" charset="-120"/>
+                              <a:cs typeface="Times New Roman" panose="02020603050405020304" pitchFamily="18" charset="0"/>
+                            </a:rPr>
+                            <m:t>+</m:t>
+                          </m:r>
+                          <m:r>
+                            <a:rPr lang="en-US" altLang="zh-TW" sz="1800" i="1">
+                              <a:effectLst/>
+                              <a:latin typeface="Cambria Math" panose="02040503050406030204" pitchFamily="18" charset="0"/>
+                              <a:ea typeface="新細明體" panose="02020500000000000000" pitchFamily="18" charset="-120"/>
+                              <a:cs typeface="Times New Roman" panose="02020603050405020304" pitchFamily="18" charset="0"/>
+                            </a:rPr>
+                            <m:t>𝐹𝑃</m:t>
+                          </m:r>
+                        </m:den>
+                      </m:f>
+                    </m:oMath>
+                  </m:oMathPara>
+                </a14:m>
+                <a:endParaRPr lang="zh-TW" altLang="en-US" sz="1800" b="1" dirty="0">
+                  <a:latin typeface="Microsoft YaHei UI" panose="020B0503020204020204" pitchFamily="34" charset="-122"/>
+                  <a:ea typeface="Microsoft YaHei UI" panose="020B0503020204020204" pitchFamily="34" charset="-122"/>
+                </a:endParaRPr>
+              </a:p>
+            </p:txBody>
+          </p:sp>
+        </mc:Choice>
+        <mc:Fallback>
+          <p:sp>
+            <p:nvSpPr>
+              <p:cNvPr id="336" name="矩形: 圓角 335">
+                <a:extLst>
+                  <a:ext uri="{FF2B5EF4-FFF2-40B4-BE49-F238E27FC236}">
+                    <a16:creationId xmlns:a16="http://schemas.microsoft.com/office/drawing/2014/main" id="{68383854-D6B0-40C8-8ED4-AAF27F72900C}"/>
+                  </a:ext>
+                </a:extLst>
+              </p:cNvPr>
+              <p:cNvSpPr>
+                <a:spLocks noRot="1" noChangeAspect="1" noMove="1" noResize="1" noEditPoints="1" noAdjustHandles="1" noChangeArrowheads="1" noChangeShapeType="1" noTextEdit="1"/>
+              </p:cNvSpPr>
+              <p:nvPr/>
+            </p:nvSpPr>
+            <p:spPr bwMode="auto">
+              <a:xfrm>
+                <a:off x="972557" y="10666718"/>
+                <a:ext cx="19708348" cy="12627999"/>
+              </a:xfrm>
+              <a:prstGeom prst="roundRect">
+                <a:avLst>
+                  <a:gd name="adj" fmla="val 5070"/>
+                </a:avLst>
+              </a:prstGeom>
+              <a:blipFill>
+                <a:blip r:embed="rId15"/>
+                <a:stretch>
+                  <a:fillRect/>
+                </a:stretch>
+              </a:blipFill>
+              <a:ln>
+                <a:noFill/>
+              </a:ln>
+            </p:spPr>
+            <p:txBody>
+              <a:bodyPr/>
+              <a:lstStyle/>
+              <a:p>
+                <a:r>
+                  <a:rPr lang="zh-TW" altLang="en-US">
+                    <a:noFill/>
+                  </a:rPr>
+                  <a:t> </a:t>
+                </a:r>
+              </a:p>
+            </p:txBody>
+          </p:sp>
+        </mc:Fallback>
+      </mc:AlternateContent>
       <p:pic>
         <p:nvPicPr>
           <p:cNvPr id="25" name="圖片 24">
@@ -6605,7 +5848,7 @@
           <p:nvPr/>
         </p:nvPicPr>
         <p:blipFill>
-          <a:blip r:embed="rId15">
+          <a:blip r:embed="rId16">
             <a:extLst>
               <a:ext uri="{28A0092B-C50C-407E-A947-70E740481C1C}">
                 <a14:useLocalDpi xmlns:a14="http://schemas.microsoft.com/office/drawing/2010/main" val="0"/>
@@ -6618,8 +5861,8 @@
         </p:blipFill>
         <p:spPr>
           <a:xfrm>
-            <a:off x="1934450" y="536575"/>
-            <a:ext cx="4163577" cy="5410796"/>
+            <a:off x="2000181" y="597195"/>
+            <a:ext cx="2447836" cy="3181097"/>
           </a:xfrm>
           <a:prstGeom prst="rect">
             <a:avLst/>
@@ -6642,8 +5885,8 @@
         </p:nvSpPr>
         <p:spPr bwMode="auto">
           <a:xfrm>
-            <a:off x="23516403" y="6569988"/>
-            <a:ext cx="5217749" cy="1205684"/>
+            <a:off x="14569578" y="4267628"/>
+            <a:ext cx="3067602" cy="708830"/>
           </a:xfrm>
           <a:prstGeom prst="rect">
             <a:avLst/>
@@ -6683,7 +5926,7 @@
           </a:extLst>
         </p:spPr>
         <p:txBody>
-          <a:bodyPr wrap="square" lIns="96744" tIns="48372" rIns="96744" bIns="48372">
+          <a:bodyPr wrap="square" lIns="56877" tIns="28439" rIns="56877" bIns="28439">
             <a:spAutoFit/>
           </a:bodyPr>
           <a:lstStyle>
@@ -6800,10 +6043,7 @@
               </a:spcBef>
             </a:pPr>
             <a:r>
-              <a:rPr lang="zh-TW" altLang="en-US" sz="7200" b="1" dirty="0">
-                <a:solidFill>
-                  <a:schemeClr val="tx2"/>
-                </a:solidFill>
+              <a:rPr lang="zh-TW" altLang="en-US" sz="4233" b="1" dirty="0">
                 <a:latin typeface="Microsoft YaHei UI" panose="020B0503020204020204" pitchFamily="34" charset="-122"/>
                 <a:ea typeface="Microsoft YaHei UI" panose="020B0503020204020204" pitchFamily="34" charset="-122"/>
               </a:rPr>
@@ -6827,7 +6067,7 @@
           <p:nvPr/>
         </p:nvPicPr>
         <p:blipFill>
-          <a:blip r:embed="rId16">
+          <a:blip r:embed="rId17">
             <a:extLst>
               <a:ext uri="{28A0092B-C50C-407E-A947-70E740481C1C}">
                 <a14:useLocalDpi xmlns:a14="http://schemas.microsoft.com/office/drawing/2010/main" val="0"/>
@@ -6840,8 +6080,8 @@
         </p:blipFill>
         <p:spPr>
           <a:xfrm>
-            <a:off x="740498" y="24809215"/>
-            <a:ext cx="15280340" cy="11071293"/>
+            <a:off x="1304396" y="16347798"/>
+            <a:ext cx="8983567" cy="6508998"/>
           </a:xfrm>
           <a:prstGeom prst="rect">
             <a:avLst/>
@@ -6864,8 +6104,8 @@
         </p:nvSpPr>
         <p:spPr bwMode="auto">
           <a:xfrm>
-            <a:off x="6370734" y="22234477"/>
-            <a:ext cx="5056214" cy="1113351"/>
+            <a:off x="3949863" y="14490595"/>
+            <a:ext cx="2972632" cy="654520"/>
           </a:xfrm>
           <a:prstGeom prst="rect">
             <a:avLst/>
@@ -6905,7 +6145,7 @@
           </a:extLst>
         </p:spPr>
         <p:txBody>
-          <a:bodyPr wrap="square" lIns="96744" tIns="48372" rIns="96744" bIns="48372">
+          <a:bodyPr wrap="square" lIns="56877" tIns="28439" rIns="56877" bIns="28439">
             <a:spAutoFit/>
           </a:bodyPr>
           <a:lstStyle>
@@ -7022,20 +6262,14 @@
               </a:spcBef>
             </a:pPr>
             <a:r>
-              <a:rPr lang="en-US" altLang="zh-TW" sz="6600" b="1" dirty="0">
-                <a:solidFill>
-                  <a:schemeClr val="tx2"/>
-                </a:solidFill>
+              <a:rPr lang="en-US" altLang="zh-TW" sz="3880" b="1" dirty="0">
                 <a:latin typeface="Microsoft YaHei UI" panose="020B0503020204020204" pitchFamily="34" charset="-122"/>
                 <a:ea typeface="Microsoft YaHei UI" panose="020B0503020204020204" pitchFamily="34" charset="-122"/>
               </a:rPr>
               <a:t>FSM</a:t>
             </a:r>
             <a:r>
-              <a:rPr lang="zh-TW" altLang="en-US" sz="6600" b="1" dirty="0">
-                <a:solidFill>
-                  <a:schemeClr val="tx2"/>
-                </a:solidFill>
+              <a:rPr lang="zh-TW" altLang="en-US" sz="3880" b="1" dirty="0">
                 <a:latin typeface="Microsoft YaHei UI" panose="020B0503020204020204" pitchFamily="34" charset="-122"/>
                 <a:ea typeface="Microsoft YaHei UI" panose="020B0503020204020204" pitchFamily="34" charset="-122"/>
               </a:rPr>
@@ -7060,7 +6294,7 @@
           <p:nvPr/>
         </p:nvPicPr>
         <p:blipFill>
-          <a:blip r:embed="rId17" cstate="print">
+          <a:blip r:embed="rId18" cstate="print">
             <a:extLst>
               <a:ext uri="{28A0092B-C50C-407E-A947-70E740481C1C}">
                 <a14:useLocalDpi xmlns:a14="http://schemas.microsoft.com/office/drawing/2010/main" val="0"/>
@@ -7073,8 +6307,8 @@
         </p:blipFill>
         <p:spPr>
           <a:xfrm>
-            <a:off x="2322368" y="18511368"/>
-            <a:ext cx="12439617" cy="3903460"/>
+            <a:off x="2131450" y="12355652"/>
+            <a:ext cx="7313458" cy="2294909"/>
           </a:xfrm>
           <a:prstGeom prst="rect">
             <a:avLst/>
@@ -7095,8 +6329,8 @@
         </p:nvSpPr>
         <p:spPr>
           <a:xfrm>
-            <a:off x="6441268" y="16422523"/>
-            <a:ext cx="5602303" cy="1107996"/>
+            <a:off x="4104883" y="11259949"/>
+            <a:ext cx="3370346" cy="689420"/>
           </a:xfrm>
           <a:prstGeom prst="rect">
             <a:avLst/>
@@ -7110,19 +6344,13 @@
           <a:lstStyle/>
           <a:p>
             <a:r>
-              <a:rPr lang="en-US" altLang="zh-TW" sz="6600" b="1" dirty="0">
-                <a:solidFill>
-                  <a:schemeClr val="tx2"/>
-                </a:solidFill>
+              <a:rPr lang="en-US" altLang="zh-TW" sz="3880" b="1" dirty="0">
                 <a:latin typeface="Microsoft YaHei UI" panose="020B0503020204020204" pitchFamily="34" charset="-122"/>
                 <a:ea typeface="Microsoft YaHei UI" panose="020B0503020204020204" pitchFamily="34" charset="-122"/>
               </a:rPr>
               <a:t>Raspberry Pi</a:t>
             </a:r>
-            <a:endParaRPr lang="zh-TW" altLang="en-US" sz="6600" b="1" dirty="0">
-              <a:solidFill>
-                <a:schemeClr val="tx2"/>
-              </a:solidFill>
+            <a:endParaRPr lang="zh-TW" altLang="en-US" sz="3880" b="1" dirty="0">
               <a:latin typeface="Microsoft YaHei UI" panose="020B0503020204020204" pitchFamily="34" charset="-122"/>
               <a:ea typeface="Microsoft YaHei UI" panose="020B0503020204020204" pitchFamily="34" charset="-122"/>
             </a:endParaRPr>
@@ -7143,8 +6371,8 @@
         </p:nvSpPr>
         <p:spPr>
           <a:xfrm>
-            <a:off x="2367823" y="17671721"/>
-            <a:ext cx="13062037" cy="707886"/>
+            <a:off x="2299276" y="11971702"/>
+            <a:ext cx="7268593" cy="430887"/>
           </a:xfrm>
           <a:prstGeom prst="rect">
             <a:avLst/>
@@ -7163,44 +6391,41 @@
               </a:spcBef>
             </a:pPr>
             <a:r>
-              <a:rPr lang="zh-TW" altLang="en-US" sz="4000" b="1" dirty="0">
-                <a:solidFill>
-                  <a:schemeClr val="tx2"/>
-                </a:solidFill>
+              <a:rPr lang="zh-TW" altLang="en-US" sz="2200" b="1" dirty="0">
                 <a:latin typeface="微軟正黑體" panose="020B0604030504040204" pitchFamily="34" charset="-120"/>
                 <a:ea typeface="微軟正黑體" panose="020B0604030504040204" pitchFamily="34" charset="-120"/>
               </a:rPr>
               <a:t>使用藍芽套件</a:t>
             </a:r>
             <a:r>
-              <a:rPr lang="en-US" altLang="zh-TW" sz="4000" b="1" dirty="0" err="1">
+              <a:rPr lang="en-US" altLang="zh-TW" sz="2200" b="1" dirty="0" err="1">
                 <a:latin typeface="微軟正黑體" panose="020B0604030504040204" pitchFamily="34" charset="-120"/>
                 <a:ea typeface="微軟正黑體" panose="020B0604030504040204" pitchFamily="34" charset="-120"/>
               </a:rPr>
               <a:t>Gatttool</a:t>
             </a:r>
             <a:r>
-              <a:rPr lang="zh-TW" altLang="en-US" sz="4000" b="1" dirty="0">
+              <a:rPr lang="zh-TW" altLang="en-US" sz="2200" b="1" dirty="0">
                 <a:latin typeface="微軟正黑體" panose="020B0604030504040204" pitchFamily="34" charset="-120"/>
                 <a:ea typeface="微軟正黑體" panose="020B0604030504040204" pitchFamily="34" charset="-120"/>
               </a:rPr>
               <a:t>連結</a:t>
             </a:r>
             <a:r>
-              <a:rPr lang="en-US" altLang="zh-TW" sz="4000" b="1" dirty="0">
+              <a:rPr lang="en-US" altLang="zh-TW" sz="2200" b="1" dirty="0">
                 <a:latin typeface="微軟正黑體" panose="020B0604030504040204" pitchFamily="34" charset="-120"/>
                 <a:ea typeface="微軟正黑體" panose="020B0604030504040204" pitchFamily="34" charset="-120"/>
               </a:rPr>
               <a:t>Raspberry Pi</a:t>
             </a:r>
             <a:r>
-              <a:rPr lang="zh-TW" altLang="en-US" sz="4000" b="1" dirty="0">
+              <a:rPr lang="zh-TW" altLang="en-US" sz="2200" b="1" dirty="0">
                 <a:latin typeface="微軟正黑體" panose="020B0604030504040204" pitchFamily="34" charset="-120"/>
                 <a:ea typeface="微軟正黑體" panose="020B0604030504040204" pitchFamily="34" charset="-120"/>
               </a:rPr>
               <a:t>，並收取資料。</a:t>
             </a:r>
-            <a:endParaRPr lang="zh-TW" altLang="en-US" sz="4000" b="1" dirty="0">
+            <a:endParaRPr lang="zh-TW" altLang="en-US" sz="2200" b="1" dirty="0">
               <a:solidFill>
                 <a:schemeClr val="tx2"/>
               </a:solidFill>
@@ -7224,8 +6449,8 @@
         </p:nvSpPr>
         <p:spPr>
           <a:xfrm>
-            <a:off x="14519797" y="15515760"/>
-            <a:ext cx="4137372" cy="1200329"/>
+            <a:off x="9515599" y="10680378"/>
+            <a:ext cx="2432430" cy="743730"/>
           </a:xfrm>
           <a:prstGeom prst="rect">
             <a:avLst/>
@@ -7239,7 +6464,7 @@
           <a:lstStyle/>
           <a:p>
             <a:r>
-              <a:rPr lang="zh-TW" altLang="en-US" sz="7200" b="1" dirty="0">
+              <a:rPr lang="zh-TW" altLang="en-US" sz="4233" b="1" dirty="0">
                 <a:latin typeface="Microsoft YaHei UI" panose="020B0503020204020204" pitchFamily="34" charset="-122"/>
                 <a:ea typeface="Microsoft YaHei UI" panose="020B0503020204020204" pitchFamily="34" charset="-122"/>
               </a:rPr>
@@ -7248,6 +6473,3447 @@
           </a:p>
         </p:txBody>
       </p:sp>
+      <p:grpSp>
+        <p:nvGrpSpPr>
+          <p:cNvPr id="7" name="群組 6">
+            <a:extLst>
+              <a:ext uri="{FF2B5EF4-FFF2-40B4-BE49-F238E27FC236}">
+                <a16:creationId xmlns:a16="http://schemas.microsoft.com/office/drawing/2014/main" id="{5A100CBA-CD7B-4663-A5AE-FDF9484EF53E}"/>
+              </a:ext>
+            </a:extLst>
+          </p:cNvPr>
+          <p:cNvGrpSpPr/>
+          <p:nvPr/>
+        </p:nvGrpSpPr>
+        <p:grpSpPr>
+          <a:xfrm>
+            <a:off x="12465103" y="21168207"/>
+            <a:ext cx="6548821" cy="2001054"/>
+            <a:chOff x="10686121" y="10911922"/>
+            <a:chExt cx="8024334" cy="4847261"/>
+          </a:xfrm>
+        </p:grpSpPr>
+        <p:sp>
+          <p:nvSpPr>
+            <p:cNvPr id="59" name="矩形 58">
+              <a:extLst>
+                <a:ext uri="{FF2B5EF4-FFF2-40B4-BE49-F238E27FC236}">
+                  <a16:creationId xmlns:a16="http://schemas.microsoft.com/office/drawing/2014/main" id="{53367019-6EF4-4005-BE81-52D13AB05887}"/>
+                </a:ext>
+              </a:extLst>
+            </p:cNvPr>
+            <p:cNvSpPr/>
+            <p:nvPr/>
+          </p:nvSpPr>
+          <p:spPr>
+            <a:xfrm>
+              <a:off x="10686121" y="11393371"/>
+              <a:ext cx="3680013" cy="4365812"/>
+            </a:xfrm>
+            <a:prstGeom prst="rect">
+              <a:avLst/>
+            </a:prstGeom>
+            <a:solidFill>
+              <a:schemeClr val="bg2">
+                <a:lumMod val="90000"/>
+              </a:schemeClr>
+            </a:solidFill>
+            <a:ln>
+              <a:solidFill>
+                <a:schemeClr val="tx1"/>
+              </a:solidFill>
+            </a:ln>
+          </p:spPr>
+          <p:style>
+            <a:lnRef idx="2">
+              <a:schemeClr val="accent1">
+                <a:shade val="50000"/>
+              </a:schemeClr>
+            </a:lnRef>
+            <a:fillRef idx="1">
+              <a:schemeClr val="accent1"/>
+            </a:fillRef>
+            <a:effectRef idx="0">
+              <a:schemeClr val="accent1"/>
+            </a:effectRef>
+            <a:fontRef idx="minor">
+              <a:schemeClr val="lt1"/>
+            </a:fontRef>
+          </p:style>
+          <p:txBody>
+            <a:bodyPr rtlCol="0" anchor="ctr"/>
+            <a:lstStyle/>
+            <a:p>
+              <a:pPr algn="ctr"/>
+              <a:endParaRPr lang="zh-TW" altLang="en-US"/>
+            </a:p>
+          </p:txBody>
+        </p:sp>
+        <p:sp>
+          <p:nvSpPr>
+            <p:cNvPr id="60" name="矩形 59">
+              <a:extLst>
+                <a:ext uri="{FF2B5EF4-FFF2-40B4-BE49-F238E27FC236}">
+                  <a16:creationId xmlns:a16="http://schemas.microsoft.com/office/drawing/2014/main" id="{6FA70E6E-D47F-401D-9EAB-DFC88B4A445B}"/>
+                </a:ext>
+              </a:extLst>
+            </p:cNvPr>
+            <p:cNvSpPr/>
+            <p:nvPr/>
+          </p:nvSpPr>
+          <p:spPr>
+            <a:xfrm>
+              <a:off x="11531045" y="11937887"/>
+              <a:ext cx="2026024" cy="632012"/>
+            </a:xfrm>
+            <a:prstGeom prst="rect">
+              <a:avLst/>
+            </a:prstGeom>
+            <a:solidFill>
+              <a:schemeClr val="tx1">
+                <a:lumMod val="50000"/>
+                <a:lumOff val="50000"/>
+              </a:schemeClr>
+            </a:solidFill>
+          </p:spPr>
+          <p:style>
+            <a:lnRef idx="2">
+              <a:schemeClr val="accent1">
+                <a:shade val="50000"/>
+              </a:schemeClr>
+            </a:lnRef>
+            <a:fillRef idx="1">
+              <a:schemeClr val="accent1"/>
+            </a:fillRef>
+            <a:effectRef idx="0">
+              <a:schemeClr val="accent1"/>
+            </a:effectRef>
+            <a:fontRef idx="minor">
+              <a:schemeClr val="lt1"/>
+            </a:fontRef>
+          </p:style>
+          <p:txBody>
+            <a:bodyPr rtlCol="0" anchor="ctr"/>
+            <a:lstStyle/>
+            <a:p>
+              <a:pPr algn="ctr"/>
+              <a:r>
+                <a:rPr lang="zh-TW" altLang="en-US" dirty="0">
+                  <a:solidFill>
+                    <a:schemeClr val="tx1"/>
+                  </a:solidFill>
+                  <a:latin typeface="標楷體" panose="03000509000000000000" pitchFamily="65" charset="-120"/>
+                  <a:ea typeface="標楷體" panose="03000509000000000000" pitchFamily="65" charset="-120"/>
+                </a:rPr>
+                <a:t>使用者登入</a:t>
+              </a:r>
+            </a:p>
+          </p:txBody>
+        </p:sp>
+        <p:sp>
+          <p:nvSpPr>
+            <p:cNvPr id="61" name="矩形 60">
+              <a:extLst>
+                <a:ext uri="{FF2B5EF4-FFF2-40B4-BE49-F238E27FC236}">
+                  <a16:creationId xmlns:a16="http://schemas.microsoft.com/office/drawing/2014/main" id="{961B3EEF-6C87-475C-B8A5-64F20300219F}"/>
+                </a:ext>
+              </a:extLst>
+            </p:cNvPr>
+            <p:cNvSpPr/>
+            <p:nvPr/>
+          </p:nvSpPr>
+          <p:spPr>
+            <a:xfrm>
+              <a:off x="11531045" y="13766687"/>
+              <a:ext cx="2026024" cy="632012"/>
+            </a:xfrm>
+            <a:prstGeom prst="rect">
+              <a:avLst/>
+            </a:prstGeom>
+            <a:solidFill>
+              <a:schemeClr val="tx1">
+                <a:lumMod val="50000"/>
+                <a:lumOff val="50000"/>
+              </a:schemeClr>
+            </a:solidFill>
+          </p:spPr>
+          <p:style>
+            <a:lnRef idx="2">
+              <a:schemeClr val="accent1">
+                <a:shade val="50000"/>
+              </a:schemeClr>
+            </a:lnRef>
+            <a:fillRef idx="1">
+              <a:schemeClr val="accent1"/>
+            </a:fillRef>
+            <a:effectRef idx="0">
+              <a:schemeClr val="accent1"/>
+            </a:effectRef>
+            <a:fontRef idx="minor">
+              <a:schemeClr val="lt1"/>
+            </a:fontRef>
+          </p:style>
+          <p:txBody>
+            <a:bodyPr rtlCol="0" anchor="ctr"/>
+            <a:lstStyle/>
+            <a:p>
+              <a:pPr algn="ctr"/>
+              <a:r>
+                <a:rPr lang="zh-TW" altLang="en-US" dirty="0">
+                  <a:solidFill>
+                    <a:schemeClr val="tx1"/>
+                  </a:solidFill>
+                  <a:latin typeface="標楷體" panose="03000509000000000000" pitchFamily="65" charset="-120"/>
+                  <a:ea typeface="標楷體" panose="03000509000000000000" pitchFamily="65" charset="-120"/>
+                </a:rPr>
+                <a:t>圖表顯示</a:t>
+              </a:r>
+            </a:p>
+          </p:txBody>
+        </p:sp>
+        <p:sp>
+          <p:nvSpPr>
+            <p:cNvPr id="62" name="矩形 61">
+              <a:extLst>
+                <a:ext uri="{FF2B5EF4-FFF2-40B4-BE49-F238E27FC236}">
+                  <a16:creationId xmlns:a16="http://schemas.microsoft.com/office/drawing/2014/main" id="{94D854BF-E1A7-4D3E-A092-F78340B1727D}"/>
+                </a:ext>
+              </a:extLst>
+            </p:cNvPr>
+            <p:cNvSpPr/>
+            <p:nvPr/>
+          </p:nvSpPr>
+          <p:spPr>
+            <a:xfrm>
+              <a:off x="11531045" y="12874699"/>
+              <a:ext cx="2026024" cy="632012"/>
+            </a:xfrm>
+            <a:prstGeom prst="rect">
+              <a:avLst/>
+            </a:prstGeom>
+            <a:solidFill>
+              <a:schemeClr val="tx1">
+                <a:lumMod val="50000"/>
+                <a:lumOff val="50000"/>
+              </a:schemeClr>
+            </a:solidFill>
+          </p:spPr>
+          <p:style>
+            <a:lnRef idx="2">
+              <a:schemeClr val="accent1">
+                <a:shade val="50000"/>
+              </a:schemeClr>
+            </a:lnRef>
+            <a:fillRef idx="1">
+              <a:schemeClr val="accent1"/>
+            </a:fillRef>
+            <a:effectRef idx="0">
+              <a:schemeClr val="accent1"/>
+            </a:effectRef>
+            <a:fontRef idx="minor">
+              <a:schemeClr val="lt1"/>
+            </a:fontRef>
+          </p:style>
+          <p:txBody>
+            <a:bodyPr rtlCol="0" anchor="ctr"/>
+            <a:lstStyle/>
+            <a:p>
+              <a:pPr algn="ctr"/>
+              <a:r>
+                <a:rPr lang="zh-TW" altLang="en-US" dirty="0">
+                  <a:solidFill>
+                    <a:schemeClr val="tx1"/>
+                  </a:solidFill>
+                  <a:latin typeface="標楷體" panose="03000509000000000000" pitchFamily="65" charset="-120"/>
+                  <a:ea typeface="標楷體" panose="03000509000000000000" pitchFamily="65" charset="-120"/>
+                </a:rPr>
+                <a:t>當日量測</a:t>
+              </a:r>
+            </a:p>
+          </p:txBody>
+        </p:sp>
+        <p:sp>
+          <p:nvSpPr>
+            <p:cNvPr id="63" name="矩形 62">
+              <a:extLst>
+                <a:ext uri="{FF2B5EF4-FFF2-40B4-BE49-F238E27FC236}">
+                  <a16:creationId xmlns:a16="http://schemas.microsoft.com/office/drawing/2014/main" id="{C2AA69BC-A773-4289-8315-D8B84B4C6F9A}"/>
+                </a:ext>
+              </a:extLst>
+            </p:cNvPr>
+            <p:cNvSpPr/>
+            <p:nvPr/>
+          </p:nvSpPr>
+          <p:spPr>
+            <a:xfrm>
+              <a:off x="11531045" y="14658675"/>
+              <a:ext cx="2026024" cy="632012"/>
+            </a:xfrm>
+            <a:prstGeom prst="rect">
+              <a:avLst/>
+            </a:prstGeom>
+            <a:solidFill>
+              <a:schemeClr val="tx1">
+                <a:lumMod val="50000"/>
+                <a:lumOff val="50000"/>
+              </a:schemeClr>
+            </a:solidFill>
+          </p:spPr>
+          <p:style>
+            <a:lnRef idx="2">
+              <a:schemeClr val="accent1">
+                <a:shade val="50000"/>
+              </a:schemeClr>
+            </a:lnRef>
+            <a:fillRef idx="1">
+              <a:schemeClr val="accent1"/>
+            </a:fillRef>
+            <a:effectRef idx="0">
+              <a:schemeClr val="accent1"/>
+            </a:effectRef>
+            <a:fontRef idx="minor">
+              <a:schemeClr val="lt1"/>
+            </a:fontRef>
+          </p:style>
+          <p:txBody>
+            <a:bodyPr rtlCol="0" anchor="ctr"/>
+            <a:lstStyle/>
+            <a:p>
+              <a:pPr algn="ctr"/>
+              <a:r>
+                <a:rPr lang="zh-TW" altLang="en-US" dirty="0">
+                  <a:solidFill>
+                    <a:schemeClr val="tx1"/>
+                  </a:solidFill>
+                  <a:latin typeface="標楷體" panose="03000509000000000000" pitchFamily="65" charset="-120"/>
+                  <a:ea typeface="標楷體" panose="03000509000000000000" pitchFamily="65" charset="-120"/>
+                </a:rPr>
+                <a:t>身體建議</a:t>
+              </a:r>
+            </a:p>
+          </p:txBody>
+        </p:sp>
+        <p:pic>
+          <p:nvPicPr>
+            <p:cNvPr id="64" name="圖片 63">
+              <a:extLst>
+                <a:ext uri="{FF2B5EF4-FFF2-40B4-BE49-F238E27FC236}">
+                  <a16:creationId xmlns:a16="http://schemas.microsoft.com/office/drawing/2014/main" id="{5EA46934-3461-49EC-8A03-27D48C4AD694}"/>
+                </a:ext>
+              </a:extLst>
+            </p:cNvPr>
+            <p:cNvPicPr>
+              <a:picLocks noChangeAspect="1"/>
+            </p:cNvPicPr>
+            <p:nvPr/>
+          </p:nvPicPr>
+          <p:blipFill>
+            <a:blip r:embed="rId19">
+              <a:extLst>
+                <a:ext uri="{BEBA8EAE-BF5A-486C-A8C5-ECC9F3942E4B}">
+                  <a14:imgProps xmlns:a14="http://schemas.microsoft.com/office/drawing/2010/main">
+                    <a14:imgLayer r:embed="rId20">
+                      <a14:imgEffect>
+                        <a14:backgroundRemoval t="10000" b="90000" l="10000" r="90000">
+                          <a14:foregroundMark x1="49121" y1="34766" x2="49121" y2="34766"/>
+                        </a14:backgroundRemoval>
+                      </a14:imgEffect>
+                    </a14:imgLayer>
+                  </a14:imgProps>
+                </a:ext>
+                <a:ext uri="{28A0092B-C50C-407E-A947-70E740481C1C}">
+                  <a14:useLocalDpi xmlns:a14="http://schemas.microsoft.com/office/drawing/2010/main" val="0"/>
+                </a:ext>
+              </a:extLst>
+            </a:blip>
+            <a:stretch>
+              <a:fillRect/>
+            </a:stretch>
+          </p:blipFill>
+          <p:spPr>
+            <a:xfrm>
+              <a:off x="15589303" y="10911922"/>
+              <a:ext cx="3121152" cy="4519643"/>
+            </a:xfrm>
+            <a:prstGeom prst="rect">
+              <a:avLst/>
+            </a:prstGeom>
+          </p:spPr>
+        </p:pic>
+        <p:sp>
+          <p:nvSpPr>
+            <p:cNvPr id="65" name="文字方塊 64">
+              <a:extLst>
+                <a:ext uri="{FF2B5EF4-FFF2-40B4-BE49-F238E27FC236}">
+                  <a16:creationId xmlns:a16="http://schemas.microsoft.com/office/drawing/2014/main" id="{68E9007C-FE77-4DE2-850D-900830A01E7D}"/>
+                </a:ext>
+              </a:extLst>
+            </p:cNvPr>
+            <p:cNvSpPr txBox="1"/>
+            <p:nvPr/>
+          </p:nvSpPr>
+          <p:spPr>
+            <a:xfrm>
+              <a:off x="11612494" y="11210831"/>
+              <a:ext cx="2026024" cy="640083"/>
+            </a:xfrm>
+            <a:prstGeom prst="rect">
+              <a:avLst/>
+            </a:prstGeom>
+            <a:noFill/>
+          </p:spPr>
+          <p:txBody>
+            <a:bodyPr wrap="square" rtlCol="0">
+              <a:spAutoFit/>
+            </a:bodyPr>
+            <a:lstStyle/>
+            <a:p>
+              <a:pPr algn="ctr"/>
+              <a:r>
+                <a:rPr lang="zh-TW" altLang="en-US" dirty="0">
+                  <a:latin typeface="標楷體" panose="03000509000000000000" pitchFamily="65" charset="-120"/>
+                  <a:ea typeface="標楷體" panose="03000509000000000000" pitchFamily="65" charset="-120"/>
+                </a:rPr>
+                <a:t>網頁</a:t>
+              </a:r>
+            </a:p>
+          </p:txBody>
+        </p:sp>
+        <p:cxnSp>
+          <p:nvCxnSpPr>
+            <p:cNvPr id="66" name="直線單箭頭接點 65">
+              <a:extLst>
+                <a:ext uri="{FF2B5EF4-FFF2-40B4-BE49-F238E27FC236}">
+                  <a16:creationId xmlns:a16="http://schemas.microsoft.com/office/drawing/2014/main" id="{53E348EE-7485-4D5C-BDA1-8AB482CC3A9C}"/>
+                </a:ext>
+              </a:extLst>
+            </p:cNvPr>
+            <p:cNvCxnSpPr>
+              <a:cxnSpLocks/>
+            </p:cNvCxnSpPr>
+            <p:nvPr/>
+          </p:nvCxnSpPr>
+          <p:spPr>
+            <a:xfrm flipH="1">
+              <a:off x="14585973" y="13717151"/>
+              <a:ext cx="1284927" cy="0"/>
+            </a:xfrm>
+            <a:prstGeom prst="straightConnector1">
+              <a:avLst/>
+            </a:prstGeom>
+            <a:ln w="63500">
+              <a:solidFill>
+                <a:schemeClr val="tx1"/>
+              </a:solidFill>
+              <a:tailEnd type="triangle"/>
+            </a:ln>
+          </p:spPr>
+          <p:style>
+            <a:lnRef idx="1">
+              <a:schemeClr val="accent1"/>
+            </a:lnRef>
+            <a:fillRef idx="0">
+              <a:schemeClr val="accent1"/>
+            </a:fillRef>
+            <a:effectRef idx="0">
+              <a:schemeClr val="accent1"/>
+            </a:effectRef>
+            <a:fontRef idx="minor">
+              <a:schemeClr val="tx1"/>
+            </a:fontRef>
+          </p:style>
+        </p:cxnSp>
+        <p:sp>
+          <p:nvSpPr>
+            <p:cNvPr id="67" name="文字方塊 66">
+              <a:extLst>
+                <a:ext uri="{FF2B5EF4-FFF2-40B4-BE49-F238E27FC236}">
+                  <a16:creationId xmlns:a16="http://schemas.microsoft.com/office/drawing/2014/main" id="{1EDF2AFF-AE9E-4C40-A3C6-09E0332DCA84}"/>
+                </a:ext>
+              </a:extLst>
+            </p:cNvPr>
+            <p:cNvSpPr txBox="1"/>
+            <p:nvPr/>
+          </p:nvSpPr>
+          <p:spPr>
+            <a:xfrm>
+              <a:off x="16404455" y="14642444"/>
+              <a:ext cx="1371601" cy="640083"/>
+            </a:xfrm>
+            <a:prstGeom prst="rect">
+              <a:avLst/>
+            </a:prstGeom>
+            <a:noFill/>
+          </p:spPr>
+          <p:txBody>
+            <a:bodyPr wrap="square" rtlCol="0">
+              <a:spAutoFit/>
+            </a:bodyPr>
+            <a:lstStyle/>
+            <a:p>
+              <a:pPr algn="ctr"/>
+              <a:r>
+                <a:rPr lang="zh-TW" altLang="en-US" dirty="0">
+                  <a:latin typeface="標楷體" panose="03000509000000000000" pitchFamily="65" charset="-120"/>
+                  <a:ea typeface="標楷體" panose="03000509000000000000" pitchFamily="65" charset="-120"/>
+                </a:rPr>
+                <a:t>使用者</a:t>
+              </a:r>
+            </a:p>
+          </p:txBody>
+        </p:sp>
+      </p:grpSp>
+      <p:sp>
+        <p:nvSpPr>
+          <p:cNvPr id="93" name="AutoShape 2">
+            <a:extLst>
+              <a:ext uri="{FF2B5EF4-FFF2-40B4-BE49-F238E27FC236}">
+                <a16:creationId xmlns:a16="http://schemas.microsoft.com/office/drawing/2014/main" id="{210D09BF-4732-4ACA-9730-8C227A359498}"/>
+              </a:ext>
+            </a:extLst>
+          </p:cNvPr>
+          <p:cNvSpPr>
+            <a:spLocks noChangeArrowheads="1"/>
+          </p:cNvSpPr>
+          <p:nvPr/>
+        </p:nvSpPr>
+        <p:spPr bwMode="auto">
+          <a:xfrm>
+            <a:off x="925044" y="23446007"/>
+            <a:ext cx="9712541" cy="4953323"/>
+          </a:xfrm>
+          <a:prstGeom prst="roundRect">
+            <a:avLst>
+              <a:gd name="adj" fmla="val 8161"/>
+            </a:avLst>
+          </a:prstGeom>
+          <a:solidFill>
+            <a:schemeClr val="bg1"/>
+          </a:solidFill>
+          <a:ln>
+            <a:noFill/>
+          </a:ln>
+        </p:spPr>
+        <p:style>
+          <a:lnRef idx="0">
+            <a:scrgbClr r="0" g="0" b="0"/>
+          </a:lnRef>
+          <a:fillRef idx="0">
+            <a:scrgbClr r="0" g="0" b="0"/>
+          </a:fillRef>
+          <a:effectRef idx="0">
+            <a:scrgbClr r="0" g="0" b="0"/>
+          </a:effectRef>
+          <a:fontRef idx="minor">
+            <a:schemeClr val="lt1"/>
+          </a:fontRef>
+        </p:style>
+        <p:txBody>
+          <a:bodyPr wrap="none" anchor="ctr">
+            <a:flatTx/>
+          </a:bodyPr>
+          <a:lstStyle/>
+          <a:p>
+            <a:r>
+              <a:rPr lang="en-US" altLang="zh-TW" sz="3058" dirty="0"/>
+              <a:t>v</a:t>
+            </a:r>
+            <a:endParaRPr lang="zh-TW" altLang="en-US" sz="3058" dirty="0"/>
+          </a:p>
+        </p:txBody>
+      </p:sp>
+      <p:sp>
+        <p:nvSpPr>
+          <p:cNvPr id="94" name="AutoShape 2">
+            <a:extLst>
+              <a:ext uri="{FF2B5EF4-FFF2-40B4-BE49-F238E27FC236}">
+                <a16:creationId xmlns:a16="http://schemas.microsoft.com/office/drawing/2014/main" id="{040D7AB2-D739-47E9-8EAA-2E7DF82B1273}"/>
+              </a:ext>
+            </a:extLst>
+          </p:cNvPr>
+          <p:cNvSpPr>
+            <a:spLocks noChangeArrowheads="1"/>
+          </p:cNvSpPr>
+          <p:nvPr/>
+        </p:nvSpPr>
+        <p:spPr bwMode="auto">
+          <a:xfrm>
+            <a:off x="10799762" y="23428368"/>
+            <a:ext cx="9830099" cy="4970962"/>
+          </a:xfrm>
+          <a:prstGeom prst="roundRect">
+            <a:avLst>
+              <a:gd name="adj" fmla="val 8161"/>
+            </a:avLst>
+          </a:prstGeom>
+          <a:solidFill>
+            <a:schemeClr val="bg1"/>
+          </a:solidFill>
+          <a:ln>
+            <a:noFill/>
+          </a:ln>
+        </p:spPr>
+        <p:style>
+          <a:lnRef idx="0">
+            <a:scrgbClr r="0" g="0" b="0"/>
+          </a:lnRef>
+          <a:fillRef idx="0">
+            <a:scrgbClr r="0" g="0" b="0"/>
+          </a:fillRef>
+          <a:effectRef idx="0">
+            <a:scrgbClr r="0" g="0" b="0"/>
+          </a:effectRef>
+          <a:fontRef idx="minor">
+            <a:schemeClr val="lt1"/>
+          </a:fontRef>
+        </p:style>
+        <p:txBody>
+          <a:bodyPr wrap="none" anchor="ctr">
+            <a:flatTx/>
+          </a:bodyPr>
+          <a:lstStyle/>
+          <a:p>
+            <a:r>
+              <a:rPr lang="en-US" altLang="zh-TW" sz="3058" dirty="0"/>
+              <a:t>v</a:t>
+            </a:r>
+            <a:endParaRPr lang="zh-TW" altLang="en-US" sz="3058" dirty="0"/>
+          </a:p>
+        </p:txBody>
+      </p:sp>
+      <p:sp>
+        <p:nvSpPr>
+          <p:cNvPr id="96" name="文字方塊 95">
+            <a:extLst>
+              <a:ext uri="{FF2B5EF4-FFF2-40B4-BE49-F238E27FC236}">
+                <a16:creationId xmlns:a16="http://schemas.microsoft.com/office/drawing/2014/main" id="{A26634F7-F9CE-4223-9A27-AFEE0A8C6764}"/>
+              </a:ext>
+            </a:extLst>
+          </p:cNvPr>
+          <p:cNvSpPr txBox="1"/>
+          <p:nvPr/>
+        </p:nvSpPr>
+        <p:spPr>
+          <a:xfrm>
+            <a:off x="4824998" y="23407518"/>
+            <a:ext cx="2432430" cy="743730"/>
+          </a:xfrm>
+          <a:prstGeom prst="rect">
+            <a:avLst/>
+          </a:prstGeom>
+          <a:noFill/>
+        </p:spPr>
+        <p:txBody>
+          <a:bodyPr wrap="square" rtlCol="0">
+            <a:spAutoFit/>
+          </a:bodyPr>
+          <a:lstStyle/>
+          <a:p>
+            <a:r>
+              <a:rPr lang="zh-TW" altLang="en-US" sz="4233" b="1" dirty="0">
+                <a:latin typeface="Microsoft YaHei UI" panose="020B0503020204020204" pitchFamily="34" charset="-122"/>
+                <a:ea typeface="Microsoft YaHei UI" panose="020B0503020204020204" pitchFamily="34" charset="-122"/>
+              </a:rPr>
+              <a:t>實際操作</a:t>
+            </a:r>
+          </a:p>
+        </p:txBody>
+      </p:sp>
+      <p:sp>
+        <p:nvSpPr>
+          <p:cNvPr id="109" name="文字方塊 108">
+            <a:extLst>
+              <a:ext uri="{FF2B5EF4-FFF2-40B4-BE49-F238E27FC236}">
+                <a16:creationId xmlns:a16="http://schemas.microsoft.com/office/drawing/2014/main" id="{15E3A0D3-1C6F-4985-A584-012CF31A5CA7}"/>
+              </a:ext>
+            </a:extLst>
+          </p:cNvPr>
+          <p:cNvSpPr txBox="1"/>
+          <p:nvPr/>
+        </p:nvSpPr>
+        <p:spPr>
+          <a:xfrm>
+            <a:off x="14404876" y="23407518"/>
+            <a:ext cx="3306427" cy="743730"/>
+          </a:xfrm>
+          <a:prstGeom prst="rect">
+            <a:avLst/>
+          </a:prstGeom>
+          <a:noFill/>
+        </p:spPr>
+        <p:txBody>
+          <a:bodyPr wrap="square" rtlCol="0">
+            <a:spAutoFit/>
+          </a:bodyPr>
+          <a:lstStyle/>
+          <a:p>
+            <a:r>
+              <a:rPr lang="zh-TW" altLang="en-US" sz="4233" b="1" dirty="0">
+                <a:latin typeface="Microsoft YaHei UI" panose="020B0503020204020204" pitchFamily="34" charset="-122"/>
+                <a:ea typeface="Microsoft YaHei UI" panose="020B0503020204020204" pitchFamily="34" charset="-122"/>
+              </a:rPr>
+              <a:t>結果與討論</a:t>
+            </a:r>
+          </a:p>
+        </p:txBody>
+      </p:sp>
+      <p:sp>
+        <p:nvSpPr>
+          <p:cNvPr id="8" name="文字方塊 7">
+            <a:extLst>
+              <a:ext uri="{FF2B5EF4-FFF2-40B4-BE49-F238E27FC236}">
+                <a16:creationId xmlns:a16="http://schemas.microsoft.com/office/drawing/2014/main" id="{A02128BF-0B7A-4E46-A699-FA6E530A5038}"/>
+              </a:ext>
+            </a:extLst>
+          </p:cNvPr>
+          <p:cNvSpPr txBox="1"/>
+          <p:nvPr/>
+        </p:nvSpPr>
+        <p:spPr>
+          <a:xfrm>
+            <a:off x="11223392" y="24575694"/>
+            <a:ext cx="9145016" cy="4230774"/>
+          </a:xfrm>
+          <a:prstGeom prst="rect">
+            <a:avLst/>
+          </a:prstGeom>
+          <a:noFill/>
+        </p:spPr>
+        <p:txBody>
+          <a:bodyPr wrap="square" rtlCol="0">
+            <a:spAutoFit/>
+          </a:bodyPr>
+          <a:lstStyle/>
+          <a:p>
+            <a:pPr indent="254000" algn="just" hangingPunct="0">
+              <a:lnSpc>
+                <a:spcPts val="3360"/>
+              </a:lnSpc>
+              <a:spcBef>
+                <a:spcPts val="1200"/>
+              </a:spcBef>
+              <a:spcAft>
+                <a:spcPts val="1200"/>
+              </a:spcAft>
+            </a:pPr>
+            <a:r>
+              <a:rPr lang="en-US" altLang="zh-TW" sz="2800" b="1" dirty="0">
+                <a:effectLst/>
+                <a:latin typeface="微軟正黑體" panose="020B0604030504040204" pitchFamily="34" charset="-120"/>
+                <a:ea typeface="微軟正黑體" panose="020B0604030504040204" pitchFamily="34" charset="-120"/>
+                <a:cs typeface="Times New Roman" panose="02020603050405020304" pitchFamily="18" charset="0"/>
+              </a:rPr>
+              <a:t>	</a:t>
+            </a:r>
+            <a:r>
+              <a:rPr lang="zh-TW" altLang="zh-TW" sz="2800" b="1" dirty="0">
+                <a:effectLst/>
+                <a:latin typeface="微軟正黑體" panose="020B0604030504040204" pitchFamily="34" charset="-120"/>
+                <a:ea typeface="微軟正黑體" panose="020B0604030504040204" pitchFamily="34" charset="-120"/>
+                <a:cs typeface="Times New Roman" panose="02020603050405020304" pitchFamily="18" charset="0"/>
+              </a:rPr>
+              <a:t>本</a:t>
+            </a:r>
+            <a:r>
+              <a:rPr lang="zh-TW" altLang="en-US" sz="2800" b="1" dirty="0">
+                <a:effectLst/>
+                <a:latin typeface="微軟正黑體" panose="020B0604030504040204" pitchFamily="34" charset="-120"/>
+                <a:ea typeface="微軟正黑體" panose="020B0604030504040204" pitchFamily="34" charset="-120"/>
+                <a:cs typeface="Times New Roman" panose="02020603050405020304" pitchFamily="18" charset="0"/>
+              </a:rPr>
+              <a:t>專題</a:t>
+            </a:r>
+            <a:r>
+              <a:rPr lang="zh-TW" altLang="en-US" sz="2800" b="1" dirty="0">
+                <a:latin typeface="微軟正黑體" panose="020B0604030504040204" pitchFamily="34" charset="-120"/>
+                <a:ea typeface="微軟正黑體" panose="020B0604030504040204" pitchFamily="34" charset="-120"/>
+                <a:cs typeface="Times New Roman" panose="02020603050405020304" pitchFamily="18" charset="0"/>
+              </a:rPr>
+              <a:t>成功</a:t>
+            </a:r>
+            <a:r>
+              <a:rPr lang="zh-TW" altLang="zh-TW" sz="2800" b="1" dirty="0">
+                <a:effectLst/>
+                <a:latin typeface="微軟正黑體" panose="020B0604030504040204" pitchFamily="34" charset="-120"/>
+                <a:ea typeface="微軟正黑體" panose="020B0604030504040204" pitchFamily="34" charset="-120"/>
+                <a:cs typeface="Times New Roman" panose="02020603050405020304" pitchFamily="18" charset="0"/>
+              </a:rPr>
+              <a:t>利用藍芽</a:t>
+            </a:r>
+            <a:r>
+              <a:rPr lang="zh-TW" altLang="en-US" sz="2800" b="1" dirty="0">
+                <a:effectLst/>
+                <a:latin typeface="微軟正黑體" panose="020B0604030504040204" pitchFamily="34" charset="-120"/>
+                <a:ea typeface="微軟正黑體" panose="020B0604030504040204" pitchFamily="34" charset="-120"/>
+                <a:cs typeface="Times New Roman" panose="02020603050405020304" pitchFamily="18" charset="0"/>
+              </a:rPr>
+              <a:t>量測</a:t>
+            </a:r>
+            <a:r>
+              <a:rPr lang="zh-TW" altLang="zh-TW" sz="2800" b="1" dirty="0">
+                <a:effectLst/>
+                <a:latin typeface="微軟正黑體" panose="020B0604030504040204" pitchFamily="34" charset="-120"/>
+                <a:ea typeface="微軟正黑體" panose="020B0604030504040204" pitchFamily="34" charset="-120"/>
+                <a:cs typeface="Times New Roman" panose="02020603050405020304" pitchFamily="18" charset="0"/>
+              </a:rPr>
+              <a:t>設備</a:t>
+            </a:r>
+            <a:r>
+              <a:rPr lang="zh-TW" altLang="en-US" sz="2800" b="1" dirty="0">
+                <a:latin typeface="微軟正黑體" panose="020B0604030504040204" pitchFamily="34" charset="-120"/>
+                <a:ea typeface="微軟正黑體" panose="020B0604030504040204" pitchFamily="34" charset="-120"/>
+                <a:cs typeface="Times New Roman" panose="02020603050405020304" pitchFamily="18" charset="0"/>
+              </a:rPr>
+              <a:t>、</a:t>
+            </a:r>
+            <a:r>
+              <a:rPr lang="en-US" altLang="zh-TW" sz="2800" b="1" dirty="0">
+                <a:latin typeface="微軟正黑體" panose="020B0604030504040204" pitchFamily="34" charset="-120"/>
+                <a:ea typeface="微軟正黑體" panose="020B0604030504040204" pitchFamily="34" charset="-120"/>
+                <a:cs typeface="Times New Roman" panose="02020603050405020304" pitchFamily="18" charset="0"/>
+              </a:rPr>
+              <a:t>Raspberry Pi</a:t>
+            </a:r>
+            <a:r>
+              <a:rPr lang="zh-TW" altLang="en-US" sz="2800" b="1" dirty="0">
+                <a:latin typeface="微軟正黑體" panose="020B0604030504040204" pitchFamily="34" charset="-120"/>
+                <a:ea typeface="微軟正黑體" panose="020B0604030504040204" pitchFamily="34" charset="-120"/>
+                <a:cs typeface="Times New Roman" panose="02020603050405020304" pitchFamily="18" charset="0"/>
+              </a:rPr>
+              <a:t>、</a:t>
+            </a:r>
+            <a:r>
+              <a:rPr lang="zh-TW" altLang="zh-TW" sz="2800" b="1" dirty="0">
+                <a:effectLst/>
+                <a:latin typeface="微軟正黑體" panose="020B0604030504040204" pitchFamily="34" charset="-120"/>
+                <a:ea typeface="微軟正黑體" panose="020B0604030504040204" pitchFamily="34" charset="-120"/>
+                <a:cs typeface="Times New Roman" panose="02020603050405020304" pitchFamily="18" charset="0"/>
+              </a:rPr>
+              <a:t>人性化機器人</a:t>
+            </a:r>
+            <a:r>
+              <a:rPr lang="en-US" altLang="zh-TW" sz="2800" b="1" dirty="0" err="1">
+                <a:effectLst/>
+                <a:latin typeface="微軟正黑體" panose="020B0604030504040204" pitchFamily="34" charset="-120"/>
+                <a:ea typeface="微軟正黑體" panose="020B0604030504040204" pitchFamily="34" charset="-120"/>
+                <a:cs typeface="Times New Roman" panose="02020603050405020304" pitchFamily="18" charset="0"/>
+              </a:rPr>
+              <a:t>Zenbo</a:t>
+            </a:r>
+            <a:r>
+              <a:rPr lang="zh-TW" altLang="en-US" sz="2800" b="1" dirty="0">
+                <a:effectLst/>
+                <a:latin typeface="微軟正黑體" panose="020B0604030504040204" pitchFamily="34" charset="-120"/>
+                <a:ea typeface="微軟正黑體" panose="020B0604030504040204" pitchFamily="34" charset="-120"/>
+                <a:cs typeface="Times New Roman" panose="02020603050405020304" pitchFamily="18" charset="0"/>
+              </a:rPr>
+              <a:t> </a:t>
+            </a:r>
+            <a:r>
+              <a:rPr lang="en-US" altLang="zh-TW" sz="2800" b="1" dirty="0">
+                <a:effectLst/>
+                <a:latin typeface="微軟正黑體" panose="020B0604030504040204" pitchFamily="34" charset="-120"/>
+                <a:ea typeface="微軟正黑體" panose="020B0604030504040204" pitchFamily="34" charset="-120"/>
+                <a:cs typeface="Times New Roman" panose="02020603050405020304" pitchFamily="18" charset="0"/>
+              </a:rPr>
+              <a:t>Junior</a:t>
+            </a:r>
+            <a:r>
+              <a:rPr lang="zh-TW" altLang="en-US" sz="2800" b="1" dirty="0">
+                <a:latin typeface="微軟正黑體" panose="020B0604030504040204" pitchFamily="34" charset="-120"/>
+                <a:ea typeface="微軟正黑體" panose="020B0604030504040204" pitchFamily="34" charset="-120"/>
+                <a:cs typeface="Times New Roman" panose="02020603050405020304" pitchFamily="18" charset="0"/>
+              </a:rPr>
+              <a:t>以及網頁</a:t>
+            </a:r>
+            <a:r>
+              <a:rPr lang="zh-TW" altLang="zh-TW" sz="2800" b="1" dirty="0">
+                <a:effectLst/>
+                <a:latin typeface="微軟正黑體" panose="020B0604030504040204" pitchFamily="34" charset="-120"/>
+                <a:ea typeface="微軟正黑體" panose="020B0604030504040204" pitchFamily="34" charset="-120"/>
+                <a:cs typeface="Times New Roman" panose="02020603050405020304" pitchFamily="18" charset="0"/>
+              </a:rPr>
+              <a:t>創造出能對人體生理指標進行</a:t>
+            </a:r>
+            <a:r>
+              <a:rPr lang="zh-TW" altLang="en-US" sz="2800" b="1" dirty="0">
+                <a:effectLst/>
+                <a:latin typeface="微軟正黑體" panose="020B0604030504040204" pitchFamily="34" charset="-120"/>
+                <a:ea typeface="微軟正黑體" panose="020B0604030504040204" pitchFamily="34" charset="-120"/>
+                <a:cs typeface="Times New Roman" panose="02020603050405020304" pitchFamily="18" charset="0"/>
+              </a:rPr>
+              <a:t>量測及查看</a:t>
+            </a:r>
+            <a:r>
+              <a:rPr lang="zh-TW" altLang="zh-TW" sz="2800" b="1" dirty="0">
+                <a:effectLst/>
+                <a:latin typeface="微軟正黑體" panose="020B0604030504040204" pitchFamily="34" charset="-120"/>
+                <a:ea typeface="微軟正黑體" panose="020B0604030504040204" pitchFamily="34" charset="-120"/>
+                <a:cs typeface="Times New Roman" panose="02020603050405020304" pitchFamily="18" charset="0"/>
+              </a:rPr>
+              <a:t>的系統</a:t>
+            </a:r>
+            <a:r>
+              <a:rPr lang="zh-TW" altLang="en-US" sz="2800" b="1" dirty="0">
+                <a:latin typeface="微軟正黑體" panose="020B0604030504040204" pitchFamily="34" charset="-120"/>
+                <a:ea typeface="微軟正黑體" panose="020B0604030504040204" pitchFamily="34" charset="-120"/>
+                <a:cs typeface="Times New Roman" panose="02020603050405020304" pitchFamily="18" charset="0"/>
+              </a:rPr>
+              <a:t>，</a:t>
+            </a:r>
+            <a:r>
+              <a:rPr lang="zh-TW" altLang="en-US" sz="2800" b="1" dirty="0">
+                <a:effectLst/>
+                <a:latin typeface="微軟正黑體" panose="020B0604030504040204" pitchFamily="34" charset="-120"/>
+                <a:ea typeface="微軟正黑體" panose="020B0604030504040204" pitchFamily="34" charset="-120"/>
+                <a:cs typeface="Times New Roman" panose="02020603050405020304" pitchFamily="18" charset="0"/>
+              </a:rPr>
+              <a:t>但系統之間的資料傳送存在延遲，</a:t>
+            </a:r>
+            <a:r>
+              <a:rPr lang="zh-TW" altLang="en-US" sz="2800" b="1" dirty="0">
+                <a:latin typeface="微軟正黑體" panose="020B0604030504040204" pitchFamily="34" charset="-120"/>
+                <a:ea typeface="微軟正黑體" panose="020B0604030504040204" pitchFamily="34" charset="-120"/>
+                <a:cs typeface="Times New Roman" panose="02020603050405020304" pitchFamily="18" charset="0"/>
+              </a:rPr>
+              <a:t>及分析</a:t>
+            </a:r>
+            <a:r>
+              <a:rPr lang="zh-TW" altLang="zh-TW" sz="2800" b="1" dirty="0">
+                <a:effectLst/>
+                <a:latin typeface="微軟正黑體" panose="020B0604030504040204" pitchFamily="34" charset="-120"/>
+                <a:ea typeface="微軟正黑體" panose="020B0604030504040204" pitchFamily="34" charset="-120"/>
+                <a:cs typeface="Times New Roman" panose="02020603050405020304" pitchFamily="18" charset="0"/>
+              </a:rPr>
+              <a:t>精確度</a:t>
+            </a:r>
+            <a:r>
+              <a:rPr lang="zh-TW" altLang="en-US" sz="2800" b="1" dirty="0">
+                <a:effectLst/>
+                <a:latin typeface="微軟正黑體" panose="020B0604030504040204" pitchFamily="34" charset="-120"/>
+                <a:ea typeface="微軟正黑體" panose="020B0604030504040204" pitchFamily="34" charset="-120"/>
+                <a:cs typeface="Times New Roman" panose="02020603050405020304" pitchFamily="18" charset="0"/>
+              </a:rPr>
+              <a:t>的問題。</a:t>
+            </a:r>
+            <a:endParaRPr lang="en-US" altLang="zh-TW" sz="2800" b="1" dirty="0">
+              <a:latin typeface="微軟正黑體" panose="020B0604030504040204" pitchFamily="34" charset="-120"/>
+              <a:ea typeface="微軟正黑體" panose="020B0604030504040204" pitchFamily="34" charset="-120"/>
+              <a:cs typeface="Times New Roman" panose="02020603050405020304" pitchFamily="18" charset="0"/>
+            </a:endParaRPr>
+          </a:p>
+          <a:p>
+            <a:pPr indent="254000" algn="just" hangingPunct="0">
+              <a:lnSpc>
+                <a:spcPts val="3360"/>
+              </a:lnSpc>
+              <a:spcBef>
+                <a:spcPts val="1200"/>
+              </a:spcBef>
+              <a:spcAft>
+                <a:spcPts val="1200"/>
+              </a:spcAft>
+            </a:pPr>
+            <a:r>
+              <a:rPr lang="en-US" altLang="zh-TW" sz="2800" b="1" dirty="0">
+                <a:effectLst/>
+                <a:latin typeface="微軟正黑體" panose="020B0604030504040204" pitchFamily="34" charset="-120"/>
+                <a:ea typeface="微軟正黑體" panose="020B0604030504040204" pitchFamily="34" charset="-120"/>
+                <a:cs typeface="Times New Roman" panose="02020603050405020304" pitchFamily="18" charset="0"/>
+              </a:rPr>
+              <a:t>	</a:t>
+            </a:r>
+            <a:r>
+              <a:rPr lang="zh-TW" altLang="en-US" sz="2800" b="1" dirty="0">
+                <a:effectLst/>
+                <a:latin typeface="微軟正黑體" panose="020B0604030504040204" pitchFamily="34" charset="-120"/>
+                <a:ea typeface="微軟正黑體" panose="020B0604030504040204" pitchFamily="34" charset="-120"/>
+                <a:cs typeface="Times New Roman" panose="02020603050405020304" pitchFamily="18" charset="0"/>
+              </a:rPr>
+              <a:t>為了解決上述問題，我們將持續更新程式的精簡度、並加強</a:t>
+            </a:r>
+            <a:r>
+              <a:rPr lang="en-US" altLang="zh-TW" sz="2800" b="1" dirty="0">
+                <a:effectLst/>
+                <a:latin typeface="微軟正黑體" panose="020B0604030504040204" pitchFamily="34" charset="-120"/>
+                <a:ea typeface="微軟正黑體" panose="020B0604030504040204" pitchFamily="34" charset="-120"/>
+                <a:cs typeface="Times New Roman" panose="02020603050405020304" pitchFamily="18" charset="0"/>
+              </a:rPr>
+              <a:t>FSM</a:t>
+            </a:r>
+            <a:r>
+              <a:rPr lang="zh-TW" altLang="en-US" sz="2800" b="1" dirty="0">
+                <a:effectLst/>
+                <a:latin typeface="微軟正黑體" panose="020B0604030504040204" pitchFamily="34" charset="-120"/>
+                <a:ea typeface="微軟正黑體" panose="020B0604030504040204" pitchFamily="34" charset="-120"/>
+                <a:cs typeface="Times New Roman" panose="02020603050405020304" pitchFamily="18" charset="0"/>
+              </a:rPr>
+              <a:t>的架構、</a:t>
+            </a:r>
+            <a:r>
+              <a:rPr lang="zh-TW" altLang="en-US" sz="2800" b="1" dirty="0">
+                <a:latin typeface="微軟正黑體" panose="020B0604030504040204" pitchFamily="34" charset="-120"/>
+                <a:ea typeface="微軟正黑體" panose="020B0604030504040204" pitchFamily="34" charset="-120"/>
+                <a:cs typeface="Times New Roman" panose="02020603050405020304" pitchFamily="18" charset="0"/>
+              </a:rPr>
+              <a:t>而分析</a:t>
+            </a:r>
+            <a:r>
+              <a:rPr lang="zh-TW" altLang="zh-TW" sz="2800" b="1" dirty="0">
+                <a:effectLst/>
+                <a:latin typeface="微軟正黑體" panose="020B0604030504040204" pitchFamily="34" charset="-120"/>
+                <a:ea typeface="微軟正黑體" panose="020B0604030504040204" pitchFamily="34" charset="-120"/>
+                <a:cs typeface="Times New Roman" panose="02020603050405020304" pitchFamily="18" charset="0"/>
+              </a:rPr>
+              <a:t>精確度</a:t>
+            </a:r>
+            <a:r>
+              <a:rPr lang="zh-TW" altLang="en-US" sz="2800" b="1" dirty="0">
+                <a:effectLst/>
+                <a:latin typeface="微軟正黑體" panose="020B0604030504040204" pitchFamily="34" charset="-120"/>
+                <a:ea typeface="微軟正黑體" panose="020B0604030504040204" pitchFamily="34" charset="-120"/>
+                <a:cs typeface="Times New Roman" panose="02020603050405020304" pitchFamily="18" charset="0"/>
+              </a:rPr>
+              <a:t>的部分，我們將新增更多筆資料，以達到分析的精準度</a:t>
+            </a:r>
+            <a:r>
+              <a:rPr lang="zh-TW" altLang="en-US" sz="2800" b="1" dirty="0">
+                <a:latin typeface="微軟正黑體" panose="020B0604030504040204" pitchFamily="34" charset="-120"/>
+                <a:ea typeface="微軟正黑體" panose="020B0604030504040204" pitchFamily="34" charset="-120"/>
+                <a:cs typeface="Times New Roman" panose="02020603050405020304" pitchFamily="18" charset="0"/>
+              </a:rPr>
+              <a:t>。</a:t>
+            </a:r>
+            <a:endParaRPr lang="zh-TW" altLang="zh-TW" sz="2800" b="1" dirty="0">
+              <a:effectLst/>
+              <a:latin typeface="微軟正黑體" panose="020B0604030504040204" pitchFamily="34" charset="-120"/>
+              <a:ea typeface="微軟正黑體" panose="020B0604030504040204" pitchFamily="34" charset="-120"/>
+              <a:cs typeface="Times New Roman" panose="02020603050405020304" pitchFamily="18" charset="0"/>
+            </a:endParaRPr>
+          </a:p>
+          <a:p>
+            <a:pPr>
+              <a:lnSpc>
+                <a:spcPct val="200000"/>
+              </a:lnSpc>
+            </a:pPr>
+            <a:endParaRPr lang="zh-TW" altLang="en-US" sz="2400" b="1" dirty="0">
+              <a:latin typeface="微軟正黑體" panose="020B0604030504040204" pitchFamily="34" charset="-120"/>
+              <a:ea typeface="微軟正黑體" panose="020B0604030504040204" pitchFamily="34" charset="-120"/>
+            </a:endParaRPr>
+          </a:p>
+        </p:txBody>
+      </p:sp>
+      <p:sp>
+        <p:nvSpPr>
+          <p:cNvPr id="131" name="文字方塊 130">
+            <a:extLst>
+              <a:ext uri="{FF2B5EF4-FFF2-40B4-BE49-F238E27FC236}">
+                <a16:creationId xmlns:a16="http://schemas.microsoft.com/office/drawing/2014/main" id="{046F20DF-3918-49E2-B57C-8656AB313414}"/>
+              </a:ext>
+            </a:extLst>
+          </p:cNvPr>
+          <p:cNvSpPr txBox="1"/>
+          <p:nvPr/>
+        </p:nvSpPr>
+        <p:spPr>
+          <a:xfrm>
+            <a:off x="14686222" y="11188142"/>
+            <a:ext cx="3491661" cy="689420"/>
+          </a:xfrm>
+          <a:prstGeom prst="rect">
+            <a:avLst/>
+          </a:prstGeom>
+          <a:noFill/>
+        </p:spPr>
+        <p:txBody>
+          <a:bodyPr wrap="none" rtlCol="0">
+            <a:spAutoFit/>
+          </a:bodyPr>
+          <a:lstStyle/>
+          <a:p>
+            <a:r>
+              <a:rPr lang="en-US" altLang="zh-TW" sz="3880" b="1" dirty="0" err="1">
+                <a:latin typeface="Microsoft YaHei UI" panose="020B0503020204020204" pitchFamily="34" charset="-122"/>
+                <a:ea typeface="Microsoft YaHei UI" panose="020B0503020204020204" pitchFamily="34" charset="-122"/>
+              </a:rPr>
+              <a:t>Zenbo</a:t>
+            </a:r>
+            <a:r>
+              <a:rPr lang="en-US" altLang="zh-TW" sz="3880" b="1" dirty="0">
+                <a:latin typeface="Microsoft YaHei UI" panose="020B0503020204020204" pitchFamily="34" charset="-122"/>
+                <a:ea typeface="Microsoft YaHei UI" panose="020B0503020204020204" pitchFamily="34" charset="-122"/>
+              </a:rPr>
+              <a:t> Junior</a:t>
+            </a:r>
+            <a:endParaRPr lang="zh-TW" altLang="en-US" sz="3880" b="1" dirty="0">
+              <a:latin typeface="Microsoft YaHei UI" panose="020B0503020204020204" pitchFamily="34" charset="-122"/>
+              <a:ea typeface="Microsoft YaHei UI" panose="020B0503020204020204" pitchFamily="34" charset="-122"/>
+            </a:endParaRPr>
+          </a:p>
+        </p:txBody>
+      </p:sp>
+      <p:sp>
+        <p:nvSpPr>
+          <p:cNvPr id="132" name="文字方塊 131">
+            <a:extLst>
+              <a:ext uri="{FF2B5EF4-FFF2-40B4-BE49-F238E27FC236}">
+                <a16:creationId xmlns:a16="http://schemas.microsoft.com/office/drawing/2014/main" id="{94139046-B082-460B-882A-6DE4B99D62C8}"/>
+              </a:ext>
+            </a:extLst>
+          </p:cNvPr>
+          <p:cNvSpPr txBox="1"/>
+          <p:nvPr/>
+        </p:nvSpPr>
+        <p:spPr>
+          <a:xfrm>
+            <a:off x="13836099" y="11920736"/>
+            <a:ext cx="5010538" cy="430887"/>
+          </a:xfrm>
+          <a:prstGeom prst="rect">
+            <a:avLst/>
+          </a:prstGeom>
+          <a:noFill/>
+        </p:spPr>
+        <p:txBody>
+          <a:bodyPr wrap="none" rtlCol="0">
+            <a:spAutoFit/>
+          </a:bodyPr>
+          <a:lstStyle/>
+          <a:p>
+            <a:pPr algn="ctr">
+              <a:spcBef>
+                <a:spcPct val="50000"/>
+              </a:spcBef>
+            </a:pPr>
+            <a:r>
+              <a:rPr lang="zh-TW" altLang="en-US" sz="2200" b="1" dirty="0">
+                <a:latin typeface="微軟正黑體" panose="020B0604030504040204" pitchFamily="34" charset="-120"/>
+                <a:ea typeface="微軟正黑體" panose="020B0604030504040204" pitchFamily="34" charset="-120"/>
+              </a:rPr>
+              <a:t>機器人配合</a:t>
+            </a:r>
+            <a:r>
+              <a:rPr lang="en-US" altLang="zh-TW" sz="2200" b="1" dirty="0">
+                <a:latin typeface="微軟正黑體" panose="020B0604030504040204" pitchFamily="34" charset="-120"/>
+                <a:ea typeface="微軟正黑體" panose="020B0604030504040204" pitchFamily="34" charset="-120"/>
+              </a:rPr>
+              <a:t>FSM</a:t>
+            </a:r>
+            <a:r>
+              <a:rPr lang="zh-TW" altLang="en-US" sz="2200" b="1" dirty="0">
+                <a:latin typeface="微軟正黑體" panose="020B0604030504040204" pitchFamily="34" charset="-120"/>
+                <a:ea typeface="微軟正黑體" panose="020B0604030504040204" pitchFamily="34" charset="-120"/>
+              </a:rPr>
+              <a:t>狀態機所做出的動作。</a:t>
+            </a:r>
+            <a:endParaRPr lang="zh-TW" altLang="en-US" sz="2200" b="1" dirty="0">
+              <a:solidFill>
+                <a:schemeClr val="tx2"/>
+              </a:solidFill>
+              <a:latin typeface="微軟正黑體" panose="020B0604030504040204" pitchFamily="34" charset="-120"/>
+              <a:ea typeface="微軟正黑體" panose="020B0604030504040204" pitchFamily="34" charset="-120"/>
+            </a:endParaRPr>
+          </a:p>
+        </p:txBody>
+      </p:sp>
+      <p:sp>
+        <p:nvSpPr>
+          <p:cNvPr id="133" name="文字方塊 132">
+            <a:extLst>
+              <a:ext uri="{FF2B5EF4-FFF2-40B4-BE49-F238E27FC236}">
+                <a16:creationId xmlns:a16="http://schemas.microsoft.com/office/drawing/2014/main" id="{D29AD4EB-35E3-45A8-851C-19CA47675C43}"/>
+              </a:ext>
+            </a:extLst>
+          </p:cNvPr>
+          <p:cNvSpPr txBox="1"/>
+          <p:nvPr/>
+        </p:nvSpPr>
+        <p:spPr>
+          <a:xfrm>
+            <a:off x="1189373" y="15205140"/>
+            <a:ext cx="9201366" cy="769441"/>
+          </a:xfrm>
+          <a:prstGeom prst="rect">
+            <a:avLst/>
+          </a:prstGeom>
+          <a:noFill/>
+        </p:spPr>
+        <p:txBody>
+          <a:bodyPr wrap="square">
+            <a:spAutoFit/>
+          </a:bodyPr>
+          <a:lstStyle/>
+          <a:p>
+            <a:r>
+              <a:rPr lang="zh-TW" altLang="en-US" sz="2200" b="1" dirty="0">
+                <a:effectLst/>
+                <a:latin typeface="微軟正黑體" panose="020B0604030504040204" pitchFamily="34" charset="-120"/>
+                <a:ea typeface="微軟正黑體" panose="020B0604030504040204" pitchFamily="34" charset="-120"/>
+                <a:cs typeface="Times New Roman" panose="02020603050405020304" pitchFamily="18" charset="0"/>
+              </a:rPr>
+              <a:t>本專題利用</a:t>
+            </a:r>
+            <a:r>
+              <a:rPr lang="zh-TW" altLang="en-US" sz="2200" b="1" dirty="0">
+                <a:latin typeface="微軟正黑體" panose="020B0604030504040204" pitchFamily="34" charset="-120"/>
+                <a:ea typeface="微軟正黑體" panose="020B0604030504040204" pitchFamily="34" charset="-120"/>
+                <a:cs typeface="Times New Roman" panose="02020603050405020304" pitchFamily="18" charset="0"/>
+              </a:rPr>
+              <a:t>有限狀態機來當作溝通的橋樑，所謂的狀態機就是</a:t>
+            </a:r>
+            <a:r>
+              <a:rPr lang="zh-TW" altLang="zh-TW" sz="2200" b="1" dirty="0">
+                <a:effectLst/>
+                <a:latin typeface="微軟正黑體" panose="020B0604030504040204" pitchFamily="34" charset="-120"/>
+                <a:ea typeface="微軟正黑體" panose="020B0604030504040204" pitchFamily="34" charset="-120"/>
+                <a:cs typeface="Times New Roman" panose="02020603050405020304" pitchFamily="18" charset="0"/>
+              </a:rPr>
+              <a:t>經由不同事件來觸發各式狀態，可藉由定義清楚狀態間的動作</a:t>
+            </a:r>
+            <a:r>
+              <a:rPr lang="zh-TW" altLang="en-US" sz="2200" b="1" dirty="0">
+                <a:latin typeface="微軟正黑體" panose="020B0604030504040204" pitchFamily="34" charset="-120"/>
+                <a:ea typeface="微軟正黑體" panose="020B0604030504040204" pitchFamily="34" charset="-120"/>
+                <a:cs typeface="Times New Roman" panose="02020603050405020304" pitchFamily="18" charset="0"/>
+              </a:rPr>
+              <a:t>來決定要做出什麼反應。</a:t>
+            </a:r>
+            <a:endParaRPr lang="zh-TW" altLang="en-US" sz="2200" b="1" dirty="0">
+              <a:latin typeface="微軟正黑體" panose="020B0604030504040204" pitchFamily="34" charset="-120"/>
+              <a:ea typeface="微軟正黑體" panose="020B0604030504040204" pitchFamily="34" charset="-120"/>
+            </a:endParaRPr>
+          </a:p>
+        </p:txBody>
+      </p:sp>
+      <p:sp>
+        <p:nvSpPr>
+          <p:cNvPr id="134" name="文字方塊 133">
+            <a:extLst>
+              <a:ext uri="{FF2B5EF4-FFF2-40B4-BE49-F238E27FC236}">
+                <a16:creationId xmlns:a16="http://schemas.microsoft.com/office/drawing/2014/main" id="{260A37EF-172C-4ADF-A7CF-B8DA4F5B02EB}"/>
+              </a:ext>
+            </a:extLst>
+          </p:cNvPr>
+          <p:cNvSpPr txBox="1"/>
+          <p:nvPr/>
+        </p:nvSpPr>
+        <p:spPr>
+          <a:xfrm>
+            <a:off x="13004169" y="15493164"/>
+            <a:ext cx="6107842" cy="689420"/>
+          </a:xfrm>
+          <a:prstGeom prst="rect">
+            <a:avLst/>
+          </a:prstGeom>
+          <a:noFill/>
+        </p:spPr>
+        <p:txBody>
+          <a:bodyPr wrap="square" rtlCol="0">
+            <a:spAutoFit/>
+          </a:bodyPr>
+          <a:lstStyle/>
+          <a:p>
+            <a:r>
+              <a:rPr lang="en-US" altLang="zh-TW" sz="3880" b="1" dirty="0" err="1">
+                <a:solidFill>
+                  <a:srgbClr val="000000"/>
+                </a:solidFill>
+                <a:effectLst/>
+                <a:latin typeface="Microsoft YaHei UI" panose="020B0503020204020204" pitchFamily="34" charset="-122"/>
+                <a:ea typeface="Microsoft YaHei UI" panose="020B0503020204020204" pitchFamily="34" charset="-122"/>
+              </a:rPr>
+              <a:t>SupportVectorMachine</a:t>
+            </a:r>
+            <a:endParaRPr lang="zh-TW" altLang="en-US" sz="3880" b="1" dirty="0">
+              <a:latin typeface="Microsoft YaHei UI" panose="020B0503020204020204" pitchFamily="34" charset="-122"/>
+              <a:ea typeface="Microsoft YaHei UI" panose="020B0503020204020204" pitchFamily="34" charset="-122"/>
+            </a:endParaRPr>
+          </a:p>
+        </p:txBody>
+      </p:sp>
+      <p:sp>
+        <p:nvSpPr>
+          <p:cNvPr id="11" name="文字方塊 10">
+            <a:extLst>
+              <a:ext uri="{FF2B5EF4-FFF2-40B4-BE49-F238E27FC236}">
+                <a16:creationId xmlns:a16="http://schemas.microsoft.com/office/drawing/2014/main" id="{F6A5F8AF-9990-4016-8B0D-BBC43F0FB3AB}"/>
+              </a:ext>
+            </a:extLst>
+          </p:cNvPr>
+          <p:cNvSpPr txBox="1"/>
+          <p:nvPr/>
+        </p:nvSpPr>
+        <p:spPr>
+          <a:xfrm>
+            <a:off x="11785326" y="16167419"/>
+            <a:ext cx="7818691" cy="769441"/>
+          </a:xfrm>
+          <a:prstGeom prst="rect">
+            <a:avLst/>
+          </a:prstGeom>
+          <a:noFill/>
+        </p:spPr>
+        <p:txBody>
+          <a:bodyPr wrap="square" rtlCol="0">
+            <a:spAutoFit/>
+          </a:bodyPr>
+          <a:lstStyle/>
+          <a:p>
+            <a:r>
+              <a:rPr lang="zh-TW" altLang="zh-TW" sz="2200" b="1" dirty="0">
+                <a:effectLst/>
+                <a:latin typeface="微軟正黑體" panose="020B0604030504040204" pitchFamily="34" charset="-120"/>
+                <a:ea typeface="微軟正黑體" panose="020B0604030504040204" pitchFamily="34" charset="-120"/>
+                <a:cs typeface="Times New Roman" panose="02020603050405020304" pitchFamily="18" charset="0"/>
+              </a:rPr>
+              <a:t>在將生理指標投入不同分析模型後，以</a:t>
+            </a:r>
+            <a:r>
+              <a:rPr lang="en-US" altLang="zh-TW" sz="2200" b="1" dirty="0">
+                <a:effectLst/>
+                <a:latin typeface="微軟正黑體" panose="020B0604030504040204" pitchFamily="34" charset="-120"/>
+                <a:ea typeface="微軟正黑體" panose="020B0604030504040204" pitchFamily="34" charset="-120"/>
+                <a:cs typeface="Times New Roman" panose="02020603050405020304" pitchFamily="18" charset="0"/>
+              </a:rPr>
+              <a:t>Precision</a:t>
+            </a:r>
+            <a:r>
+              <a:rPr lang="zh-TW" altLang="zh-TW" sz="2200" b="1" dirty="0">
+                <a:effectLst/>
+                <a:latin typeface="微軟正黑體" panose="020B0604030504040204" pitchFamily="34" charset="-120"/>
+                <a:ea typeface="微軟正黑體" panose="020B0604030504040204" pitchFamily="34" charset="-120"/>
+                <a:cs typeface="Times New Roman" panose="02020603050405020304" pitchFamily="18" charset="0"/>
+              </a:rPr>
+              <a:t>、</a:t>
+            </a:r>
+            <a:r>
+              <a:rPr lang="en-US" altLang="zh-TW" sz="2200" b="1" dirty="0">
+                <a:effectLst/>
+                <a:latin typeface="微軟正黑體" panose="020B0604030504040204" pitchFamily="34" charset="-120"/>
+                <a:ea typeface="微軟正黑體" panose="020B0604030504040204" pitchFamily="34" charset="-120"/>
+                <a:cs typeface="Times New Roman" panose="02020603050405020304" pitchFamily="18" charset="0"/>
+              </a:rPr>
+              <a:t>Recall</a:t>
+            </a:r>
+            <a:r>
+              <a:rPr lang="zh-TW" altLang="zh-TW" sz="2200" b="1" dirty="0">
+                <a:effectLst/>
+                <a:latin typeface="微軟正黑體" panose="020B0604030504040204" pitchFamily="34" charset="-120"/>
+                <a:ea typeface="微軟正黑體" panose="020B0604030504040204" pitchFamily="34" charset="-120"/>
+                <a:cs typeface="Times New Roman" panose="02020603050405020304" pitchFamily="18" charset="0"/>
+              </a:rPr>
+              <a:t>、</a:t>
+            </a:r>
+            <a:r>
+              <a:rPr lang="en-US" altLang="zh-TW" sz="2200" b="1" dirty="0">
+                <a:effectLst/>
+                <a:latin typeface="微軟正黑體" panose="020B0604030504040204" pitchFamily="34" charset="-120"/>
+                <a:ea typeface="微軟正黑體" panose="020B0604030504040204" pitchFamily="34" charset="-120"/>
+              </a:rPr>
+              <a:t>F-Measure</a:t>
+            </a:r>
+            <a:r>
+              <a:rPr lang="zh-TW" altLang="zh-TW" sz="2200" b="1" dirty="0">
+                <a:effectLst/>
+                <a:latin typeface="微軟正黑體" panose="020B0604030504040204" pitchFamily="34" charset="-120"/>
+                <a:ea typeface="微軟正黑體" panose="020B0604030504040204" pitchFamily="34" charset="-120"/>
+                <a:cs typeface="Times New Roman" panose="02020603050405020304" pitchFamily="18" charset="0"/>
+              </a:rPr>
+              <a:t>來評斷模型的好壞。</a:t>
+            </a:r>
+            <a:endParaRPr lang="zh-TW" altLang="en-US" sz="2200" b="1" dirty="0">
+              <a:latin typeface="微軟正黑體" panose="020B0604030504040204" pitchFamily="34" charset="-120"/>
+              <a:ea typeface="微軟正黑體" panose="020B0604030504040204" pitchFamily="34" charset="-120"/>
+            </a:endParaRPr>
+          </a:p>
+        </p:txBody>
+      </p:sp>
+      <mc:AlternateContent xmlns:mc="http://schemas.openxmlformats.org/markup-compatibility/2006">
+        <mc:Choice xmlns:a14="http://schemas.microsoft.com/office/drawing/2010/main" Requires="a14">
+          <p:sp>
+            <p:nvSpPr>
+              <p:cNvPr id="12" name="文字方塊 11">
+                <a:extLst>
+                  <a:ext uri="{FF2B5EF4-FFF2-40B4-BE49-F238E27FC236}">
+                    <a16:creationId xmlns:a16="http://schemas.microsoft.com/office/drawing/2014/main" id="{1A19A5E1-5872-484A-8691-CA13AEBE12B3}"/>
+                  </a:ext>
+                </a:extLst>
+              </p:cNvPr>
+              <p:cNvSpPr txBox="1"/>
+              <p:nvPr/>
+            </p:nvSpPr>
+            <p:spPr>
+              <a:xfrm>
+                <a:off x="11503256" y="16837193"/>
+                <a:ext cx="3889105" cy="673711"/>
+              </a:xfrm>
+              <a:prstGeom prst="rect">
+                <a:avLst/>
+              </a:prstGeom>
+              <a:noFill/>
+            </p:spPr>
+            <p:txBody>
+              <a:bodyPr wrap="square" rtlCol="0">
+                <a:spAutoFit/>
+              </a:bodyPr>
+              <a:lstStyle/>
+              <a:p>
+                <a:pPr/>
+                <a14:m>
+                  <m:oMathPara xmlns:m="http://schemas.openxmlformats.org/officeDocument/2006/math">
+                    <m:oMathParaPr>
+                      <m:jc m:val="centerGroup"/>
+                    </m:oMathParaPr>
+                    <m:oMath xmlns:m="http://schemas.openxmlformats.org/officeDocument/2006/math">
+                      <m:r>
+                        <a:rPr lang="en-US" altLang="zh-TW" sz="2000" i="1" smtClean="0">
+                          <a:effectLst/>
+                          <a:latin typeface="Cambria Math" panose="02040503050406030204" pitchFamily="18" charset="0"/>
+                          <a:ea typeface="新細明體" panose="02020500000000000000" pitchFamily="18" charset="-120"/>
+                          <a:cs typeface="Times New Roman" panose="02020603050405020304" pitchFamily="18" charset="0"/>
+                        </a:rPr>
+                        <m:t>𝑃𝑟𝑒𝑐𝑖𝑠𝑖𝑜𝑛</m:t>
+                      </m:r>
+                      <m:r>
+                        <a:rPr lang="en-US" altLang="zh-TW" sz="2000" i="1" smtClean="0">
+                          <a:effectLst/>
+                          <a:latin typeface="Cambria Math" panose="02040503050406030204" pitchFamily="18" charset="0"/>
+                          <a:ea typeface="新細明體" panose="02020500000000000000" pitchFamily="18" charset="-120"/>
+                          <a:cs typeface="Times New Roman" panose="02020603050405020304" pitchFamily="18" charset="0"/>
+                        </a:rPr>
+                        <m:t>=</m:t>
+                      </m:r>
+                      <m:f>
+                        <m:fPr>
+                          <m:ctrlPr>
+                            <a:rPr lang="zh-TW" altLang="zh-TW" sz="2000" i="1">
+                              <a:effectLst/>
+                              <a:latin typeface="Cambria Math" panose="02040503050406030204" pitchFamily="18" charset="0"/>
+                            </a:rPr>
+                          </m:ctrlPr>
+                        </m:fPr>
+                        <m:num>
+                          <m:r>
+                            <a:rPr lang="en-US" altLang="zh-TW" sz="2000" i="1">
+                              <a:effectLst/>
+                              <a:latin typeface="Cambria Math" panose="02040503050406030204" pitchFamily="18" charset="0"/>
+                              <a:ea typeface="新細明體" panose="02020500000000000000" pitchFamily="18" charset="-120"/>
+                              <a:cs typeface="Times New Roman" panose="02020603050405020304" pitchFamily="18" charset="0"/>
+                            </a:rPr>
+                            <m:t>𝑇𝑃</m:t>
+                          </m:r>
+                        </m:num>
+                        <m:den>
+                          <m:r>
+                            <a:rPr lang="en-US" altLang="zh-TW" sz="2000" i="1">
+                              <a:effectLst/>
+                              <a:latin typeface="Cambria Math" panose="02040503050406030204" pitchFamily="18" charset="0"/>
+                              <a:ea typeface="新細明體" panose="02020500000000000000" pitchFamily="18" charset="-120"/>
+                              <a:cs typeface="Times New Roman" panose="02020603050405020304" pitchFamily="18" charset="0"/>
+                            </a:rPr>
+                            <m:t>𝑇𝑃</m:t>
+                          </m:r>
+                          <m:r>
+                            <a:rPr lang="en-US" altLang="zh-TW" sz="2000" i="1">
+                              <a:effectLst/>
+                              <a:latin typeface="Cambria Math" panose="02040503050406030204" pitchFamily="18" charset="0"/>
+                              <a:ea typeface="新細明體" panose="02020500000000000000" pitchFamily="18" charset="-120"/>
+                              <a:cs typeface="Times New Roman" panose="02020603050405020304" pitchFamily="18" charset="0"/>
+                            </a:rPr>
+                            <m:t>+</m:t>
+                          </m:r>
+                          <m:r>
+                            <a:rPr lang="en-US" altLang="zh-TW" sz="2000" i="1">
+                              <a:effectLst/>
+                              <a:latin typeface="Cambria Math" panose="02040503050406030204" pitchFamily="18" charset="0"/>
+                              <a:ea typeface="新細明體" panose="02020500000000000000" pitchFamily="18" charset="-120"/>
+                              <a:cs typeface="Times New Roman" panose="02020603050405020304" pitchFamily="18" charset="0"/>
+                            </a:rPr>
+                            <m:t>𝐹𝑃</m:t>
+                          </m:r>
+                        </m:den>
+                      </m:f>
+                    </m:oMath>
+                  </m:oMathPara>
+                </a14:m>
+                <a:endParaRPr lang="zh-TW" altLang="en-US" sz="2000" dirty="0"/>
+              </a:p>
+            </p:txBody>
+          </p:sp>
+        </mc:Choice>
+        <mc:Fallback>
+          <p:sp>
+            <p:nvSpPr>
+              <p:cNvPr id="12" name="文字方塊 11">
+                <a:extLst>
+                  <a:ext uri="{FF2B5EF4-FFF2-40B4-BE49-F238E27FC236}">
+                    <a16:creationId xmlns:a16="http://schemas.microsoft.com/office/drawing/2014/main" id="{1A19A5E1-5872-484A-8691-CA13AEBE12B3}"/>
+                  </a:ext>
+                </a:extLst>
+              </p:cNvPr>
+              <p:cNvSpPr txBox="1">
+                <a:spLocks noRot="1" noChangeAspect="1" noMove="1" noResize="1" noEditPoints="1" noAdjustHandles="1" noChangeArrowheads="1" noChangeShapeType="1" noTextEdit="1"/>
+              </p:cNvSpPr>
+              <p:nvPr/>
+            </p:nvSpPr>
+            <p:spPr>
+              <a:xfrm>
+                <a:off x="11503256" y="16837193"/>
+                <a:ext cx="3889105" cy="673711"/>
+              </a:xfrm>
+              <a:prstGeom prst="rect">
+                <a:avLst/>
+              </a:prstGeom>
+              <a:blipFill>
+                <a:blip r:embed="rId21"/>
+                <a:stretch>
+                  <a:fillRect/>
+                </a:stretch>
+              </a:blipFill>
+            </p:spPr>
+            <p:txBody>
+              <a:bodyPr/>
+              <a:lstStyle/>
+              <a:p>
+                <a:r>
+                  <a:rPr lang="zh-TW" altLang="en-US">
+                    <a:noFill/>
+                  </a:rPr>
+                  <a:t> </a:t>
+                </a:r>
+              </a:p>
+            </p:txBody>
+          </p:sp>
+        </mc:Fallback>
+      </mc:AlternateContent>
+      <mc:AlternateContent xmlns:mc="http://schemas.openxmlformats.org/markup-compatibility/2006">
+        <mc:Choice xmlns:a14="http://schemas.microsoft.com/office/drawing/2010/main" Requires="a14">
+          <p:sp>
+            <p:nvSpPr>
+              <p:cNvPr id="13" name="文字方塊 12">
+                <a:extLst>
+                  <a:ext uri="{FF2B5EF4-FFF2-40B4-BE49-F238E27FC236}">
+                    <a16:creationId xmlns:a16="http://schemas.microsoft.com/office/drawing/2014/main" id="{245D6093-ED2E-430E-B9CC-8E200036F570}"/>
+                  </a:ext>
+                </a:extLst>
+              </p:cNvPr>
+              <p:cNvSpPr txBox="1"/>
+              <p:nvPr/>
+            </p:nvSpPr>
+            <p:spPr>
+              <a:xfrm>
+                <a:off x="15924096" y="16834638"/>
+                <a:ext cx="3207480" cy="673711"/>
+              </a:xfrm>
+              <a:prstGeom prst="rect">
+                <a:avLst/>
+              </a:prstGeom>
+              <a:noFill/>
+            </p:spPr>
+            <p:txBody>
+              <a:bodyPr wrap="square" rtlCol="0">
+                <a:spAutoFit/>
+              </a:bodyPr>
+              <a:lstStyle/>
+              <a:p>
+                <a:pPr/>
+                <a14:m>
+                  <m:oMathPara xmlns:m="http://schemas.openxmlformats.org/officeDocument/2006/math">
+                    <m:oMathParaPr>
+                      <m:jc m:val="centerGroup"/>
+                    </m:oMathParaPr>
+                    <m:oMath xmlns:m="http://schemas.openxmlformats.org/officeDocument/2006/math">
+                      <m:r>
+                        <a:rPr lang="en-US" altLang="zh-TW" sz="2000" i="1" smtClean="0">
+                          <a:effectLst/>
+                          <a:latin typeface="Cambria Math" panose="02040503050406030204" pitchFamily="18" charset="0"/>
+                          <a:ea typeface="新細明體" panose="02020500000000000000" pitchFamily="18" charset="-120"/>
+                          <a:cs typeface="Times New Roman" panose="02020603050405020304" pitchFamily="18" charset="0"/>
+                        </a:rPr>
+                        <m:t>𝑅𝑒𝑐𝑎𝑙𝑙</m:t>
+                      </m:r>
+                      <m:r>
+                        <a:rPr lang="en-US" altLang="zh-TW" sz="2000" i="1" smtClean="0">
+                          <a:effectLst/>
+                          <a:latin typeface="Cambria Math" panose="02040503050406030204" pitchFamily="18" charset="0"/>
+                          <a:ea typeface="新細明體" panose="02020500000000000000" pitchFamily="18" charset="-120"/>
+                          <a:cs typeface="Times New Roman" panose="02020603050405020304" pitchFamily="18" charset="0"/>
+                        </a:rPr>
+                        <m:t>=</m:t>
+                      </m:r>
+                      <m:f>
+                        <m:fPr>
+                          <m:ctrlPr>
+                            <a:rPr lang="zh-TW" altLang="zh-TW" sz="2000" i="1">
+                              <a:effectLst/>
+                              <a:latin typeface="Cambria Math" panose="02040503050406030204" pitchFamily="18" charset="0"/>
+                            </a:rPr>
+                          </m:ctrlPr>
+                        </m:fPr>
+                        <m:num>
+                          <m:r>
+                            <a:rPr lang="en-US" altLang="zh-TW" sz="2000" i="1">
+                              <a:effectLst/>
+                              <a:latin typeface="Cambria Math" panose="02040503050406030204" pitchFamily="18" charset="0"/>
+                              <a:ea typeface="新細明體" panose="02020500000000000000" pitchFamily="18" charset="-120"/>
+                              <a:cs typeface="Times New Roman" panose="02020603050405020304" pitchFamily="18" charset="0"/>
+                            </a:rPr>
+                            <m:t>𝑇𝑃</m:t>
+                          </m:r>
+                        </m:num>
+                        <m:den>
+                          <m:r>
+                            <a:rPr lang="en-US" altLang="zh-TW" sz="2000" i="1">
+                              <a:effectLst/>
+                              <a:latin typeface="Cambria Math" panose="02040503050406030204" pitchFamily="18" charset="0"/>
+                              <a:ea typeface="新細明體" panose="02020500000000000000" pitchFamily="18" charset="-120"/>
+                              <a:cs typeface="Times New Roman" panose="02020603050405020304" pitchFamily="18" charset="0"/>
+                            </a:rPr>
+                            <m:t>𝑇𝑃</m:t>
+                          </m:r>
+                          <m:r>
+                            <a:rPr lang="en-US" altLang="zh-TW" sz="2000" i="1">
+                              <a:effectLst/>
+                              <a:latin typeface="Cambria Math" panose="02040503050406030204" pitchFamily="18" charset="0"/>
+                              <a:ea typeface="新細明體" panose="02020500000000000000" pitchFamily="18" charset="-120"/>
+                              <a:cs typeface="Times New Roman" panose="02020603050405020304" pitchFamily="18" charset="0"/>
+                            </a:rPr>
+                            <m:t>+</m:t>
+                          </m:r>
+                          <m:r>
+                            <a:rPr lang="en-US" altLang="zh-TW" sz="2000" i="1">
+                              <a:effectLst/>
+                              <a:latin typeface="Cambria Math" panose="02040503050406030204" pitchFamily="18" charset="0"/>
+                              <a:ea typeface="新細明體" panose="02020500000000000000" pitchFamily="18" charset="-120"/>
+                              <a:cs typeface="Times New Roman" panose="02020603050405020304" pitchFamily="18" charset="0"/>
+                            </a:rPr>
+                            <m:t>𝐹𝑁</m:t>
+                          </m:r>
+                        </m:den>
+                      </m:f>
+                    </m:oMath>
+                  </m:oMathPara>
+                </a14:m>
+                <a:endParaRPr lang="zh-TW" altLang="en-US" sz="2000" dirty="0"/>
+              </a:p>
+            </p:txBody>
+          </p:sp>
+        </mc:Choice>
+        <mc:Fallback>
+          <p:sp>
+            <p:nvSpPr>
+              <p:cNvPr id="13" name="文字方塊 12">
+                <a:extLst>
+                  <a:ext uri="{FF2B5EF4-FFF2-40B4-BE49-F238E27FC236}">
+                    <a16:creationId xmlns:a16="http://schemas.microsoft.com/office/drawing/2014/main" id="{245D6093-ED2E-430E-B9CC-8E200036F570}"/>
+                  </a:ext>
+                </a:extLst>
+              </p:cNvPr>
+              <p:cNvSpPr txBox="1">
+                <a:spLocks noRot="1" noChangeAspect="1" noMove="1" noResize="1" noEditPoints="1" noAdjustHandles="1" noChangeArrowheads="1" noChangeShapeType="1" noTextEdit="1"/>
+              </p:cNvSpPr>
+              <p:nvPr/>
+            </p:nvSpPr>
+            <p:spPr>
+              <a:xfrm>
+                <a:off x="15924096" y="16834638"/>
+                <a:ext cx="3207480" cy="673711"/>
+              </a:xfrm>
+              <a:prstGeom prst="rect">
+                <a:avLst/>
+              </a:prstGeom>
+              <a:blipFill>
+                <a:blip r:embed="rId22"/>
+                <a:stretch>
+                  <a:fillRect/>
+                </a:stretch>
+              </a:blipFill>
+            </p:spPr>
+            <p:txBody>
+              <a:bodyPr/>
+              <a:lstStyle/>
+              <a:p>
+                <a:r>
+                  <a:rPr lang="zh-TW" altLang="en-US">
+                    <a:noFill/>
+                  </a:rPr>
+                  <a:t> </a:t>
+                </a:r>
+              </a:p>
+            </p:txBody>
+          </p:sp>
+        </mc:Fallback>
+      </mc:AlternateContent>
+      <mc:AlternateContent xmlns:mc="http://schemas.openxmlformats.org/markup-compatibility/2006">
+        <mc:Choice xmlns:a14="http://schemas.microsoft.com/office/drawing/2010/main" Requires="a14">
+          <p:sp>
+            <p:nvSpPr>
+              <p:cNvPr id="14" name="文字方塊 13">
+                <a:extLst>
+                  <a:ext uri="{FF2B5EF4-FFF2-40B4-BE49-F238E27FC236}">
+                    <a16:creationId xmlns:a16="http://schemas.microsoft.com/office/drawing/2014/main" id="{C930370C-7B11-4595-8DDC-D73E8C9BE0AC}"/>
+                  </a:ext>
+                </a:extLst>
+              </p:cNvPr>
+              <p:cNvSpPr txBox="1"/>
+              <p:nvPr/>
+            </p:nvSpPr>
+            <p:spPr>
+              <a:xfrm>
+                <a:off x="13354920" y="17575175"/>
+                <a:ext cx="4494820" cy="681853"/>
+              </a:xfrm>
+              <a:prstGeom prst="rect">
+                <a:avLst/>
+              </a:prstGeom>
+              <a:noFill/>
+            </p:spPr>
+            <p:txBody>
+              <a:bodyPr wrap="none" rtlCol="0">
+                <a:spAutoFit/>
+              </a:bodyPr>
+              <a:lstStyle/>
+              <a:p>
+                <a:pPr/>
+                <a14:m>
+                  <m:oMathPara xmlns:m="http://schemas.openxmlformats.org/officeDocument/2006/math">
+                    <m:oMathParaPr>
+                      <m:jc m:val="centerGroup"/>
+                    </m:oMathParaPr>
+                    <m:oMath xmlns:m="http://schemas.openxmlformats.org/officeDocument/2006/math">
+                      <m:r>
+                        <a:rPr lang="en-US" altLang="zh-TW" sz="2000" i="1" smtClean="0">
+                          <a:effectLst/>
+                          <a:latin typeface="Cambria Math" panose="02040503050406030204" pitchFamily="18" charset="0"/>
+                          <a:ea typeface="新細明體" panose="02020500000000000000" pitchFamily="18" charset="-120"/>
+                          <a:cs typeface="Times New Roman" panose="02020603050405020304" pitchFamily="18" charset="0"/>
+                        </a:rPr>
+                        <m:t>𝐹</m:t>
+                      </m:r>
+                      <m:r>
+                        <a:rPr lang="en-US" altLang="zh-TW" sz="2000" i="1" smtClean="0">
+                          <a:effectLst/>
+                          <a:latin typeface="Cambria Math" panose="02040503050406030204" pitchFamily="18" charset="0"/>
+                          <a:ea typeface="新細明體" panose="02020500000000000000" pitchFamily="18" charset="-120"/>
+                          <a:cs typeface="Times New Roman" panose="02020603050405020304" pitchFamily="18" charset="0"/>
+                        </a:rPr>
+                        <m:t>−</m:t>
+                      </m:r>
+                      <m:r>
+                        <a:rPr lang="en-US" altLang="zh-TW" sz="2000" i="1" smtClean="0">
+                          <a:effectLst/>
+                          <a:latin typeface="Cambria Math" panose="02040503050406030204" pitchFamily="18" charset="0"/>
+                          <a:ea typeface="新細明體" panose="02020500000000000000" pitchFamily="18" charset="-120"/>
+                          <a:cs typeface="Times New Roman" panose="02020603050405020304" pitchFamily="18" charset="0"/>
+                        </a:rPr>
+                        <m:t>𝑀𝑒𝑎𝑠𝑢𝑟𝑒</m:t>
+                      </m:r>
+                      <m:r>
+                        <a:rPr lang="en-US" altLang="zh-TW" sz="2000" i="1" smtClean="0">
+                          <a:effectLst/>
+                          <a:latin typeface="Cambria Math" panose="02040503050406030204" pitchFamily="18" charset="0"/>
+                          <a:ea typeface="新細明體" panose="02020500000000000000" pitchFamily="18" charset="-120"/>
+                          <a:cs typeface="Times New Roman" panose="02020603050405020304" pitchFamily="18" charset="0"/>
+                        </a:rPr>
+                        <m:t>=</m:t>
+                      </m:r>
+                      <m:f>
+                        <m:fPr>
+                          <m:ctrlPr>
+                            <a:rPr lang="zh-TW" altLang="zh-TW" sz="2000" i="1">
+                              <a:effectLst/>
+                              <a:latin typeface="Cambria Math" panose="02040503050406030204" pitchFamily="18" charset="0"/>
+                            </a:rPr>
+                          </m:ctrlPr>
+                        </m:fPr>
+                        <m:num>
+                          <m:r>
+                            <a:rPr lang="en-US" altLang="zh-TW" sz="2000" i="1">
+                              <a:effectLst/>
+                              <a:latin typeface="Cambria Math" panose="02040503050406030204" pitchFamily="18" charset="0"/>
+                              <a:ea typeface="新細明體" panose="02020500000000000000" pitchFamily="18" charset="-120"/>
+                              <a:cs typeface="Times New Roman" panose="02020603050405020304" pitchFamily="18" charset="0"/>
+                            </a:rPr>
+                            <m:t>2∗</m:t>
+                          </m:r>
+                          <m:r>
+                            <a:rPr lang="en-US" altLang="zh-TW" sz="2000" i="1">
+                              <a:effectLst/>
+                              <a:latin typeface="Cambria Math" panose="02040503050406030204" pitchFamily="18" charset="0"/>
+                              <a:ea typeface="新細明體" panose="02020500000000000000" pitchFamily="18" charset="-120"/>
+                              <a:cs typeface="Times New Roman" panose="02020603050405020304" pitchFamily="18" charset="0"/>
+                            </a:rPr>
+                            <m:t>𝑃𝑟𝑒𝑐𝑖𝑠𝑖𝑜𝑛</m:t>
+                          </m:r>
+                          <m:r>
+                            <a:rPr lang="en-US" altLang="zh-TW" sz="2000" i="1">
+                              <a:effectLst/>
+                              <a:latin typeface="Cambria Math" panose="02040503050406030204" pitchFamily="18" charset="0"/>
+                              <a:ea typeface="新細明體" panose="02020500000000000000" pitchFamily="18" charset="-120"/>
+                              <a:cs typeface="Times New Roman" panose="02020603050405020304" pitchFamily="18" charset="0"/>
+                            </a:rPr>
+                            <m:t>∗</m:t>
+                          </m:r>
+                          <m:r>
+                            <a:rPr lang="en-US" altLang="zh-TW" sz="2000" i="1">
+                              <a:effectLst/>
+                              <a:latin typeface="Cambria Math" panose="02040503050406030204" pitchFamily="18" charset="0"/>
+                              <a:ea typeface="新細明體" panose="02020500000000000000" pitchFamily="18" charset="-120"/>
+                              <a:cs typeface="Times New Roman" panose="02020603050405020304" pitchFamily="18" charset="0"/>
+                            </a:rPr>
+                            <m:t>𝑅𝑒𝑐𝑎𝑙𝑙</m:t>
+                          </m:r>
+                        </m:num>
+                        <m:den>
+                          <m:r>
+                            <a:rPr lang="en-US" altLang="zh-TW" sz="2000" i="1">
+                              <a:effectLst/>
+                              <a:latin typeface="Cambria Math" panose="02040503050406030204" pitchFamily="18" charset="0"/>
+                              <a:ea typeface="新細明體" panose="02020500000000000000" pitchFamily="18" charset="-120"/>
+                              <a:cs typeface="Times New Roman" panose="02020603050405020304" pitchFamily="18" charset="0"/>
+                            </a:rPr>
+                            <m:t>𝑃𝑟𝑒𝑐𝑖𝑠𝑖𝑜𝑛</m:t>
+                          </m:r>
+                          <m:r>
+                            <a:rPr lang="en-US" altLang="zh-TW" sz="2000" i="1">
+                              <a:effectLst/>
+                              <a:latin typeface="Cambria Math" panose="02040503050406030204" pitchFamily="18" charset="0"/>
+                              <a:ea typeface="新細明體" panose="02020500000000000000" pitchFamily="18" charset="-120"/>
+                              <a:cs typeface="Times New Roman" panose="02020603050405020304" pitchFamily="18" charset="0"/>
+                            </a:rPr>
+                            <m:t>+</m:t>
+                          </m:r>
+                          <m:r>
+                            <a:rPr lang="en-US" altLang="zh-TW" sz="2000" i="1">
+                              <a:effectLst/>
+                              <a:latin typeface="Cambria Math" panose="02040503050406030204" pitchFamily="18" charset="0"/>
+                              <a:ea typeface="新細明體" panose="02020500000000000000" pitchFamily="18" charset="-120"/>
+                              <a:cs typeface="Times New Roman" panose="02020603050405020304" pitchFamily="18" charset="0"/>
+                            </a:rPr>
+                            <m:t>𝑅𝑒𝑐𝑎𝑙𝑙</m:t>
+                          </m:r>
+                        </m:den>
+                      </m:f>
+                    </m:oMath>
+                  </m:oMathPara>
+                </a14:m>
+                <a:endParaRPr lang="zh-TW" altLang="en-US" sz="2000" dirty="0"/>
+              </a:p>
+            </p:txBody>
+          </p:sp>
+        </mc:Choice>
+        <mc:Fallback>
+          <p:sp>
+            <p:nvSpPr>
+              <p:cNvPr id="14" name="文字方塊 13">
+                <a:extLst>
+                  <a:ext uri="{FF2B5EF4-FFF2-40B4-BE49-F238E27FC236}">
+                    <a16:creationId xmlns:a16="http://schemas.microsoft.com/office/drawing/2014/main" id="{C930370C-7B11-4595-8DDC-D73E8C9BE0AC}"/>
+                  </a:ext>
+                </a:extLst>
+              </p:cNvPr>
+              <p:cNvSpPr txBox="1">
+                <a:spLocks noRot="1" noChangeAspect="1" noMove="1" noResize="1" noEditPoints="1" noAdjustHandles="1" noChangeArrowheads="1" noChangeShapeType="1" noTextEdit="1"/>
+              </p:cNvSpPr>
+              <p:nvPr/>
+            </p:nvSpPr>
+            <p:spPr>
+              <a:xfrm>
+                <a:off x="13354920" y="17575175"/>
+                <a:ext cx="4494820" cy="681853"/>
+              </a:xfrm>
+              <a:prstGeom prst="rect">
+                <a:avLst/>
+              </a:prstGeom>
+              <a:blipFill>
+                <a:blip r:embed="rId23"/>
+                <a:stretch>
+                  <a:fillRect/>
+                </a:stretch>
+              </a:blipFill>
+            </p:spPr>
+            <p:txBody>
+              <a:bodyPr/>
+              <a:lstStyle/>
+              <a:p>
+                <a:r>
+                  <a:rPr lang="zh-TW" altLang="en-US">
+                    <a:noFill/>
+                  </a:rPr>
+                  <a:t> </a:t>
+                </a:r>
+              </a:p>
+            </p:txBody>
+          </p:sp>
+        </mc:Fallback>
+      </mc:AlternateContent>
+      <p:sp>
+        <p:nvSpPr>
+          <p:cNvPr id="15" name="文字方塊 14">
+            <a:extLst>
+              <a:ext uri="{FF2B5EF4-FFF2-40B4-BE49-F238E27FC236}">
+                <a16:creationId xmlns:a16="http://schemas.microsoft.com/office/drawing/2014/main" id="{2652A700-D486-4557-BBCE-D6B48D0E87D6}"/>
+              </a:ext>
+            </a:extLst>
+          </p:cNvPr>
+          <p:cNvSpPr txBox="1"/>
+          <p:nvPr/>
+        </p:nvSpPr>
+        <p:spPr>
+          <a:xfrm>
+            <a:off x="11738505" y="18233543"/>
+            <a:ext cx="7818691" cy="1107996"/>
+          </a:xfrm>
+          <a:prstGeom prst="rect">
+            <a:avLst/>
+          </a:prstGeom>
+          <a:noFill/>
+        </p:spPr>
+        <p:txBody>
+          <a:bodyPr wrap="square" rtlCol="0">
+            <a:spAutoFit/>
+          </a:bodyPr>
+          <a:lstStyle/>
+          <a:p>
+            <a:r>
+              <a:rPr lang="zh-TW" altLang="zh-TW" sz="2200" b="1" dirty="0">
+                <a:effectLst/>
+                <a:latin typeface="微軟正黑體" panose="020B0604030504040204" pitchFamily="34" charset="-120"/>
+                <a:ea typeface="微軟正黑體" panose="020B0604030504040204" pitchFamily="34" charset="-120"/>
+                <a:cs typeface="Times New Roman" panose="02020603050405020304" pitchFamily="18" charset="0"/>
+              </a:rPr>
+              <a:t>利用</a:t>
+            </a:r>
+            <a:r>
+              <a:rPr lang="zh-TW" altLang="en-US" sz="2200" b="1" dirty="0">
+                <a:effectLst/>
+                <a:latin typeface="微軟正黑體" panose="020B0604030504040204" pitchFamily="34" charset="-120"/>
+                <a:ea typeface="微軟正黑體" panose="020B0604030504040204" pitchFamily="34" charset="-120"/>
+                <a:cs typeface="Times New Roman" panose="02020603050405020304" pitchFamily="18" charset="0"/>
+              </a:rPr>
+              <a:t>上述</a:t>
+            </a:r>
+            <a:r>
+              <a:rPr lang="zh-TW" altLang="zh-TW" sz="2200" b="1" dirty="0">
+                <a:effectLst/>
+                <a:latin typeface="微軟正黑體" panose="020B0604030504040204" pitchFamily="34" charset="-120"/>
+                <a:ea typeface="微軟正黑體" panose="020B0604030504040204" pitchFamily="34" charset="-120"/>
+                <a:cs typeface="Times New Roman" panose="02020603050405020304" pitchFamily="18" charset="0"/>
+              </a:rPr>
+              <a:t>分類模型</a:t>
+            </a:r>
+            <a:r>
+              <a:rPr lang="zh-TW" altLang="en-US" sz="2200" b="1" dirty="0">
+                <a:effectLst/>
+                <a:latin typeface="微軟正黑體" panose="020B0604030504040204" pitchFamily="34" charset="-120"/>
+                <a:ea typeface="微軟正黑體" panose="020B0604030504040204" pitchFamily="34" charset="-120"/>
+                <a:cs typeface="Times New Roman" panose="02020603050405020304" pitchFamily="18" charset="0"/>
+              </a:rPr>
+              <a:t>得出以下表格</a:t>
+            </a:r>
+            <a:r>
+              <a:rPr lang="zh-TW" altLang="zh-TW" sz="2200" b="1" dirty="0">
+                <a:effectLst/>
+                <a:latin typeface="微軟正黑體" panose="020B0604030504040204" pitchFamily="34" charset="-120"/>
+                <a:ea typeface="微軟正黑體" panose="020B0604030504040204" pitchFamily="34" charset="-120"/>
+                <a:cs typeface="Times New Roman" panose="02020603050405020304" pitchFamily="18" charset="0"/>
+              </a:rPr>
+              <a:t>，</a:t>
+            </a:r>
+            <a:r>
+              <a:rPr lang="zh-TW" altLang="en-US" sz="2200" b="1" dirty="0">
+                <a:effectLst/>
+                <a:latin typeface="微軟正黑體" panose="020B0604030504040204" pitchFamily="34" charset="-120"/>
+                <a:ea typeface="微軟正黑體" panose="020B0604030504040204" pitchFamily="34" charset="-120"/>
+                <a:cs typeface="Times New Roman" panose="02020603050405020304" pitchFamily="18" charset="0"/>
+              </a:rPr>
+              <a:t>可以看出</a:t>
+            </a:r>
+            <a:r>
+              <a:rPr lang="zh-TW" altLang="zh-TW" sz="2200" b="1" dirty="0">
+                <a:effectLst/>
+                <a:latin typeface="微軟正黑體" panose="020B0604030504040204" pitchFamily="34" charset="-120"/>
+                <a:ea typeface="微軟正黑體" panose="020B0604030504040204" pitchFamily="34" charset="-120"/>
+                <a:cs typeface="Times New Roman" panose="02020603050405020304" pitchFamily="18" charset="0"/>
+              </a:rPr>
+              <a:t>不僅精確度達到了</a:t>
+            </a:r>
+            <a:r>
+              <a:rPr lang="en-US" altLang="zh-TW" sz="2200" b="1" dirty="0">
+                <a:effectLst/>
+                <a:latin typeface="微軟正黑體" panose="020B0604030504040204" pitchFamily="34" charset="-120"/>
+                <a:ea typeface="微軟正黑體" panose="020B0604030504040204" pitchFamily="34" charset="-120"/>
+              </a:rPr>
+              <a:t>1.0</a:t>
+            </a:r>
+            <a:r>
+              <a:rPr lang="zh-TW" altLang="zh-TW" sz="2200" b="1" dirty="0">
+                <a:effectLst/>
+                <a:latin typeface="微軟正黑體" panose="020B0604030504040204" pitchFamily="34" charset="-120"/>
+                <a:ea typeface="微軟正黑體" panose="020B0604030504040204" pitchFamily="34" charset="-120"/>
+                <a:cs typeface="Times New Roman" panose="02020603050405020304" pitchFamily="18" charset="0"/>
+              </a:rPr>
+              <a:t>、召回度也在</a:t>
+            </a:r>
+            <a:r>
+              <a:rPr lang="en-US" altLang="zh-TW" sz="2200" b="1" dirty="0">
+                <a:effectLst/>
+                <a:latin typeface="微軟正黑體" panose="020B0604030504040204" pitchFamily="34" charset="-120"/>
+                <a:ea typeface="微軟正黑體" panose="020B0604030504040204" pitchFamily="34" charset="-120"/>
+              </a:rPr>
+              <a:t>0.9~1.0</a:t>
+            </a:r>
+            <a:r>
+              <a:rPr lang="zh-TW" altLang="zh-TW" sz="2200" b="1" dirty="0">
+                <a:effectLst/>
+                <a:latin typeface="微軟正黑體" panose="020B0604030504040204" pitchFamily="34" charset="-120"/>
+                <a:ea typeface="微軟正黑體" panose="020B0604030504040204" pitchFamily="34" charset="-120"/>
+                <a:cs typeface="Times New Roman" panose="02020603050405020304" pitchFamily="18" charset="0"/>
+              </a:rPr>
+              <a:t>區間內，對於已知樣本的評斷可以說是十分準確。</a:t>
+            </a:r>
+            <a:endParaRPr lang="zh-TW" altLang="en-US" sz="2200" b="1" dirty="0">
+              <a:latin typeface="微軟正黑體" panose="020B0604030504040204" pitchFamily="34" charset="-120"/>
+              <a:ea typeface="微軟正黑體" panose="020B0604030504040204" pitchFamily="34" charset="-120"/>
+            </a:endParaRPr>
+          </a:p>
+        </p:txBody>
+      </p:sp>
+      <p:graphicFrame>
+        <p:nvGraphicFramePr>
+          <p:cNvPr id="16" name="表格 15">
+            <a:extLst>
+              <a:ext uri="{FF2B5EF4-FFF2-40B4-BE49-F238E27FC236}">
+                <a16:creationId xmlns:a16="http://schemas.microsoft.com/office/drawing/2014/main" id="{BA1A77F8-DF28-4B1E-BA66-C894C73CC633}"/>
+              </a:ext>
+            </a:extLst>
+          </p:cNvPr>
+          <p:cNvGraphicFramePr>
+            <a:graphicFrameLocks noGrp="1"/>
+          </p:cNvGraphicFramePr>
+          <p:nvPr>
+            <p:extLst>
+              <p:ext uri="{D42A27DB-BD31-4B8C-83A1-F6EECF244321}">
+                <p14:modId xmlns:p14="http://schemas.microsoft.com/office/powerpoint/2010/main" val="3737275685"/>
+              </p:ext>
+            </p:extLst>
+          </p:nvPr>
+        </p:nvGraphicFramePr>
+        <p:xfrm>
+          <a:off x="12005236" y="19296938"/>
+          <a:ext cx="7423270" cy="888648"/>
+        </p:xfrm>
+        <a:graphic>
+          <a:graphicData uri="http://schemas.openxmlformats.org/drawingml/2006/table">
+            <a:tbl>
+              <a:tblPr firstRow="1" firstCol="1" bandRow="1">
+                <a:tableStyleId>{5C22544A-7EE6-4342-B048-85BDC9FD1C3A}</a:tableStyleId>
+              </a:tblPr>
+              <a:tblGrid>
+                <a:gridCol w="1967205">
+                  <a:extLst>
+                    <a:ext uri="{9D8B030D-6E8A-4147-A177-3AD203B41FA5}">
+                      <a16:colId xmlns:a16="http://schemas.microsoft.com/office/drawing/2014/main" val="349968828"/>
+                    </a:ext>
+                  </a:extLst>
+                </a:gridCol>
+                <a:gridCol w="1967205">
+                  <a:extLst>
+                    <a:ext uri="{9D8B030D-6E8A-4147-A177-3AD203B41FA5}">
+                      <a16:colId xmlns:a16="http://schemas.microsoft.com/office/drawing/2014/main" val="2846617383"/>
+                    </a:ext>
+                  </a:extLst>
+                </a:gridCol>
+                <a:gridCol w="1510863">
+                  <a:extLst>
+                    <a:ext uri="{9D8B030D-6E8A-4147-A177-3AD203B41FA5}">
+                      <a16:colId xmlns:a16="http://schemas.microsoft.com/office/drawing/2014/main" val="3304769586"/>
+                    </a:ext>
+                  </a:extLst>
+                </a:gridCol>
+                <a:gridCol w="1977997">
+                  <a:extLst>
+                    <a:ext uri="{9D8B030D-6E8A-4147-A177-3AD203B41FA5}">
+                      <a16:colId xmlns:a16="http://schemas.microsoft.com/office/drawing/2014/main" val="3875090346"/>
+                    </a:ext>
+                  </a:extLst>
+                </a:gridCol>
+              </a:tblGrid>
+              <a:tr h="444324">
+                <a:tc>
+                  <a:txBody>
+                    <a:bodyPr/>
+                    <a:lstStyle/>
+                    <a:p>
+                      <a:pPr indent="254000" algn="l" hangingPunct="0"/>
+                      <a:r>
+                        <a:rPr lang="zh-TW" sz="1000" dirty="0">
+                          <a:effectLst/>
+                        </a:rPr>
+                        <a:t>分類模型</a:t>
+                      </a:r>
+                      <a:endParaRPr lang="zh-TW" sz="1000" dirty="0">
+                        <a:effectLst/>
+                        <a:latin typeface="細明體" panose="02020509000000000000" pitchFamily="49" charset="-120"/>
+                        <a:ea typeface="細明體" panose="02020509000000000000" pitchFamily="49" charset="-120"/>
+                        <a:cs typeface="Times New Roman" panose="02020603050405020304" pitchFamily="18" charset="0"/>
+                      </a:endParaRPr>
+                    </a:p>
+                  </a:txBody>
+                  <a:tcPr marL="68580" marR="68580" marT="0" marB="0" anchor="ctr"/>
+                </a:tc>
+                <a:tc>
+                  <a:txBody>
+                    <a:bodyPr/>
+                    <a:lstStyle/>
+                    <a:p>
+                      <a:pPr indent="254000" algn="l" hangingPunct="0"/>
+                      <a:r>
+                        <a:rPr lang="en-US" sz="1000" dirty="0">
+                          <a:effectLst/>
+                        </a:rPr>
+                        <a:t>Precision</a:t>
+                      </a:r>
+                      <a:endParaRPr lang="zh-TW" sz="1000" dirty="0">
+                        <a:effectLst/>
+                        <a:latin typeface="細明體" panose="02020509000000000000" pitchFamily="49" charset="-120"/>
+                        <a:ea typeface="細明體" panose="02020509000000000000" pitchFamily="49" charset="-120"/>
+                        <a:cs typeface="Times New Roman" panose="02020603050405020304" pitchFamily="18" charset="0"/>
+                      </a:endParaRPr>
+                    </a:p>
+                  </a:txBody>
+                  <a:tcPr marL="68580" marR="68580" marT="0" marB="0" anchor="ctr"/>
+                </a:tc>
+                <a:tc>
+                  <a:txBody>
+                    <a:bodyPr/>
+                    <a:lstStyle/>
+                    <a:p>
+                      <a:pPr indent="254000" algn="l" hangingPunct="0"/>
+                      <a:r>
+                        <a:rPr lang="en-US" sz="1000" dirty="0">
+                          <a:effectLst/>
+                        </a:rPr>
+                        <a:t>Recall</a:t>
+                      </a:r>
+                      <a:endParaRPr lang="zh-TW" sz="1000" dirty="0">
+                        <a:effectLst/>
+                        <a:latin typeface="細明體" panose="02020509000000000000" pitchFamily="49" charset="-120"/>
+                        <a:ea typeface="細明體" panose="02020509000000000000" pitchFamily="49" charset="-120"/>
+                        <a:cs typeface="Times New Roman" panose="02020603050405020304" pitchFamily="18" charset="0"/>
+                      </a:endParaRPr>
+                    </a:p>
+                  </a:txBody>
+                  <a:tcPr marL="68580" marR="68580" marT="0" marB="0" anchor="ctr"/>
+                </a:tc>
+                <a:tc>
+                  <a:txBody>
+                    <a:bodyPr/>
+                    <a:lstStyle/>
+                    <a:p>
+                      <a:pPr indent="254000" algn="l" hangingPunct="0"/>
+                      <a:r>
+                        <a:rPr lang="en-US" sz="1000">
+                          <a:effectLst/>
+                        </a:rPr>
+                        <a:t>F-Measure</a:t>
+                      </a:r>
+                      <a:endParaRPr lang="zh-TW" sz="1000">
+                        <a:effectLst/>
+                        <a:latin typeface="細明體" panose="02020509000000000000" pitchFamily="49" charset="-120"/>
+                        <a:ea typeface="細明體" panose="02020509000000000000" pitchFamily="49" charset="-120"/>
+                        <a:cs typeface="Times New Roman" panose="02020603050405020304" pitchFamily="18" charset="0"/>
+                      </a:endParaRPr>
+                    </a:p>
+                  </a:txBody>
+                  <a:tcPr marL="68580" marR="68580" marT="0" marB="0" anchor="ctr"/>
+                </a:tc>
+                <a:extLst>
+                  <a:ext uri="{0D108BD9-81ED-4DB2-BD59-A6C34878D82A}">
+                    <a16:rowId xmlns:a16="http://schemas.microsoft.com/office/drawing/2014/main" val="1499671118"/>
+                  </a:ext>
+                </a:extLst>
+              </a:tr>
+              <a:tr h="444324">
+                <a:tc>
+                  <a:txBody>
+                    <a:bodyPr/>
+                    <a:lstStyle/>
+                    <a:p>
+                      <a:pPr algn="l"/>
+                      <a:r>
+                        <a:rPr lang="en-US" altLang="zh-TW" sz="1000" b="1" dirty="0" err="1">
+                          <a:solidFill>
+                            <a:srgbClr val="000000"/>
+                          </a:solidFill>
+                          <a:effectLst/>
+                          <a:latin typeface="Microsoft YaHei UI" panose="020B0503020204020204" pitchFamily="34" charset="-122"/>
+                          <a:ea typeface="Microsoft YaHei UI" panose="020B0503020204020204" pitchFamily="34" charset="-122"/>
+                        </a:rPr>
+                        <a:t>SupportVectorMachine</a:t>
+                      </a:r>
+                      <a:endParaRPr lang="zh-TW" altLang="en-US" sz="1000" b="1" dirty="0">
+                        <a:latin typeface="Microsoft YaHei UI" panose="020B0503020204020204" pitchFamily="34" charset="-122"/>
+                        <a:ea typeface="Microsoft YaHei UI" panose="020B0503020204020204" pitchFamily="34" charset="-122"/>
+                      </a:endParaRPr>
+                    </a:p>
+                  </a:txBody>
+                  <a:tcPr marL="68580" marR="68580" marT="0" marB="0" anchor="ctr"/>
+                </a:tc>
+                <a:tc>
+                  <a:txBody>
+                    <a:bodyPr/>
+                    <a:lstStyle/>
+                    <a:p>
+                      <a:pPr indent="254000" algn="l" hangingPunct="0"/>
+                      <a:r>
+                        <a:rPr lang="en-US" sz="1000" dirty="0">
+                          <a:effectLst/>
+                        </a:rPr>
+                        <a:t>1.0</a:t>
+                      </a:r>
+                      <a:endParaRPr lang="zh-TW" sz="1000" dirty="0">
+                        <a:effectLst/>
+                        <a:latin typeface="細明體" panose="02020509000000000000" pitchFamily="49" charset="-120"/>
+                        <a:ea typeface="細明體" panose="02020509000000000000" pitchFamily="49" charset="-120"/>
+                        <a:cs typeface="Times New Roman" panose="02020603050405020304" pitchFamily="18" charset="0"/>
+                      </a:endParaRPr>
+                    </a:p>
+                  </a:txBody>
+                  <a:tcPr marL="68580" marR="68580" marT="0" marB="0" anchor="ctr"/>
+                </a:tc>
+                <a:tc>
+                  <a:txBody>
+                    <a:bodyPr/>
+                    <a:lstStyle/>
+                    <a:p>
+                      <a:pPr indent="254000" algn="l" hangingPunct="0"/>
+                      <a:r>
+                        <a:rPr lang="en-US" sz="1000" dirty="0">
+                          <a:effectLst/>
+                        </a:rPr>
+                        <a:t>0.9285</a:t>
+                      </a:r>
+                      <a:endParaRPr lang="zh-TW" sz="1000" dirty="0">
+                        <a:effectLst/>
+                        <a:latin typeface="細明體" panose="02020509000000000000" pitchFamily="49" charset="-120"/>
+                        <a:ea typeface="細明體" panose="02020509000000000000" pitchFamily="49" charset="-120"/>
+                        <a:cs typeface="Times New Roman" panose="02020603050405020304" pitchFamily="18" charset="0"/>
+                      </a:endParaRPr>
+                    </a:p>
+                  </a:txBody>
+                  <a:tcPr marL="68580" marR="68580" marT="0" marB="0" anchor="ctr"/>
+                </a:tc>
+                <a:tc>
+                  <a:txBody>
+                    <a:bodyPr/>
+                    <a:lstStyle/>
+                    <a:p>
+                      <a:pPr indent="254000" algn="l" hangingPunct="0"/>
+                      <a:r>
+                        <a:rPr lang="en-US" sz="1000" dirty="0">
+                          <a:effectLst/>
+                        </a:rPr>
+                        <a:t>0.9629</a:t>
+                      </a:r>
+                      <a:endParaRPr lang="zh-TW" sz="1000" dirty="0">
+                        <a:effectLst/>
+                        <a:latin typeface="細明體" panose="02020509000000000000" pitchFamily="49" charset="-120"/>
+                        <a:ea typeface="細明體" panose="02020509000000000000" pitchFamily="49" charset="-120"/>
+                        <a:cs typeface="Times New Roman" panose="02020603050405020304" pitchFamily="18" charset="0"/>
+                      </a:endParaRPr>
+                    </a:p>
+                  </a:txBody>
+                  <a:tcPr marL="68580" marR="68580" marT="0" marB="0" anchor="ctr"/>
+                </a:tc>
+                <a:extLst>
+                  <a:ext uri="{0D108BD9-81ED-4DB2-BD59-A6C34878D82A}">
+                    <a16:rowId xmlns:a16="http://schemas.microsoft.com/office/drawing/2014/main" val="1090719280"/>
+                  </a:ext>
+                </a:extLst>
+              </a:tr>
+            </a:tbl>
+          </a:graphicData>
+        </a:graphic>
+      </p:graphicFrame>
+      <p:grpSp>
+        <p:nvGrpSpPr>
+          <p:cNvPr id="6" name="群組 5">
+            <a:extLst>
+              <a:ext uri="{FF2B5EF4-FFF2-40B4-BE49-F238E27FC236}">
+                <a16:creationId xmlns:a16="http://schemas.microsoft.com/office/drawing/2014/main" id="{00F98696-082B-4336-8F5A-53876E9FBF48}"/>
+              </a:ext>
+            </a:extLst>
+          </p:cNvPr>
+          <p:cNvGrpSpPr>
+            <a:grpSpLocks noChangeAspect="1"/>
+          </p:cNvGrpSpPr>
+          <p:nvPr/>
+        </p:nvGrpSpPr>
+        <p:grpSpPr>
+          <a:xfrm>
+            <a:off x="12600621" y="12398363"/>
+            <a:ext cx="6646950" cy="3141640"/>
+            <a:chOff x="1005022" y="1689474"/>
+            <a:chExt cx="8304575" cy="3925107"/>
+          </a:xfrm>
+        </p:grpSpPr>
+        <p:sp>
+          <p:nvSpPr>
+            <p:cNvPr id="95" name="橢圓 94">
+              <a:extLst>
+                <a:ext uri="{FF2B5EF4-FFF2-40B4-BE49-F238E27FC236}">
+                  <a16:creationId xmlns:a16="http://schemas.microsoft.com/office/drawing/2014/main" id="{46F5E8CE-7A4E-496F-AF7C-4FE0EFF21642}"/>
+                </a:ext>
+              </a:extLst>
+            </p:cNvPr>
+            <p:cNvSpPr/>
+            <p:nvPr/>
+          </p:nvSpPr>
+          <p:spPr>
+            <a:xfrm>
+              <a:off x="1005022" y="3088794"/>
+              <a:ext cx="1274054" cy="1126467"/>
+            </a:xfrm>
+            <a:prstGeom prst="ellipse">
+              <a:avLst/>
+            </a:prstGeom>
+            <a:solidFill>
+              <a:schemeClr val="tx2">
+                <a:lumMod val="60000"/>
+                <a:lumOff val="40000"/>
+              </a:schemeClr>
+            </a:solidFill>
+            <a:ln>
+              <a:solidFill>
+                <a:schemeClr val="tx1"/>
+              </a:solidFill>
+            </a:ln>
+          </p:spPr>
+          <p:style>
+            <a:lnRef idx="2">
+              <a:schemeClr val="accent1">
+                <a:shade val="50000"/>
+              </a:schemeClr>
+            </a:lnRef>
+            <a:fillRef idx="1">
+              <a:schemeClr val="accent1"/>
+            </a:fillRef>
+            <a:effectRef idx="0">
+              <a:schemeClr val="accent1"/>
+            </a:effectRef>
+            <a:fontRef idx="minor">
+              <a:schemeClr val="lt1"/>
+            </a:fontRef>
+          </p:style>
+          <p:txBody>
+            <a:bodyPr rtlCol="0" anchor="ctr"/>
+            <a:lstStyle/>
+            <a:p>
+              <a:pPr algn="ctr"/>
+              <a:r>
+                <a:rPr lang="zh-TW" altLang="en-US" sz="1400" dirty="0">
+                  <a:latin typeface="微軟正黑體" panose="020B0604030504040204" pitchFamily="34" charset="-120"/>
+                  <a:ea typeface="微軟正黑體" panose="020B0604030504040204" pitchFamily="34" charset="-120"/>
+                </a:rPr>
+                <a:t>問候及人臉偵測</a:t>
+              </a:r>
+            </a:p>
+          </p:txBody>
+        </p:sp>
+        <p:sp>
+          <p:nvSpPr>
+            <p:cNvPr id="111" name="橢圓 110">
+              <a:extLst>
+                <a:ext uri="{FF2B5EF4-FFF2-40B4-BE49-F238E27FC236}">
+                  <a16:creationId xmlns:a16="http://schemas.microsoft.com/office/drawing/2014/main" id="{8ACDF804-CA75-4A0A-8E03-229DD6C40C48}"/>
+                </a:ext>
+              </a:extLst>
+            </p:cNvPr>
+            <p:cNvSpPr/>
+            <p:nvPr/>
+          </p:nvSpPr>
+          <p:spPr>
+            <a:xfrm>
+              <a:off x="5678642" y="1689474"/>
+              <a:ext cx="1185672" cy="1126467"/>
+            </a:xfrm>
+            <a:prstGeom prst="ellipse">
+              <a:avLst/>
+            </a:prstGeom>
+            <a:solidFill>
+              <a:schemeClr val="tx2">
+                <a:lumMod val="60000"/>
+                <a:lumOff val="40000"/>
+              </a:schemeClr>
+            </a:solidFill>
+            <a:ln>
+              <a:solidFill>
+                <a:schemeClr val="tx1"/>
+              </a:solidFill>
+            </a:ln>
+          </p:spPr>
+          <p:style>
+            <a:lnRef idx="2">
+              <a:schemeClr val="accent1">
+                <a:shade val="50000"/>
+              </a:schemeClr>
+            </a:lnRef>
+            <a:fillRef idx="1">
+              <a:schemeClr val="accent1"/>
+            </a:fillRef>
+            <a:effectRef idx="0">
+              <a:schemeClr val="accent1"/>
+            </a:effectRef>
+            <a:fontRef idx="minor">
+              <a:schemeClr val="lt1"/>
+            </a:fontRef>
+          </p:style>
+          <p:txBody>
+            <a:bodyPr rtlCol="0" anchor="ctr"/>
+            <a:lstStyle/>
+            <a:p>
+              <a:pPr algn="ctr"/>
+              <a:r>
+                <a:rPr lang="zh-TW" altLang="en-US" sz="1400" dirty="0">
+                  <a:latin typeface="微軟正黑體" panose="020B0604030504040204" pitchFamily="34" charset="-120"/>
+                  <a:ea typeface="微軟正黑體" panose="020B0604030504040204" pitchFamily="34" charset="-120"/>
+                </a:rPr>
+                <a:t>說出相對應值</a:t>
+              </a:r>
+            </a:p>
+          </p:txBody>
+        </p:sp>
+        <p:cxnSp>
+          <p:nvCxnSpPr>
+            <p:cNvPr id="113" name="直線單箭頭接點 112">
+              <a:extLst>
+                <a:ext uri="{FF2B5EF4-FFF2-40B4-BE49-F238E27FC236}">
+                  <a16:creationId xmlns:a16="http://schemas.microsoft.com/office/drawing/2014/main" id="{1FCBC5A5-CA84-48BD-90B8-946115BC4999}"/>
+                </a:ext>
+              </a:extLst>
+            </p:cNvPr>
+            <p:cNvCxnSpPr>
+              <a:cxnSpLocks/>
+            </p:cNvCxnSpPr>
+            <p:nvPr/>
+          </p:nvCxnSpPr>
+          <p:spPr>
+            <a:xfrm flipV="1">
+              <a:off x="2250817" y="3641151"/>
+              <a:ext cx="1230119" cy="1"/>
+            </a:xfrm>
+            <a:prstGeom prst="straightConnector1">
+              <a:avLst/>
+            </a:prstGeom>
+            <a:ln>
+              <a:tailEnd type="triangle"/>
+            </a:ln>
+          </p:spPr>
+          <p:style>
+            <a:lnRef idx="1">
+              <a:schemeClr val="accent1"/>
+            </a:lnRef>
+            <a:fillRef idx="0">
+              <a:schemeClr val="accent1"/>
+            </a:fillRef>
+            <a:effectRef idx="0">
+              <a:schemeClr val="accent1"/>
+            </a:effectRef>
+            <a:fontRef idx="minor">
+              <a:schemeClr val="tx1"/>
+            </a:fontRef>
+          </p:style>
+        </p:cxnSp>
+        <p:cxnSp>
+          <p:nvCxnSpPr>
+            <p:cNvPr id="114" name="直線單箭頭接點 113">
+              <a:extLst>
+                <a:ext uri="{FF2B5EF4-FFF2-40B4-BE49-F238E27FC236}">
+                  <a16:creationId xmlns:a16="http://schemas.microsoft.com/office/drawing/2014/main" id="{06481A2C-6EC9-4C1B-B261-6C11504F303F}"/>
+                </a:ext>
+              </a:extLst>
+            </p:cNvPr>
+            <p:cNvCxnSpPr>
+              <a:cxnSpLocks/>
+              <a:stCxn id="120" idx="7"/>
+              <a:endCxn id="111" idx="2"/>
+            </p:cNvCxnSpPr>
+            <p:nvPr/>
+          </p:nvCxnSpPr>
+          <p:spPr>
+            <a:xfrm flipV="1">
+              <a:off x="4492970" y="2252708"/>
+              <a:ext cx="1185672" cy="1001053"/>
+            </a:xfrm>
+            <a:prstGeom prst="straightConnector1">
+              <a:avLst/>
+            </a:prstGeom>
+            <a:ln>
+              <a:tailEnd type="triangle"/>
+            </a:ln>
+          </p:spPr>
+          <p:style>
+            <a:lnRef idx="1">
+              <a:schemeClr val="accent1"/>
+            </a:lnRef>
+            <a:fillRef idx="0">
+              <a:schemeClr val="accent1"/>
+            </a:fillRef>
+            <a:effectRef idx="0">
+              <a:schemeClr val="accent1"/>
+            </a:effectRef>
+            <a:fontRef idx="minor">
+              <a:schemeClr val="tx1"/>
+            </a:fontRef>
+          </p:style>
+        </p:cxnSp>
+        <p:sp>
+          <p:nvSpPr>
+            <p:cNvPr id="118" name="橢圓 117">
+              <a:extLst>
+                <a:ext uri="{FF2B5EF4-FFF2-40B4-BE49-F238E27FC236}">
+                  <a16:creationId xmlns:a16="http://schemas.microsoft.com/office/drawing/2014/main" id="{C3867660-EDB5-4AD9-99F0-3225A7D95777}"/>
+                </a:ext>
+              </a:extLst>
+            </p:cNvPr>
+            <p:cNvSpPr/>
+            <p:nvPr/>
+          </p:nvSpPr>
+          <p:spPr>
+            <a:xfrm>
+              <a:off x="5678642" y="3088794"/>
+              <a:ext cx="1185672" cy="1126467"/>
+            </a:xfrm>
+            <a:prstGeom prst="ellipse">
+              <a:avLst/>
+            </a:prstGeom>
+            <a:solidFill>
+              <a:schemeClr val="tx2">
+                <a:lumMod val="60000"/>
+                <a:lumOff val="40000"/>
+              </a:schemeClr>
+            </a:solidFill>
+            <a:ln>
+              <a:solidFill>
+                <a:schemeClr val="tx1"/>
+              </a:solidFill>
+            </a:ln>
+          </p:spPr>
+          <p:style>
+            <a:lnRef idx="2">
+              <a:schemeClr val="accent1">
+                <a:shade val="50000"/>
+              </a:schemeClr>
+            </a:lnRef>
+            <a:fillRef idx="1">
+              <a:schemeClr val="accent1"/>
+            </a:fillRef>
+            <a:effectRef idx="0">
+              <a:schemeClr val="accent1"/>
+            </a:effectRef>
+            <a:fontRef idx="minor">
+              <a:schemeClr val="lt1"/>
+            </a:fontRef>
+          </p:style>
+          <p:txBody>
+            <a:bodyPr rtlCol="0" anchor="ctr"/>
+            <a:lstStyle/>
+            <a:p>
+              <a:pPr algn="ctr"/>
+              <a:r>
+                <a:rPr lang="zh-TW" altLang="en-US" sz="1400" dirty="0">
+                  <a:latin typeface="微軟正黑體" panose="020B0604030504040204" pitchFamily="34" charset="-120"/>
+                  <a:ea typeface="微軟正黑體" panose="020B0604030504040204" pitchFamily="34" charset="-120"/>
+                </a:rPr>
+                <a:t>說出相對應值</a:t>
+              </a:r>
+            </a:p>
+          </p:txBody>
+        </p:sp>
+        <p:sp>
+          <p:nvSpPr>
+            <p:cNvPr id="119" name="橢圓 118">
+              <a:extLst>
+                <a:ext uri="{FF2B5EF4-FFF2-40B4-BE49-F238E27FC236}">
+                  <a16:creationId xmlns:a16="http://schemas.microsoft.com/office/drawing/2014/main" id="{CCF9A975-2196-4AD4-B50A-441608E9725A}"/>
+                </a:ext>
+              </a:extLst>
+            </p:cNvPr>
+            <p:cNvSpPr/>
+            <p:nvPr/>
+          </p:nvSpPr>
+          <p:spPr>
+            <a:xfrm>
+              <a:off x="5678642" y="4488114"/>
+              <a:ext cx="1185672" cy="1126467"/>
+            </a:xfrm>
+            <a:prstGeom prst="ellipse">
+              <a:avLst/>
+            </a:prstGeom>
+            <a:solidFill>
+              <a:schemeClr val="tx2">
+                <a:lumMod val="60000"/>
+                <a:lumOff val="40000"/>
+              </a:schemeClr>
+            </a:solidFill>
+            <a:ln>
+              <a:solidFill>
+                <a:schemeClr val="tx1"/>
+              </a:solidFill>
+            </a:ln>
+          </p:spPr>
+          <p:style>
+            <a:lnRef idx="2">
+              <a:schemeClr val="accent1">
+                <a:shade val="50000"/>
+              </a:schemeClr>
+            </a:lnRef>
+            <a:fillRef idx="1">
+              <a:schemeClr val="accent1"/>
+            </a:fillRef>
+            <a:effectRef idx="0">
+              <a:schemeClr val="accent1"/>
+            </a:effectRef>
+            <a:fontRef idx="minor">
+              <a:schemeClr val="lt1"/>
+            </a:fontRef>
+          </p:style>
+          <p:txBody>
+            <a:bodyPr rtlCol="0" anchor="ctr"/>
+            <a:lstStyle/>
+            <a:p>
+              <a:pPr algn="ctr"/>
+              <a:r>
+                <a:rPr lang="zh-TW" altLang="en-US" sz="1400" dirty="0">
+                  <a:latin typeface="微軟正黑體" panose="020B0604030504040204" pitchFamily="34" charset="-120"/>
+                  <a:ea typeface="微軟正黑體" panose="020B0604030504040204" pitchFamily="34" charset="-120"/>
+                </a:rPr>
+                <a:t>說出相對應值</a:t>
+              </a:r>
+            </a:p>
+          </p:txBody>
+        </p:sp>
+        <p:sp>
+          <p:nvSpPr>
+            <p:cNvPr id="120" name="橢圓 119">
+              <a:extLst>
+                <a:ext uri="{FF2B5EF4-FFF2-40B4-BE49-F238E27FC236}">
+                  <a16:creationId xmlns:a16="http://schemas.microsoft.com/office/drawing/2014/main" id="{90A1E209-8AAE-4C63-A8DE-98BA0D8AE743}"/>
+                </a:ext>
+              </a:extLst>
+            </p:cNvPr>
+            <p:cNvSpPr/>
+            <p:nvPr/>
+          </p:nvSpPr>
+          <p:spPr>
+            <a:xfrm>
+              <a:off x="3480936" y="3088794"/>
+              <a:ext cx="1185672" cy="1126467"/>
+            </a:xfrm>
+            <a:prstGeom prst="ellipse">
+              <a:avLst/>
+            </a:prstGeom>
+            <a:solidFill>
+              <a:schemeClr val="tx2">
+                <a:lumMod val="60000"/>
+                <a:lumOff val="40000"/>
+              </a:schemeClr>
+            </a:solidFill>
+            <a:ln>
+              <a:solidFill>
+                <a:schemeClr val="tx1"/>
+              </a:solidFill>
+            </a:ln>
+          </p:spPr>
+          <p:style>
+            <a:lnRef idx="2">
+              <a:schemeClr val="accent1">
+                <a:shade val="50000"/>
+              </a:schemeClr>
+            </a:lnRef>
+            <a:fillRef idx="1">
+              <a:schemeClr val="accent1"/>
+            </a:fillRef>
+            <a:effectRef idx="0">
+              <a:schemeClr val="accent1"/>
+            </a:effectRef>
+            <a:fontRef idx="minor">
+              <a:schemeClr val="lt1"/>
+            </a:fontRef>
+          </p:style>
+          <p:txBody>
+            <a:bodyPr rtlCol="0" anchor="ctr"/>
+            <a:lstStyle/>
+            <a:p>
+              <a:pPr algn="ctr"/>
+              <a:r>
+                <a:rPr lang="zh-TW" altLang="en-US" sz="1400" dirty="0"/>
+                <a:t>問候使用者</a:t>
+              </a:r>
+            </a:p>
+          </p:txBody>
+        </p:sp>
+        <p:sp>
+          <p:nvSpPr>
+            <p:cNvPr id="121" name="矩形 120">
+              <a:extLst>
+                <a:ext uri="{FF2B5EF4-FFF2-40B4-BE49-F238E27FC236}">
+                  <a16:creationId xmlns:a16="http://schemas.microsoft.com/office/drawing/2014/main" id="{41B63A25-816A-4D55-ACD5-D19DB34BF1EF}"/>
+                </a:ext>
+              </a:extLst>
+            </p:cNvPr>
+            <p:cNvSpPr/>
+            <p:nvPr/>
+          </p:nvSpPr>
+          <p:spPr>
+            <a:xfrm>
+              <a:off x="2297178" y="3319273"/>
+              <a:ext cx="1127955" cy="384531"/>
+            </a:xfrm>
+            <a:prstGeom prst="rect">
+              <a:avLst/>
+            </a:prstGeom>
+          </p:spPr>
+          <p:txBody>
+            <a:bodyPr wrap="none">
+              <a:spAutoFit/>
+            </a:bodyPr>
+            <a:lstStyle/>
+            <a:p>
+              <a:pPr algn="ctr"/>
+              <a:r>
+                <a:rPr lang="zh-TW" altLang="en-US" sz="1400" dirty="0">
+                  <a:latin typeface="微軟正黑體" panose="020B0604030504040204" pitchFamily="34" charset="-120"/>
+                  <a:ea typeface="微軟正黑體" panose="020B0604030504040204" pitchFamily="34" charset="-120"/>
+                </a:rPr>
+                <a:t>插入卡片</a:t>
+              </a:r>
+            </a:p>
+          </p:txBody>
+        </p:sp>
+        <p:cxnSp>
+          <p:nvCxnSpPr>
+            <p:cNvPr id="122" name="直線單箭頭接點 121">
+              <a:extLst>
+                <a:ext uri="{FF2B5EF4-FFF2-40B4-BE49-F238E27FC236}">
+                  <a16:creationId xmlns:a16="http://schemas.microsoft.com/office/drawing/2014/main" id="{06D3FEB3-37E2-497F-A8E2-BFAA16C287F4}"/>
+                </a:ext>
+              </a:extLst>
+            </p:cNvPr>
+            <p:cNvCxnSpPr>
+              <a:cxnSpLocks/>
+              <a:endCxn id="118" idx="2"/>
+            </p:cNvCxnSpPr>
+            <p:nvPr/>
+          </p:nvCxnSpPr>
+          <p:spPr>
+            <a:xfrm>
+              <a:off x="4666608" y="3652027"/>
+              <a:ext cx="1012034" cy="1"/>
+            </a:xfrm>
+            <a:prstGeom prst="straightConnector1">
+              <a:avLst/>
+            </a:prstGeom>
+            <a:ln>
+              <a:tailEnd type="triangle"/>
+            </a:ln>
+          </p:spPr>
+          <p:style>
+            <a:lnRef idx="1">
+              <a:schemeClr val="accent1"/>
+            </a:lnRef>
+            <a:fillRef idx="0">
+              <a:schemeClr val="accent1"/>
+            </a:fillRef>
+            <a:effectRef idx="0">
+              <a:schemeClr val="accent1"/>
+            </a:effectRef>
+            <a:fontRef idx="minor">
+              <a:schemeClr val="tx1"/>
+            </a:fontRef>
+          </p:style>
+        </p:cxnSp>
+        <p:sp>
+          <p:nvSpPr>
+            <p:cNvPr id="123" name="矩形 122">
+              <a:extLst>
+                <a:ext uri="{FF2B5EF4-FFF2-40B4-BE49-F238E27FC236}">
+                  <a16:creationId xmlns:a16="http://schemas.microsoft.com/office/drawing/2014/main" id="{383FFCDC-4A65-4394-B1BD-C36DB822ECE4}"/>
+                </a:ext>
+              </a:extLst>
+            </p:cNvPr>
+            <p:cNvSpPr/>
+            <p:nvPr/>
+          </p:nvSpPr>
+          <p:spPr>
+            <a:xfrm rot="19171234">
+              <a:off x="4097523" y="2384400"/>
+              <a:ext cx="1586963" cy="384531"/>
+            </a:xfrm>
+            <a:prstGeom prst="rect">
+              <a:avLst/>
+            </a:prstGeom>
+          </p:spPr>
+          <p:txBody>
+            <a:bodyPr wrap="square">
+              <a:spAutoFit/>
+            </a:bodyPr>
+            <a:lstStyle/>
+            <a:p>
+              <a:pPr algn="ctr"/>
+              <a:r>
+                <a:rPr lang="zh-TW" altLang="en-US" sz="1400" dirty="0">
+                  <a:latin typeface="微軟正黑體" panose="020B0604030504040204" pitchFamily="34" charset="-120"/>
+                  <a:ea typeface="微軟正黑體" panose="020B0604030504040204" pitchFamily="34" charset="-120"/>
+                </a:rPr>
+                <a:t>偵測到體溫</a:t>
+              </a:r>
+            </a:p>
+          </p:txBody>
+        </p:sp>
+        <p:sp>
+          <p:nvSpPr>
+            <p:cNvPr id="124" name="矩形 123">
+              <a:extLst>
+                <a:ext uri="{FF2B5EF4-FFF2-40B4-BE49-F238E27FC236}">
+                  <a16:creationId xmlns:a16="http://schemas.microsoft.com/office/drawing/2014/main" id="{DA70FABB-F77E-41A6-B901-9AFBD65CEBD3}"/>
+                </a:ext>
+              </a:extLst>
+            </p:cNvPr>
+            <p:cNvSpPr/>
+            <p:nvPr/>
+          </p:nvSpPr>
+          <p:spPr>
+            <a:xfrm>
+              <a:off x="4376687" y="3295641"/>
+              <a:ext cx="1645205" cy="384531"/>
+            </a:xfrm>
+            <a:prstGeom prst="rect">
+              <a:avLst/>
+            </a:prstGeom>
+          </p:spPr>
+          <p:txBody>
+            <a:bodyPr wrap="square">
+              <a:spAutoFit/>
+            </a:bodyPr>
+            <a:lstStyle/>
+            <a:p>
+              <a:pPr algn="ctr"/>
+              <a:r>
+                <a:rPr lang="zh-TW" altLang="en-US" sz="1400" dirty="0">
+                  <a:latin typeface="微軟正黑體" panose="020B0604030504040204" pitchFamily="34" charset="-120"/>
+                  <a:ea typeface="微軟正黑體" panose="020B0604030504040204" pitchFamily="34" charset="-120"/>
+                </a:rPr>
+                <a:t>偵測到體重</a:t>
+              </a:r>
+            </a:p>
+          </p:txBody>
+        </p:sp>
+        <p:cxnSp>
+          <p:nvCxnSpPr>
+            <p:cNvPr id="125" name="直線單箭頭接點 124">
+              <a:extLst>
+                <a:ext uri="{FF2B5EF4-FFF2-40B4-BE49-F238E27FC236}">
+                  <a16:creationId xmlns:a16="http://schemas.microsoft.com/office/drawing/2014/main" id="{2166DED7-C66F-404B-AFFC-2EADA70A8F1F}"/>
+                </a:ext>
+              </a:extLst>
+            </p:cNvPr>
+            <p:cNvCxnSpPr>
+              <a:cxnSpLocks/>
+              <a:stCxn id="120" idx="5"/>
+              <a:endCxn id="119" idx="2"/>
+            </p:cNvCxnSpPr>
+            <p:nvPr/>
+          </p:nvCxnSpPr>
+          <p:spPr>
+            <a:xfrm>
+              <a:off x="4492970" y="4050294"/>
+              <a:ext cx="1185672" cy="1001054"/>
+            </a:xfrm>
+            <a:prstGeom prst="straightConnector1">
+              <a:avLst/>
+            </a:prstGeom>
+            <a:ln>
+              <a:tailEnd type="triangle"/>
+            </a:ln>
+          </p:spPr>
+          <p:style>
+            <a:lnRef idx="1">
+              <a:schemeClr val="accent1"/>
+            </a:lnRef>
+            <a:fillRef idx="0">
+              <a:schemeClr val="accent1"/>
+            </a:fillRef>
+            <a:effectRef idx="0">
+              <a:schemeClr val="accent1"/>
+            </a:effectRef>
+            <a:fontRef idx="minor">
+              <a:schemeClr val="tx1"/>
+            </a:fontRef>
+          </p:style>
+        </p:cxnSp>
+        <p:sp>
+          <p:nvSpPr>
+            <p:cNvPr id="127" name="矩形 126">
+              <a:extLst>
+                <a:ext uri="{FF2B5EF4-FFF2-40B4-BE49-F238E27FC236}">
+                  <a16:creationId xmlns:a16="http://schemas.microsoft.com/office/drawing/2014/main" id="{84C403DF-856B-4609-A450-F530728E5403}"/>
+                </a:ext>
+              </a:extLst>
+            </p:cNvPr>
+            <p:cNvSpPr/>
+            <p:nvPr/>
+          </p:nvSpPr>
+          <p:spPr>
+            <a:xfrm>
+              <a:off x="3827078" y="4496878"/>
+              <a:ext cx="1352265" cy="384531"/>
+            </a:xfrm>
+            <a:prstGeom prst="rect">
+              <a:avLst/>
+            </a:prstGeom>
+          </p:spPr>
+          <p:txBody>
+            <a:bodyPr wrap="none">
+              <a:spAutoFit/>
+            </a:bodyPr>
+            <a:lstStyle/>
+            <a:p>
+              <a:pPr algn="ctr"/>
+              <a:r>
+                <a:rPr lang="zh-TW" altLang="en-US" sz="1400" dirty="0">
+                  <a:latin typeface="微軟正黑體" panose="020B0604030504040204" pitchFamily="34" charset="-120"/>
+                  <a:ea typeface="微軟正黑體" panose="020B0604030504040204" pitchFamily="34" charset="-120"/>
+                </a:rPr>
+                <a:t>偵測到血壓</a:t>
+              </a:r>
+            </a:p>
+          </p:txBody>
+        </p:sp>
+        <p:cxnSp>
+          <p:nvCxnSpPr>
+            <p:cNvPr id="128" name="直線單箭頭接點 127">
+              <a:extLst>
+                <a:ext uri="{FF2B5EF4-FFF2-40B4-BE49-F238E27FC236}">
+                  <a16:creationId xmlns:a16="http://schemas.microsoft.com/office/drawing/2014/main" id="{2210A7D0-121B-4C99-B727-E41F8BB0A8CC}"/>
+                </a:ext>
+              </a:extLst>
+            </p:cNvPr>
+            <p:cNvCxnSpPr>
+              <a:cxnSpLocks/>
+              <a:endCxn id="130" idx="1"/>
+            </p:cNvCxnSpPr>
+            <p:nvPr/>
+          </p:nvCxnSpPr>
+          <p:spPr>
+            <a:xfrm>
+              <a:off x="6864314" y="2382457"/>
+              <a:ext cx="1304912" cy="871305"/>
+            </a:xfrm>
+            <a:prstGeom prst="straightConnector1">
+              <a:avLst/>
+            </a:prstGeom>
+            <a:ln>
+              <a:tailEnd type="triangle"/>
+            </a:ln>
+          </p:spPr>
+          <p:style>
+            <a:lnRef idx="1">
+              <a:schemeClr val="accent1"/>
+            </a:lnRef>
+            <a:fillRef idx="0">
+              <a:schemeClr val="accent1"/>
+            </a:fillRef>
+            <a:effectRef idx="0">
+              <a:schemeClr val="accent1"/>
+            </a:effectRef>
+            <a:fontRef idx="minor">
+              <a:schemeClr val="tx1"/>
+            </a:fontRef>
+          </p:style>
+        </p:cxnSp>
+        <p:cxnSp>
+          <p:nvCxnSpPr>
+            <p:cNvPr id="129" name="直線單箭頭接點 128">
+              <a:extLst>
+                <a:ext uri="{FF2B5EF4-FFF2-40B4-BE49-F238E27FC236}">
+                  <a16:creationId xmlns:a16="http://schemas.microsoft.com/office/drawing/2014/main" id="{0FCC22FB-EE48-4E8E-A62B-D165E727C842}"/>
+                </a:ext>
+              </a:extLst>
+            </p:cNvPr>
+            <p:cNvCxnSpPr>
+              <a:cxnSpLocks/>
+            </p:cNvCxnSpPr>
+            <p:nvPr/>
+          </p:nvCxnSpPr>
+          <p:spPr>
+            <a:xfrm>
+              <a:off x="6864314" y="3636542"/>
+              <a:ext cx="1109254" cy="0"/>
+            </a:xfrm>
+            <a:prstGeom prst="straightConnector1">
+              <a:avLst/>
+            </a:prstGeom>
+            <a:ln>
+              <a:tailEnd type="triangle"/>
+            </a:ln>
+          </p:spPr>
+          <p:style>
+            <a:lnRef idx="1">
+              <a:schemeClr val="accent1"/>
+            </a:lnRef>
+            <a:fillRef idx="0">
+              <a:schemeClr val="accent1"/>
+            </a:fillRef>
+            <a:effectRef idx="0">
+              <a:schemeClr val="accent1"/>
+            </a:effectRef>
+            <a:fontRef idx="minor">
+              <a:schemeClr val="tx1"/>
+            </a:fontRef>
+          </p:style>
+        </p:cxnSp>
+        <p:sp>
+          <p:nvSpPr>
+            <p:cNvPr id="130" name="橢圓 129">
+              <a:extLst>
+                <a:ext uri="{FF2B5EF4-FFF2-40B4-BE49-F238E27FC236}">
+                  <a16:creationId xmlns:a16="http://schemas.microsoft.com/office/drawing/2014/main" id="{0E4D9F23-5972-4030-BB1F-E9B453010424}"/>
+                </a:ext>
+              </a:extLst>
+            </p:cNvPr>
+            <p:cNvSpPr/>
+            <p:nvPr/>
+          </p:nvSpPr>
+          <p:spPr>
+            <a:xfrm>
+              <a:off x="7973568" y="3088794"/>
+              <a:ext cx="1336029" cy="1126468"/>
+            </a:xfrm>
+            <a:prstGeom prst="ellipse">
+              <a:avLst/>
+            </a:prstGeom>
+            <a:solidFill>
+              <a:schemeClr val="tx2">
+                <a:lumMod val="60000"/>
+                <a:lumOff val="40000"/>
+              </a:schemeClr>
+            </a:solidFill>
+            <a:ln>
+              <a:solidFill>
+                <a:schemeClr val="tx1"/>
+              </a:solidFill>
+            </a:ln>
+          </p:spPr>
+          <p:style>
+            <a:lnRef idx="2">
+              <a:schemeClr val="accent1">
+                <a:shade val="50000"/>
+              </a:schemeClr>
+            </a:lnRef>
+            <a:fillRef idx="1">
+              <a:schemeClr val="accent1"/>
+            </a:fillRef>
+            <a:effectRef idx="0">
+              <a:schemeClr val="accent1"/>
+            </a:effectRef>
+            <a:fontRef idx="minor">
+              <a:schemeClr val="lt1"/>
+            </a:fontRef>
+          </p:style>
+          <p:txBody>
+            <a:bodyPr rtlCol="0" anchor="ctr"/>
+            <a:lstStyle/>
+            <a:p>
+              <a:pPr algn="ctr"/>
+              <a:r>
+                <a:rPr lang="zh-TW" altLang="en-US" sz="1400" dirty="0">
+                  <a:latin typeface="微軟正黑體" panose="020B0604030504040204" pitchFamily="34" charset="-120"/>
+                  <a:ea typeface="微軟正黑體" panose="020B0604030504040204" pitchFamily="34" charset="-120"/>
+                </a:rPr>
+                <a:t>提醒使用者觀看網頁</a:t>
+              </a:r>
+            </a:p>
+          </p:txBody>
+        </p:sp>
+        <p:cxnSp>
+          <p:nvCxnSpPr>
+            <p:cNvPr id="135" name="直線單箭頭接點 134">
+              <a:extLst>
+                <a:ext uri="{FF2B5EF4-FFF2-40B4-BE49-F238E27FC236}">
+                  <a16:creationId xmlns:a16="http://schemas.microsoft.com/office/drawing/2014/main" id="{FCD8293F-EE87-4610-8250-936CA345069B}"/>
+                </a:ext>
+              </a:extLst>
+            </p:cNvPr>
+            <p:cNvCxnSpPr>
+              <a:cxnSpLocks/>
+              <a:stCxn id="119" idx="6"/>
+              <a:endCxn id="130" idx="3"/>
+            </p:cNvCxnSpPr>
+            <p:nvPr/>
+          </p:nvCxnSpPr>
+          <p:spPr>
+            <a:xfrm flipV="1">
+              <a:off x="6864314" y="4050294"/>
+              <a:ext cx="1304912" cy="1001054"/>
+            </a:xfrm>
+            <a:prstGeom prst="straightConnector1">
+              <a:avLst/>
+            </a:prstGeom>
+            <a:ln>
+              <a:tailEnd type="triangle"/>
+            </a:ln>
+          </p:spPr>
+          <p:style>
+            <a:lnRef idx="1">
+              <a:schemeClr val="accent1"/>
+            </a:lnRef>
+            <a:fillRef idx="0">
+              <a:schemeClr val="accent1"/>
+            </a:fillRef>
+            <a:effectRef idx="0">
+              <a:schemeClr val="accent1"/>
+            </a:effectRef>
+            <a:fontRef idx="minor">
+              <a:schemeClr val="tx1"/>
+            </a:fontRef>
+          </p:style>
+        </p:cxnSp>
+        <p:sp>
+          <p:nvSpPr>
+            <p:cNvPr id="136" name="矩形 135">
+              <a:extLst>
+                <a:ext uri="{FF2B5EF4-FFF2-40B4-BE49-F238E27FC236}">
+                  <a16:creationId xmlns:a16="http://schemas.microsoft.com/office/drawing/2014/main" id="{A0AAFA8C-8E90-4773-8000-2525D0705FE1}"/>
+                </a:ext>
+              </a:extLst>
+            </p:cNvPr>
+            <p:cNvSpPr/>
+            <p:nvPr/>
+          </p:nvSpPr>
+          <p:spPr>
+            <a:xfrm>
+              <a:off x="7214517" y="2360631"/>
+              <a:ext cx="1127955" cy="384531"/>
+            </a:xfrm>
+            <a:prstGeom prst="rect">
+              <a:avLst/>
+            </a:prstGeom>
+          </p:spPr>
+          <p:txBody>
+            <a:bodyPr wrap="none">
+              <a:spAutoFit/>
+            </a:bodyPr>
+            <a:lstStyle/>
+            <a:p>
+              <a:pPr algn="ctr"/>
+              <a:r>
+                <a:rPr lang="zh-TW" altLang="en-US" sz="1400" dirty="0">
+                  <a:latin typeface="微軟正黑體" panose="020B0604030504040204" pitchFamily="34" charset="-120"/>
+                  <a:ea typeface="微軟正黑體" panose="020B0604030504040204" pitchFamily="34" charset="-120"/>
+                </a:rPr>
+                <a:t>拔除卡片</a:t>
+              </a:r>
+            </a:p>
+          </p:txBody>
+        </p:sp>
+        <p:sp>
+          <p:nvSpPr>
+            <p:cNvPr id="137" name="矩形 136">
+              <a:extLst>
+                <a:ext uri="{FF2B5EF4-FFF2-40B4-BE49-F238E27FC236}">
+                  <a16:creationId xmlns:a16="http://schemas.microsoft.com/office/drawing/2014/main" id="{0A4B9A7E-7EEB-46A8-93D9-60176525A75C}"/>
+                </a:ext>
+              </a:extLst>
+            </p:cNvPr>
+            <p:cNvSpPr/>
+            <p:nvPr/>
+          </p:nvSpPr>
+          <p:spPr>
+            <a:xfrm>
+              <a:off x="6854963" y="3319813"/>
+              <a:ext cx="1127955" cy="384531"/>
+            </a:xfrm>
+            <a:prstGeom prst="rect">
+              <a:avLst/>
+            </a:prstGeom>
+          </p:spPr>
+          <p:txBody>
+            <a:bodyPr wrap="none">
+              <a:spAutoFit/>
+            </a:bodyPr>
+            <a:lstStyle/>
+            <a:p>
+              <a:pPr algn="ctr"/>
+              <a:r>
+                <a:rPr lang="zh-TW" altLang="en-US" sz="1400" dirty="0">
+                  <a:latin typeface="微軟正黑體" panose="020B0604030504040204" pitchFamily="34" charset="-120"/>
+                  <a:ea typeface="微軟正黑體" panose="020B0604030504040204" pitchFamily="34" charset="-120"/>
+                </a:rPr>
+                <a:t>拔除卡片</a:t>
+              </a:r>
+            </a:p>
+          </p:txBody>
+        </p:sp>
+        <p:sp>
+          <p:nvSpPr>
+            <p:cNvPr id="138" name="矩形 137">
+              <a:extLst>
+                <a:ext uri="{FF2B5EF4-FFF2-40B4-BE49-F238E27FC236}">
+                  <a16:creationId xmlns:a16="http://schemas.microsoft.com/office/drawing/2014/main" id="{A5341AA3-B89B-42A4-8252-0B071859729F}"/>
+                </a:ext>
+              </a:extLst>
+            </p:cNvPr>
+            <p:cNvSpPr/>
+            <p:nvPr/>
+          </p:nvSpPr>
+          <p:spPr>
+            <a:xfrm>
+              <a:off x="7214517" y="4604870"/>
+              <a:ext cx="1127955" cy="384531"/>
+            </a:xfrm>
+            <a:prstGeom prst="rect">
+              <a:avLst/>
+            </a:prstGeom>
+          </p:spPr>
+          <p:txBody>
+            <a:bodyPr wrap="none">
+              <a:spAutoFit/>
+            </a:bodyPr>
+            <a:lstStyle/>
+            <a:p>
+              <a:pPr algn="ctr"/>
+              <a:r>
+                <a:rPr lang="zh-TW" altLang="en-US" sz="1400" dirty="0">
+                  <a:latin typeface="微軟正黑體" panose="020B0604030504040204" pitchFamily="34" charset="-120"/>
+                  <a:ea typeface="微軟正黑體" panose="020B0604030504040204" pitchFamily="34" charset="-120"/>
+                </a:rPr>
+                <a:t>拔除卡片</a:t>
+              </a:r>
+            </a:p>
+          </p:txBody>
+        </p:sp>
+      </p:grpSp>
+      <p:sp>
+        <p:nvSpPr>
+          <p:cNvPr id="139" name="文字方塊 138">
+            <a:extLst>
+              <a:ext uri="{FF2B5EF4-FFF2-40B4-BE49-F238E27FC236}">
+                <a16:creationId xmlns:a16="http://schemas.microsoft.com/office/drawing/2014/main" id="{D5CA62B0-2D5D-499B-8E96-9F74FA154F42}"/>
+              </a:ext>
+            </a:extLst>
+          </p:cNvPr>
+          <p:cNvSpPr txBox="1"/>
+          <p:nvPr/>
+        </p:nvSpPr>
+        <p:spPr>
+          <a:xfrm>
+            <a:off x="12870175" y="20236475"/>
+            <a:ext cx="6107842" cy="689420"/>
+          </a:xfrm>
+          <a:prstGeom prst="rect">
+            <a:avLst/>
+          </a:prstGeom>
+          <a:noFill/>
+        </p:spPr>
+        <p:txBody>
+          <a:bodyPr wrap="square" rtlCol="0">
+            <a:spAutoFit/>
+          </a:bodyPr>
+          <a:lstStyle/>
+          <a:p>
+            <a:pPr algn="ctr"/>
+            <a:r>
+              <a:rPr lang="zh-TW" altLang="en-US" sz="3880" b="1" dirty="0">
+                <a:solidFill>
+                  <a:srgbClr val="000000"/>
+                </a:solidFill>
+                <a:effectLst/>
+                <a:latin typeface="Microsoft YaHei UI" panose="020B0503020204020204" pitchFamily="34" charset="-122"/>
+                <a:ea typeface="Microsoft YaHei UI" panose="020B0503020204020204" pitchFamily="34" charset="-122"/>
+              </a:rPr>
+              <a:t>網頁呈現</a:t>
+            </a:r>
+            <a:endParaRPr lang="zh-TW" altLang="en-US" sz="3880" b="1" dirty="0">
+              <a:latin typeface="Microsoft YaHei UI" panose="020B0503020204020204" pitchFamily="34" charset="-122"/>
+              <a:ea typeface="Microsoft YaHei UI" panose="020B0503020204020204" pitchFamily="34" charset="-122"/>
+            </a:endParaRPr>
+          </a:p>
+        </p:txBody>
+      </p:sp>
+      <p:sp>
+        <p:nvSpPr>
+          <p:cNvPr id="140" name="文字方塊 139">
+            <a:extLst>
+              <a:ext uri="{FF2B5EF4-FFF2-40B4-BE49-F238E27FC236}">
+                <a16:creationId xmlns:a16="http://schemas.microsoft.com/office/drawing/2014/main" id="{BCED36DA-7759-4BDC-B5EB-D65CE32DF267}"/>
+              </a:ext>
+            </a:extLst>
+          </p:cNvPr>
+          <p:cNvSpPr txBox="1"/>
+          <p:nvPr/>
+        </p:nvSpPr>
+        <p:spPr>
+          <a:xfrm>
+            <a:off x="11629059" y="20838564"/>
+            <a:ext cx="8037582" cy="430887"/>
+          </a:xfrm>
+          <a:prstGeom prst="rect">
+            <a:avLst/>
+          </a:prstGeom>
+          <a:noFill/>
+        </p:spPr>
+        <p:txBody>
+          <a:bodyPr wrap="square" rtlCol="0">
+            <a:spAutoFit/>
+          </a:bodyPr>
+          <a:lstStyle/>
+          <a:p>
+            <a:r>
+              <a:rPr lang="zh-TW" altLang="en-US" sz="2200" b="1" dirty="0">
+                <a:effectLst/>
+                <a:latin typeface="微軟正黑體" panose="020B0604030504040204" pitchFamily="34" charset="-120"/>
+                <a:ea typeface="微軟正黑體" panose="020B0604030504040204" pitchFamily="34" charset="-120"/>
+                <a:cs typeface="Times New Roman" panose="02020603050405020304" pitchFamily="18" charset="0"/>
+              </a:rPr>
+              <a:t>如需觀看量測數據可利用網頁查看，而網頁中包含了以下功能</a:t>
+            </a:r>
+            <a:r>
+              <a:rPr lang="zh-TW" altLang="zh-TW" sz="2200" b="1" dirty="0">
+                <a:effectLst/>
+                <a:latin typeface="微軟正黑體" panose="020B0604030504040204" pitchFamily="34" charset="-120"/>
+                <a:ea typeface="微軟正黑體" panose="020B0604030504040204" pitchFamily="34" charset="-120"/>
+                <a:cs typeface="Times New Roman" panose="02020603050405020304" pitchFamily="18" charset="0"/>
+              </a:rPr>
+              <a:t>。</a:t>
+            </a:r>
+            <a:endParaRPr lang="zh-TW" altLang="en-US" sz="2200" b="1" dirty="0">
+              <a:latin typeface="微軟正黑體" panose="020B0604030504040204" pitchFamily="34" charset="-120"/>
+              <a:ea typeface="微軟正黑體" panose="020B0604030504040204" pitchFamily="34" charset="-120"/>
+            </a:endParaRPr>
+          </a:p>
+        </p:txBody>
+      </p:sp>
+      <p:pic>
+        <p:nvPicPr>
+          <p:cNvPr id="34" name="圖片 33" descr="一張含有 文字, 個人, 牆, 室內 的圖片&#10;&#10;自動產生的描述">
+            <a:extLst>
+              <a:ext uri="{FF2B5EF4-FFF2-40B4-BE49-F238E27FC236}">
+                <a16:creationId xmlns:a16="http://schemas.microsoft.com/office/drawing/2014/main" id="{C8305C7B-3529-43AF-97AC-515B8D0DEA25}"/>
+              </a:ext>
+            </a:extLst>
+          </p:cNvPr>
+          <p:cNvPicPr>
+            <a:picLocks noChangeAspect="1"/>
+          </p:cNvPicPr>
+          <p:nvPr/>
+        </p:nvPicPr>
+        <p:blipFill>
+          <a:blip r:embed="rId24">
+            <a:extLst>
+              <a:ext uri="{28A0092B-C50C-407E-A947-70E740481C1C}">
+                <a14:useLocalDpi xmlns:a14="http://schemas.microsoft.com/office/drawing/2010/main" val="0"/>
+              </a:ext>
+            </a:extLst>
+          </a:blip>
+          <a:stretch>
+            <a:fillRect/>
+          </a:stretch>
+        </p:blipFill>
+        <p:spPr>
+          <a:xfrm>
+            <a:off x="1229559" y="24095349"/>
+            <a:ext cx="3802772" cy="4131265"/>
+          </a:xfrm>
+          <a:prstGeom prst="rect">
+            <a:avLst/>
+          </a:prstGeom>
+        </p:spPr>
+      </p:pic>
+      <p:pic>
+        <p:nvPicPr>
+          <p:cNvPr id="141" name="圖片 140">
+            <a:extLst>
+              <a:ext uri="{FF2B5EF4-FFF2-40B4-BE49-F238E27FC236}">
+                <a16:creationId xmlns:a16="http://schemas.microsoft.com/office/drawing/2014/main" id="{B7A8453C-8FFE-4CD7-B16E-186F2EB6DB11}"/>
+              </a:ext>
+            </a:extLst>
+          </p:cNvPr>
+          <p:cNvPicPr/>
+          <p:nvPr/>
+        </p:nvPicPr>
+        <p:blipFill rotWithShape="1">
+          <a:blip r:embed="rId25" cstate="print">
+            <a:extLst>
+              <a:ext uri="{28A0092B-C50C-407E-A947-70E740481C1C}">
+                <a14:useLocalDpi xmlns:a14="http://schemas.microsoft.com/office/drawing/2010/main" val="0"/>
+              </a:ext>
+            </a:extLst>
+          </a:blip>
+          <a:srcRect l="10165" t="3851" r="7368" b="4781"/>
+          <a:stretch/>
+        </p:blipFill>
+        <p:spPr bwMode="auto">
+          <a:xfrm>
+            <a:off x="5624931" y="25892893"/>
+            <a:ext cx="4881928" cy="2498090"/>
+          </a:xfrm>
+          <a:prstGeom prst="rect">
+            <a:avLst/>
+          </a:prstGeom>
+          <a:ln>
+            <a:noFill/>
+          </a:ln>
+          <a:extLst>
+            <a:ext uri="{53640926-AAD7-44D8-BBD7-CCE9431645EC}">
+              <a14:shadowObscured xmlns:a14="http://schemas.microsoft.com/office/drawing/2010/main"/>
+            </a:ext>
+          </a:extLst>
+        </p:spPr>
+      </p:pic>
+      <p:pic>
+        <p:nvPicPr>
+          <p:cNvPr id="142" name="圖片 141">
+            <a:extLst>
+              <a:ext uri="{FF2B5EF4-FFF2-40B4-BE49-F238E27FC236}">
+                <a16:creationId xmlns:a16="http://schemas.microsoft.com/office/drawing/2014/main" id="{F7EFF41D-9F1F-4F38-95D2-D433251AEF65}"/>
+              </a:ext>
+            </a:extLst>
+          </p:cNvPr>
+          <p:cNvPicPr/>
+          <p:nvPr/>
+        </p:nvPicPr>
+        <p:blipFill rotWithShape="1">
+          <a:blip r:embed="rId26" cstate="print">
+            <a:extLst>
+              <a:ext uri="{28A0092B-C50C-407E-A947-70E740481C1C}">
+                <a14:useLocalDpi xmlns:a14="http://schemas.microsoft.com/office/drawing/2010/main" val="0"/>
+              </a:ext>
+            </a:extLst>
+          </a:blip>
+          <a:srcRect l="7223" t="657" r="6542" b="34533"/>
+          <a:stretch/>
+        </p:blipFill>
+        <p:spPr bwMode="auto">
+          <a:xfrm>
+            <a:off x="5625635" y="24095349"/>
+            <a:ext cx="4702035" cy="1847782"/>
+          </a:xfrm>
+          <a:prstGeom prst="rect">
+            <a:avLst/>
+          </a:prstGeom>
+          <a:ln>
+            <a:noFill/>
+          </a:ln>
+          <a:extLst>
+            <a:ext uri="{53640926-AAD7-44D8-BBD7-CCE9431645EC}">
+              <a14:shadowObscured xmlns:a14="http://schemas.microsoft.com/office/drawing/2010/main"/>
+            </a:ext>
+          </a:extLst>
+        </p:spPr>
+      </p:pic>
     </p:spTree>
   </p:cSld>
   <p:clrMapOvr>
@@ -7259,57 +9925,117 @@
 <file path=ppt/theme/theme1.xml><?xml version="1.0" encoding="utf-8"?>
 <a:theme xmlns:a="http://schemas.openxmlformats.org/drawingml/2006/main" name="預設簡報設計">
   <a:themeElements>
-    <a:clrScheme name="預設簡報設計 1">
+    <a:clrScheme name="Office 佈景主題">
       <a:dk1>
-        <a:srgbClr val="000000"/>
+        <a:sysClr val="windowText" lastClr="000000"/>
       </a:dk1>
       <a:lt1>
-        <a:srgbClr val="FFFFFF"/>
+        <a:sysClr val="window" lastClr="FFFFFF"/>
       </a:lt1>
       <a:dk2>
-        <a:srgbClr val="000000"/>
+        <a:srgbClr val="44546A"/>
       </a:dk2>
       <a:lt2>
-        <a:srgbClr val="808080"/>
+        <a:srgbClr val="E7E6E6"/>
       </a:lt2>
       <a:accent1>
-        <a:srgbClr val="BBE0E3"/>
+        <a:srgbClr val="4472C4"/>
       </a:accent1>
       <a:accent2>
-        <a:srgbClr val="333399"/>
+        <a:srgbClr val="ED7D31"/>
       </a:accent2>
       <a:accent3>
-        <a:srgbClr val="FFFFFF"/>
+        <a:srgbClr val="A5A5A5"/>
       </a:accent3>
       <a:accent4>
-        <a:srgbClr val="000000"/>
+        <a:srgbClr val="FFC000"/>
       </a:accent4>
       <a:accent5>
-        <a:srgbClr val="DAEDEF"/>
+        <a:srgbClr val="5B9BD5"/>
       </a:accent5>
       <a:accent6>
-        <a:srgbClr val="2D2D8A"/>
+        <a:srgbClr val="70AD47"/>
       </a:accent6>
       <a:hlink>
-        <a:srgbClr val="009999"/>
+        <a:srgbClr val="0563C1"/>
       </a:hlink>
       <a:folHlink>
-        <a:srgbClr val="99CC00"/>
+        <a:srgbClr val="954F72"/>
       </a:folHlink>
     </a:clrScheme>
-    <a:fontScheme name="預設簡報設計">
+    <a:fontScheme name="Office 佈景主題">
       <a:majorFont>
-        <a:latin typeface="Arial"/>
-        <a:ea typeface="新細明體"/>
+        <a:latin typeface="Calibri Light" panose="020F0302020204030204"/>
+        <a:ea typeface=""/>
         <a:cs typeface=""/>
+        <a:font script="Jpan" typeface="游ゴシック Light"/>
+        <a:font script="Hang" typeface="맑은 고딕"/>
+        <a:font script="Hans" typeface="等线 Light"/>
+        <a:font script="Hant" typeface="新細明體"/>
+        <a:font script="Arab" typeface="Times New Roman"/>
+        <a:font script="Hebr" typeface="Times New Roman"/>
+        <a:font script="Thai" typeface="Angsana New"/>
+        <a:font script="Ethi" typeface="Nyala"/>
+        <a:font script="Beng" typeface="Vrinda"/>
+        <a:font script="Gujr" typeface="Shruti"/>
+        <a:font script="Khmr" typeface="MoolBoran"/>
+        <a:font script="Knda" typeface="Tunga"/>
+        <a:font script="Guru" typeface="Raavi"/>
+        <a:font script="Cans" typeface="Euphemia"/>
+        <a:font script="Cher" typeface="Plantagenet Cherokee"/>
+        <a:font script="Yiii" typeface="Microsoft Yi Baiti"/>
+        <a:font script="Tibt" typeface="Microsoft Himalaya"/>
+        <a:font script="Thaa" typeface="MV Boli"/>
+        <a:font script="Deva" typeface="Mangal"/>
+        <a:font script="Telu" typeface="Gautami"/>
+        <a:font script="Taml" typeface="Latha"/>
+        <a:font script="Syrc" typeface="Estrangelo Edessa"/>
+        <a:font script="Orya" typeface="Kalinga"/>
+        <a:font script="Mlym" typeface="Kartika"/>
+        <a:font script="Laoo" typeface="DokChampa"/>
+        <a:font script="Sinh" typeface="Iskoola Pota"/>
+        <a:font script="Mong" typeface="Mongolian Baiti"/>
+        <a:font script="Viet" typeface="Times New Roman"/>
+        <a:font script="Uigh" typeface="Microsoft Uighur"/>
+        <a:font script="Geor" typeface="Sylfaen"/>
       </a:majorFont>
       <a:minorFont>
-        <a:latin typeface="Arial"/>
-        <a:ea typeface="新細明體"/>
+        <a:latin typeface="Calibri" panose="020F0502020204030204"/>
+        <a:ea typeface=""/>
         <a:cs typeface=""/>
+        <a:font script="Jpan" typeface="游ゴシック"/>
+        <a:font script="Hang" typeface="맑은 고딕"/>
+        <a:font script="Hans" typeface="等线"/>
+        <a:font script="Hant" typeface="新細明體"/>
+        <a:font script="Arab" typeface="Arial"/>
+        <a:font script="Hebr" typeface="Arial"/>
+        <a:font script="Thai" typeface="Cordia New"/>
+        <a:font script="Ethi" typeface="Nyala"/>
+        <a:font script="Beng" typeface="Vrinda"/>
+        <a:font script="Gujr" typeface="Shruti"/>
+        <a:font script="Khmr" typeface="DaunPenh"/>
+        <a:font script="Knda" typeface="Tunga"/>
+        <a:font script="Guru" typeface="Raavi"/>
+        <a:font script="Cans" typeface="Euphemia"/>
+        <a:font script="Cher" typeface="Plantagenet Cherokee"/>
+        <a:font script="Yiii" typeface="Microsoft Yi Baiti"/>
+        <a:font script="Tibt" typeface="Microsoft Himalaya"/>
+        <a:font script="Thaa" typeface="MV Boli"/>
+        <a:font script="Deva" typeface="Mangal"/>
+        <a:font script="Telu" typeface="Gautami"/>
+        <a:font script="Taml" typeface="Latha"/>
+        <a:font script="Syrc" typeface="Estrangelo Edessa"/>
+        <a:font script="Orya" typeface="Kalinga"/>
+        <a:font script="Mlym" typeface="Kartika"/>
+        <a:font script="Laoo" typeface="DokChampa"/>
+        <a:font script="Sinh" typeface="Iskoola Pota"/>
+        <a:font script="Mong" typeface="Mongolian Baiti"/>
+        <a:font script="Viet" typeface="Arial"/>
+        <a:font script="Uigh" typeface="Microsoft Uighur"/>
+        <a:font script="Geor" typeface="Sylfaen"/>
       </a:minorFont>
     </a:fontScheme>
-    <a:fmtScheme name="Office">
+    <a:fmtScheme name="Office 佈景主題">
       <a:fillStyleLst>
         <a:solidFill>
           <a:schemeClr val="phClr"/>
@@ -7447,650 +10173,8 @@
       </a:bgFillStyleLst>
     </a:fmtScheme>
   </a:themeElements>
-  <a:objectDefaults>
-    <a:spDef>
-      <a:spPr bwMode="auto">
-        <a:xfrm>
-          <a:off x="0" y="0"/>
-          <a:ext cx="1" cy="1"/>
-        </a:xfrm>
-        <a:custGeom>
-          <a:avLst/>
-          <a:gdLst/>
-          <a:ahLst/>
-          <a:cxnLst/>
-          <a:rect l="0" t="0" r="0" b="0"/>
-          <a:pathLst/>
-        </a:custGeom>
-        <a:solidFill>
-          <a:schemeClr val="accent1"/>
-        </a:solidFill>
-        <a:ln w="9525" cap="flat" cmpd="sng" algn="ctr">
-          <a:solidFill>
-            <a:schemeClr val="tx1"/>
-          </a:solidFill>
-          <a:prstDash val="solid"/>
-          <a:round/>
-          <a:headEnd type="none" w="med" len="med"/>
-          <a:tailEnd type="none" w="med" len="med"/>
-        </a:ln>
-        <a:effectLst/>
-        <a:extLst>
-          <a:ext uri="{AF507438-7753-43E0-B8FC-AC1667EBCBE1}">
-            <a14:hiddenEffects xmlns:a14="http://schemas.microsoft.com/office/drawing/2010/main">
-              <a:effectLst>
-                <a:outerShdw dist="35921" dir="2700000" algn="ctr" rotWithShape="0">
-                  <a:schemeClr val="bg2"/>
-                </a:outerShdw>
-              </a:effectLst>
-            </a14:hiddenEffects>
-          </a:ext>
-        </a:extLst>
-      </a:spPr>
-      <a:bodyPr vert="horz" wrap="square" lIns="91440" tIns="45720" rIns="91440" bIns="45720" numCol="1" anchor="t" anchorCtr="0" compatLnSpc="1">
-        <a:prstTxWarp prst="textNoShape">
-          <a:avLst/>
-        </a:prstTxWarp>
-      </a:bodyPr>
-      <a:lstStyle>
-        <a:defPPr marL="0" marR="0" indent="0" algn="l" defTabSz="4319588" rtl="0" eaLnBrk="1" fontAlgn="base" latinLnBrk="0" hangingPunct="1">
-          <a:lnSpc>
-            <a:spcPct val="100000"/>
-          </a:lnSpc>
-          <a:spcBef>
-            <a:spcPct val="0"/>
-          </a:spcBef>
-          <a:spcAft>
-            <a:spcPct val="0"/>
-          </a:spcAft>
-          <a:buClrTx/>
-          <a:buSzTx/>
-          <a:buFontTx/>
-          <a:buNone/>
-          <a:tabLst/>
-          <a:defRPr kumimoji="1" lang="zh-TW" altLang="en-US" sz="8500" b="0" i="0" u="none" strike="noStrike" cap="none" normalizeH="0" baseline="0" smtClean="0">
-            <a:ln>
-              <a:noFill/>
-            </a:ln>
-            <a:solidFill>
-              <a:schemeClr val="tx1"/>
-            </a:solidFill>
-            <a:effectLst/>
-            <a:latin typeface="Arial" panose="020B0604020202020204" pitchFamily="34" charset="0"/>
-            <a:ea typeface="新細明體" panose="02020500000000000000" pitchFamily="18" charset="-120"/>
-          </a:defRPr>
-        </a:defPPr>
-      </a:lstStyle>
-    </a:spDef>
-    <a:lnDef>
-      <a:spPr bwMode="auto">
-        <a:xfrm>
-          <a:off x="0" y="0"/>
-          <a:ext cx="1" cy="1"/>
-        </a:xfrm>
-        <a:custGeom>
-          <a:avLst/>
-          <a:gdLst/>
-          <a:ahLst/>
-          <a:cxnLst/>
-          <a:rect l="0" t="0" r="0" b="0"/>
-          <a:pathLst/>
-        </a:custGeom>
-        <a:solidFill>
-          <a:schemeClr val="accent1"/>
-        </a:solidFill>
-        <a:ln w="9525" cap="flat" cmpd="sng" algn="ctr">
-          <a:solidFill>
-            <a:schemeClr val="tx1"/>
-          </a:solidFill>
-          <a:prstDash val="solid"/>
-          <a:round/>
-          <a:headEnd type="none" w="med" len="med"/>
-          <a:tailEnd type="none" w="med" len="med"/>
-        </a:ln>
-        <a:effectLst/>
-        <a:extLst>
-          <a:ext uri="{AF507438-7753-43E0-B8FC-AC1667EBCBE1}">
-            <a14:hiddenEffects xmlns:a14="http://schemas.microsoft.com/office/drawing/2010/main">
-              <a:effectLst>
-                <a:outerShdw dist="35921" dir="2700000" algn="ctr" rotWithShape="0">
-                  <a:schemeClr val="bg2"/>
-                </a:outerShdw>
-              </a:effectLst>
-            </a14:hiddenEffects>
-          </a:ext>
-        </a:extLst>
-      </a:spPr>
-      <a:bodyPr vert="horz" wrap="square" lIns="91440" tIns="45720" rIns="91440" bIns="45720" numCol="1" anchor="t" anchorCtr="0" compatLnSpc="1">
-        <a:prstTxWarp prst="textNoShape">
-          <a:avLst/>
-        </a:prstTxWarp>
-      </a:bodyPr>
-      <a:lstStyle>
-        <a:defPPr marL="0" marR="0" indent="0" algn="l" defTabSz="4319588" rtl="0" eaLnBrk="1" fontAlgn="base" latinLnBrk="0" hangingPunct="1">
-          <a:lnSpc>
-            <a:spcPct val="100000"/>
-          </a:lnSpc>
-          <a:spcBef>
-            <a:spcPct val="0"/>
-          </a:spcBef>
-          <a:spcAft>
-            <a:spcPct val="0"/>
-          </a:spcAft>
-          <a:buClrTx/>
-          <a:buSzTx/>
-          <a:buFontTx/>
-          <a:buNone/>
-          <a:tabLst/>
-          <a:defRPr kumimoji="1" lang="zh-TW" altLang="en-US" sz="8500" b="0" i="0" u="none" strike="noStrike" cap="none" normalizeH="0" baseline="0" smtClean="0">
-            <a:ln>
-              <a:noFill/>
-            </a:ln>
-            <a:solidFill>
-              <a:schemeClr val="tx1"/>
-            </a:solidFill>
-            <a:effectLst/>
-            <a:latin typeface="Arial" panose="020B0604020202020204" pitchFamily="34" charset="0"/>
-            <a:ea typeface="新細明體" panose="02020500000000000000" pitchFamily="18" charset="-120"/>
-          </a:defRPr>
-        </a:defPPr>
-      </a:lstStyle>
-    </a:lnDef>
-  </a:objectDefaults>
-  <a:extraClrSchemeLst>
-    <a:extraClrScheme>
-      <a:clrScheme name="預設簡報設計 1">
-        <a:dk1>
-          <a:srgbClr val="000000"/>
-        </a:dk1>
-        <a:lt1>
-          <a:srgbClr val="FFFFFF"/>
-        </a:lt1>
-        <a:dk2>
-          <a:srgbClr val="000000"/>
-        </a:dk2>
-        <a:lt2>
-          <a:srgbClr val="808080"/>
-        </a:lt2>
-        <a:accent1>
-          <a:srgbClr val="BBE0E3"/>
-        </a:accent1>
-        <a:accent2>
-          <a:srgbClr val="333399"/>
-        </a:accent2>
-        <a:accent3>
-          <a:srgbClr val="FFFFFF"/>
-        </a:accent3>
-        <a:accent4>
-          <a:srgbClr val="000000"/>
-        </a:accent4>
-        <a:accent5>
-          <a:srgbClr val="DAEDEF"/>
-        </a:accent5>
-        <a:accent6>
-          <a:srgbClr val="2D2D8A"/>
-        </a:accent6>
-        <a:hlink>
-          <a:srgbClr val="009999"/>
-        </a:hlink>
-        <a:folHlink>
-          <a:srgbClr val="99CC00"/>
-        </a:folHlink>
-      </a:clrScheme>
-      <a:clrMap bg1="lt1" tx1="dk1" bg2="lt2" tx2="dk2" accent1="accent1" accent2="accent2" accent3="accent3" accent4="accent4" accent5="accent5" accent6="accent6" hlink="hlink" folHlink="folHlink"/>
-    </a:extraClrScheme>
-    <a:extraClrScheme>
-      <a:clrScheme name="預設簡報設計 2">
-        <a:dk1>
-          <a:srgbClr val="000000"/>
-        </a:dk1>
-        <a:lt1>
-          <a:srgbClr val="FFFFFF"/>
-        </a:lt1>
-        <a:dk2>
-          <a:srgbClr val="000000"/>
-        </a:dk2>
-        <a:lt2>
-          <a:srgbClr val="969696"/>
-        </a:lt2>
-        <a:accent1>
-          <a:srgbClr val="FBDF53"/>
-        </a:accent1>
-        <a:accent2>
-          <a:srgbClr val="FF9966"/>
-        </a:accent2>
-        <a:accent3>
-          <a:srgbClr val="FFFFFF"/>
-        </a:accent3>
-        <a:accent4>
-          <a:srgbClr val="000000"/>
-        </a:accent4>
-        <a:accent5>
-          <a:srgbClr val="FDECB3"/>
-        </a:accent5>
-        <a:accent6>
-          <a:srgbClr val="E78A5C"/>
-        </a:accent6>
-        <a:hlink>
-          <a:srgbClr val="CC3300"/>
-        </a:hlink>
-        <a:folHlink>
-          <a:srgbClr val="996600"/>
-        </a:folHlink>
-      </a:clrScheme>
-      <a:clrMap bg1="lt1" tx1="dk1" bg2="lt2" tx2="dk2" accent1="accent1" accent2="accent2" accent3="accent3" accent4="accent4" accent5="accent5" accent6="accent6" hlink="hlink" folHlink="folHlink"/>
-    </a:extraClrScheme>
-    <a:extraClrScheme>
-      <a:clrScheme name="預設簡報設計 3">
-        <a:dk1>
-          <a:srgbClr val="000000"/>
-        </a:dk1>
-        <a:lt1>
-          <a:srgbClr val="FFFFFF"/>
-        </a:lt1>
-        <a:dk2>
-          <a:srgbClr val="000000"/>
-        </a:dk2>
-        <a:lt2>
-          <a:srgbClr val="808080"/>
-        </a:lt2>
-        <a:accent1>
-          <a:srgbClr val="99CCFF"/>
-        </a:accent1>
-        <a:accent2>
-          <a:srgbClr val="CCCCFF"/>
-        </a:accent2>
-        <a:accent3>
-          <a:srgbClr val="FFFFFF"/>
-        </a:accent3>
-        <a:accent4>
-          <a:srgbClr val="000000"/>
-        </a:accent4>
-        <a:accent5>
-          <a:srgbClr val="CAE2FF"/>
-        </a:accent5>
-        <a:accent6>
-          <a:srgbClr val="B9B9E7"/>
-        </a:accent6>
-        <a:hlink>
-          <a:srgbClr val="3333CC"/>
-        </a:hlink>
-        <a:folHlink>
-          <a:srgbClr val="AF67FF"/>
-        </a:folHlink>
-      </a:clrScheme>
-      <a:clrMap bg1="lt1" tx1="dk1" bg2="lt2" tx2="dk2" accent1="accent1" accent2="accent2" accent3="accent3" accent4="accent4" accent5="accent5" accent6="accent6" hlink="hlink" folHlink="folHlink"/>
-    </a:extraClrScheme>
-    <a:extraClrScheme>
-      <a:clrScheme name="預設簡報設計 4">
-        <a:dk1>
-          <a:srgbClr val="000000"/>
-        </a:dk1>
-        <a:lt1>
-          <a:srgbClr val="DEF6F1"/>
-        </a:lt1>
-        <a:dk2>
-          <a:srgbClr val="000000"/>
-        </a:dk2>
-        <a:lt2>
-          <a:srgbClr val="969696"/>
-        </a:lt2>
-        <a:accent1>
-          <a:srgbClr val="FFFFFF"/>
-        </a:accent1>
-        <a:accent2>
-          <a:srgbClr val="8DC6FF"/>
-        </a:accent2>
-        <a:accent3>
-          <a:srgbClr val="ECFAF7"/>
-        </a:accent3>
-        <a:accent4>
-          <a:srgbClr val="000000"/>
-        </a:accent4>
-        <a:accent5>
-          <a:srgbClr val="FFFFFF"/>
-        </a:accent5>
-        <a:accent6>
-          <a:srgbClr val="7FB3E7"/>
-        </a:accent6>
-        <a:hlink>
-          <a:srgbClr val="0066CC"/>
-        </a:hlink>
-        <a:folHlink>
-          <a:srgbClr val="00A800"/>
-        </a:folHlink>
-      </a:clrScheme>
-      <a:clrMap bg1="lt1" tx1="dk1" bg2="lt2" tx2="dk2" accent1="accent1" accent2="accent2" accent3="accent3" accent4="accent4" accent5="accent5" accent6="accent6" hlink="hlink" folHlink="folHlink"/>
-    </a:extraClrScheme>
-    <a:extraClrScheme>
-      <a:clrScheme name="預設簡報設計 5">
-        <a:dk1>
-          <a:srgbClr val="000000"/>
-        </a:dk1>
-        <a:lt1>
-          <a:srgbClr val="FFFFD9"/>
-        </a:lt1>
-        <a:dk2>
-          <a:srgbClr val="000000"/>
-        </a:dk2>
-        <a:lt2>
-          <a:srgbClr val="777777"/>
-        </a:lt2>
-        <a:accent1>
-          <a:srgbClr val="FFFFF7"/>
-        </a:accent1>
-        <a:accent2>
-          <a:srgbClr val="33CCCC"/>
-        </a:accent2>
-        <a:accent3>
-          <a:srgbClr val="FFFFE9"/>
-        </a:accent3>
-        <a:accent4>
-          <a:srgbClr val="000000"/>
-        </a:accent4>
-        <a:accent5>
-          <a:srgbClr val="FFFFFA"/>
-        </a:accent5>
-        <a:accent6>
-          <a:srgbClr val="2DB9B9"/>
-        </a:accent6>
-        <a:hlink>
-          <a:srgbClr val="FF5050"/>
-        </a:hlink>
-        <a:folHlink>
-          <a:srgbClr val="FF9900"/>
-        </a:folHlink>
-      </a:clrScheme>
-      <a:clrMap bg1="lt1" tx1="dk1" bg2="lt2" tx2="dk2" accent1="accent1" accent2="accent2" accent3="accent3" accent4="accent4" accent5="accent5" accent6="accent6" hlink="hlink" folHlink="folHlink"/>
-    </a:extraClrScheme>
-    <a:extraClrScheme>
-      <a:clrScheme name="預設簡報設計 6">
-        <a:dk1>
-          <a:srgbClr val="005A58"/>
-        </a:dk1>
-        <a:lt1>
-          <a:srgbClr val="FFFFFF"/>
-        </a:lt1>
-        <a:dk2>
-          <a:srgbClr val="008080"/>
-        </a:dk2>
-        <a:lt2>
-          <a:srgbClr val="FFFF99"/>
-        </a:lt2>
-        <a:accent1>
-          <a:srgbClr val="006462"/>
-        </a:accent1>
-        <a:accent2>
-          <a:srgbClr val="6D6FC7"/>
-        </a:accent2>
-        <a:accent3>
-          <a:srgbClr val="AAC0C0"/>
-        </a:accent3>
-        <a:accent4>
-          <a:srgbClr val="DADADA"/>
-        </a:accent4>
-        <a:accent5>
-          <a:srgbClr val="AAB8B7"/>
-        </a:accent5>
-        <a:accent6>
-          <a:srgbClr val="6264B4"/>
-        </a:accent6>
-        <a:hlink>
-          <a:srgbClr val="00FFFF"/>
-        </a:hlink>
-        <a:folHlink>
-          <a:srgbClr val="00FF00"/>
-        </a:folHlink>
-      </a:clrScheme>
-      <a:clrMap bg1="dk2" tx1="lt1" bg2="dk1" tx2="lt2" accent1="accent1" accent2="accent2" accent3="accent3" accent4="accent4" accent5="accent5" accent6="accent6" hlink="hlink" folHlink="folHlink"/>
-    </a:extraClrScheme>
-    <a:extraClrScheme>
-      <a:clrScheme name="預設簡報設計 7">
-        <a:dk1>
-          <a:srgbClr val="5C1F00"/>
-        </a:dk1>
-        <a:lt1>
-          <a:srgbClr val="FFFFFF"/>
-        </a:lt1>
-        <a:dk2>
-          <a:srgbClr val="800000"/>
-        </a:dk2>
-        <a:lt2>
-          <a:srgbClr val="DFD293"/>
-        </a:lt2>
-        <a:accent1>
-          <a:srgbClr val="CC3300"/>
-        </a:accent1>
-        <a:accent2>
-          <a:srgbClr val="BE7960"/>
-        </a:accent2>
-        <a:accent3>
-          <a:srgbClr val="C0AAAA"/>
-        </a:accent3>
-        <a:accent4>
-          <a:srgbClr val="DADADA"/>
-        </a:accent4>
-        <a:accent5>
-          <a:srgbClr val="E2ADAA"/>
-        </a:accent5>
-        <a:accent6>
-          <a:srgbClr val="AC6D56"/>
-        </a:accent6>
-        <a:hlink>
-          <a:srgbClr val="FFFF99"/>
-        </a:hlink>
-        <a:folHlink>
-          <a:srgbClr val="D3A219"/>
-        </a:folHlink>
-      </a:clrScheme>
-      <a:clrMap bg1="dk2" tx1="lt1" bg2="dk1" tx2="lt2" accent1="accent1" accent2="accent2" accent3="accent3" accent4="accent4" accent5="accent5" accent6="accent6" hlink="hlink" folHlink="folHlink"/>
-    </a:extraClrScheme>
-    <a:extraClrScheme>
-      <a:clrScheme name="預設簡報設計 8">
-        <a:dk1>
-          <a:srgbClr val="003366"/>
-        </a:dk1>
-        <a:lt1>
-          <a:srgbClr val="FFFFFF"/>
-        </a:lt1>
-        <a:dk2>
-          <a:srgbClr val="000099"/>
-        </a:dk2>
-        <a:lt2>
-          <a:srgbClr val="CCFFFF"/>
-        </a:lt2>
-        <a:accent1>
-          <a:srgbClr val="3366CC"/>
-        </a:accent1>
-        <a:accent2>
-          <a:srgbClr val="00B000"/>
-        </a:accent2>
-        <a:accent3>
-          <a:srgbClr val="AAAACA"/>
-        </a:accent3>
-        <a:accent4>
-          <a:srgbClr val="DADADA"/>
-        </a:accent4>
-        <a:accent5>
-          <a:srgbClr val="ADB8E2"/>
-        </a:accent5>
-        <a:accent6>
-          <a:srgbClr val="009F00"/>
-        </a:accent6>
-        <a:hlink>
-          <a:srgbClr val="66CCFF"/>
-        </a:hlink>
-        <a:folHlink>
-          <a:srgbClr val="FFE701"/>
-        </a:folHlink>
-      </a:clrScheme>
-      <a:clrMap bg1="dk2" tx1="lt1" bg2="dk1" tx2="lt2" accent1="accent1" accent2="accent2" accent3="accent3" accent4="accent4" accent5="accent5" accent6="accent6" hlink="hlink" folHlink="folHlink"/>
-    </a:extraClrScheme>
-    <a:extraClrScheme>
-      <a:clrScheme name="預設簡報設計 9">
-        <a:dk1>
-          <a:srgbClr val="336699"/>
-        </a:dk1>
-        <a:lt1>
-          <a:srgbClr val="FFFFFF"/>
-        </a:lt1>
-        <a:dk2>
-          <a:srgbClr val="000000"/>
-        </a:dk2>
-        <a:lt2>
-          <a:srgbClr val="E3EBF1"/>
-        </a:lt2>
-        <a:accent1>
-          <a:srgbClr val="003399"/>
-        </a:accent1>
-        <a:accent2>
-          <a:srgbClr val="468A4B"/>
-        </a:accent2>
-        <a:accent3>
-          <a:srgbClr val="AAAAAA"/>
-        </a:accent3>
-        <a:accent4>
-          <a:srgbClr val="DADADA"/>
-        </a:accent4>
-        <a:accent5>
-          <a:srgbClr val="AAADCA"/>
-        </a:accent5>
-        <a:accent6>
-          <a:srgbClr val="3F7D43"/>
-        </a:accent6>
-        <a:hlink>
-          <a:srgbClr val="66CCFF"/>
-        </a:hlink>
-        <a:folHlink>
-          <a:srgbClr val="F0E500"/>
-        </a:folHlink>
-      </a:clrScheme>
-      <a:clrMap bg1="dk2" tx1="lt1" bg2="dk1" tx2="lt2" accent1="accent1" accent2="accent2" accent3="accent3" accent4="accent4" accent5="accent5" accent6="accent6" hlink="hlink" folHlink="folHlink"/>
-    </a:extraClrScheme>
-    <a:extraClrScheme>
-      <a:clrScheme name="預設簡報設計 10">
-        <a:dk1>
-          <a:srgbClr val="777777"/>
-        </a:dk1>
-        <a:lt1>
-          <a:srgbClr val="FFFFFF"/>
-        </a:lt1>
-        <a:dk2>
-          <a:srgbClr val="686B5D"/>
-        </a:dk2>
-        <a:lt2>
-          <a:srgbClr val="D1D1CB"/>
-        </a:lt2>
-        <a:accent1>
-          <a:srgbClr val="909082"/>
-        </a:accent1>
-        <a:accent2>
-          <a:srgbClr val="809EA8"/>
-        </a:accent2>
-        <a:accent3>
-          <a:srgbClr val="B9BAB6"/>
-        </a:accent3>
-        <a:accent4>
-          <a:srgbClr val="DADADA"/>
-        </a:accent4>
-        <a:accent5>
-          <a:srgbClr val="C6C6C1"/>
-        </a:accent5>
-        <a:accent6>
-          <a:srgbClr val="738F98"/>
-        </a:accent6>
-        <a:hlink>
-          <a:srgbClr val="FFCC66"/>
-        </a:hlink>
-        <a:folHlink>
-          <a:srgbClr val="E9DCB9"/>
-        </a:folHlink>
-      </a:clrScheme>
-      <a:clrMap bg1="dk2" tx1="lt1" bg2="dk1" tx2="lt2" accent1="accent1" accent2="accent2" accent3="accent3" accent4="accent4" accent5="accent5" accent6="accent6" hlink="hlink" folHlink="folHlink"/>
-    </a:extraClrScheme>
-    <a:extraClrScheme>
-      <a:clrScheme name="預設簡報設計 11">
-        <a:dk1>
-          <a:srgbClr val="3E3E5C"/>
-        </a:dk1>
-        <a:lt1>
-          <a:srgbClr val="FFFFFF"/>
-        </a:lt1>
-        <a:dk2>
-          <a:srgbClr val="666699"/>
-        </a:dk2>
-        <a:lt2>
-          <a:srgbClr val="FFFFFF"/>
-        </a:lt2>
-        <a:accent1>
-          <a:srgbClr val="60597B"/>
-        </a:accent1>
-        <a:accent2>
-          <a:srgbClr val="6666FF"/>
-        </a:accent2>
-        <a:accent3>
-          <a:srgbClr val="B8B8CA"/>
-        </a:accent3>
-        <a:accent4>
-          <a:srgbClr val="DADADA"/>
-        </a:accent4>
-        <a:accent5>
-          <a:srgbClr val="B6B5BF"/>
-        </a:accent5>
-        <a:accent6>
-          <a:srgbClr val="5C5CE7"/>
-        </a:accent6>
-        <a:hlink>
-          <a:srgbClr val="99CCFF"/>
-        </a:hlink>
-        <a:folHlink>
-          <a:srgbClr val="FFFF99"/>
-        </a:folHlink>
-      </a:clrScheme>
-      <a:clrMap bg1="dk2" tx1="lt1" bg2="dk1" tx2="lt2" accent1="accent1" accent2="accent2" accent3="accent3" accent4="accent4" accent5="accent5" accent6="accent6" hlink="hlink" folHlink="folHlink"/>
-    </a:extraClrScheme>
-    <a:extraClrScheme>
-      <a:clrScheme name="預設簡報設計 12">
-        <a:dk1>
-          <a:srgbClr val="2D2015"/>
-        </a:dk1>
-        <a:lt1>
-          <a:srgbClr val="FFFFFF"/>
-        </a:lt1>
-        <a:dk2>
-          <a:srgbClr val="523E26"/>
-        </a:dk2>
-        <a:lt2>
-          <a:srgbClr val="DFC08D"/>
-        </a:lt2>
-        <a:accent1>
-          <a:srgbClr val="8C7B70"/>
-        </a:accent1>
-        <a:accent2>
-          <a:srgbClr val="8F5F2F"/>
-        </a:accent2>
-        <a:accent3>
-          <a:srgbClr val="B3AFAC"/>
-        </a:accent3>
-        <a:accent4>
-          <a:srgbClr val="DADADA"/>
-        </a:accent4>
-        <a:accent5>
-          <a:srgbClr val="C5BFBB"/>
-        </a:accent5>
-        <a:accent6>
-          <a:srgbClr val="81552A"/>
-        </a:accent6>
-        <a:hlink>
-          <a:srgbClr val="CCB400"/>
-        </a:hlink>
-        <a:folHlink>
-          <a:srgbClr val="8C9EA0"/>
-        </a:folHlink>
-      </a:clrScheme>
-      <a:clrMap bg1="dk2" tx1="lt1" bg2="dk1" tx2="lt2" accent1="accent1" accent2="accent2" accent3="accent3" accent4="accent4" accent5="accent5" accent6="accent6" hlink="hlink" folHlink="folHlink"/>
-    </a:extraClrScheme>
-  </a:extraClrSchemeLst>
+  <a:objectDefaults/>
+  <a:extraClrSchemeLst/>
   <a:extLst>
     <a:ext uri="{05A4C25C-085E-4340-85A3-A5531E510DB2}">
       <thm15:themeFamily xmlns:thm15="http://schemas.microsoft.com/office/thememl/2012/main" name="Office Theme" id="{62F939B6-93AF-4DB8-9C6B-D6C7DFDC589F}" vid="{4A3C46E8-61CC-4603-A589-7422A47A8E4A}"/>

--- a/專題海報/專題海報.pptx
+++ b/專題海報/專題海報.pptx
@@ -121,6 +121,18 @@
     </p:ext>
   </p:extLst>
 </p:presentation>
+</file>
+
+<file path=ppt/commentAuthors.xml><?xml version="1.0" encoding="utf-8"?>
+<p:cmAuthorLst xmlns:a="http://schemas.openxmlformats.org/drawingml/2006/main" xmlns:r="http://schemas.openxmlformats.org/officeDocument/2006/relationships" xmlns:p="http://schemas.openxmlformats.org/presentationml/2006/main">
+  <p:cmAuthor id="1" name="電通系一甲-張政祺" initials="電通系一甲-張政祺" lastIdx="1" clrIdx="0">
+    <p:extLst>
+      <p:ext uri="{19B8F6BF-5375-455C-9EA6-DF929625EA0E}">
+        <p15:presenceInfo xmlns:p15="http://schemas.microsoft.com/office/powerpoint/2012/main" userId="電通系一甲-張政祺" providerId="None"/>
+      </p:ext>
+    </p:extLst>
+  </p:cmAuthor>
+</p:cmAuthorLst>
 </file>
 
 <file path=ppt/slideLayouts/slideLayout1.xml><?xml version="1.0" encoding="utf-8"?>
@@ -5660,7 +5672,7 @@
             </p:nvSpPr>
             <p:spPr bwMode="auto">
               <a:xfrm>
-                <a:off x="945588" y="10731167"/>
+                <a:off x="945588" y="10730092"/>
                 <a:ext cx="19708348" cy="12627999"/>
               </a:xfrm>
               <a:prstGeom prst="roundRect">
@@ -5800,7 +5812,7 @@
             </p:nvSpPr>
             <p:spPr bwMode="auto">
               <a:xfrm>
-                <a:off x="945588" y="10731167"/>
+                <a:off x="945588" y="10730092"/>
                 <a:ext cx="19708348" cy="12627999"/>
               </a:xfrm>
               <a:prstGeom prst="roundRect">
@@ -7692,217 +7704,6 @@
             <a:endParaRPr lang="zh-TW" altLang="en-US" sz="3880" b="1" dirty="0">
               <a:latin typeface="Microsoft YaHei UI" panose="020B0503020204020204" pitchFamily="34" charset="-122"/>
               <a:ea typeface="Microsoft YaHei UI" panose="020B0503020204020204" pitchFamily="34" charset="-122"/>
-            </a:endParaRPr>
-          </a:p>
-        </p:txBody>
-      </p:sp>
-      <p:sp>
-        <p:nvSpPr>
-          <p:cNvPr id="11" name="文字方塊 10">
-            <a:extLst>
-              <a:ext uri="{FF2B5EF4-FFF2-40B4-BE49-F238E27FC236}">
-                <a16:creationId xmlns:a16="http://schemas.microsoft.com/office/drawing/2014/main" id="{F6A5F8AF-9990-4016-8B0D-BBC43F0FB3AB}"/>
-              </a:ext>
-            </a:extLst>
-          </p:cNvPr>
-          <p:cNvSpPr txBox="1"/>
-          <p:nvPr/>
-        </p:nvSpPr>
-        <p:spPr>
-          <a:xfrm>
-            <a:off x="12045657" y="15839431"/>
-            <a:ext cx="7818691" cy="769441"/>
-          </a:xfrm>
-          <a:prstGeom prst="rect">
-            <a:avLst/>
-          </a:prstGeom>
-          <a:noFill/>
-        </p:spPr>
-        <p:txBody>
-          <a:bodyPr wrap="square" rtlCol="0">
-            <a:spAutoFit/>
-          </a:bodyPr>
-          <a:lstStyle/>
-          <a:p>
-            <a:r>
-              <a:rPr lang="zh-TW" altLang="zh-TW" sz="2200" b="1" dirty="0">
-                <a:effectLst/>
-                <a:latin typeface="微軟正黑體" panose="020B0604030504040204" pitchFamily="34" charset="-120"/>
-                <a:ea typeface="微軟正黑體" panose="020B0604030504040204" pitchFamily="34" charset="-120"/>
-                <a:cs typeface="Times New Roman" panose="02020603050405020304" pitchFamily="18" charset="0"/>
-              </a:rPr>
-              <a:t>在將生理指標投入不同分析模型後，以</a:t>
-            </a:r>
-            <a:r>
-              <a:rPr lang="en-US" altLang="zh-TW" sz="2200" b="1" dirty="0">
-                <a:effectLst/>
-                <a:latin typeface="微軟正黑體" panose="020B0604030504040204" pitchFamily="34" charset="-120"/>
-                <a:ea typeface="微軟正黑體" panose="020B0604030504040204" pitchFamily="34" charset="-120"/>
-                <a:cs typeface="Times New Roman" panose="02020603050405020304" pitchFamily="18" charset="0"/>
-              </a:rPr>
-              <a:t>Precision</a:t>
-            </a:r>
-            <a:r>
-              <a:rPr lang="zh-TW" altLang="zh-TW" sz="2200" b="1" dirty="0">
-                <a:effectLst/>
-                <a:latin typeface="微軟正黑體" panose="020B0604030504040204" pitchFamily="34" charset="-120"/>
-                <a:ea typeface="微軟正黑體" panose="020B0604030504040204" pitchFamily="34" charset="-120"/>
-                <a:cs typeface="Times New Roman" panose="02020603050405020304" pitchFamily="18" charset="0"/>
-              </a:rPr>
-              <a:t>、</a:t>
-            </a:r>
-            <a:r>
-              <a:rPr lang="en-US" altLang="zh-TW" sz="2200" b="1" dirty="0">
-                <a:effectLst/>
-                <a:latin typeface="微軟正黑體" panose="020B0604030504040204" pitchFamily="34" charset="-120"/>
-                <a:ea typeface="微軟正黑體" panose="020B0604030504040204" pitchFamily="34" charset="-120"/>
-                <a:cs typeface="Times New Roman" panose="02020603050405020304" pitchFamily="18" charset="0"/>
-              </a:rPr>
-              <a:t>Recall</a:t>
-            </a:r>
-            <a:r>
-              <a:rPr lang="zh-TW" altLang="zh-TW" sz="2200" b="1" dirty="0">
-                <a:effectLst/>
-                <a:latin typeface="微軟正黑體" panose="020B0604030504040204" pitchFamily="34" charset="-120"/>
-                <a:ea typeface="微軟正黑體" panose="020B0604030504040204" pitchFamily="34" charset="-120"/>
-                <a:cs typeface="Times New Roman" panose="02020603050405020304" pitchFamily="18" charset="0"/>
-              </a:rPr>
-              <a:t>、</a:t>
-            </a:r>
-            <a:r>
-              <a:rPr lang="en-US" altLang="zh-TW" sz="2200" b="1" dirty="0">
-                <a:effectLst/>
-                <a:latin typeface="微軟正黑體" panose="020B0604030504040204" pitchFamily="34" charset="-120"/>
-                <a:ea typeface="微軟正黑體" panose="020B0604030504040204" pitchFamily="34" charset="-120"/>
-              </a:rPr>
-              <a:t>F-Measure</a:t>
-            </a:r>
-            <a:r>
-              <a:rPr lang="zh-TW" altLang="zh-TW" sz="2200" b="1" dirty="0">
-                <a:effectLst/>
-                <a:latin typeface="微軟正黑體" panose="020B0604030504040204" pitchFamily="34" charset="-120"/>
-                <a:ea typeface="微軟正黑體" panose="020B0604030504040204" pitchFamily="34" charset="-120"/>
-                <a:cs typeface="Times New Roman" panose="02020603050405020304" pitchFamily="18" charset="0"/>
-              </a:rPr>
-              <a:t>來評斷模型的好壞。</a:t>
-            </a:r>
-            <a:endParaRPr lang="zh-TW" altLang="en-US" sz="2200" b="1" dirty="0">
-              <a:latin typeface="微軟正黑體" panose="020B0604030504040204" pitchFamily="34" charset="-120"/>
-              <a:ea typeface="微軟正黑體" panose="020B0604030504040204" pitchFamily="34" charset="-120"/>
-            </a:endParaRPr>
-          </a:p>
-        </p:txBody>
-      </p:sp>
-      <p:sp>
-        <p:nvSpPr>
-          <p:cNvPr id="15" name="文字方塊 14">
-            <a:extLst>
-              <a:ext uri="{FF2B5EF4-FFF2-40B4-BE49-F238E27FC236}">
-                <a16:creationId xmlns:a16="http://schemas.microsoft.com/office/drawing/2014/main" id="{2652A700-D486-4557-BBCE-D6B48D0E87D6}"/>
-              </a:ext>
-            </a:extLst>
-          </p:cNvPr>
-          <p:cNvSpPr txBox="1"/>
-          <p:nvPr/>
-        </p:nvSpPr>
-        <p:spPr>
-          <a:xfrm>
-            <a:off x="11985744" y="18107633"/>
-            <a:ext cx="7818691" cy="1107996"/>
-          </a:xfrm>
-          <a:prstGeom prst="rect">
-            <a:avLst/>
-          </a:prstGeom>
-          <a:noFill/>
-        </p:spPr>
-        <p:txBody>
-          <a:bodyPr wrap="square" rtlCol="0">
-            <a:spAutoFit/>
-          </a:bodyPr>
-          <a:lstStyle/>
-          <a:p>
-            <a:r>
-              <a:rPr lang="zh-TW" altLang="zh-TW" sz="2200" b="1" dirty="0">
-                <a:effectLst/>
-                <a:latin typeface="微軟正黑體" panose="020B0604030504040204" pitchFamily="34" charset="-120"/>
-                <a:ea typeface="微軟正黑體" panose="020B0604030504040204" pitchFamily="34" charset="-120"/>
-                <a:cs typeface="Times New Roman" panose="02020603050405020304" pitchFamily="18" charset="0"/>
-              </a:rPr>
-              <a:t>利用</a:t>
-            </a:r>
-            <a:r>
-              <a:rPr lang="zh-TW" altLang="en-US" sz="2200" b="1" dirty="0">
-                <a:effectLst/>
-                <a:latin typeface="微軟正黑體" panose="020B0604030504040204" pitchFamily="34" charset="-120"/>
-                <a:ea typeface="微軟正黑體" panose="020B0604030504040204" pitchFamily="34" charset="-120"/>
-                <a:cs typeface="Times New Roman" panose="02020603050405020304" pitchFamily="18" charset="0"/>
-              </a:rPr>
-              <a:t>上述數據，並以奇美醫院的數據做判斷標準，得出以下表格</a:t>
-            </a:r>
-            <a:r>
-              <a:rPr lang="zh-TW" altLang="zh-TW" sz="2200" b="1" dirty="0">
-                <a:effectLst/>
-                <a:latin typeface="微軟正黑體" panose="020B0604030504040204" pitchFamily="34" charset="-120"/>
-                <a:ea typeface="微軟正黑體" panose="020B0604030504040204" pitchFamily="34" charset="-120"/>
-                <a:cs typeface="Times New Roman" panose="02020603050405020304" pitchFamily="18" charset="0"/>
-              </a:rPr>
-              <a:t>，</a:t>
-            </a:r>
-            <a:r>
-              <a:rPr lang="zh-TW" altLang="en-US" sz="2200" b="1" dirty="0">
-                <a:effectLst/>
-                <a:latin typeface="微軟正黑體" panose="020B0604030504040204" pitchFamily="34" charset="-120"/>
-                <a:ea typeface="微軟正黑體" panose="020B0604030504040204" pitchFamily="34" charset="-120"/>
-                <a:cs typeface="Times New Roman" panose="02020603050405020304" pitchFamily="18" charset="0"/>
-              </a:rPr>
-              <a:t>可以看出</a:t>
-            </a:r>
-            <a:r>
-              <a:rPr lang="zh-TW" altLang="zh-TW" sz="2200" b="1" dirty="0">
-                <a:effectLst/>
-                <a:latin typeface="微軟正黑體" panose="020B0604030504040204" pitchFamily="34" charset="-120"/>
-                <a:ea typeface="微軟正黑體" panose="020B0604030504040204" pitchFamily="34" charset="-120"/>
-                <a:cs typeface="Times New Roman" panose="02020603050405020304" pitchFamily="18" charset="0"/>
-              </a:rPr>
-              <a:t>不僅精確度達到了</a:t>
-            </a:r>
-            <a:r>
-              <a:rPr lang="en-US" altLang="zh-TW" sz="2200" b="1" dirty="0">
-                <a:effectLst/>
-                <a:latin typeface="微軟正黑體" panose="020B0604030504040204" pitchFamily="34" charset="-120"/>
-                <a:ea typeface="微軟正黑體" panose="020B0604030504040204" pitchFamily="34" charset="-120"/>
-              </a:rPr>
-              <a:t>1.0</a:t>
-            </a:r>
-            <a:r>
-              <a:rPr lang="zh-TW" altLang="zh-TW" sz="2200" b="1" dirty="0">
-                <a:effectLst/>
-                <a:latin typeface="微軟正黑體" panose="020B0604030504040204" pitchFamily="34" charset="-120"/>
-                <a:ea typeface="微軟正黑體" panose="020B0604030504040204" pitchFamily="34" charset="-120"/>
-                <a:cs typeface="Times New Roman" panose="02020603050405020304" pitchFamily="18" charset="0"/>
-              </a:rPr>
-              <a:t>、召回度也在</a:t>
-            </a:r>
-            <a:r>
-              <a:rPr lang="en-US" altLang="zh-TW" sz="2200" b="1" dirty="0">
-                <a:effectLst/>
-                <a:latin typeface="微軟正黑體" panose="020B0604030504040204" pitchFamily="34" charset="-120"/>
-                <a:ea typeface="微軟正黑體" panose="020B0604030504040204" pitchFamily="34" charset="-120"/>
-              </a:rPr>
-              <a:t>0.9~1.0</a:t>
-            </a:r>
-            <a:r>
-              <a:rPr lang="zh-TW" altLang="zh-TW" sz="2200" b="1" dirty="0">
-                <a:effectLst/>
-                <a:latin typeface="微軟正黑體" panose="020B0604030504040204" pitchFamily="34" charset="-120"/>
-                <a:ea typeface="微軟正黑體" panose="020B0604030504040204" pitchFamily="34" charset="-120"/>
-                <a:cs typeface="Times New Roman" panose="02020603050405020304" pitchFamily="18" charset="0"/>
-              </a:rPr>
-              <a:t>區間內，對於已知樣本的評斷可以說是十分準確。</a:t>
-            </a:r>
-            <a:endParaRPr lang="zh-TW" altLang="en-US" sz="2200" b="1" dirty="0">
-              <a:latin typeface="微軟正黑體" panose="020B0604030504040204" pitchFamily="34" charset="-120"/>
-              <a:ea typeface="微軟正黑體" panose="020B0604030504040204" pitchFamily="34" charset="-120"/>
             </a:endParaRPr>
           </a:p>
         </p:txBody>
@@ -9149,8 +8950,8 @@
         </p:blipFill>
         <p:spPr bwMode="auto">
           <a:xfrm>
-            <a:off x="12045657" y="16890340"/>
-            <a:ext cx="840645" cy="951588"/>
+            <a:off x="12364661" y="15951766"/>
+            <a:ext cx="568977" cy="644067"/>
           </a:xfrm>
           <a:prstGeom prst="rect">
             <a:avLst/>
@@ -9196,8 +8997,8 @@
         </p:blipFill>
         <p:spPr bwMode="auto">
           <a:xfrm>
-            <a:off x="14366885" y="16895341"/>
-            <a:ext cx="840645" cy="951588"/>
+            <a:off x="12305745" y="16822761"/>
+            <a:ext cx="568977" cy="644067"/>
           </a:xfrm>
           <a:prstGeom prst="rect">
             <a:avLst/>
@@ -9244,8 +9045,8 @@
         </p:blipFill>
         <p:spPr bwMode="auto">
           <a:xfrm>
-            <a:off x="17546583" y="16879665"/>
-            <a:ext cx="731436" cy="951588"/>
+            <a:off x="12364661" y="17761115"/>
+            <a:ext cx="495061" cy="644067"/>
           </a:xfrm>
           <a:prstGeom prst="rect">
             <a:avLst/>
@@ -9257,58 +9058,6 @@
           </a:solidFill>
         </p:spPr>
       </p:pic>
-      <p:cxnSp>
-        <p:nvCxnSpPr>
-          <p:cNvPr id="126" name="接點: 肘形 125">
-            <a:extLst>
-              <a:ext uri="{FF2B5EF4-FFF2-40B4-BE49-F238E27FC236}">
-                <a16:creationId xmlns:a16="http://schemas.microsoft.com/office/drawing/2014/main" id="{E9FB2F68-38C3-4191-9F58-012A95234BB3}"/>
-              </a:ext>
-            </a:extLst>
-          </p:cNvPr>
-          <p:cNvCxnSpPr>
-            <a:cxnSpLocks/>
-            <a:stCxn id="115" idx="3"/>
-            <a:endCxn id="26" idx="1"/>
-          </p:cNvCxnSpPr>
-          <p:nvPr/>
-        </p:nvCxnSpPr>
-        <p:spPr bwMode="auto">
-          <a:xfrm>
-            <a:off x="12886302" y="17366134"/>
-            <a:ext cx="495061" cy="906"/>
-          </a:xfrm>
-          <a:prstGeom prst="bentConnector3">
-            <a:avLst>
-              <a:gd name="adj1" fmla="val 50000"/>
-            </a:avLst>
-          </a:prstGeom>
-          <a:solidFill>
-            <a:schemeClr val="accent1"/>
-          </a:solidFill>
-          <a:ln w="31750" cap="flat" cmpd="sng" algn="ctr">
-            <a:solidFill>
-              <a:schemeClr val="tx1"/>
-            </a:solidFill>
-            <a:prstDash val="solid"/>
-            <a:round/>
-            <a:headEnd type="none" w="med" len="med"/>
-            <a:tailEnd type="triangle"/>
-          </a:ln>
-          <a:effectLst/>
-          <a:extLst>
-            <a:ext uri="{AF507438-7753-43E0-B8FC-AC1667EBCBE1}">
-              <a14:hiddenEffects xmlns:a14="http://schemas.microsoft.com/office/drawing/2010/main">
-                <a:effectLst>
-                  <a:outerShdw dist="35921" dir="2700000" algn="ctr" rotWithShape="0">
-                    <a:schemeClr val="bg2"/>
-                  </a:outerShdw>
-                </a:effectLst>
-              </a14:hiddenEffects>
-            </a:ext>
-          </a:extLst>
-        </p:spPr>
-      </p:cxnSp>
       <p:sp>
         <p:nvSpPr>
           <p:cNvPr id="26" name="文字方塊 25">
@@ -9323,7 +9072,7 @@
         </p:nvSpPr>
         <p:spPr>
           <a:xfrm>
-            <a:off x="13381363" y="17105430"/>
+            <a:off x="13495967" y="16005610"/>
             <a:ext cx="1101584" cy="523220"/>
           </a:xfrm>
           <a:prstGeom prst="rect">
@@ -9345,58 +9094,6 @@
           </a:p>
         </p:txBody>
       </p:sp>
-      <p:cxnSp>
-        <p:nvCxnSpPr>
-          <p:cNvPr id="143" name="接點: 肘形 142">
-            <a:extLst>
-              <a:ext uri="{FF2B5EF4-FFF2-40B4-BE49-F238E27FC236}">
-                <a16:creationId xmlns:a16="http://schemas.microsoft.com/office/drawing/2014/main" id="{2A0DCAE6-5073-4700-9799-B9DC6AB1A3D6}"/>
-              </a:ext>
-            </a:extLst>
-          </p:cNvPr>
-          <p:cNvCxnSpPr>
-            <a:cxnSpLocks/>
-            <a:stCxn id="116" idx="3"/>
-            <a:endCxn id="144" idx="1"/>
-          </p:cNvCxnSpPr>
-          <p:nvPr/>
-        </p:nvCxnSpPr>
-        <p:spPr bwMode="auto">
-          <a:xfrm>
-            <a:off x="15207530" y="17371135"/>
-            <a:ext cx="260939" cy="1042"/>
-          </a:xfrm>
-          <a:prstGeom prst="bentConnector3">
-            <a:avLst>
-              <a:gd name="adj1" fmla="val 50000"/>
-            </a:avLst>
-          </a:prstGeom>
-          <a:solidFill>
-            <a:schemeClr val="accent1"/>
-          </a:solidFill>
-          <a:ln w="31750" cap="flat" cmpd="sng" algn="ctr">
-            <a:solidFill>
-              <a:schemeClr val="tx1"/>
-            </a:solidFill>
-            <a:prstDash val="solid"/>
-            <a:round/>
-            <a:headEnd type="none" w="med" len="med"/>
-            <a:tailEnd type="triangle"/>
-          </a:ln>
-          <a:effectLst/>
-          <a:extLst>
-            <a:ext uri="{AF507438-7753-43E0-B8FC-AC1667EBCBE1}">
-              <a14:hiddenEffects xmlns:a14="http://schemas.microsoft.com/office/drawing/2010/main">
-                <a:effectLst>
-                  <a:outerShdw dist="35921" dir="2700000" algn="ctr" rotWithShape="0">
-                    <a:schemeClr val="bg2"/>
-                  </a:outerShdw>
-                </a:effectLst>
-              </a14:hiddenEffects>
-            </a:ext>
-          </a:extLst>
-        </p:spPr>
-      </p:cxnSp>
       <p:sp>
         <p:nvSpPr>
           <p:cNvPr id="144" name="文字方塊 143">
@@ -9411,7 +9108,7 @@
         </p:nvSpPr>
         <p:spPr>
           <a:xfrm>
-            <a:off x="15468469" y="17118261"/>
+            <a:off x="13503841" y="16901046"/>
             <a:ext cx="2125903" cy="507831"/>
           </a:xfrm>
           <a:prstGeom prst="rect">
@@ -9433,57 +9130,6 @@
           </a:p>
         </p:txBody>
       </p:sp>
-      <p:cxnSp>
-        <p:nvCxnSpPr>
-          <p:cNvPr id="145" name="接點: 肘形 144">
-            <a:extLst>
-              <a:ext uri="{FF2B5EF4-FFF2-40B4-BE49-F238E27FC236}">
-                <a16:creationId xmlns:a16="http://schemas.microsoft.com/office/drawing/2014/main" id="{F35C679C-09C5-4DAA-80A2-39F75DB7D85D}"/>
-              </a:ext>
-            </a:extLst>
-          </p:cNvPr>
-          <p:cNvCxnSpPr>
-            <a:cxnSpLocks/>
-            <a:endCxn id="146" idx="1"/>
-          </p:cNvCxnSpPr>
-          <p:nvPr/>
-        </p:nvCxnSpPr>
-        <p:spPr bwMode="auto">
-          <a:xfrm>
-            <a:off x="18397193" y="17355459"/>
-            <a:ext cx="495061" cy="906"/>
-          </a:xfrm>
-          <a:prstGeom prst="bentConnector3">
-            <a:avLst>
-              <a:gd name="adj1" fmla="val 50000"/>
-            </a:avLst>
-          </a:prstGeom>
-          <a:solidFill>
-            <a:schemeClr val="accent1"/>
-          </a:solidFill>
-          <a:ln w="31750" cap="flat" cmpd="sng" algn="ctr">
-            <a:solidFill>
-              <a:schemeClr val="tx1"/>
-            </a:solidFill>
-            <a:prstDash val="solid"/>
-            <a:round/>
-            <a:headEnd type="none" w="med" len="med"/>
-            <a:tailEnd type="triangle"/>
-          </a:ln>
-          <a:effectLst/>
-          <a:extLst>
-            <a:ext uri="{AF507438-7753-43E0-B8FC-AC1667EBCBE1}">
-              <a14:hiddenEffects xmlns:a14="http://schemas.microsoft.com/office/drawing/2010/main">
-                <a:effectLst>
-                  <a:outerShdw dist="35921" dir="2700000" algn="ctr" rotWithShape="0">
-                    <a:schemeClr val="bg2"/>
-                  </a:outerShdw>
-                </a:effectLst>
-              </a14:hiddenEffects>
-            </a:ext>
-          </a:extLst>
-        </p:spPr>
-      </p:cxnSp>
       <p:sp>
         <p:nvSpPr>
           <p:cNvPr id="146" name="文字方塊 145">
@@ -9498,8 +9144,8 @@
         </p:nvSpPr>
         <p:spPr>
           <a:xfrm>
-            <a:off x="18892254" y="17094755"/>
-            <a:ext cx="1156086" cy="523220"/>
+            <a:off x="13480310" y="17848740"/>
+            <a:ext cx="1327831" cy="523220"/>
           </a:xfrm>
           <a:prstGeom prst="rect">
             <a:avLst/>
@@ -9507,7 +9153,7 @@
           <a:noFill/>
         </p:spPr>
         <p:txBody>
-          <a:bodyPr wrap="none" rtlCol="0">
+          <a:bodyPr wrap="square" rtlCol="0">
             <a:spAutoFit/>
           </a:bodyPr>
           <a:lstStyle/>
@@ -9520,290 +9166,750 @@
           </a:p>
         </p:txBody>
       </p:sp>
-      <p:graphicFrame>
-        <p:nvGraphicFramePr>
-          <p:cNvPr id="44" name="表格 43">
+      <p:sp>
+        <p:nvSpPr>
+          <p:cNvPr id="18" name="矩形: 圓角 17">
             <a:extLst>
               <a:ext uri="{FF2B5EF4-FFF2-40B4-BE49-F238E27FC236}">
-                <a16:creationId xmlns:a16="http://schemas.microsoft.com/office/drawing/2014/main" id="{44F6DFD3-FD74-4731-86CB-74FEAB8157AE}"/>
+                <a16:creationId xmlns:a16="http://schemas.microsoft.com/office/drawing/2014/main" id="{1947E3AD-A416-4A29-93D3-166350A8AE3D}"/>
               </a:ext>
             </a:extLst>
           </p:cNvPr>
-          <p:cNvGraphicFramePr>
-            <a:graphicFrameLocks noGrp="1"/>
-          </p:cNvGraphicFramePr>
-          <p:nvPr>
-            <p:extLst>
-              <p:ext uri="{D42A27DB-BD31-4B8C-83A1-F6EECF244321}">
-                <p14:modId xmlns:p14="http://schemas.microsoft.com/office/powerpoint/2010/main" val="2884225041"/>
-              </p:ext>
-            </p:extLst>
-          </p:nvPr>
-        </p:nvGraphicFramePr>
-        <p:xfrm>
-          <a:off x="12045657" y="19258559"/>
-          <a:ext cx="7818693" cy="935904"/>
-        </p:xfrm>
-        <a:graphic>
-          <a:graphicData uri="http://schemas.openxmlformats.org/drawingml/2006/table">
-            <a:tbl>
-              <a:tblPr firstRow="1" firstCol="1" bandRow="1">
-                <a:tableStyleId>{5C22544A-7EE6-4342-B048-85BDC9FD1C3A}</a:tableStyleId>
-              </a:tblPr>
-              <a:tblGrid>
-                <a:gridCol w="2063875">
-                  <a:extLst>
-                    <a:ext uri="{9D8B030D-6E8A-4147-A177-3AD203B41FA5}">
-                      <a16:colId xmlns:a16="http://schemas.microsoft.com/office/drawing/2014/main" val="1064419066"/>
-                    </a:ext>
-                  </a:extLst>
-                </a:gridCol>
-                <a:gridCol w="1610832">
-                  <a:extLst>
-                    <a:ext uri="{9D8B030D-6E8A-4147-A177-3AD203B41FA5}">
-                      <a16:colId xmlns:a16="http://schemas.microsoft.com/office/drawing/2014/main" val="1462232594"/>
-                    </a:ext>
-                  </a:extLst>
-                </a:gridCol>
-                <a:gridCol w="2071993">
-                  <a:extLst>
-                    <a:ext uri="{9D8B030D-6E8A-4147-A177-3AD203B41FA5}">
-                      <a16:colId xmlns:a16="http://schemas.microsoft.com/office/drawing/2014/main" val="699180119"/>
-                    </a:ext>
-                  </a:extLst>
-                </a:gridCol>
-                <a:gridCol w="2071993">
-                  <a:extLst>
-                    <a:ext uri="{9D8B030D-6E8A-4147-A177-3AD203B41FA5}">
-                      <a16:colId xmlns:a16="http://schemas.microsoft.com/office/drawing/2014/main" val="415178359"/>
-                    </a:ext>
-                  </a:extLst>
-                </a:gridCol>
-              </a:tblGrid>
-              <a:tr h="578661">
-                <a:tc>
-                  <a:txBody>
-                    <a:bodyPr/>
-                    <a:lstStyle/>
-                    <a:p>
-                      <a:pPr algn="ctr" hangingPunct="0">
-                        <a:spcAft>
-                          <a:spcPts val="0"/>
-                        </a:spcAft>
-                      </a:pPr>
-                      <a:r>
-                        <a:rPr lang="zh-TW" sz="2200" dirty="0">
-                          <a:effectLst/>
-                          <a:latin typeface="微軟正黑體" panose="020B0604030504040204" pitchFamily="34" charset="-120"/>
-                          <a:ea typeface="微軟正黑體" panose="020B0604030504040204" pitchFamily="34" charset="-120"/>
-                        </a:rPr>
-                        <a:t>分類模型</a:t>
-                      </a:r>
-                    </a:p>
-                  </a:txBody>
-                  <a:tcPr marL="68580" marR="68580" marT="0" marB="0" anchor="ctr"/>
-                </a:tc>
-                <a:tc>
-                  <a:txBody>
-                    <a:bodyPr/>
-                    <a:lstStyle/>
-                    <a:p>
-                      <a:pPr algn="ctr" hangingPunct="0">
-                        <a:spcAft>
-                          <a:spcPts val="0"/>
-                        </a:spcAft>
-                      </a:pPr>
-                      <a:r>
-                        <a:rPr lang="en-US" sz="2200" dirty="0">
-                          <a:effectLst/>
-                          <a:latin typeface="微軟正黑體" panose="020B0604030504040204" pitchFamily="34" charset="-120"/>
-                          <a:ea typeface="微軟正黑體" panose="020B0604030504040204" pitchFamily="34" charset="-120"/>
-                        </a:rPr>
-                        <a:t>Precision</a:t>
-                      </a:r>
-                      <a:endParaRPr lang="zh-TW" sz="2200" dirty="0">
-                        <a:effectLst/>
-                        <a:latin typeface="微軟正黑體" panose="020B0604030504040204" pitchFamily="34" charset="-120"/>
-                        <a:ea typeface="微軟正黑體" panose="020B0604030504040204" pitchFamily="34" charset="-120"/>
-                      </a:endParaRPr>
-                    </a:p>
-                  </a:txBody>
-                  <a:tcPr marL="68580" marR="68580" marT="0" marB="0" anchor="ctr"/>
-                </a:tc>
-                <a:tc>
-                  <a:txBody>
-                    <a:bodyPr/>
-                    <a:lstStyle/>
-                    <a:p>
-                      <a:pPr algn="ctr" hangingPunct="0">
-                        <a:spcAft>
-                          <a:spcPts val="0"/>
-                        </a:spcAft>
-                      </a:pPr>
-                      <a:r>
-                        <a:rPr lang="en-US" sz="2200" dirty="0">
-                          <a:effectLst/>
-                          <a:latin typeface="微軟正黑體" panose="020B0604030504040204" pitchFamily="34" charset="-120"/>
-                          <a:ea typeface="微軟正黑體" panose="020B0604030504040204" pitchFamily="34" charset="-120"/>
-                        </a:rPr>
-                        <a:t>Recall</a:t>
-                      </a:r>
-                      <a:endParaRPr lang="zh-TW" sz="2200" dirty="0">
-                        <a:effectLst/>
-                        <a:latin typeface="微軟正黑體" panose="020B0604030504040204" pitchFamily="34" charset="-120"/>
-                        <a:ea typeface="微軟正黑體" panose="020B0604030504040204" pitchFamily="34" charset="-120"/>
-                      </a:endParaRPr>
-                    </a:p>
-                  </a:txBody>
-                  <a:tcPr marL="68580" marR="68580" marT="0" marB="0" anchor="ctr"/>
-                </a:tc>
-                <a:tc>
-                  <a:txBody>
-                    <a:bodyPr/>
-                    <a:lstStyle/>
-                    <a:p>
-                      <a:pPr algn="ctr" hangingPunct="0">
-                        <a:spcAft>
-                          <a:spcPts val="0"/>
-                        </a:spcAft>
-                      </a:pPr>
-                      <a:r>
-                        <a:rPr lang="en-US" sz="2200" dirty="0">
-                          <a:effectLst/>
-                          <a:latin typeface="微軟正黑體" panose="020B0604030504040204" pitchFamily="34" charset="-120"/>
-                          <a:ea typeface="微軟正黑體" panose="020B0604030504040204" pitchFamily="34" charset="-120"/>
-                        </a:rPr>
-                        <a:t>F-Measure</a:t>
-                      </a:r>
-                      <a:endParaRPr lang="zh-TW" sz="2200" dirty="0">
-                        <a:effectLst/>
-                        <a:latin typeface="微軟正黑體" panose="020B0604030504040204" pitchFamily="34" charset="-120"/>
-                        <a:ea typeface="微軟正黑體" panose="020B0604030504040204" pitchFamily="34" charset="-120"/>
-                      </a:endParaRPr>
-                    </a:p>
-                  </a:txBody>
-                  <a:tcPr marL="68580" marR="68580" marT="0" marB="0" anchor="ctr"/>
-                </a:tc>
-                <a:extLst>
-                  <a:ext uri="{0D108BD9-81ED-4DB2-BD59-A6C34878D82A}">
-                    <a16:rowId xmlns:a16="http://schemas.microsoft.com/office/drawing/2014/main" val="3640874137"/>
-                  </a:ext>
-                </a:extLst>
-              </a:tr>
-              <a:tr h="357243">
-                <a:tc>
-                  <a:txBody>
-                    <a:bodyPr/>
-                    <a:lstStyle/>
-                    <a:p>
-                      <a:pPr algn="ctr" hangingPunct="0">
-                        <a:spcAft>
-                          <a:spcPts val="0"/>
-                        </a:spcAft>
-                      </a:pPr>
-                      <a:r>
-                        <a:rPr lang="zh-TW" sz="2200" dirty="0">
-                          <a:effectLst/>
-                          <a:latin typeface="微軟正黑體" panose="020B0604030504040204" pitchFamily="34" charset="-120"/>
-                          <a:ea typeface="微軟正黑體" panose="020B0604030504040204" pitchFamily="34" charset="-120"/>
-                        </a:rPr>
-                        <a:t>支持向量機</a:t>
-                      </a:r>
-                    </a:p>
-                  </a:txBody>
-                  <a:tcPr marL="68580" marR="68580" marT="0" marB="0"/>
-                </a:tc>
-                <a:tc>
-                  <a:txBody>
-                    <a:bodyPr/>
-                    <a:lstStyle/>
-                    <a:p>
-                      <a:pPr algn="ctr" hangingPunct="0">
-                        <a:spcAft>
-                          <a:spcPts val="0"/>
-                        </a:spcAft>
-                      </a:pPr>
-                      <a:r>
-                        <a:rPr lang="en-US" sz="2200" dirty="0">
-                          <a:effectLst/>
-                          <a:latin typeface="微軟正黑體" panose="020B0604030504040204" pitchFamily="34" charset="-120"/>
-                          <a:ea typeface="微軟正黑體" panose="020B0604030504040204" pitchFamily="34" charset="-120"/>
-                        </a:rPr>
-                        <a:t>1.0</a:t>
-                      </a:r>
-                      <a:endParaRPr lang="zh-TW" sz="2200" dirty="0">
-                        <a:effectLst/>
-                        <a:latin typeface="微軟正黑體" panose="020B0604030504040204" pitchFamily="34" charset="-120"/>
-                        <a:ea typeface="微軟正黑體" panose="020B0604030504040204" pitchFamily="34" charset="-120"/>
-                      </a:endParaRPr>
-                    </a:p>
-                  </a:txBody>
-                  <a:tcPr marL="68580" marR="68580" marT="0" marB="0"/>
-                </a:tc>
-                <a:tc>
-                  <a:txBody>
-                    <a:bodyPr/>
-                    <a:lstStyle/>
-                    <a:p>
-                      <a:pPr algn="ctr" hangingPunct="0">
-                        <a:spcAft>
-                          <a:spcPts val="0"/>
-                        </a:spcAft>
-                      </a:pPr>
-                      <a:r>
-                        <a:rPr lang="en-US" sz="2200" dirty="0">
-                          <a:effectLst/>
-                          <a:latin typeface="微軟正黑體" panose="020B0604030504040204" pitchFamily="34" charset="-120"/>
-                          <a:ea typeface="微軟正黑體" panose="020B0604030504040204" pitchFamily="34" charset="-120"/>
-                        </a:rPr>
-                        <a:t>0.9285</a:t>
-                      </a:r>
-                      <a:endParaRPr lang="zh-TW" sz="2200" dirty="0">
-                        <a:effectLst/>
-                        <a:latin typeface="微軟正黑體" panose="020B0604030504040204" pitchFamily="34" charset="-120"/>
-                        <a:ea typeface="微軟正黑體" panose="020B0604030504040204" pitchFamily="34" charset="-120"/>
-                      </a:endParaRPr>
-                    </a:p>
-                  </a:txBody>
-                  <a:tcPr marL="68580" marR="68580" marT="0" marB="0"/>
-                </a:tc>
-                <a:tc>
-                  <a:txBody>
-                    <a:bodyPr/>
-                    <a:lstStyle/>
-                    <a:p>
-                      <a:pPr algn="ctr" hangingPunct="0">
-                        <a:spcAft>
-                          <a:spcPts val="0"/>
-                        </a:spcAft>
-                      </a:pPr>
-                      <a:r>
-                        <a:rPr lang="en-US" sz="2200" dirty="0">
-                          <a:effectLst/>
-                          <a:latin typeface="微軟正黑體" panose="020B0604030504040204" pitchFamily="34" charset="-120"/>
-                          <a:ea typeface="微軟正黑體" panose="020B0604030504040204" pitchFamily="34" charset="-120"/>
-                        </a:rPr>
-                        <a:t>0.9629</a:t>
-                      </a:r>
-                      <a:endParaRPr lang="zh-TW" sz="2200" dirty="0">
-                        <a:effectLst/>
-                        <a:latin typeface="微軟正黑體" panose="020B0604030504040204" pitchFamily="34" charset="-120"/>
-                        <a:ea typeface="微軟正黑體" panose="020B0604030504040204" pitchFamily="34" charset="-120"/>
-                      </a:endParaRPr>
-                    </a:p>
-                  </a:txBody>
-                  <a:tcPr marL="68580" marR="68580" marT="0" marB="0"/>
-                </a:tc>
-                <a:extLst>
-                  <a:ext uri="{0D108BD9-81ED-4DB2-BD59-A6C34878D82A}">
-                    <a16:rowId xmlns:a16="http://schemas.microsoft.com/office/drawing/2014/main" val="2742996284"/>
-                  </a:ext>
-                </a:extLst>
-              </a:tr>
-            </a:tbl>
-          </a:graphicData>
-        </a:graphic>
-      </p:graphicFrame>
+          <p:cNvSpPr/>
+          <p:nvPr/>
+        </p:nvSpPr>
+        <p:spPr>
+          <a:xfrm>
+            <a:off x="16261465" y="16532963"/>
+            <a:ext cx="1225510" cy="1289446"/>
+          </a:xfrm>
+          <a:prstGeom prst="roundRect">
+            <a:avLst/>
+          </a:prstGeom>
+        </p:spPr>
+        <p:style>
+          <a:lnRef idx="2">
+            <a:schemeClr val="accent1">
+              <a:shade val="50000"/>
+            </a:schemeClr>
+          </a:lnRef>
+          <a:fillRef idx="1">
+            <a:schemeClr val="accent1"/>
+          </a:fillRef>
+          <a:effectRef idx="0">
+            <a:schemeClr val="accent1"/>
+          </a:effectRef>
+          <a:fontRef idx="minor">
+            <a:schemeClr val="lt1"/>
+          </a:fontRef>
+        </p:style>
+        <p:txBody>
+          <a:bodyPr rtlCol="0" anchor="ctr"/>
+          <a:lstStyle/>
+          <a:p>
+            <a:pPr algn="ctr"/>
+            <a:r>
+              <a:rPr lang="en-US" altLang="zh-TW" dirty="0"/>
+              <a:t>SVM</a:t>
+            </a:r>
+            <a:endParaRPr lang="zh-TW" altLang="en-US" dirty="0"/>
+          </a:p>
+        </p:txBody>
+      </p:sp>
+      <p:sp>
+        <p:nvSpPr>
+          <p:cNvPr id="23" name="文字方塊 22">
+            <a:extLst>
+              <a:ext uri="{FF2B5EF4-FFF2-40B4-BE49-F238E27FC236}">
+                <a16:creationId xmlns:a16="http://schemas.microsoft.com/office/drawing/2014/main" id="{4BC8D6BA-8592-43D4-953F-F3181A15A635}"/>
+              </a:ext>
+            </a:extLst>
+          </p:cNvPr>
+          <p:cNvSpPr txBox="1"/>
+          <p:nvPr/>
+        </p:nvSpPr>
+        <p:spPr>
+          <a:xfrm>
+            <a:off x="18415042" y="16344163"/>
+            <a:ext cx="2007806" cy="369332"/>
+          </a:xfrm>
+          <a:prstGeom prst="rect">
+            <a:avLst/>
+          </a:prstGeom>
+          <a:noFill/>
+        </p:spPr>
+        <p:txBody>
+          <a:bodyPr wrap="square" rtlCol="0">
+            <a:spAutoFit/>
+          </a:bodyPr>
+          <a:lstStyle/>
+          <a:p>
+            <a:r>
+              <a:rPr lang="en-US" altLang="zh-TW" b="1" dirty="0">
+                <a:latin typeface="微軟正黑體" panose="020B0604030504040204" pitchFamily="34" charset="-120"/>
+                <a:ea typeface="微軟正黑體" panose="020B0604030504040204" pitchFamily="34" charset="-120"/>
+              </a:rPr>
+              <a:t>True</a:t>
+            </a:r>
+            <a:r>
+              <a:rPr lang="zh-TW" altLang="en-US" b="1" dirty="0">
+                <a:latin typeface="微軟正黑體" panose="020B0604030504040204" pitchFamily="34" charset="-120"/>
+                <a:ea typeface="微軟正黑體" panose="020B0604030504040204" pitchFamily="34" charset="-120"/>
+              </a:rPr>
+              <a:t> </a:t>
+            </a:r>
+            <a:r>
+              <a:rPr lang="en-US" altLang="zh-TW" b="1" dirty="0">
+                <a:latin typeface="微軟正黑體" panose="020B0604030504040204" pitchFamily="34" charset="-120"/>
+                <a:ea typeface="微軟正黑體" panose="020B0604030504040204" pitchFamily="34" charset="-120"/>
+              </a:rPr>
+              <a:t>=</a:t>
+            </a:r>
+            <a:r>
+              <a:rPr lang="zh-TW" altLang="en-US" b="1" dirty="0">
+                <a:latin typeface="微軟正黑體" panose="020B0604030504040204" pitchFamily="34" charset="-120"/>
+                <a:ea typeface="微軟正黑體" panose="020B0604030504040204" pitchFamily="34" charset="-120"/>
+              </a:rPr>
+              <a:t> 數值異常</a:t>
+            </a:r>
+          </a:p>
+        </p:txBody>
+      </p:sp>
+      <p:sp>
+        <p:nvSpPr>
+          <p:cNvPr id="149" name="文字方塊 148">
+            <a:extLst>
+              <a:ext uri="{FF2B5EF4-FFF2-40B4-BE49-F238E27FC236}">
+                <a16:creationId xmlns:a16="http://schemas.microsoft.com/office/drawing/2014/main" id="{6B9FDF4C-D7C9-4428-ABC8-CC727B79EEA0}"/>
+              </a:ext>
+            </a:extLst>
+          </p:cNvPr>
+          <p:cNvSpPr txBox="1"/>
+          <p:nvPr/>
+        </p:nvSpPr>
+        <p:spPr>
+          <a:xfrm>
+            <a:off x="18429766" y="17517727"/>
+            <a:ext cx="2033062" cy="369332"/>
+          </a:xfrm>
+          <a:prstGeom prst="rect">
+            <a:avLst/>
+          </a:prstGeom>
+          <a:noFill/>
+        </p:spPr>
+        <p:txBody>
+          <a:bodyPr wrap="square" rtlCol="0">
+            <a:spAutoFit/>
+          </a:bodyPr>
+          <a:lstStyle/>
+          <a:p>
+            <a:r>
+              <a:rPr lang="en-US" altLang="zh-TW" b="1" dirty="0">
+                <a:latin typeface="微軟正黑體" panose="020B0604030504040204" pitchFamily="34" charset="-120"/>
+                <a:ea typeface="微軟正黑體" panose="020B0604030504040204" pitchFamily="34" charset="-120"/>
+              </a:rPr>
+              <a:t>False = </a:t>
+            </a:r>
+            <a:r>
+              <a:rPr lang="zh-TW" altLang="en-US" b="1" dirty="0">
+                <a:latin typeface="微軟正黑體" panose="020B0604030504040204" pitchFamily="34" charset="-120"/>
+                <a:ea typeface="微軟正黑體" panose="020B0604030504040204" pitchFamily="34" charset="-120"/>
+              </a:rPr>
+              <a:t>健康</a:t>
+            </a:r>
+          </a:p>
+        </p:txBody>
+      </p:sp>
+      <p:sp>
+        <p:nvSpPr>
+          <p:cNvPr id="151" name="文字方塊 150">
+            <a:extLst>
+              <a:ext uri="{FF2B5EF4-FFF2-40B4-BE49-F238E27FC236}">
+                <a16:creationId xmlns:a16="http://schemas.microsoft.com/office/drawing/2014/main" id="{BF376287-031E-4FC4-B61C-3839E2EE2E54}"/>
+              </a:ext>
+            </a:extLst>
+          </p:cNvPr>
+          <p:cNvSpPr txBox="1"/>
+          <p:nvPr/>
+        </p:nvSpPr>
+        <p:spPr>
+          <a:xfrm>
+            <a:off x="12014592" y="18922483"/>
+            <a:ext cx="7818691" cy="1107996"/>
+          </a:xfrm>
+          <a:prstGeom prst="rect">
+            <a:avLst/>
+          </a:prstGeom>
+          <a:noFill/>
+        </p:spPr>
+        <p:txBody>
+          <a:bodyPr wrap="square" rtlCol="0">
+            <a:spAutoFit/>
+          </a:bodyPr>
+          <a:lstStyle/>
+          <a:p>
+            <a:r>
+              <a:rPr lang="zh-TW" altLang="zh-TW" sz="2200" b="1" dirty="0">
+                <a:effectLst/>
+                <a:latin typeface="微軟正黑體" panose="020B0604030504040204" pitchFamily="34" charset="-120"/>
+                <a:ea typeface="微軟正黑體" panose="020B0604030504040204" pitchFamily="34" charset="-120"/>
+                <a:cs typeface="Times New Roman" panose="02020603050405020304" pitchFamily="18" charset="0"/>
+              </a:rPr>
+              <a:t>利用</a:t>
+            </a:r>
+            <a:r>
+              <a:rPr lang="zh-TW" altLang="en-US" sz="2200" b="1" dirty="0">
+                <a:effectLst/>
+                <a:latin typeface="微軟正黑體" panose="020B0604030504040204" pitchFamily="34" charset="-120"/>
+                <a:ea typeface="微軟正黑體" panose="020B0604030504040204" pitchFamily="34" charset="-120"/>
+                <a:cs typeface="Times New Roman" panose="02020603050405020304" pitchFamily="18" charset="0"/>
+              </a:rPr>
+              <a:t>上述數據，並以奇美醫院的數據做判斷標準，我們得知</a:t>
+            </a:r>
+            <a:r>
+              <a:rPr lang="zh-TW" altLang="zh-TW" sz="2200" b="1" dirty="0">
+                <a:effectLst/>
+                <a:latin typeface="微軟正黑體" panose="020B0604030504040204" pitchFamily="34" charset="-120"/>
+                <a:ea typeface="微軟正黑體" panose="020B0604030504040204" pitchFamily="34" charset="-120"/>
+                <a:cs typeface="Times New Roman" panose="02020603050405020304" pitchFamily="18" charset="0"/>
+              </a:rPr>
+              <a:t>精確度達到了</a:t>
+            </a:r>
+            <a:r>
+              <a:rPr lang="en-US" altLang="zh-TW" sz="2200" b="1" dirty="0">
+                <a:effectLst/>
+                <a:latin typeface="微軟正黑體" panose="020B0604030504040204" pitchFamily="34" charset="-120"/>
+                <a:ea typeface="微軟正黑體" panose="020B0604030504040204" pitchFamily="34" charset="-120"/>
+              </a:rPr>
+              <a:t>1.0</a:t>
+            </a:r>
+            <a:r>
+              <a:rPr lang="zh-TW" altLang="zh-TW" sz="2200" b="1" dirty="0">
+                <a:effectLst/>
+                <a:latin typeface="微軟正黑體" panose="020B0604030504040204" pitchFamily="34" charset="-120"/>
+                <a:ea typeface="微軟正黑體" panose="020B0604030504040204" pitchFamily="34" charset="-120"/>
+                <a:cs typeface="Times New Roman" panose="02020603050405020304" pitchFamily="18" charset="0"/>
+              </a:rPr>
+              <a:t>、召回度也在</a:t>
+            </a:r>
+            <a:r>
+              <a:rPr lang="en-US" altLang="zh-TW" sz="2200" b="1" dirty="0">
+                <a:effectLst/>
+                <a:latin typeface="微軟正黑體" panose="020B0604030504040204" pitchFamily="34" charset="-120"/>
+                <a:ea typeface="微軟正黑體" panose="020B0604030504040204" pitchFamily="34" charset="-120"/>
+              </a:rPr>
+              <a:t>0.9~1.0</a:t>
+            </a:r>
+            <a:r>
+              <a:rPr lang="zh-TW" altLang="zh-TW" sz="2200" b="1" dirty="0">
+                <a:effectLst/>
+                <a:latin typeface="微軟正黑體" panose="020B0604030504040204" pitchFamily="34" charset="-120"/>
+                <a:ea typeface="微軟正黑體" panose="020B0604030504040204" pitchFamily="34" charset="-120"/>
+                <a:cs typeface="Times New Roman" panose="02020603050405020304" pitchFamily="18" charset="0"/>
+              </a:rPr>
+              <a:t>區間內，對於已知樣本的評斷可以說是十分準確。</a:t>
+            </a:r>
+            <a:endParaRPr lang="zh-TW" altLang="en-US" sz="2200" b="1" dirty="0">
+              <a:latin typeface="微軟正黑體" panose="020B0604030504040204" pitchFamily="34" charset="-120"/>
+              <a:ea typeface="微軟正黑體" panose="020B0604030504040204" pitchFamily="34" charset="-120"/>
+            </a:endParaRPr>
+          </a:p>
+        </p:txBody>
+      </p:sp>
+      <p:sp>
+        <p:nvSpPr>
+          <p:cNvPr id="218" name="文字方塊 217">
+            <a:extLst>
+              <a:ext uri="{FF2B5EF4-FFF2-40B4-BE49-F238E27FC236}">
+                <a16:creationId xmlns:a16="http://schemas.microsoft.com/office/drawing/2014/main" id="{6A6B7F21-B3D5-40FF-B26C-2252632A54FA}"/>
+              </a:ext>
+            </a:extLst>
+          </p:cNvPr>
+          <p:cNvSpPr txBox="1"/>
+          <p:nvPr/>
+        </p:nvSpPr>
+        <p:spPr>
+          <a:xfrm>
+            <a:off x="12347436" y="16512221"/>
+            <a:ext cx="755982" cy="307777"/>
+          </a:xfrm>
+          <a:prstGeom prst="rect">
+            <a:avLst/>
+          </a:prstGeom>
+          <a:noFill/>
+        </p:spPr>
+        <p:txBody>
+          <a:bodyPr wrap="square" rtlCol="0">
+            <a:spAutoFit/>
+          </a:bodyPr>
+          <a:lstStyle/>
+          <a:p>
+            <a:r>
+              <a:rPr lang="zh-TW" altLang="en-US" sz="1400" b="1" dirty="0">
+                <a:latin typeface="微軟正黑體" panose="020B0604030504040204" pitchFamily="34" charset="-120"/>
+                <a:ea typeface="微軟正黑體" panose="020B0604030504040204" pitchFamily="34" charset="-120"/>
+              </a:rPr>
+              <a:t>體溫</a:t>
+            </a:r>
+            <a:endParaRPr lang="en-US" altLang="zh-TW" sz="1400" b="1" dirty="0">
+              <a:latin typeface="微軟正黑體" panose="020B0604030504040204" pitchFamily="34" charset="-120"/>
+              <a:ea typeface="微軟正黑體" panose="020B0604030504040204" pitchFamily="34" charset="-120"/>
+            </a:endParaRPr>
+          </a:p>
+        </p:txBody>
+      </p:sp>
+      <p:sp>
+        <p:nvSpPr>
+          <p:cNvPr id="219" name="文字方塊 218">
+            <a:extLst>
+              <a:ext uri="{FF2B5EF4-FFF2-40B4-BE49-F238E27FC236}">
+                <a16:creationId xmlns:a16="http://schemas.microsoft.com/office/drawing/2014/main" id="{2AF9BDA8-0A31-45F8-90B6-885CCD26548C}"/>
+              </a:ext>
+            </a:extLst>
+          </p:cNvPr>
+          <p:cNvSpPr txBox="1"/>
+          <p:nvPr/>
+        </p:nvSpPr>
+        <p:spPr>
+          <a:xfrm>
+            <a:off x="12347436" y="17425704"/>
+            <a:ext cx="755982" cy="307777"/>
+          </a:xfrm>
+          <a:prstGeom prst="rect">
+            <a:avLst/>
+          </a:prstGeom>
+          <a:noFill/>
+        </p:spPr>
+        <p:txBody>
+          <a:bodyPr wrap="square" rtlCol="0">
+            <a:spAutoFit/>
+          </a:bodyPr>
+          <a:lstStyle/>
+          <a:p>
+            <a:r>
+              <a:rPr lang="zh-TW" altLang="en-US" sz="1400" b="1" dirty="0">
+                <a:latin typeface="微軟正黑體" panose="020B0604030504040204" pitchFamily="34" charset="-120"/>
+                <a:ea typeface="微軟正黑體" panose="020B0604030504040204" pitchFamily="34" charset="-120"/>
+              </a:rPr>
+              <a:t>血壓</a:t>
+            </a:r>
+            <a:endParaRPr lang="en-US" altLang="zh-TW" sz="1400" b="1" dirty="0">
+              <a:latin typeface="微軟正黑體" panose="020B0604030504040204" pitchFamily="34" charset="-120"/>
+              <a:ea typeface="微軟正黑體" panose="020B0604030504040204" pitchFamily="34" charset="-120"/>
+            </a:endParaRPr>
+          </a:p>
+        </p:txBody>
+      </p:sp>
+      <p:sp>
+        <p:nvSpPr>
+          <p:cNvPr id="220" name="文字方塊 219">
+            <a:extLst>
+              <a:ext uri="{FF2B5EF4-FFF2-40B4-BE49-F238E27FC236}">
+                <a16:creationId xmlns:a16="http://schemas.microsoft.com/office/drawing/2014/main" id="{9C93DA77-54EE-4F94-BC2B-8E5739C809D7}"/>
+              </a:ext>
+            </a:extLst>
+          </p:cNvPr>
+          <p:cNvSpPr txBox="1"/>
+          <p:nvPr/>
+        </p:nvSpPr>
+        <p:spPr>
+          <a:xfrm>
+            <a:off x="12335823" y="18366629"/>
+            <a:ext cx="755982" cy="307777"/>
+          </a:xfrm>
+          <a:prstGeom prst="rect">
+            <a:avLst/>
+          </a:prstGeom>
+          <a:noFill/>
+        </p:spPr>
+        <p:txBody>
+          <a:bodyPr wrap="square" rtlCol="0">
+            <a:spAutoFit/>
+          </a:bodyPr>
+          <a:lstStyle/>
+          <a:p>
+            <a:r>
+              <a:rPr lang="zh-TW" altLang="en-US" sz="1400" b="1" dirty="0">
+                <a:latin typeface="微軟正黑體" panose="020B0604030504040204" pitchFamily="34" charset="-120"/>
+                <a:ea typeface="微軟正黑體" panose="020B0604030504040204" pitchFamily="34" charset="-120"/>
+              </a:rPr>
+              <a:t>體重</a:t>
+            </a:r>
+            <a:endParaRPr lang="en-US" altLang="zh-TW" sz="1400" b="1" dirty="0">
+              <a:latin typeface="微軟正黑體" panose="020B0604030504040204" pitchFamily="34" charset="-120"/>
+              <a:ea typeface="微軟正黑體" panose="020B0604030504040204" pitchFamily="34" charset="-120"/>
+            </a:endParaRPr>
+          </a:p>
+        </p:txBody>
+      </p:sp>
+      <p:sp>
+        <p:nvSpPr>
+          <p:cNvPr id="3254" name="箭號: 向下 3253">
+            <a:extLst>
+              <a:ext uri="{FF2B5EF4-FFF2-40B4-BE49-F238E27FC236}">
+                <a16:creationId xmlns:a16="http://schemas.microsoft.com/office/drawing/2014/main" id="{A8D64FC9-B487-42BC-BC52-620DD863B6CA}"/>
+              </a:ext>
+            </a:extLst>
+          </p:cNvPr>
+          <p:cNvSpPr/>
+          <p:nvPr/>
+        </p:nvSpPr>
+        <p:spPr>
+          <a:xfrm rot="17789127">
+            <a:off x="15386166" y="16002431"/>
+            <a:ext cx="269540" cy="1274064"/>
+          </a:xfrm>
+          <a:prstGeom prst="downArrow">
+            <a:avLst/>
+          </a:prstGeom>
+        </p:spPr>
+        <p:style>
+          <a:lnRef idx="2">
+            <a:schemeClr val="accent1">
+              <a:shade val="50000"/>
+            </a:schemeClr>
+          </a:lnRef>
+          <a:fillRef idx="1">
+            <a:schemeClr val="accent1"/>
+          </a:fillRef>
+          <a:effectRef idx="0">
+            <a:schemeClr val="accent1"/>
+          </a:effectRef>
+          <a:fontRef idx="minor">
+            <a:schemeClr val="lt1"/>
+          </a:fontRef>
+        </p:style>
+        <p:txBody>
+          <a:bodyPr rtlCol="0" anchor="ctr"/>
+          <a:lstStyle/>
+          <a:p>
+            <a:pPr algn="ctr"/>
+            <a:endParaRPr lang="zh-TW" altLang="en-US"/>
+          </a:p>
+        </p:txBody>
+      </p:sp>
+      <p:sp>
+        <p:nvSpPr>
+          <p:cNvPr id="222" name="箭號: 向下 221">
+            <a:extLst>
+              <a:ext uri="{FF2B5EF4-FFF2-40B4-BE49-F238E27FC236}">
+                <a16:creationId xmlns:a16="http://schemas.microsoft.com/office/drawing/2014/main" id="{CA5731E0-12E5-473E-BB52-CA12B424D851}"/>
+              </a:ext>
+            </a:extLst>
+          </p:cNvPr>
+          <p:cNvSpPr/>
+          <p:nvPr/>
+        </p:nvSpPr>
+        <p:spPr>
+          <a:xfrm rot="13995682">
+            <a:off x="15411998" y="17142573"/>
+            <a:ext cx="269540" cy="1307334"/>
+          </a:xfrm>
+          <a:prstGeom prst="downArrow">
+            <a:avLst/>
+          </a:prstGeom>
+        </p:spPr>
+        <p:style>
+          <a:lnRef idx="2">
+            <a:schemeClr val="accent1">
+              <a:shade val="50000"/>
+            </a:schemeClr>
+          </a:lnRef>
+          <a:fillRef idx="1">
+            <a:schemeClr val="accent1"/>
+          </a:fillRef>
+          <a:effectRef idx="0">
+            <a:schemeClr val="accent1"/>
+          </a:effectRef>
+          <a:fontRef idx="minor">
+            <a:schemeClr val="lt1"/>
+          </a:fontRef>
+        </p:style>
+        <p:txBody>
+          <a:bodyPr rtlCol="0" anchor="ctr"/>
+          <a:lstStyle/>
+          <a:p>
+            <a:pPr algn="ctr"/>
+            <a:endParaRPr lang="zh-TW" altLang="en-US"/>
+          </a:p>
+        </p:txBody>
+      </p:sp>
+      <p:sp>
+        <p:nvSpPr>
+          <p:cNvPr id="223" name="箭號: 向下 222">
+            <a:extLst>
+              <a:ext uri="{FF2B5EF4-FFF2-40B4-BE49-F238E27FC236}">
+                <a16:creationId xmlns:a16="http://schemas.microsoft.com/office/drawing/2014/main" id="{8B9DCCE7-6CE0-47A4-9187-2FD5007C8927}"/>
+              </a:ext>
+            </a:extLst>
+          </p:cNvPr>
+          <p:cNvSpPr/>
+          <p:nvPr/>
+        </p:nvSpPr>
+        <p:spPr>
+          <a:xfrm rot="16200000">
+            <a:off x="15684283" y="16944327"/>
+            <a:ext cx="324704" cy="467260"/>
+          </a:xfrm>
+          <a:prstGeom prst="downArrow">
+            <a:avLst/>
+          </a:prstGeom>
+        </p:spPr>
+        <p:style>
+          <a:lnRef idx="2">
+            <a:schemeClr val="accent1">
+              <a:shade val="50000"/>
+            </a:schemeClr>
+          </a:lnRef>
+          <a:fillRef idx="1">
+            <a:schemeClr val="accent1"/>
+          </a:fillRef>
+          <a:effectRef idx="0">
+            <a:schemeClr val="accent1"/>
+          </a:effectRef>
+          <a:fontRef idx="minor">
+            <a:schemeClr val="lt1"/>
+          </a:fontRef>
+        </p:style>
+        <p:txBody>
+          <a:bodyPr rtlCol="0" anchor="ctr"/>
+          <a:lstStyle/>
+          <a:p>
+            <a:pPr algn="ctr"/>
+            <a:endParaRPr lang="zh-TW" altLang="en-US"/>
+          </a:p>
+        </p:txBody>
+      </p:sp>
+      <p:sp>
+        <p:nvSpPr>
+          <p:cNvPr id="224" name="箭號: 向下 223">
+            <a:extLst>
+              <a:ext uri="{FF2B5EF4-FFF2-40B4-BE49-F238E27FC236}">
+                <a16:creationId xmlns:a16="http://schemas.microsoft.com/office/drawing/2014/main" id="{7FB570BD-7C34-4BF2-BBE4-22A279D2249C}"/>
+              </a:ext>
+            </a:extLst>
+          </p:cNvPr>
+          <p:cNvSpPr/>
+          <p:nvPr/>
+        </p:nvSpPr>
+        <p:spPr>
+          <a:xfrm rot="16200000">
+            <a:off x="13077938" y="16000949"/>
+            <a:ext cx="298903" cy="593303"/>
+          </a:xfrm>
+          <a:prstGeom prst="downArrow">
+            <a:avLst/>
+          </a:prstGeom>
+        </p:spPr>
+        <p:style>
+          <a:lnRef idx="2">
+            <a:schemeClr val="accent1">
+              <a:shade val="50000"/>
+            </a:schemeClr>
+          </a:lnRef>
+          <a:fillRef idx="1">
+            <a:schemeClr val="accent1"/>
+          </a:fillRef>
+          <a:effectRef idx="0">
+            <a:schemeClr val="accent1"/>
+          </a:effectRef>
+          <a:fontRef idx="minor">
+            <a:schemeClr val="lt1"/>
+          </a:fontRef>
+        </p:style>
+        <p:txBody>
+          <a:bodyPr rtlCol="0" anchor="ctr"/>
+          <a:lstStyle/>
+          <a:p>
+            <a:pPr algn="ctr"/>
+            <a:endParaRPr lang="zh-TW" altLang="en-US"/>
+          </a:p>
+        </p:txBody>
+      </p:sp>
+      <p:sp>
+        <p:nvSpPr>
+          <p:cNvPr id="225" name="箭號: 向下 224">
+            <a:extLst>
+              <a:ext uri="{FF2B5EF4-FFF2-40B4-BE49-F238E27FC236}">
+                <a16:creationId xmlns:a16="http://schemas.microsoft.com/office/drawing/2014/main" id="{8207DCC5-C961-46AA-8BA3-8114F61447AC}"/>
+              </a:ext>
+            </a:extLst>
+          </p:cNvPr>
+          <p:cNvSpPr/>
+          <p:nvPr/>
+        </p:nvSpPr>
+        <p:spPr>
+          <a:xfrm rot="16200000">
+            <a:off x="13078849" y="16850375"/>
+            <a:ext cx="298903" cy="593303"/>
+          </a:xfrm>
+          <a:prstGeom prst="downArrow">
+            <a:avLst/>
+          </a:prstGeom>
+        </p:spPr>
+        <p:style>
+          <a:lnRef idx="2">
+            <a:schemeClr val="accent1">
+              <a:shade val="50000"/>
+            </a:schemeClr>
+          </a:lnRef>
+          <a:fillRef idx="1">
+            <a:schemeClr val="accent1"/>
+          </a:fillRef>
+          <a:effectRef idx="0">
+            <a:schemeClr val="accent1"/>
+          </a:effectRef>
+          <a:fontRef idx="minor">
+            <a:schemeClr val="lt1"/>
+          </a:fontRef>
+        </p:style>
+        <p:txBody>
+          <a:bodyPr rtlCol="0" anchor="ctr"/>
+          <a:lstStyle/>
+          <a:p>
+            <a:pPr algn="ctr"/>
+            <a:endParaRPr lang="zh-TW" altLang="en-US"/>
+          </a:p>
+        </p:txBody>
+      </p:sp>
+      <p:sp>
+        <p:nvSpPr>
+          <p:cNvPr id="226" name="箭號: 向下 225">
+            <a:extLst>
+              <a:ext uri="{FF2B5EF4-FFF2-40B4-BE49-F238E27FC236}">
+                <a16:creationId xmlns:a16="http://schemas.microsoft.com/office/drawing/2014/main" id="{A45AE7A4-E5BF-4E1D-B0B5-4B34903EC54A}"/>
+              </a:ext>
+            </a:extLst>
+          </p:cNvPr>
+          <p:cNvSpPr/>
+          <p:nvPr/>
+        </p:nvSpPr>
+        <p:spPr>
+          <a:xfrm rot="16200000">
+            <a:off x="13071683" y="17807911"/>
+            <a:ext cx="298903" cy="593303"/>
+          </a:xfrm>
+          <a:prstGeom prst="downArrow">
+            <a:avLst/>
+          </a:prstGeom>
+        </p:spPr>
+        <p:style>
+          <a:lnRef idx="2">
+            <a:schemeClr val="accent1">
+              <a:shade val="50000"/>
+            </a:schemeClr>
+          </a:lnRef>
+          <a:fillRef idx="1">
+            <a:schemeClr val="accent1"/>
+          </a:fillRef>
+          <a:effectRef idx="0">
+            <a:schemeClr val="accent1"/>
+          </a:effectRef>
+          <a:fontRef idx="minor">
+            <a:schemeClr val="lt1"/>
+          </a:fontRef>
+        </p:style>
+        <p:txBody>
+          <a:bodyPr rtlCol="0" anchor="ctr"/>
+          <a:lstStyle/>
+          <a:p>
+            <a:pPr algn="ctr"/>
+            <a:endParaRPr lang="zh-TW" altLang="en-US"/>
+          </a:p>
+        </p:txBody>
+      </p:sp>
+      <p:sp>
+        <p:nvSpPr>
+          <p:cNvPr id="227" name="箭號: 向下 226">
+            <a:extLst>
+              <a:ext uri="{FF2B5EF4-FFF2-40B4-BE49-F238E27FC236}">
+                <a16:creationId xmlns:a16="http://schemas.microsoft.com/office/drawing/2014/main" id="{05E3101C-BBA4-4080-BE9A-A9B6E0365146}"/>
+              </a:ext>
+            </a:extLst>
+          </p:cNvPr>
+          <p:cNvSpPr/>
+          <p:nvPr/>
+        </p:nvSpPr>
+        <p:spPr>
+          <a:xfrm rot="14436225">
+            <a:off x="17874478" y="16288087"/>
+            <a:ext cx="335033" cy="924956"/>
+          </a:xfrm>
+          <a:prstGeom prst="downArrow">
+            <a:avLst/>
+          </a:prstGeom>
+        </p:spPr>
+        <p:style>
+          <a:lnRef idx="2">
+            <a:schemeClr val="accent1">
+              <a:shade val="50000"/>
+            </a:schemeClr>
+          </a:lnRef>
+          <a:fillRef idx="1">
+            <a:schemeClr val="accent1"/>
+          </a:fillRef>
+          <a:effectRef idx="0">
+            <a:schemeClr val="accent1"/>
+          </a:effectRef>
+          <a:fontRef idx="minor">
+            <a:schemeClr val="lt1"/>
+          </a:fontRef>
+        </p:style>
+        <p:txBody>
+          <a:bodyPr rtlCol="0" anchor="ctr"/>
+          <a:lstStyle/>
+          <a:p>
+            <a:pPr algn="ctr"/>
+            <a:endParaRPr lang="zh-TW" altLang="en-US"/>
+          </a:p>
+        </p:txBody>
+      </p:sp>
+      <p:sp>
+        <p:nvSpPr>
+          <p:cNvPr id="228" name="箭號: 向下 227">
+            <a:extLst>
+              <a:ext uri="{FF2B5EF4-FFF2-40B4-BE49-F238E27FC236}">
+                <a16:creationId xmlns:a16="http://schemas.microsoft.com/office/drawing/2014/main" id="{97772389-E802-4381-99D9-80DDEC310A5C}"/>
+              </a:ext>
+            </a:extLst>
+          </p:cNvPr>
+          <p:cNvSpPr/>
+          <p:nvPr/>
+        </p:nvSpPr>
+        <p:spPr>
+          <a:xfrm rot="18415438">
+            <a:off x="17862275" y="17020077"/>
+            <a:ext cx="308434" cy="907007"/>
+          </a:xfrm>
+          <a:prstGeom prst="downArrow">
+            <a:avLst/>
+          </a:prstGeom>
+        </p:spPr>
+        <p:style>
+          <a:lnRef idx="2">
+            <a:schemeClr val="accent1">
+              <a:shade val="50000"/>
+            </a:schemeClr>
+          </a:lnRef>
+          <a:fillRef idx="1">
+            <a:schemeClr val="accent1"/>
+          </a:fillRef>
+          <a:effectRef idx="0">
+            <a:schemeClr val="accent1"/>
+          </a:effectRef>
+          <a:fontRef idx="minor">
+            <a:schemeClr val="lt1"/>
+          </a:fontRef>
+        </p:style>
+        <p:txBody>
+          <a:bodyPr rtlCol="0" anchor="ctr"/>
+          <a:lstStyle/>
+          <a:p>
+            <a:pPr algn="ctr"/>
+            <a:endParaRPr lang="zh-TW" altLang="en-US"/>
+          </a:p>
+        </p:txBody>
+      </p:sp>
     </p:spTree>
   </p:cSld>
   <p:clrMapOvr>

--- a/專題海報/專題海報.pptx
+++ b/專題海報/專題海報.pptx
@@ -133,6 +133,3076 @@
     </p:extLst>
   </p:cmAuthor>
 </p:cmAuthorLst>
+</file>
+
+<file path=ppt/diagrams/colors1.xml><?xml version="1.0" encoding="utf-8"?>
+<dgm:colorsDef xmlns:dgm="http://schemas.openxmlformats.org/drawingml/2006/diagram" xmlns:a="http://schemas.openxmlformats.org/drawingml/2006/main" uniqueId="urn:microsoft.com/office/officeart/2005/8/colors/accent3_1">
+  <dgm:title val=""/>
+  <dgm:desc val=""/>
+  <dgm:catLst>
+    <dgm:cat type="accent3" pri="11100"/>
+  </dgm:catLst>
+  <dgm:styleLbl name="node0">
+    <dgm:fillClrLst meth="repeat">
+      <a:schemeClr val="lt1"/>
+    </dgm:fillClrLst>
+    <dgm:linClrLst meth="repeat">
+      <a:schemeClr val="accent3">
+        <a:shade val="80000"/>
+      </a:schemeClr>
+    </dgm:linClrLst>
+    <dgm:effectClrLst/>
+    <dgm:txLinClrLst/>
+    <dgm:txFillClrLst meth="repeat">
+      <a:schemeClr val="dk1"/>
+    </dgm:txFillClrLst>
+    <dgm:txEffectClrLst/>
+  </dgm:styleLbl>
+  <dgm:styleLbl name="node1">
+    <dgm:fillClrLst meth="repeat">
+      <a:schemeClr val="lt1"/>
+    </dgm:fillClrLst>
+    <dgm:linClrLst meth="repeat">
+      <a:schemeClr val="accent3">
+        <a:shade val="80000"/>
+      </a:schemeClr>
+    </dgm:linClrLst>
+    <dgm:effectClrLst/>
+    <dgm:txLinClrLst/>
+    <dgm:txFillClrLst meth="repeat">
+      <a:schemeClr val="dk1"/>
+    </dgm:txFillClrLst>
+    <dgm:txEffectClrLst/>
+  </dgm:styleLbl>
+  <dgm:styleLbl name="alignNode1">
+    <dgm:fillClrLst meth="repeat">
+      <a:schemeClr val="lt1"/>
+    </dgm:fillClrLst>
+    <dgm:linClrLst meth="repeat">
+      <a:schemeClr val="accent3">
+        <a:shade val="80000"/>
+      </a:schemeClr>
+    </dgm:linClrLst>
+    <dgm:effectClrLst/>
+    <dgm:txLinClrLst/>
+    <dgm:txFillClrLst meth="repeat">
+      <a:schemeClr val="dk1"/>
+    </dgm:txFillClrLst>
+    <dgm:txEffectClrLst/>
+  </dgm:styleLbl>
+  <dgm:styleLbl name="lnNode1">
+    <dgm:fillClrLst meth="repeat">
+      <a:schemeClr val="lt1"/>
+    </dgm:fillClrLst>
+    <dgm:linClrLst meth="repeat">
+      <a:schemeClr val="accent3">
+        <a:shade val="80000"/>
+      </a:schemeClr>
+    </dgm:linClrLst>
+    <dgm:effectClrLst/>
+    <dgm:txLinClrLst/>
+    <dgm:txFillClrLst meth="repeat">
+      <a:schemeClr val="dk1"/>
+    </dgm:txFillClrLst>
+    <dgm:txEffectClrLst/>
+  </dgm:styleLbl>
+  <dgm:styleLbl name="vennNode1">
+    <dgm:fillClrLst meth="repeat">
+      <a:schemeClr val="lt1">
+        <a:alpha val="50000"/>
+      </a:schemeClr>
+    </dgm:fillClrLst>
+    <dgm:linClrLst meth="repeat">
+      <a:schemeClr val="accent3">
+        <a:shade val="80000"/>
+      </a:schemeClr>
+    </dgm:linClrLst>
+    <dgm:effectClrLst/>
+    <dgm:txLinClrLst/>
+    <dgm:txFillClrLst/>
+    <dgm:txEffectClrLst/>
+  </dgm:styleLbl>
+  <dgm:styleLbl name="node2">
+    <dgm:fillClrLst meth="repeat">
+      <a:schemeClr val="lt1"/>
+    </dgm:fillClrLst>
+    <dgm:linClrLst meth="repeat">
+      <a:schemeClr val="accent3">
+        <a:shade val="80000"/>
+      </a:schemeClr>
+    </dgm:linClrLst>
+    <dgm:effectClrLst/>
+    <dgm:txLinClrLst/>
+    <dgm:txFillClrLst meth="repeat">
+      <a:schemeClr val="dk1"/>
+    </dgm:txFillClrLst>
+    <dgm:txEffectClrLst/>
+  </dgm:styleLbl>
+  <dgm:styleLbl name="node3">
+    <dgm:fillClrLst meth="repeat">
+      <a:schemeClr val="lt1"/>
+    </dgm:fillClrLst>
+    <dgm:linClrLst meth="repeat">
+      <a:schemeClr val="accent3">
+        <a:shade val="80000"/>
+      </a:schemeClr>
+    </dgm:linClrLst>
+    <dgm:effectClrLst/>
+    <dgm:txLinClrLst/>
+    <dgm:txFillClrLst meth="repeat">
+      <a:schemeClr val="dk1"/>
+    </dgm:txFillClrLst>
+    <dgm:txEffectClrLst/>
+  </dgm:styleLbl>
+  <dgm:styleLbl name="node4">
+    <dgm:fillClrLst meth="repeat">
+      <a:schemeClr val="lt1"/>
+    </dgm:fillClrLst>
+    <dgm:linClrLst meth="repeat">
+      <a:schemeClr val="accent3">
+        <a:shade val="80000"/>
+      </a:schemeClr>
+    </dgm:linClrLst>
+    <dgm:effectClrLst/>
+    <dgm:txLinClrLst/>
+    <dgm:txFillClrLst meth="repeat">
+      <a:schemeClr val="dk1"/>
+    </dgm:txFillClrLst>
+    <dgm:txEffectClrLst/>
+  </dgm:styleLbl>
+  <dgm:styleLbl name="fgImgPlace1">
+    <dgm:fillClrLst meth="repeat">
+      <a:schemeClr val="accent3">
+        <a:tint val="40000"/>
+      </a:schemeClr>
+    </dgm:fillClrLst>
+    <dgm:linClrLst meth="repeat">
+      <a:schemeClr val="accent3">
+        <a:shade val="80000"/>
+      </a:schemeClr>
+    </dgm:linClrLst>
+    <dgm:effectClrLst/>
+    <dgm:txLinClrLst/>
+    <dgm:txFillClrLst meth="repeat">
+      <a:schemeClr val="lt1"/>
+    </dgm:txFillClrLst>
+    <dgm:txEffectClrLst/>
+  </dgm:styleLbl>
+  <dgm:styleLbl name="alignImgPlace1">
+    <dgm:fillClrLst meth="repeat">
+      <a:schemeClr val="accent3">
+        <a:tint val="40000"/>
+      </a:schemeClr>
+    </dgm:fillClrLst>
+    <dgm:linClrLst meth="repeat">
+      <a:schemeClr val="accent3">
+        <a:shade val="80000"/>
+      </a:schemeClr>
+    </dgm:linClrLst>
+    <dgm:effectClrLst/>
+    <dgm:txLinClrLst/>
+    <dgm:txFillClrLst meth="repeat">
+      <a:schemeClr val="lt1"/>
+    </dgm:txFillClrLst>
+    <dgm:txEffectClrLst/>
+  </dgm:styleLbl>
+  <dgm:styleLbl name="bgImgPlace1">
+    <dgm:fillClrLst meth="repeat">
+      <a:schemeClr val="accent3">
+        <a:tint val="40000"/>
+      </a:schemeClr>
+    </dgm:fillClrLst>
+    <dgm:linClrLst meth="repeat">
+      <a:schemeClr val="accent3">
+        <a:shade val="80000"/>
+      </a:schemeClr>
+    </dgm:linClrLst>
+    <dgm:effectClrLst/>
+    <dgm:txLinClrLst/>
+    <dgm:txFillClrLst meth="repeat">
+      <a:schemeClr val="lt1"/>
+    </dgm:txFillClrLst>
+    <dgm:txEffectClrLst/>
+  </dgm:styleLbl>
+  <dgm:styleLbl name="sibTrans2D1">
+    <dgm:fillClrLst meth="repeat">
+      <a:schemeClr val="accent3">
+        <a:tint val="60000"/>
+      </a:schemeClr>
+    </dgm:fillClrLst>
+    <dgm:linClrLst meth="repeat">
+      <a:schemeClr val="accent3">
+        <a:tint val="60000"/>
+      </a:schemeClr>
+    </dgm:linClrLst>
+    <dgm:effectClrLst/>
+    <dgm:txLinClrLst/>
+    <dgm:txFillClrLst meth="repeat">
+      <a:schemeClr val="dk1"/>
+    </dgm:txFillClrLst>
+    <dgm:txEffectClrLst/>
+  </dgm:styleLbl>
+  <dgm:styleLbl name="fgSibTrans2D1">
+    <dgm:fillClrLst meth="repeat">
+      <a:schemeClr val="accent3">
+        <a:tint val="60000"/>
+      </a:schemeClr>
+    </dgm:fillClrLst>
+    <dgm:linClrLst meth="repeat">
+      <a:schemeClr val="accent3">
+        <a:tint val="60000"/>
+      </a:schemeClr>
+    </dgm:linClrLst>
+    <dgm:effectClrLst/>
+    <dgm:txLinClrLst/>
+    <dgm:txFillClrLst meth="repeat">
+      <a:schemeClr val="dk1"/>
+    </dgm:txFillClrLst>
+    <dgm:txEffectClrLst/>
+  </dgm:styleLbl>
+  <dgm:styleLbl name="bgSibTrans2D1">
+    <dgm:fillClrLst meth="repeat">
+      <a:schemeClr val="accent3">
+        <a:tint val="60000"/>
+      </a:schemeClr>
+    </dgm:fillClrLst>
+    <dgm:linClrLst meth="repeat">
+      <a:schemeClr val="accent3">
+        <a:tint val="60000"/>
+      </a:schemeClr>
+    </dgm:linClrLst>
+    <dgm:effectClrLst/>
+    <dgm:txLinClrLst/>
+    <dgm:txFillClrLst meth="repeat">
+      <a:schemeClr val="dk1"/>
+    </dgm:txFillClrLst>
+    <dgm:txEffectClrLst/>
+  </dgm:styleLbl>
+  <dgm:styleLbl name="sibTrans1D1">
+    <dgm:fillClrLst meth="repeat">
+      <a:schemeClr val="accent3"/>
+    </dgm:fillClrLst>
+    <dgm:linClrLst meth="repeat">
+      <a:schemeClr val="accent3"/>
+    </dgm:linClrLst>
+    <dgm:effectClrLst/>
+    <dgm:txLinClrLst/>
+    <dgm:txFillClrLst meth="repeat">
+      <a:schemeClr val="tx1"/>
+    </dgm:txFillClrLst>
+    <dgm:txEffectClrLst/>
+  </dgm:styleLbl>
+  <dgm:styleLbl name="callout">
+    <dgm:fillClrLst meth="repeat">
+      <a:schemeClr val="accent3"/>
+    </dgm:fillClrLst>
+    <dgm:linClrLst meth="repeat">
+      <a:schemeClr val="accent3"/>
+    </dgm:linClrLst>
+    <dgm:effectClrLst/>
+    <dgm:txLinClrLst/>
+    <dgm:txFillClrLst meth="repeat">
+      <a:schemeClr val="tx1"/>
+    </dgm:txFillClrLst>
+    <dgm:txEffectClrLst/>
+  </dgm:styleLbl>
+  <dgm:styleLbl name="asst0">
+    <dgm:fillClrLst meth="repeat">
+      <a:schemeClr val="lt1"/>
+    </dgm:fillClrLst>
+    <dgm:linClrLst meth="repeat">
+      <a:schemeClr val="accent3">
+        <a:shade val="80000"/>
+      </a:schemeClr>
+    </dgm:linClrLst>
+    <dgm:effectClrLst/>
+    <dgm:txLinClrLst/>
+    <dgm:txFillClrLst meth="repeat">
+      <a:schemeClr val="dk1"/>
+    </dgm:txFillClrLst>
+    <dgm:txEffectClrLst/>
+  </dgm:styleLbl>
+  <dgm:styleLbl name="asst1">
+    <dgm:fillClrLst meth="repeat">
+      <a:schemeClr val="lt1"/>
+    </dgm:fillClrLst>
+    <dgm:linClrLst meth="repeat">
+      <a:schemeClr val="accent3">
+        <a:shade val="80000"/>
+      </a:schemeClr>
+    </dgm:linClrLst>
+    <dgm:effectClrLst/>
+    <dgm:txLinClrLst/>
+    <dgm:txFillClrLst meth="repeat">
+      <a:schemeClr val="dk1"/>
+    </dgm:txFillClrLst>
+    <dgm:txEffectClrLst/>
+  </dgm:styleLbl>
+  <dgm:styleLbl name="asst2">
+    <dgm:fillClrLst meth="repeat">
+      <a:schemeClr val="lt1"/>
+    </dgm:fillClrLst>
+    <dgm:linClrLst meth="repeat">
+      <a:schemeClr val="accent3">
+        <a:shade val="80000"/>
+      </a:schemeClr>
+    </dgm:linClrLst>
+    <dgm:effectClrLst/>
+    <dgm:txLinClrLst/>
+    <dgm:txFillClrLst meth="repeat">
+      <a:schemeClr val="dk1"/>
+    </dgm:txFillClrLst>
+    <dgm:txEffectClrLst/>
+  </dgm:styleLbl>
+  <dgm:styleLbl name="asst3">
+    <dgm:fillClrLst meth="repeat">
+      <a:schemeClr val="lt1"/>
+    </dgm:fillClrLst>
+    <dgm:linClrLst meth="repeat">
+      <a:schemeClr val="accent3">
+        <a:shade val="80000"/>
+      </a:schemeClr>
+    </dgm:linClrLst>
+    <dgm:effectClrLst/>
+    <dgm:txLinClrLst/>
+    <dgm:txFillClrLst meth="repeat">
+      <a:schemeClr val="dk1"/>
+    </dgm:txFillClrLst>
+    <dgm:txEffectClrLst/>
+  </dgm:styleLbl>
+  <dgm:styleLbl name="asst4">
+    <dgm:fillClrLst meth="repeat">
+      <a:schemeClr val="lt1"/>
+    </dgm:fillClrLst>
+    <dgm:linClrLst meth="repeat">
+      <a:schemeClr val="accent3">
+        <a:shade val="80000"/>
+      </a:schemeClr>
+    </dgm:linClrLst>
+    <dgm:effectClrLst/>
+    <dgm:txLinClrLst/>
+    <dgm:txFillClrLst meth="repeat">
+      <a:schemeClr val="dk1"/>
+    </dgm:txFillClrLst>
+    <dgm:txEffectClrLst/>
+  </dgm:styleLbl>
+  <dgm:styleLbl name="parChTrans2D1">
+    <dgm:fillClrLst meth="repeat">
+      <a:schemeClr val="accent3">
+        <a:tint val="60000"/>
+      </a:schemeClr>
+    </dgm:fillClrLst>
+    <dgm:linClrLst meth="repeat">
+      <a:schemeClr val="accent3">
+        <a:tint val="60000"/>
+      </a:schemeClr>
+    </dgm:linClrLst>
+    <dgm:effectClrLst/>
+    <dgm:txLinClrLst/>
+    <dgm:txFillClrLst/>
+    <dgm:txEffectClrLst/>
+  </dgm:styleLbl>
+  <dgm:styleLbl name="parChTrans2D2">
+    <dgm:fillClrLst meth="repeat">
+      <a:schemeClr val="accent3"/>
+    </dgm:fillClrLst>
+    <dgm:linClrLst meth="repeat">
+      <a:schemeClr val="accent3"/>
+    </dgm:linClrLst>
+    <dgm:effectClrLst/>
+    <dgm:txLinClrLst/>
+    <dgm:txFillClrLst/>
+    <dgm:txEffectClrLst/>
+  </dgm:styleLbl>
+  <dgm:styleLbl name="parChTrans2D3">
+    <dgm:fillClrLst meth="repeat">
+      <a:schemeClr val="accent3"/>
+    </dgm:fillClrLst>
+    <dgm:linClrLst meth="repeat">
+      <a:schemeClr val="accent3"/>
+    </dgm:linClrLst>
+    <dgm:effectClrLst/>
+    <dgm:txLinClrLst/>
+    <dgm:txFillClrLst/>
+    <dgm:txEffectClrLst/>
+  </dgm:styleLbl>
+  <dgm:styleLbl name="parChTrans2D4">
+    <dgm:fillClrLst meth="repeat">
+      <a:schemeClr val="accent3"/>
+    </dgm:fillClrLst>
+    <dgm:linClrLst meth="repeat">
+      <a:schemeClr val="accent3"/>
+    </dgm:linClrLst>
+    <dgm:effectClrLst/>
+    <dgm:txLinClrLst/>
+    <dgm:txFillClrLst meth="repeat">
+      <a:schemeClr val="lt1"/>
+    </dgm:txFillClrLst>
+    <dgm:txEffectClrLst/>
+  </dgm:styleLbl>
+  <dgm:styleLbl name="parChTrans1D1">
+    <dgm:fillClrLst meth="repeat">
+      <a:schemeClr val="accent3"/>
+    </dgm:fillClrLst>
+    <dgm:linClrLst meth="repeat">
+      <a:schemeClr val="accent3">
+        <a:shade val="60000"/>
+      </a:schemeClr>
+    </dgm:linClrLst>
+    <dgm:effectClrLst/>
+    <dgm:txLinClrLst/>
+    <dgm:txFillClrLst meth="repeat">
+      <a:schemeClr val="tx1"/>
+    </dgm:txFillClrLst>
+    <dgm:txEffectClrLst/>
+  </dgm:styleLbl>
+  <dgm:styleLbl name="parChTrans1D2">
+    <dgm:fillClrLst meth="repeat">
+      <a:schemeClr val="accent3"/>
+    </dgm:fillClrLst>
+    <dgm:linClrLst meth="repeat">
+      <a:schemeClr val="accent3">
+        <a:shade val="60000"/>
+      </a:schemeClr>
+    </dgm:linClrLst>
+    <dgm:effectClrLst/>
+    <dgm:txLinClrLst/>
+    <dgm:txFillClrLst meth="repeat">
+      <a:schemeClr val="tx1"/>
+    </dgm:txFillClrLst>
+    <dgm:txEffectClrLst/>
+  </dgm:styleLbl>
+  <dgm:styleLbl name="parChTrans1D3">
+    <dgm:fillClrLst meth="repeat">
+      <a:schemeClr val="accent3"/>
+    </dgm:fillClrLst>
+    <dgm:linClrLst meth="repeat">
+      <a:schemeClr val="accent3">
+        <a:shade val="80000"/>
+      </a:schemeClr>
+    </dgm:linClrLst>
+    <dgm:effectClrLst/>
+    <dgm:txLinClrLst/>
+    <dgm:txFillClrLst meth="repeat">
+      <a:schemeClr val="tx1"/>
+    </dgm:txFillClrLst>
+    <dgm:txEffectClrLst/>
+  </dgm:styleLbl>
+  <dgm:styleLbl name="parChTrans1D4">
+    <dgm:fillClrLst meth="repeat">
+      <a:schemeClr val="accent3"/>
+    </dgm:fillClrLst>
+    <dgm:linClrLst meth="repeat">
+      <a:schemeClr val="accent3">
+        <a:shade val="80000"/>
+      </a:schemeClr>
+    </dgm:linClrLst>
+    <dgm:effectClrLst/>
+    <dgm:txLinClrLst/>
+    <dgm:txFillClrLst meth="repeat">
+      <a:schemeClr val="tx1"/>
+    </dgm:txFillClrLst>
+    <dgm:txEffectClrLst/>
+  </dgm:styleLbl>
+  <dgm:styleLbl name="fgAcc1">
+    <dgm:fillClrLst meth="repeat">
+      <a:schemeClr val="accent3">
+        <a:alpha val="90000"/>
+        <a:tint val="40000"/>
+      </a:schemeClr>
+    </dgm:fillClrLst>
+    <dgm:linClrLst meth="repeat">
+      <a:schemeClr val="accent3"/>
+    </dgm:linClrLst>
+    <dgm:effectClrLst/>
+    <dgm:txLinClrLst/>
+    <dgm:txFillClrLst meth="repeat">
+      <a:schemeClr val="dk1"/>
+    </dgm:txFillClrLst>
+    <dgm:txEffectClrLst/>
+  </dgm:styleLbl>
+  <dgm:styleLbl name="conFgAcc1">
+    <dgm:fillClrLst meth="repeat">
+      <a:schemeClr val="accent3">
+        <a:alpha val="90000"/>
+        <a:tint val="40000"/>
+      </a:schemeClr>
+    </dgm:fillClrLst>
+    <dgm:linClrLst meth="repeat">
+      <a:schemeClr val="accent3"/>
+    </dgm:linClrLst>
+    <dgm:effectClrLst/>
+    <dgm:txLinClrLst/>
+    <dgm:txFillClrLst meth="repeat">
+      <a:schemeClr val="dk1"/>
+    </dgm:txFillClrLst>
+    <dgm:txEffectClrLst/>
+  </dgm:styleLbl>
+  <dgm:styleLbl name="alignAcc1">
+    <dgm:fillClrLst meth="repeat">
+      <a:schemeClr val="accent3">
+        <a:alpha val="90000"/>
+        <a:tint val="40000"/>
+      </a:schemeClr>
+    </dgm:fillClrLst>
+    <dgm:linClrLst meth="repeat">
+      <a:schemeClr val="accent3"/>
+    </dgm:linClrLst>
+    <dgm:effectClrLst/>
+    <dgm:txLinClrLst/>
+    <dgm:txFillClrLst meth="repeat">
+      <a:schemeClr val="dk1"/>
+    </dgm:txFillClrLst>
+    <dgm:txEffectClrLst/>
+  </dgm:styleLbl>
+  <dgm:styleLbl name="trAlignAcc1">
+    <dgm:fillClrLst meth="repeat">
+      <a:schemeClr val="accent3">
+        <a:alpha val="40000"/>
+        <a:tint val="40000"/>
+      </a:schemeClr>
+    </dgm:fillClrLst>
+    <dgm:linClrLst meth="repeat">
+      <a:schemeClr val="accent3"/>
+    </dgm:linClrLst>
+    <dgm:effectClrLst/>
+    <dgm:txLinClrLst/>
+    <dgm:txFillClrLst meth="repeat">
+      <a:schemeClr val="dk1"/>
+    </dgm:txFillClrLst>
+    <dgm:txEffectClrLst/>
+  </dgm:styleLbl>
+  <dgm:styleLbl name="bgAcc1">
+    <dgm:fillClrLst meth="repeat">
+      <a:schemeClr val="accent3">
+        <a:alpha val="90000"/>
+        <a:tint val="40000"/>
+      </a:schemeClr>
+    </dgm:fillClrLst>
+    <dgm:linClrLst meth="repeat">
+      <a:schemeClr val="accent3"/>
+    </dgm:linClrLst>
+    <dgm:effectClrLst/>
+    <dgm:txLinClrLst/>
+    <dgm:txFillClrLst meth="repeat">
+      <a:schemeClr val="dk1"/>
+    </dgm:txFillClrLst>
+    <dgm:txEffectClrLst/>
+  </dgm:styleLbl>
+  <dgm:styleLbl name="solidFgAcc1">
+    <dgm:fillClrLst meth="repeat">
+      <a:schemeClr val="lt1"/>
+    </dgm:fillClrLst>
+    <dgm:linClrLst meth="repeat">
+      <a:schemeClr val="accent3"/>
+    </dgm:linClrLst>
+    <dgm:effectClrLst/>
+    <dgm:txLinClrLst/>
+    <dgm:txFillClrLst meth="repeat">
+      <a:schemeClr val="dk1"/>
+    </dgm:txFillClrLst>
+    <dgm:txEffectClrLst/>
+  </dgm:styleLbl>
+  <dgm:styleLbl name="solidAlignAcc1">
+    <dgm:fillClrLst meth="repeat">
+      <a:schemeClr val="lt1"/>
+    </dgm:fillClrLst>
+    <dgm:linClrLst meth="repeat">
+      <a:schemeClr val="accent3"/>
+    </dgm:linClrLst>
+    <dgm:effectClrLst/>
+    <dgm:txLinClrLst/>
+    <dgm:txFillClrLst meth="repeat">
+      <a:schemeClr val="dk1"/>
+    </dgm:txFillClrLst>
+    <dgm:txEffectClrLst/>
+  </dgm:styleLbl>
+  <dgm:styleLbl name="solidBgAcc1">
+    <dgm:fillClrLst meth="repeat">
+      <a:schemeClr val="lt1"/>
+    </dgm:fillClrLst>
+    <dgm:linClrLst meth="repeat">
+      <a:schemeClr val="accent3"/>
+    </dgm:linClrLst>
+    <dgm:effectClrLst/>
+    <dgm:txLinClrLst/>
+    <dgm:txFillClrLst meth="repeat">
+      <a:schemeClr val="dk1"/>
+    </dgm:txFillClrLst>
+    <dgm:txEffectClrLst/>
+  </dgm:styleLbl>
+  <dgm:styleLbl name="fgAccFollowNode1">
+    <dgm:fillClrLst meth="repeat">
+      <a:schemeClr val="lt1">
+        <a:alpha val="90000"/>
+        <a:tint val="40000"/>
+      </a:schemeClr>
+    </dgm:fillClrLst>
+    <dgm:linClrLst meth="repeat">
+      <a:schemeClr val="accent3">
+        <a:alpha val="90000"/>
+      </a:schemeClr>
+    </dgm:linClrLst>
+    <dgm:effectClrLst/>
+    <dgm:txLinClrLst/>
+    <dgm:txFillClrLst meth="repeat">
+      <a:schemeClr val="dk1"/>
+    </dgm:txFillClrLst>
+    <dgm:txEffectClrLst/>
+  </dgm:styleLbl>
+  <dgm:styleLbl name="alignAccFollowNode1">
+    <dgm:fillClrLst meth="repeat">
+      <a:schemeClr val="lt1">
+        <a:alpha val="90000"/>
+        <a:tint val="40000"/>
+      </a:schemeClr>
+    </dgm:fillClrLst>
+    <dgm:linClrLst meth="repeat">
+      <a:schemeClr val="accent3">
+        <a:alpha val="90000"/>
+      </a:schemeClr>
+    </dgm:linClrLst>
+    <dgm:effectClrLst/>
+    <dgm:txLinClrLst/>
+    <dgm:txFillClrLst meth="repeat">
+      <a:schemeClr val="dk1"/>
+    </dgm:txFillClrLst>
+    <dgm:txEffectClrLst/>
+  </dgm:styleLbl>
+  <dgm:styleLbl name="bgAccFollowNode1">
+    <dgm:fillClrLst meth="repeat">
+      <a:schemeClr val="lt1">
+        <a:alpha val="90000"/>
+        <a:tint val="40000"/>
+      </a:schemeClr>
+    </dgm:fillClrLst>
+    <dgm:linClrLst meth="repeat">
+      <a:schemeClr val="accent3">
+        <a:alpha val="90000"/>
+      </a:schemeClr>
+    </dgm:linClrLst>
+    <dgm:effectClrLst/>
+    <dgm:txLinClrLst/>
+    <dgm:txFillClrLst meth="repeat">
+      <a:schemeClr val="dk1"/>
+    </dgm:txFillClrLst>
+    <dgm:txEffectClrLst/>
+  </dgm:styleLbl>
+  <dgm:styleLbl name="fgAcc0">
+    <dgm:fillClrLst meth="repeat">
+      <a:schemeClr val="accent3">
+        <a:alpha val="90000"/>
+        <a:tint val="40000"/>
+      </a:schemeClr>
+    </dgm:fillClrLst>
+    <dgm:linClrLst meth="repeat">
+      <a:schemeClr val="accent3"/>
+    </dgm:linClrLst>
+    <dgm:effectClrLst/>
+    <dgm:txLinClrLst/>
+    <dgm:txFillClrLst meth="repeat">
+      <a:schemeClr val="dk1"/>
+    </dgm:txFillClrLst>
+    <dgm:txEffectClrLst/>
+  </dgm:styleLbl>
+  <dgm:styleLbl name="fgAcc2">
+    <dgm:fillClrLst meth="repeat">
+      <a:schemeClr val="accent3">
+        <a:alpha val="90000"/>
+        <a:tint val="40000"/>
+      </a:schemeClr>
+    </dgm:fillClrLst>
+    <dgm:linClrLst meth="repeat">
+      <a:schemeClr val="accent3"/>
+    </dgm:linClrLst>
+    <dgm:effectClrLst/>
+    <dgm:txLinClrLst/>
+    <dgm:txFillClrLst meth="repeat">
+      <a:schemeClr val="dk1"/>
+    </dgm:txFillClrLst>
+    <dgm:txEffectClrLst/>
+  </dgm:styleLbl>
+  <dgm:styleLbl name="fgAcc3">
+    <dgm:fillClrLst meth="repeat">
+      <a:schemeClr val="accent3">
+        <a:alpha val="90000"/>
+        <a:tint val="40000"/>
+      </a:schemeClr>
+    </dgm:fillClrLst>
+    <dgm:linClrLst meth="repeat">
+      <a:schemeClr val="accent3"/>
+    </dgm:linClrLst>
+    <dgm:effectClrLst/>
+    <dgm:txLinClrLst/>
+    <dgm:txFillClrLst meth="repeat">
+      <a:schemeClr val="dk1"/>
+    </dgm:txFillClrLst>
+    <dgm:txEffectClrLst/>
+  </dgm:styleLbl>
+  <dgm:styleLbl name="fgAcc4">
+    <dgm:fillClrLst meth="repeat">
+      <a:schemeClr val="accent3">
+        <a:alpha val="90000"/>
+        <a:tint val="40000"/>
+      </a:schemeClr>
+    </dgm:fillClrLst>
+    <dgm:linClrLst meth="repeat">
+      <a:schemeClr val="accent3"/>
+    </dgm:linClrLst>
+    <dgm:effectClrLst/>
+    <dgm:txLinClrLst/>
+    <dgm:txFillClrLst meth="repeat">
+      <a:schemeClr val="dk1"/>
+    </dgm:txFillClrLst>
+    <dgm:txEffectClrLst/>
+  </dgm:styleLbl>
+  <dgm:styleLbl name="bgShp">
+    <dgm:fillClrLst meth="repeat">
+      <a:schemeClr val="accent3">
+        <a:tint val="40000"/>
+      </a:schemeClr>
+    </dgm:fillClrLst>
+    <dgm:linClrLst meth="repeat">
+      <a:schemeClr val="accent3"/>
+    </dgm:linClrLst>
+    <dgm:effectClrLst/>
+    <dgm:txLinClrLst/>
+    <dgm:txFillClrLst meth="repeat">
+      <a:schemeClr val="dk1"/>
+    </dgm:txFillClrLst>
+    <dgm:txEffectClrLst/>
+  </dgm:styleLbl>
+  <dgm:styleLbl name="dkBgShp">
+    <dgm:fillClrLst meth="repeat">
+      <a:schemeClr val="accent3">
+        <a:shade val="80000"/>
+      </a:schemeClr>
+    </dgm:fillClrLst>
+    <dgm:linClrLst meth="repeat">
+      <a:schemeClr val="accent3"/>
+    </dgm:linClrLst>
+    <dgm:effectClrLst/>
+    <dgm:txLinClrLst/>
+    <dgm:txFillClrLst meth="repeat">
+      <a:schemeClr val="lt1"/>
+    </dgm:txFillClrLst>
+    <dgm:txEffectClrLst/>
+  </dgm:styleLbl>
+  <dgm:styleLbl name="trBgShp">
+    <dgm:fillClrLst meth="repeat">
+      <a:schemeClr val="accent3">
+        <a:tint val="50000"/>
+        <a:alpha val="40000"/>
+      </a:schemeClr>
+    </dgm:fillClrLst>
+    <dgm:linClrLst meth="repeat">
+      <a:schemeClr val="accent3"/>
+    </dgm:linClrLst>
+    <dgm:effectClrLst/>
+    <dgm:txLinClrLst/>
+    <dgm:txFillClrLst meth="repeat">
+      <a:schemeClr val="lt1"/>
+    </dgm:txFillClrLst>
+    <dgm:txEffectClrLst/>
+  </dgm:styleLbl>
+  <dgm:styleLbl name="fgShp">
+    <dgm:fillClrLst meth="repeat">
+      <a:schemeClr val="accent3">
+        <a:tint val="60000"/>
+      </a:schemeClr>
+    </dgm:fillClrLst>
+    <dgm:linClrLst meth="repeat">
+      <a:schemeClr val="lt1"/>
+    </dgm:linClrLst>
+    <dgm:effectClrLst/>
+    <dgm:txLinClrLst/>
+    <dgm:txFillClrLst meth="repeat">
+      <a:schemeClr val="dk1"/>
+    </dgm:txFillClrLst>
+    <dgm:txEffectClrLst/>
+  </dgm:styleLbl>
+  <dgm:styleLbl name="revTx">
+    <dgm:fillClrLst meth="repeat">
+      <a:schemeClr val="lt1">
+        <a:alpha val="0"/>
+      </a:schemeClr>
+    </dgm:fillClrLst>
+    <dgm:linClrLst meth="repeat">
+      <a:schemeClr val="dk1">
+        <a:alpha val="0"/>
+      </a:schemeClr>
+    </dgm:linClrLst>
+    <dgm:effectClrLst/>
+    <dgm:txLinClrLst/>
+    <dgm:txFillClrLst meth="repeat">
+      <a:schemeClr val="tx1"/>
+    </dgm:txFillClrLst>
+    <dgm:txEffectClrLst/>
+  </dgm:styleLbl>
+</dgm:colorsDef>
+</file>
+
+<file path=ppt/diagrams/data1.xml><?xml version="1.0" encoding="utf-8"?>
+<dgm:dataModel xmlns:dgm="http://schemas.openxmlformats.org/drawingml/2006/diagram" xmlns:a="http://schemas.openxmlformats.org/drawingml/2006/main">
+  <dgm:ptLst>
+    <dgm:pt modelId="{630D15CF-8AB0-4E6C-9FE1-60B317FC52FB}" type="doc">
+      <dgm:prSet loTypeId="urn:microsoft.com/office/officeart/2005/8/layout/funnel1" loCatId="process" qsTypeId="urn:microsoft.com/office/officeart/2005/8/quickstyle/3d1" qsCatId="3D" csTypeId="urn:microsoft.com/office/officeart/2005/8/colors/accent3_1" csCatId="accent3" phldr="1"/>
+      <dgm:spPr/>
+      <dgm:t>
+        <a:bodyPr/>
+        <a:lstStyle/>
+        <a:p>
+          <a:endParaRPr lang="zh-TW" altLang="en-US"/>
+        </a:p>
+      </dgm:t>
+    </dgm:pt>
+    <dgm:pt modelId="{4EFA3694-58B0-4F58-8C82-D8383AC46F3A}">
+      <dgm:prSet phldrT="[文字]" custT="1"/>
+      <dgm:spPr>
+        <a:solidFill>
+          <a:srgbClr val="00B0F0"/>
+        </a:solidFill>
+      </dgm:spPr>
+      <dgm:t>
+        <a:bodyPr/>
+        <a:lstStyle/>
+        <a:p>
+          <a:pPr marL="0" lvl="0" indent="0" algn="ctr" defTabSz="1600200">
+            <a:lnSpc>
+              <a:spcPct val="90000"/>
+            </a:lnSpc>
+            <a:spcBef>
+              <a:spcPct val="0"/>
+            </a:spcBef>
+            <a:spcAft>
+              <a:spcPct val="35000"/>
+            </a:spcAft>
+            <a:buNone/>
+          </a:pPr>
+          <a:r>
+            <a:rPr lang="zh-TW" altLang="en-US" sz="2000" kern="1200" dirty="0">
+              <a:solidFill>
+                <a:prstClr val="black">
+                  <a:hueOff val="0"/>
+                  <a:satOff val="0"/>
+                  <a:lumOff val="0"/>
+                  <a:alphaOff val="0"/>
+                </a:prstClr>
+              </a:solidFill>
+              <a:latin typeface="DFKai-SB" panose="03000509000000000000" pitchFamily="65" charset="-120"/>
+              <a:ea typeface="DFKai-SB" panose="03000509000000000000" pitchFamily="65" charset="-120"/>
+              <a:cs typeface="+mn-cs"/>
+            </a:rPr>
+            <a:t>額溫</a:t>
+          </a:r>
+          <a:endParaRPr lang="en-US" altLang="zh-TW" sz="2000" kern="1200" dirty="0">
+            <a:solidFill>
+              <a:prstClr val="black">
+                <a:hueOff val="0"/>
+                <a:satOff val="0"/>
+                <a:lumOff val="0"/>
+                <a:alphaOff val="0"/>
+              </a:prstClr>
+            </a:solidFill>
+            <a:latin typeface="DFKai-SB" panose="03000509000000000000" pitchFamily="65" charset="-120"/>
+            <a:ea typeface="DFKai-SB" panose="03000509000000000000" pitchFamily="65" charset="-120"/>
+            <a:cs typeface="+mn-cs"/>
+          </a:endParaRPr>
+        </a:p>
+      </dgm:t>
+    </dgm:pt>
+    <dgm:pt modelId="{BF1680A8-951B-4E6C-B25A-F6F011A36B0A}" type="parTrans" cxnId="{5B8447E9-655F-4E57-9181-FA7988766497}">
+      <dgm:prSet/>
+      <dgm:spPr/>
+      <dgm:t>
+        <a:bodyPr/>
+        <a:lstStyle/>
+        <a:p>
+          <a:endParaRPr lang="zh-TW" altLang="en-US"/>
+        </a:p>
+      </dgm:t>
+    </dgm:pt>
+    <dgm:pt modelId="{23923C2B-5572-443C-8604-80C0015F7ECC}" type="sibTrans" cxnId="{5B8447E9-655F-4E57-9181-FA7988766497}">
+      <dgm:prSet/>
+      <dgm:spPr/>
+      <dgm:t>
+        <a:bodyPr/>
+        <a:lstStyle/>
+        <a:p>
+          <a:endParaRPr lang="zh-TW" altLang="en-US"/>
+        </a:p>
+      </dgm:t>
+    </dgm:pt>
+    <dgm:pt modelId="{305C251A-FAF2-4772-B64E-D856FCB7443E}">
+      <dgm:prSet phldrT="[文字]" custT="1"/>
+      <dgm:spPr>
+        <a:solidFill>
+          <a:srgbClr val="FF0000"/>
+        </a:solidFill>
+      </dgm:spPr>
+      <dgm:t>
+        <a:bodyPr/>
+        <a:lstStyle/>
+        <a:p>
+          <a:r>
+            <a:rPr lang="zh-TW" altLang="en-US" sz="2000" dirty="0">
+              <a:latin typeface="DFKai-SB" panose="03000509000000000000" pitchFamily="65" charset="-120"/>
+              <a:ea typeface="DFKai-SB" panose="03000509000000000000" pitchFamily="65" charset="-120"/>
+            </a:rPr>
+            <a:t>血壓</a:t>
+          </a:r>
+        </a:p>
+      </dgm:t>
+    </dgm:pt>
+    <dgm:pt modelId="{8091FD3A-41A9-4C47-B2B5-3EFEAF469B81}" type="parTrans" cxnId="{2C0C4702-F2BE-4F5A-B78C-CB2A8D5F8C62}">
+      <dgm:prSet/>
+      <dgm:spPr/>
+      <dgm:t>
+        <a:bodyPr/>
+        <a:lstStyle/>
+        <a:p>
+          <a:endParaRPr lang="zh-TW" altLang="en-US"/>
+        </a:p>
+      </dgm:t>
+    </dgm:pt>
+    <dgm:pt modelId="{874DC116-958C-4A63-85E3-B3A20AA2B073}" type="sibTrans" cxnId="{2C0C4702-F2BE-4F5A-B78C-CB2A8D5F8C62}">
+      <dgm:prSet/>
+      <dgm:spPr/>
+      <dgm:t>
+        <a:bodyPr/>
+        <a:lstStyle/>
+        <a:p>
+          <a:endParaRPr lang="zh-TW" altLang="en-US"/>
+        </a:p>
+      </dgm:t>
+    </dgm:pt>
+    <dgm:pt modelId="{00837987-B0E7-4EE5-9317-C1DCA0B15CE2}">
+      <dgm:prSet phldrT="[文字]" custT="1"/>
+      <dgm:spPr>
+        <a:solidFill>
+          <a:schemeClr val="accent6">
+            <a:lumMod val="50000"/>
+          </a:schemeClr>
+        </a:solidFill>
+      </dgm:spPr>
+      <dgm:t>
+        <a:bodyPr/>
+        <a:lstStyle/>
+        <a:p>
+          <a:r>
+            <a:rPr lang="zh-TW" altLang="en-US" sz="2000" kern="1200" dirty="0">
+              <a:solidFill>
+                <a:prstClr val="black">
+                  <a:hueOff val="0"/>
+                  <a:satOff val="0"/>
+                  <a:lumOff val="0"/>
+                  <a:alphaOff val="0"/>
+                </a:prstClr>
+              </a:solidFill>
+              <a:latin typeface="DFKai-SB" panose="03000509000000000000" pitchFamily="65" charset="-120"/>
+              <a:ea typeface="DFKai-SB" panose="03000509000000000000" pitchFamily="65" charset="-120"/>
+              <a:cs typeface="+mn-cs"/>
+            </a:rPr>
+            <a:t>心跳</a:t>
+          </a:r>
+        </a:p>
+      </dgm:t>
+    </dgm:pt>
+    <dgm:pt modelId="{950D2646-0E1E-46C1-99A0-7A781BED1C32}" type="parTrans" cxnId="{C2E5F9FC-DEC9-430E-A2F5-5203BDFA264B}">
+      <dgm:prSet/>
+      <dgm:spPr/>
+      <dgm:t>
+        <a:bodyPr/>
+        <a:lstStyle/>
+        <a:p>
+          <a:endParaRPr lang="zh-TW" altLang="en-US"/>
+        </a:p>
+      </dgm:t>
+    </dgm:pt>
+    <dgm:pt modelId="{FD37E7BB-DB4A-444D-AA39-1E441C212834}" type="sibTrans" cxnId="{C2E5F9FC-DEC9-430E-A2F5-5203BDFA264B}">
+      <dgm:prSet/>
+      <dgm:spPr/>
+      <dgm:t>
+        <a:bodyPr/>
+        <a:lstStyle/>
+        <a:p>
+          <a:endParaRPr lang="zh-TW" altLang="en-US"/>
+        </a:p>
+      </dgm:t>
+    </dgm:pt>
+    <dgm:pt modelId="{E5F113D5-4B89-4732-B3A8-A440EC7D5C8D}">
+      <dgm:prSet phldrT="[文字]"/>
+      <dgm:spPr/>
+      <dgm:t>
+        <a:bodyPr/>
+        <a:lstStyle/>
+        <a:p>
+          <a:r>
+            <a:rPr lang="en-US" altLang="zh-TW" dirty="0">
+              <a:solidFill>
+                <a:schemeClr val="tx1">
+                  <a:lumMod val="95000"/>
+                  <a:lumOff val="5000"/>
+                </a:schemeClr>
+              </a:solidFill>
+            </a:rPr>
+            <a:t>True/False</a:t>
+          </a:r>
+          <a:endParaRPr lang="zh-TW" altLang="en-US" dirty="0">
+            <a:solidFill>
+              <a:schemeClr val="tx1">
+                <a:lumMod val="95000"/>
+                <a:lumOff val="5000"/>
+              </a:schemeClr>
+            </a:solidFill>
+          </a:endParaRPr>
+        </a:p>
+      </dgm:t>
+    </dgm:pt>
+    <dgm:pt modelId="{D3A5D621-B16A-4022-9F5F-4FA325EC0653}" type="parTrans" cxnId="{7865E29D-2897-42B8-A1DD-28BAF23977D5}">
+      <dgm:prSet/>
+      <dgm:spPr/>
+      <dgm:t>
+        <a:bodyPr/>
+        <a:lstStyle/>
+        <a:p>
+          <a:endParaRPr lang="zh-TW" altLang="en-US"/>
+        </a:p>
+      </dgm:t>
+    </dgm:pt>
+    <dgm:pt modelId="{BAE9B4B7-5A82-4672-A9FA-3BAE6F958971}" type="sibTrans" cxnId="{7865E29D-2897-42B8-A1DD-28BAF23977D5}">
+      <dgm:prSet/>
+      <dgm:spPr/>
+      <dgm:t>
+        <a:bodyPr/>
+        <a:lstStyle/>
+        <a:p>
+          <a:endParaRPr lang="zh-TW" altLang="en-US"/>
+        </a:p>
+      </dgm:t>
+    </dgm:pt>
+    <dgm:pt modelId="{7BA9FED2-2874-4C94-8D65-15376980AFE3}" type="pres">
+      <dgm:prSet presAssocID="{630D15CF-8AB0-4E6C-9FE1-60B317FC52FB}" presName="Name0" presStyleCnt="0">
+        <dgm:presLayoutVars>
+          <dgm:chMax val="4"/>
+          <dgm:resizeHandles val="exact"/>
+        </dgm:presLayoutVars>
+      </dgm:prSet>
+      <dgm:spPr/>
+    </dgm:pt>
+    <dgm:pt modelId="{B5C0D60E-70A7-4CBA-9872-D1B888C26B7C}" type="pres">
+      <dgm:prSet presAssocID="{630D15CF-8AB0-4E6C-9FE1-60B317FC52FB}" presName="ellipse" presStyleLbl="trBgShp" presStyleIdx="0" presStyleCnt="1"/>
+      <dgm:spPr/>
+    </dgm:pt>
+    <dgm:pt modelId="{9ACA8DAC-C649-4BF6-9FDD-5E1BEDE4FEA6}" type="pres">
+      <dgm:prSet presAssocID="{630D15CF-8AB0-4E6C-9FE1-60B317FC52FB}" presName="arrow1" presStyleLbl="fgShp" presStyleIdx="0" presStyleCnt="1"/>
+      <dgm:spPr/>
+    </dgm:pt>
+    <dgm:pt modelId="{CB0D1FA8-157F-41B8-B61C-B507EE20C6D5}" type="pres">
+      <dgm:prSet presAssocID="{630D15CF-8AB0-4E6C-9FE1-60B317FC52FB}" presName="rectangle" presStyleLbl="revTx" presStyleIdx="0" presStyleCnt="1">
+        <dgm:presLayoutVars>
+          <dgm:bulletEnabled val="1"/>
+        </dgm:presLayoutVars>
+      </dgm:prSet>
+      <dgm:spPr/>
+    </dgm:pt>
+    <dgm:pt modelId="{33FED455-6043-4542-9812-2212A48C1066}" type="pres">
+      <dgm:prSet presAssocID="{305C251A-FAF2-4772-B64E-D856FCB7443E}" presName="item1" presStyleLbl="node1" presStyleIdx="0" presStyleCnt="3">
+        <dgm:presLayoutVars>
+          <dgm:bulletEnabled val="1"/>
+        </dgm:presLayoutVars>
+      </dgm:prSet>
+      <dgm:spPr/>
+    </dgm:pt>
+    <dgm:pt modelId="{00C91581-1446-4F29-AA63-9364080A3E06}" type="pres">
+      <dgm:prSet presAssocID="{00837987-B0E7-4EE5-9317-C1DCA0B15CE2}" presName="item2" presStyleLbl="node1" presStyleIdx="1" presStyleCnt="3" custLinFactNeighborX="36679" custLinFactNeighborY="468">
+        <dgm:presLayoutVars>
+          <dgm:bulletEnabled val="1"/>
+        </dgm:presLayoutVars>
+      </dgm:prSet>
+      <dgm:spPr/>
+    </dgm:pt>
+    <dgm:pt modelId="{0E63F694-D793-4790-9C25-C9AD4A5CF1C2}" type="pres">
+      <dgm:prSet presAssocID="{E5F113D5-4B89-4732-B3A8-A440EC7D5C8D}" presName="item3" presStyleLbl="node1" presStyleIdx="2" presStyleCnt="3" custLinFactNeighborX="28090" custLinFactNeighborY="970">
+        <dgm:presLayoutVars>
+          <dgm:bulletEnabled val="1"/>
+        </dgm:presLayoutVars>
+      </dgm:prSet>
+      <dgm:spPr/>
+    </dgm:pt>
+    <dgm:pt modelId="{DAB41584-19D3-420A-B39F-5E390E6383D4}" type="pres">
+      <dgm:prSet presAssocID="{630D15CF-8AB0-4E6C-9FE1-60B317FC52FB}" presName="funnel" presStyleLbl="trAlignAcc1" presStyleIdx="0" presStyleCnt="1" custLinFactNeighborX="-759" custLinFactNeighborY="-1486"/>
+      <dgm:spPr/>
+    </dgm:pt>
+  </dgm:ptLst>
+  <dgm:cxnLst>
+    <dgm:cxn modelId="{2C0C4702-F2BE-4F5A-B78C-CB2A8D5F8C62}" srcId="{630D15CF-8AB0-4E6C-9FE1-60B317FC52FB}" destId="{305C251A-FAF2-4772-B64E-D856FCB7443E}" srcOrd="1" destOrd="0" parTransId="{8091FD3A-41A9-4C47-B2B5-3EFEAF469B81}" sibTransId="{874DC116-958C-4A63-85E3-B3A20AA2B073}"/>
+    <dgm:cxn modelId="{2C2D5925-3D02-485A-97D5-50B0540B2A51}" type="presOf" srcId="{630D15CF-8AB0-4E6C-9FE1-60B317FC52FB}" destId="{7BA9FED2-2874-4C94-8D65-15376980AFE3}" srcOrd="0" destOrd="0" presId="urn:microsoft.com/office/officeart/2005/8/layout/funnel1"/>
+    <dgm:cxn modelId="{EA1C176B-80C9-41B7-960E-B67543A59E04}" type="presOf" srcId="{E5F113D5-4B89-4732-B3A8-A440EC7D5C8D}" destId="{CB0D1FA8-157F-41B8-B61C-B507EE20C6D5}" srcOrd="0" destOrd="0" presId="urn:microsoft.com/office/officeart/2005/8/layout/funnel1"/>
+    <dgm:cxn modelId="{CA268557-5EF2-4F3D-9B98-A18A71FD19B1}" type="presOf" srcId="{305C251A-FAF2-4772-B64E-D856FCB7443E}" destId="{00C91581-1446-4F29-AA63-9364080A3E06}" srcOrd="0" destOrd="0" presId="urn:microsoft.com/office/officeart/2005/8/layout/funnel1"/>
+    <dgm:cxn modelId="{7865E29D-2897-42B8-A1DD-28BAF23977D5}" srcId="{630D15CF-8AB0-4E6C-9FE1-60B317FC52FB}" destId="{E5F113D5-4B89-4732-B3A8-A440EC7D5C8D}" srcOrd="3" destOrd="0" parTransId="{D3A5D621-B16A-4022-9F5F-4FA325EC0653}" sibTransId="{BAE9B4B7-5A82-4672-A9FA-3BAE6F958971}"/>
+    <dgm:cxn modelId="{5B8447E9-655F-4E57-9181-FA7988766497}" srcId="{630D15CF-8AB0-4E6C-9FE1-60B317FC52FB}" destId="{4EFA3694-58B0-4F58-8C82-D8383AC46F3A}" srcOrd="0" destOrd="0" parTransId="{BF1680A8-951B-4E6C-B25A-F6F011A36B0A}" sibTransId="{23923C2B-5572-443C-8604-80C0015F7ECC}"/>
+    <dgm:cxn modelId="{656966F0-22AF-40D9-8F69-A1D50D1074D4}" type="presOf" srcId="{00837987-B0E7-4EE5-9317-C1DCA0B15CE2}" destId="{33FED455-6043-4542-9812-2212A48C1066}" srcOrd="0" destOrd="0" presId="urn:microsoft.com/office/officeart/2005/8/layout/funnel1"/>
+    <dgm:cxn modelId="{C2E5F9FC-DEC9-430E-A2F5-5203BDFA264B}" srcId="{630D15CF-8AB0-4E6C-9FE1-60B317FC52FB}" destId="{00837987-B0E7-4EE5-9317-C1DCA0B15CE2}" srcOrd="2" destOrd="0" parTransId="{950D2646-0E1E-46C1-99A0-7A781BED1C32}" sibTransId="{FD37E7BB-DB4A-444D-AA39-1E441C212834}"/>
+    <dgm:cxn modelId="{E0646FFF-2E94-4E5E-8FEE-6472E94F04EC}" type="presOf" srcId="{4EFA3694-58B0-4F58-8C82-D8383AC46F3A}" destId="{0E63F694-D793-4790-9C25-C9AD4A5CF1C2}" srcOrd="0" destOrd="0" presId="urn:microsoft.com/office/officeart/2005/8/layout/funnel1"/>
+    <dgm:cxn modelId="{57D3624A-A7A0-4219-A5C5-430B83B148A3}" type="presParOf" srcId="{7BA9FED2-2874-4C94-8D65-15376980AFE3}" destId="{B5C0D60E-70A7-4CBA-9872-D1B888C26B7C}" srcOrd="0" destOrd="0" presId="urn:microsoft.com/office/officeart/2005/8/layout/funnel1"/>
+    <dgm:cxn modelId="{CBBEB472-E1D7-41B6-A66B-9DC74C417EF8}" type="presParOf" srcId="{7BA9FED2-2874-4C94-8D65-15376980AFE3}" destId="{9ACA8DAC-C649-4BF6-9FDD-5E1BEDE4FEA6}" srcOrd="1" destOrd="0" presId="urn:microsoft.com/office/officeart/2005/8/layout/funnel1"/>
+    <dgm:cxn modelId="{9A3C7BE1-980C-4AE3-8EC6-E193FA5FF0CD}" type="presParOf" srcId="{7BA9FED2-2874-4C94-8D65-15376980AFE3}" destId="{CB0D1FA8-157F-41B8-B61C-B507EE20C6D5}" srcOrd="2" destOrd="0" presId="urn:microsoft.com/office/officeart/2005/8/layout/funnel1"/>
+    <dgm:cxn modelId="{D328815B-D791-4E14-9429-9522D273668B}" type="presParOf" srcId="{7BA9FED2-2874-4C94-8D65-15376980AFE3}" destId="{33FED455-6043-4542-9812-2212A48C1066}" srcOrd="3" destOrd="0" presId="urn:microsoft.com/office/officeart/2005/8/layout/funnel1"/>
+    <dgm:cxn modelId="{CDA77858-5CA2-4299-B81A-001E096778C8}" type="presParOf" srcId="{7BA9FED2-2874-4C94-8D65-15376980AFE3}" destId="{00C91581-1446-4F29-AA63-9364080A3E06}" srcOrd="4" destOrd="0" presId="urn:microsoft.com/office/officeart/2005/8/layout/funnel1"/>
+    <dgm:cxn modelId="{6337E570-F1E8-472D-88CE-8729728F6268}" type="presParOf" srcId="{7BA9FED2-2874-4C94-8D65-15376980AFE3}" destId="{0E63F694-D793-4790-9C25-C9AD4A5CF1C2}" srcOrd="5" destOrd="0" presId="urn:microsoft.com/office/officeart/2005/8/layout/funnel1"/>
+    <dgm:cxn modelId="{CB8B1B79-9869-4823-92C9-BC140D99CF06}" type="presParOf" srcId="{7BA9FED2-2874-4C94-8D65-15376980AFE3}" destId="{DAB41584-19D3-420A-B39F-5E390E6383D4}" srcOrd="6" destOrd="0" presId="urn:microsoft.com/office/officeart/2005/8/layout/funnel1"/>
+  </dgm:cxnLst>
+  <dgm:bg/>
+  <dgm:whole/>
+  <dgm:extLst>
+    <a:ext uri="http://schemas.microsoft.com/office/drawing/2008/diagram">
+      <dsp:dataModelExt xmlns:dsp="http://schemas.microsoft.com/office/drawing/2008/diagram" relId="rId28" minVer="http://schemas.openxmlformats.org/drawingml/2006/diagram"/>
+    </a:ext>
+    <a:ext uri="{C62137D5-CB1D-491B-B009-E17868A290BF}">
+      <dgm14:recolorImg xmlns:dgm14="http://schemas.microsoft.com/office/drawing/2010/diagram" val="1"/>
+    </a:ext>
+  </dgm:extLst>
+</dgm:dataModel>
+</file>
+
+<file path=ppt/diagrams/drawing1.xml><?xml version="1.0" encoding="utf-8"?>
+<dsp:drawing xmlns:dgm="http://schemas.openxmlformats.org/drawingml/2006/diagram" xmlns:dsp="http://schemas.microsoft.com/office/drawing/2008/diagram" xmlns:a="http://schemas.openxmlformats.org/drawingml/2006/main">
+  <dsp:spTree>
+    <dsp:nvGrpSpPr>
+      <dsp:cNvPr id="0" name=""/>
+      <dsp:cNvGrpSpPr/>
+    </dsp:nvGrpSpPr>
+    <dsp:grpSpPr/>
+    <dsp:sp modelId="{B5C0D60E-70A7-4CBA-9872-D1B888C26B7C}">
+      <dsp:nvSpPr>
+        <dsp:cNvPr id="0" name=""/>
+        <dsp:cNvSpPr/>
+      </dsp:nvSpPr>
+      <dsp:spPr>
+        <a:xfrm>
+          <a:off x="974894" y="133661"/>
+          <a:ext cx="2652676" cy="921239"/>
+        </a:xfrm>
+        <a:prstGeom prst="ellipse">
+          <a:avLst/>
+        </a:prstGeom>
+        <a:solidFill>
+          <a:schemeClr val="accent3">
+            <a:tint val="50000"/>
+            <a:alpha val="40000"/>
+            <a:hueOff val="0"/>
+            <a:satOff val="0"/>
+            <a:lumOff val="0"/>
+            <a:alphaOff val="0"/>
+          </a:schemeClr>
+        </a:solidFill>
+        <a:ln>
+          <a:noFill/>
+        </a:ln>
+        <a:effectLst/>
+        <a:scene3d>
+          <a:camera prst="orthographicFront"/>
+          <a:lightRig rig="flat" dir="t"/>
+        </a:scene3d>
+        <a:sp3d z="-190500" extrusionH="12700" prstMaterial="matte"/>
+      </dsp:spPr>
+      <dsp:style>
+        <a:lnRef idx="0">
+          <a:scrgbClr r="0" g="0" b="0"/>
+        </a:lnRef>
+        <a:fillRef idx="1">
+          <a:scrgbClr r="0" g="0" b="0"/>
+        </a:fillRef>
+        <a:effectRef idx="0">
+          <a:scrgbClr r="0" g="0" b="0"/>
+        </a:effectRef>
+        <a:fontRef idx="minor"/>
+      </dsp:style>
+    </dsp:sp>
+    <dsp:sp modelId="{9ACA8DAC-C649-4BF6-9FDD-5E1BEDE4FEA6}">
+      <dsp:nvSpPr>
+        <dsp:cNvPr id="0" name=""/>
+        <dsp:cNvSpPr/>
+      </dsp:nvSpPr>
+      <dsp:spPr>
+        <a:xfrm>
+          <a:off x="2048302" y="2389464"/>
+          <a:ext cx="514084" cy="329014"/>
+        </a:xfrm>
+        <a:prstGeom prst="downArrow">
+          <a:avLst/>
+        </a:prstGeom>
+        <a:solidFill>
+          <a:schemeClr val="accent3">
+            <a:tint val="60000"/>
+            <a:hueOff val="0"/>
+            <a:satOff val="0"/>
+            <a:lumOff val="0"/>
+            <a:alphaOff val="0"/>
+          </a:schemeClr>
+        </a:solidFill>
+        <a:ln>
+          <a:noFill/>
+        </a:ln>
+        <a:effectLst>
+          <a:outerShdw blurRad="57150" dist="19050" dir="5400000" algn="ctr" rotWithShape="0">
+            <a:srgbClr val="000000">
+              <a:alpha val="63000"/>
+            </a:srgbClr>
+          </a:outerShdw>
+        </a:effectLst>
+        <a:scene3d>
+          <a:camera prst="orthographicFront"/>
+          <a:lightRig rig="flat" dir="t"/>
+        </a:scene3d>
+        <a:sp3d z="190500" prstMaterial="plastic">
+          <a:bevelT w="120900" h="88900"/>
+          <a:bevelB w="88900" h="31750" prst="angle"/>
+        </a:sp3d>
+      </dsp:spPr>
+      <dsp:style>
+        <a:lnRef idx="0">
+          <a:scrgbClr r="0" g="0" b="0"/>
+        </a:lnRef>
+        <a:fillRef idx="1">
+          <a:scrgbClr r="0" g="0" b="0"/>
+        </a:fillRef>
+        <a:effectRef idx="3">
+          <a:scrgbClr r="0" g="0" b="0"/>
+        </a:effectRef>
+        <a:fontRef idx="minor">
+          <a:schemeClr val="lt1"/>
+        </a:fontRef>
+      </dsp:style>
+    </dsp:sp>
+    <dsp:sp modelId="{CB0D1FA8-157F-41B8-B61C-B507EE20C6D5}">
+      <dsp:nvSpPr>
+        <dsp:cNvPr id="0" name=""/>
+        <dsp:cNvSpPr/>
+      </dsp:nvSpPr>
+      <dsp:spPr>
+        <a:xfrm>
+          <a:off x="1071542" y="2652676"/>
+          <a:ext cx="2467605" cy="616901"/>
+        </a:xfrm>
+        <a:prstGeom prst="rect">
+          <a:avLst/>
+        </a:prstGeom>
+        <a:noFill/>
+        <a:ln>
+          <a:noFill/>
+        </a:ln>
+        <a:effectLst/>
+      </dsp:spPr>
+      <dsp:style>
+        <a:lnRef idx="0">
+          <a:scrgbClr r="0" g="0" b="0"/>
+        </a:lnRef>
+        <a:fillRef idx="0">
+          <a:scrgbClr r="0" g="0" b="0"/>
+        </a:fillRef>
+        <a:effectRef idx="0">
+          <a:scrgbClr r="0" g="0" b="0"/>
+        </a:effectRef>
+        <a:fontRef idx="minor"/>
+      </dsp:style>
+      <dsp:txBody>
+        <a:bodyPr spcFirstLastPara="0" vert="horz" wrap="square" lIns="149352" tIns="149352" rIns="149352" bIns="149352" numCol="1" spcCol="1270" anchor="ctr" anchorCtr="0">
+          <a:noAutofit/>
+        </a:bodyPr>
+        <a:lstStyle/>
+        <a:p>
+          <a:pPr marL="0" lvl="0" indent="0" algn="ctr" defTabSz="933450">
+            <a:lnSpc>
+              <a:spcPct val="90000"/>
+            </a:lnSpc>
+            <a:spcBef>
+              <a:spcPct val="0"/>
+            </a:spcBef>
+            <a:spcAft>
+              <a:spcPct val="35000"/>
+            </a:spcAft>
+            <a:buNone/>
+          </a:pPr>
+          <a:r>
+            <a:rPr lang="en-US" altLang="zh-TW" sz="2100" kern="1200" dirty="0">
+              <a:solidFill>
+                <a:schemeClr val="tx1">
+                  <a:lumMod val="95000"/>
+                  <a:lumOff val="5000"/>
+                </a:schemeClr>
+              </a:solidFill>
+            </a:rPr>
+            <a:t>True/False</a:t>
+          </a:r>
+          <a:endParaRPr lang="zh-TW" altLang="en-US" sz="2100" kern="1200" dirty="0">
+            <a:solidFill>
+              <a:schemeClr val="tx1">
+                <a:lumMod val="95000"/>
+                <a:lumOff val="5000"/>
+              </a:schemeClr>
+            </a:solidFill>
+          </a:endParaRPr>
+        </a:p>
+      </dsp:txBody>
+      <dsp:txXfrm>
+        <a:off x="1071542" y="2652676"/>
+        <a:ext cx="2467605" cy="616901"/>
+      </dsp:txXfrm>
+    </dsp:sp>
+    <dsp:sp modelId="{33FED455-6043-4542-9812-2212A48C1066}">
+      <dsp:nvSpPr>
+        <dsp:cNvPr id="0" name=""/>
+        <dsp:cNvSpPr/>
+      </dsp:nvSpPr>
+      <dsp:spPr>
+        <a:xfrm>
+          <a:off x="1939316" y="1126050"/>
+          <a:ext cx="925352" cy="925352"/>
+        </a:xfrm>
+        <a:prstGeom prst="ellipse">
+          <a:avLst/>
+        </a:prstGeom>
+        <a:solidFill>
+          <a:schemeClr val="accent6">
+            <a:lumMod val="50000"/>
+          </a:schemeClr>
+        </a:solidFill>
+        <a:ln>
+          <a:noFill/>
+        </a:ln>
+        <a:effectLst/>
+        <a:scene3d>
+          <a:camera prst="orthographicFront"/>
+          <a:lightRig rig="flat" dir="t"/>
+        </a:scene3d>
+        <a:sp3d prstMaterial="plastic">
+          <a:bevelT w="120900" h="88900"/>
+          <a:bevelB w="88900" h="31750" prst="angle"/>
+        </a:sp3d>
+      </dsp:spPr>
+      <dsp:style>
+        <a:lnRef idx="0">
+          <a:scrgbClr r="0" g="0" b="0"/>
+        </a:lnRef>
+        <a:fillRef idx="3">
+          <a:scrgbClr r="0" g="0" b="0"/>
+        </a:fillRef>
+        <a:effectRef idx="2">
+          <a:scrgbClr r="0" g="0" b="0"/>
+        </a:effectRef>
+        <a:fontRef idx="minor">
+          <a:schemeClr val="lt1"/>
+        </a:fontRef>
+      </dsp:style>
+      <dsp:txBody>
+        <a:bodyPr spcFirstLastPara="0" vert="horz" wrap="square" lIns="25400" tIns="25400" rIns="25400" bIns="25400" numCol="1" spcCol="1270" anchor="ctr" anchorCtr="0">
+          <a:noAutofit/>
+        </a:bodyPr>
+        <a:lstStyle/>
+        <a:p>
+          <a:pPr marL="0" lvl="0" indent="0" algn="ctr" defTabSz="889000">
+            <a:lnSpc>
+              <a:spcPct val="90000"/>
+            </a:lnSpc>
+            <a:spcBef>
+              <a:spcPct val="0"/>
+            </a:spcBef>
+            <a:spcAft>
+              <a:spcPct val="35000"/>
+            </a:spcAft>
+            <a:buNone/>
+          </a:pPr>
+          <a:r>
+            <a:rPr lang="zh-TW" altLang="en-US" sz="2000" kern="1200" dirty="0">
+              <a:solidFill>
+                <a:prstClr val="black">
+                  <a:hueOff val="0"/>
+                  <a:satOff val="0"/>
+                  <a:lumOff val="0"/>
+                  <a:alphaOff val="0"/>
+                </a:prstClr>
+              </a:solidFill>
+              <a:latin typeface="DFKai-SB" panose="03000509000000000000" pitchFamily="65" charset="-120"/>
+              <a:ea typeface="DFKai-SB" panose="03000509000000000000" pitchFamily="65" charset="-120"/>
+              <a:cs typeface="+mn-cs"/>
+            </a:rPr>
+            <a:t>心跳</a:t>
+          </a:r>
+        </a:p>
+      </dsp:txBody>
+      <dsp:txXfrm>
+        <a:off x="2074831" y="1261565"/>
+        <a:ext cx="654322" cy="654322"/>
+      </dsp:txXfrm>
+    </dsp:sp>
+    <dsp:sp modelId="{00C91581-1446-4F29-AA63-9364080A3E06}">
+      <dsp:nvSpPr>
+        <dsp:cNvPr id="0" name=""/>
+        <dsp:cNvSpPr/>
+      </dsp:nvSpPr>
+      <dsp:spPr>
+        <a:xfrm>
+          <a:off x="1616585" y="436161"/>
+          <a:ext cx="925352" cy="925352"/>
+        </a:xfrm>
+        <a:prstGeom prst="ellipse">
+          <a:avLst/>
+        </a:prstGeom>
+        <a:solidFill>
+          <a:srgbClr val="FF0000"/>
+        </a:solidFill>
+        <a:ln>
+          <a:noFill/>
+        </a:ln>
+        <a:effectLst/>
+        <a:scene3d>
+          <a:camera prst="orthographicFront"/>
+          <a:lightRig rig="flat" dir="t"/>
+        </a:scene3d>
+        <a:sp3d prstMaterial="plastic">
+          <a:bevelT w="120900" h="88900"/>
+          <a:bevelB w="88900" h="31750" prst="angle"/>
+        </a:sp3d>
+      </dsp:spPr>
+      <dsp:style>
+        <a:lnRef idx="0">
+          <a:scrgbClr r="0" g="0" b="0"/>
+        </a:lnRef>
+        <a:fillRef idx="3">
+          <a:scrgbClr r="0" g="0" b="0"/>
+        </a:fillRef>
+        <a:effectRef idx="2">
+          <a:scrgbClr r="0" g="0" b="0"/>
+        </a:effectRef>
+        <a:fontRef idx="minor">
+          <a:schemeClr val="lt1"/>
+        </a:fontRef>
+      </dsp:style>
+      <dsp:txBody>
+        <a:bodyPr spcFirstLastPara="0" vert="horz" wrap="square" lIns="25400" tIns="25400" rIns="25400" bIns="25400" numCol="1" spcCol="1270" anchor="ctr" anchorCtr="0">
+          <a:noAutofit/>
+        </a:bodyPr>
+        <a:lstStyle/>
+        <a:p>
+          <a:pPr marL="0" lvl="0" indent="0" algn="ctr" defTabSz="889000">
+            <a:lnSpc>
+              <a:spcPct val="90000"/>
+            </a:lnSpc>
+            <a:spcBef>
+              <a:spcPct val="0"/>
+            </a:spcBef>
+            <a:spcAft>
+              <a:spcPct val="35000"/>
+            </a:spcAft>
+            <a:buNone/>
+          </a:pPr>
+          <a:r>
+            <a:rPr lang="zh-TW" altLang="en-US" sz="2000" kern="1200" dirty="0">
+              <a:latin typeface="DFKai-SB" panose="03000509000000000000" pitchFamily="65" charset="-120"/>
+              <a:ea typeface="DFKai-SB" panose="03000509000000000000" pitchFamily="65" charset="-120"/>
+            </a:rPr>
+            <a:t>血壓</a:t>
+          </a:r>
+        </a:p>
+      </dsp:txBody>
+      <dsp:txXfrm>
+        <a:off x="1752100" y="571676"/>
+        <a:ext cx="654322" cy="654322"/>
+      </dsp:txXfrm>
+    </dsp:sp>
+    <dsp:sp modelId="{0E63F694-D793-4790-9C25-C9AD4A5CF1C2}">
+      <dsp:nvSpPr>
+        <dsp:cNvPr id="0" name=""/>
+        <dsp:cNvSpPr/>
+      </dsp:nvSpPr>
+      <dsp:spPr>
+        <a:xfrm>
+          <a:off x="2483022" y="217077"/>
+          <a:ext cx="925352" cy="925352"/>
+        </a:xfrm>
+        <a:prstGeom prst="ellipse">
+          <a:avLst/>
+        </a:prstGeom>
+        <a:solidFill>
+          <a:srgbClr val="00B0F0"/>
+        </a:solidFill>
+        <a:ln>
+          <a:noFill/>
+        </a:ln>
+        <a:effectLst/>
+        <a:scene3d>
+          <a:camera prst="orthographicFront"/>
+          <a:lightRig rig="flat" dir="t"/>
+        </a:scene3d>
+        <a:sp3d prstMaterial="plastic">
+          <a:bevelT w="120900" h="88900"/>
+          <a:bevelB w="88900" h="31750" prst="angle"/>
+        </a:sp3d>
+      </dsp:spPr>
+      <dsp:style>
+        <a:lnRef idx="0">
+          <a:scrgbClr r="0" g="0" b="0"/>
+        </a:lnRef>
+        <a:fillRef idx="3">
+          <a:scrgbClr r="0" g="0" b="0"/>
+        </a:fillRef>
+        <a:effectRef idx="2">
+          <a:scrgbClr r="0" g="0" b="0"/>
+        </a:effectRef>
+        <a:fontRef idx="minor">
+          <a:schemeClr val="lt1"/>
+        </a:fontRef>
+      </dsp:style>
+      <dsp:txBody>
+        <a:bodyPr spcFirstLastPara="0" vert="horz" wrap="square" lIns="25400" tIns="25400" rIns="25400" bIns="25400" numCol="1" spcCol="1270" anchor="ctr" anchorCtr="0">
+          <a:noAutofit/>
+        </a:bodyPr>
+        <a:lstStyle/>
+        <a:p>
+          <a:pPr marL="0" lvl="0" indent="0" algn="ctr" defTabSz="1600200">
+            <a:lnSpc>
+              <a:spcPct val="90000"/>
+            </a:lnSpc>
+            <a:spcBef>
+              <a:spcPct val="0"/>
+            </a:spcBef>
+            <a:spcAft>
+              <a:spcPct val="35000"/>
+            </a:spcAft>
+            <a:buNone/>
+          </a:pPr>
+          <a:r>
+            <a:rPr lang="zh-TW" altLang="en-US" sz="2000" kern="1200" dirty="0">
+              <a:solidFill>
+                <a:prstClr val="black">
+                  <a:hueOff val="0"/>
+                  <a:satOff val="0"/>
+                  <a:lumOff val="0"/>
+                  <a:alphaOff val="0"/>
+                </a:prstClr>
+              </a:solidFill>
+              <a:latin typeface="DFKai-SB" panose="03000509000000000000" pitchFamily="65" charset="-120"/>
+              <a:ea typeface="DFKai-SB" panose="03000509000000000000" pitchFamily="65" charset="-120"/>
+              <a:cs typeface="+mn-cs"/>
+            </a:rPr>
+            <a:t>額溫</a:t>
+          </a:r>
+          <a:endParaRPr lang="en-US" altLang="zh-TW" sz="2000" kern="1200" dirty="0">
+            <a:solidFill>
+              <a:prstClr val="black">
+                <a:hueOff val="0"/>
+                <a:satOff val="0"/>
+                <a:lumOff val="0"/>
+                <a:alphaOff val="0"/>
+              </a:prstClr>
+            </a:solidFill>
+            <a:latin typeface="DFKai-SB" panose="03000509000000000000" pitchFamily="65" charset="-120"/>
+            <a:ea typeface="DFKai-SB" panose="03000509000000000000" pitchFamily="65" charset="-120"/>
+            <a:cs typeface="+mn-cs"/>
+          </a:endParaRPr>
+        </a:p>
+      </dsp:txBody>
+      <dsp:txXfrm>
+        <a:off x="2618537" y="352592"/>
+        <a:ext cx="654322" cy="654322"/>
+      </dsp:txXfrm>
+    </dsp:sp>
+    <dsp:sp modelId="{DAB41584-19D3-420A-B39F-5E390E6383D4}">
+      <dsp:nvSpPr>
+        <dsp:cNvPr id="0" name=""/>
+        <dsp:cNvSpPr/>
+      </dsp:nvSpPr>
+      <dsp:spPr>
+        <a:xfrm>
+          <a:off x="844057" y="0"/>
+          <a:ext cx="2878873" cy="2303098"/>
+        </a:xfrm>
+        <a:prstGeom prst="funnel">
+          <a:avLst/>
+        </a:prstGeom>
+        <a:solidFill>
+          <a:schemeClr val="accent3">
+            <a:alpha val="40000"/>
+            <a:tint val="40000"/>
+            <a:hueOff val="0"/>
+            <a:satOff val="0"/>
+            <a:lumOff val="0"/>
+            <a:alphaOff val="0"/>
+          </a:schemeClr>
+        </a:solidFill>
+        <a:ln w="6350" cap="flat" cmpd="sng" algn="ctr">
+          <a:solidFill>
+            <a:schemeClr val="accent3">
+              <a:hueOff val="0"/>
+              <a:satOff val="0"/>
+              <a:lumOff val="0"/>
+              <a:alphaOff val="0"/>
+            </a:schemeClr>
+          </a:solidFill>
+          <a:prstDash val="solid"/>
+          <a:miter lim="800000"/>
+        </a:ln>
+        <a:effectLst/>
+        <a:scene3d>
+          <a:camera prst="orthographicFront"/>
+          <a:lightRig rig="flat" dir="t"/>
+        </a:scene3d>
+        <a:sp3d extrusionH="12700" prstMaterial="plastic">
+          <a:bevelT w="50800" h="50800"/>
+        </a:sp3d>
+      </dsp:spPr>
+      <dsp:style>
+        <a:lnRef idx="1">
+          <a:scrgbClr r="0" g="0" b="0"/>
+        </a:lnRef>
+        <a:fillRef idx="1">
+          <a:scrgbClr r="0" g="0" b="0"/>
+        </a:fillRef>
+        <a:effectRef idx="2">
+          <a:scrgbClr r="0" g="0" b="0"/>
+        </a:effectRef>
+        <a:fontRef idx="minor"/>
+      </dsp:style>
+    </dsp:sp>
+  </dsp:spTree>
+</dsp:drawing>
+</file>
+
+<file path=ppt/diagrams/layout1.xml><?xml version="1.0" encoding="utf-8"?>
+<dgm:layoutDef xmlns:dgm="http://schemas.openxmlformats.org/drawingml/2006/diagram" xmlns:a="http://schemas.openxmlformats.org/drawingml/2006/main" uniqueId="urn:microsoft.com/office/officeart/2005/8/layout/funnel1">
+  <dgm:title val=""/>
+  <dgm:desc val=""/>
+  <dgm:catLst>
+    <dgm:cat type="relationship" pri="2000"/>
+    <dgm:cat type="process" pri="27000"/>
+  </dgm:catLst>
+  <dgm:sampData>
+    <dgm:dataModel>
+      <dgm:ptLst>
+        <dgm:pt modelId="0" type="doc"/>
+        <dgm:pt modelId="1">
+          <dgm:prSet phldr="1"/>
+        </dgm:pt>
+        <dgm:pt modelId="2">
+          <dgm:prSet phldr="1"/>
+        </dgm:pt>
+        <dgm:pt modelId="3">
+          <dgm:prSet phldr="1"/>
+        </dgm:pt>
+        <dgm:pt modelId="4">
+          <dgm:prSet phldr="1"/>
+        </dgm:pt>
+      </dgm:ptLst>
+      <dgm:cxnLst>
+        <dgm:cxn modelId="5" srcId="0" destId="1" srcOrd="0" destOrd="0"/>
+        <dgm:cxn modelId="6" srcId="0" destId="2" srcOrd="1" destOrd="0"/>
+        <dgm:cxn modelId="7" srcId="0" destId="3" srcOrd="2" destOrd="0"/>
+        <dgm:cxn modelId="8" srcId="0" destId="4" srcOrd="3" destOrd="0"/>
+      </dgm:cxnLst>
+      <dgm:bg/>
+      <dgm:whole/>
+    </dgm:dataModel>
+  </dgm:sampData>
+  <dgm:styleData>
+    <dgm:dataModel>
+      <dgm:ptLst>
+        <dgm:pt modelId="0" type="doc"/>
+        <dgm:pt modelId="1"/>
+        <dgm:pt modelId="2"/>
+      </dgm:ptLst>
+      <dgm:cxnLst>
+        <dgm:cxn modelId="3" srcId="0" destId="1" srcOrd="0" destOrd="0"/>
+        <dgm:cxn modelId="4" srcId="0" destId="2" srcOrd="1" destOrd="0"/>
+      </dgm:cxnLst>
+      <dgm:bg/>
+      <dgm:whole/>
+    </dgm:dataModel>
+  </dgm:styleData>
+  <dgm:clrData>
+    <dgm:dataModel>
+      <dgm:ptLst>
+        <dgm:pt modelId="0" type="doc"/>
+        <dgm:pt modelId="1"/>
+        <dgm:pt modelId="2"/>
+        <dgm:pt modelId="3"/>
+        <dgm:pt modelId="4"/>
+      </dgm:ptLst>
+      <dgm:cxnLst>
+        <dgm:cxn modelId="5" srcId="0" destId="1" srcOrd="0" destOrd="0"/>
+        <dgm:cxn modelId="6" srcId="0" destId="2" srcOrd="1" destOrd="0"/>
+        <dgm:cxn modelId="7" srcId="0" destId="3" srcOrd="2" destOrd="0"/>
+        <dgm:cxn modelId="8" srcId="0" destId="4" srcOrd="3" destOrd="0"/>
+      </dgm:cxnLst>
+      <dgm:bg/>
+      <dgm:whole/>
+    </dgm:dataModel>
+  </dgm:clrData>
+  <dgm:layoutNode name="Name0">
+    <dgm:varLst>
+      <dgm:chMax val="4"/>
+      <dgm:resizeHandles val="exact"/>
+    </dgm:varLst>
+    <dgm:alg type="composite">
+      <dgm:param type="ar" val="1.25"/>
+    </dgm:alg>
+    <dgm:shape xmlns:r="http://schemas.openxmlformats.org/officeDocument/2006/relationships" r:blip="">
+      <dgm:adjLst/>
+    </dgm:shape>
+    <dgm:presOf/>
+    <dgm:choose name="Name1">
+      <dgm:if name="Name2" axis="ch" ptType="node" func="cnt" op="equ" val="2">
+        <dgm:constrLst>
+          <dgm:constr type="w" for="ch" forName="ellipse" refType="w" fact="0.645"/>
+          <dgm:constr type="h" for="ch" forName="ellipse" refType="h" fact="0.28"/>
+          <dgm:constr type="t" for="ch" forName="ellipse" refType="w" fact="0.0275"/>
+          <dgm:constr type="l" for="ch" forName="ellipse" refType="w" fact="0.0265"/>
+          <dgm:constr type="w" for="ch" forName="arrow1" refType="w" fact="0.125"/>
+          <dgm:constr type="h" for="ch" forName="arrow1" refType="h" fact="0.1"/>
+          <dgm:constr type="t" for="ch" forName="arrow1" refType="h" fact="0.72"/>
+          <dgm:constr type="l" for="ch" forName="arrow1" refType="w" fact="0.2875"/>
+          <dgm:constr type="w" for="ch" forName="rectangle" refType="w" fact="0.6"/>
+          <dgm:constr type="h" for="ch" forName="rectangle" refType="w" refFor="ch" refForName="rectangle" fact="0.25"/>
+          <dgm:constr type="t" for="ch" forName="rectangle" refType="h" fact="0.8"/>
+          <dgm:constr type="l" for="ch" forName="rectangle" refType="w" fact="0.05"/>
+          <dgm:constr type="w" for="ch" forName="item1" refType="w" fact="0.35"/>
+          <dgm:constr type="h" for="ch" forName="item1" refType="w" fact="0.35"/>
+          <dgm:constr type="t" for="ch" forName="item1" refType="h" fact="0.05"/>
+          <dgm:constr type="l" for="ch" forName="item1" refType="w" fact="0.125"/>
+          <dgm:constr type="primFontSz" for="ch" forName="item1" op="equ" val="65"/>
+          <dgm:constr type="w" for="ch" forName="funnel" refType="w" fact="0.7"/>
+          <dgm:constr type="h" for="ch" forName="funnel" refType="h" fact="0.7"/>
+          <dgm:constr type="t" for="ch" forName="funnel"/>
+          <dgm:constr type="l" for="ch" forName="funnel"/>
+        </dgm:constrLst>
+      </dgm:if>
+      <dgm:else name="Name3">
+        <dgm:constrLst>
+          <dgm:constr type="w" for="ch" forName="ellipse" refType="w" fact="0.645"/>
+          <dgm:constr type="h" for="ch" forName="ellipse" refType="h" fact="0.28"/>
+          <dgm:constr type="t" for="ch" forName="ellipse" refType="w" fact="0.0275"/>
+          <dgm:constr type="l" for="ch" forName="ellipse" refType="w" fact="0.0265"/>
+          <dgm:constr type="w" for="ch" forName="arrow1" refType="w" fact="0.125"/>
+          <dgm:constr type="h" for="ch" forName="arrow1" refType="h" fact="0.1"/>
+          <dgm:constr type="t" for="ch" forName="arrow1" refType="h" fact="0.72"/>
+          <dgm:constr type="l" for="ch" forName="arrow1" refType="w" fact="0.2875"/>
+          <dgm:constr type="w" for="ch" forName="rectangle" refType="w" fact="0.6"/>
+          <dgm:constr type="h" for="ch" forName="rectangle" refType="w" refFor="ch" refForName="rectangle" fact="0.25"/>
+          <dgm:constr type="t" for="ch" forName="rectangle" refType="h" fact="0.8"/>
+          <dgm:constr type="l" for="ch" forName="rectangle" refType="w" fact="0.05"/>
+          <dgm:constr type="primFontSz" for="ch" forName="rectangle" val="65"/>
+          <dgm:constr type="w" for="ch" forName="item1" refType="w" fact="0.225"/>
+          <dgm:constr type="h" for="ch" forName="item1" refType="w" fact="0.225"/>
+          <dgm:constr type="t" for="ch" forName="item1" refType="h" fact="0.336"/>
+          <dgm:constr type="l" for="ch" forName="item1" refType="w" fact="0.261"/>
+          <dgm:constr type="primFontSz" for="ch" forName="item1" val="65"/>
+          <dgm:constr type="w" for="ch" forName="item2" refType="w" fact="0.225"/>
+          <dgm:constr type="h" for="ch" forName="item2" refType="w" fact="0.225"/>
+          <dgm:constr type="t" for="ch" forName="item2" refType="h" fact="0.125"/>
+          <dgm:constr type="l" for="ch" forName="item2" refType="w" fact="0.1"/>
+          <dgm:constr type="primFontSz" for="ch" forName="item2" refType="primFontSz" refFor="ch" refForName="item1" op="equ"/>
+          <dgm:constr type="w" for="ch" forName="item3" refType="w" fact="0.225"/>
+          <dgm:constr type="h" for="ch" forName="item3" refType="w" fact="0.225"/>
+          <dgm:constr type="t" for="ch" forName="item3" refType="h" fact="0.057"/>
+          <dgm:constr type="l" for="ch" forName="item3" refType="w" fact="0.33"/>
+          <dgm:constr type="primFontSz" for="ch" forName="item3" refType="primFontSz" refFor="ch" refForName="item1" op="equ"/>
+          <dgm:constr type="w" for="ch" forName="funnel" refType="w" fact="0.7"/>
+          <dgm:constr type="h" for="ch" forName="funnel" refType="h" fact="0.7"/>
+          <dgm:constr type="t" for="ch" forName="funnel"/>
+          <dgm:constr type="l" for="ch" forName="funnel"/>
+        </dgm:constrLst>
+      </dgm:else>
+    </dgm:choose>
+    <dgm:ruleLst/>
+    <dgm:choose name="Name4">
+      <dgm:if name="Name5" axis="ch" ptType="node" func="cnt" op="gte" val="1">
+        <dgm:layoutNode name="ellipse" styleLbl="trBgShp">
+          <dgm:alg type="sp"/>
+          <dgm:shape xmlns:r="http://schemas.openxmlformats.org/officeDocument/2006/relationships" type="ellipse" r:blip="">
+            <dgm:adjLst/>
+          </dgm:shape>
+          <dgm:presOf/>
+          <dgm:constrLst/>
+          <dgm:ruleLst/>
+        </dgm:layoutNode>
+        <dgm:layoutNode name="arrow1" styleLbl="fgShp">
+          <dgm:alg type="sp"/>
+          <dgm:shape xmlns:r="http://schemas.openxmlformats.org/officeDocument/2006/relationships" type="downArrow" r:blip="">
+            <dgm:adjLst/>
+          </dgm:shape>
+          <dgm:presOf/>
+          <dgm:constrLst/>
+          <dgm:ruleLst/>
+        </dgm:layoutNode>
+        <dgm:layoutNode name="rectangle" styleLbl="revTx">
+          <dgm:varLst>
+            <dgm:bulletEnabled val="1"/>
+          </dgm:varLst>
+          <dgm:alg type="tx">
+            <dgm:param type="txAnchorHorzCh" val="ctr"/>
+          </dgm:alg>
+          <dgm:shape xmlns:r="http://schemas.openxmlformats.org/officeDocument/2006/relationships" type="rect" r:blip="">
+            <dgm:adjLst/>
+          </dgm:shape>
+          <dgm:choose name="Name6">
+            <dgm:if name="Name7" axis="ch" ptType="node" func="cnt" op="equ" val="1">
+              <dgm:presOf axis="ch desOrSelf" ptType="node node" st="1 1" cnt="1 0"/>
+            </dgm:if>
+            <dgm:if name="Name8" axis="ch" ptType="node" func="cnt" op="equ" val="2">
+              <dgm:presOf axis="ch desOrSelf" ptType="node node" st="2 1" cnt="1 0"/>
+            </dgm:if>
+            <dgm:if name="Name9" axis="ch" ptType="node" func="cnt" op="equ" val="3">
+              <dgm:presOf axis="ch desOrSelf" ptType="node node" st="3 1" cnt="1 0"/>
+            </dgm:if>
+            <dgm:else name="Name10">
+              <dgm:presOf axis="ch desOrSelf" ptType="node node" st="4 1" cnt="1 0"/>
+            </dgm:else>
+          </dgm:choose>
+          <dgm:constrLst/>
+          <dgm:ruleLst>
+            <dgm:rule type="primFontSz" val="5" fact="NaN" max="NaN"/>
+          </dgm:ruleLst>
+        </dgm:layoutNode>
+        <dgm:forEach name="Name11" axis="ch" ptType="node" st="2" cnt="1">
+          <dgm:layoutNode name="item1" styleLbl="node1">
+            <dgm:varLst>
+              <dgm:bulletEnabled val="1"/>
+            </dgm:varLst>
+            <dgm:alg type="tx">
+              <dgm:param type="txAnchorVertCh" val="mid"/>
+            </dgm:alg>
+            <dgm:shape xmlns:r="http://schemas.openxmlformats.org/officeDocument/2006/relationships" type="ellipse" r:blip="">
+              <dgm:adjLst/>
+            </dgm:shape>
+            <dgm:choose name="Name12">
+              <dgm:if name="Name13" axis="root ch" ptType="all node" func="cnt" op="equ" val="1">
+                <dgm:presOf/>
+              </dgm:if>
+              <dgm:if name="Name14" axis="root ch" ptType="all node" func="cnt" op="equ" val="2">
+                <dgm:presOf axis="root ch desOrSelf" ptType="all node node" st="1 1 1" cnt="0 1 0"/>
+              </dgm:if>
+              <dgm:if name="Name15" axis="root ch" ptType="all node" func="cnt" op="equ" val="3">
+                <dgm:presOf axis="root ch desOrSelf" ptType="all node node" st="1 2 1" cnt="0 1 0"/>
+              </dgm:if>
+              <dgm:else name="Name16">
+                <dgm:presOf axis="root ch desOrSelf" ptType="all node node" st="1 3 1" cnt="0 1 0"/>
+              </dgm:else>
+            </dgm:choose>
+            <dgm:constrLst>
+              <dgm:constr type="tMarg" refType="primFontSz" fact="0.1"/>
+              <dgm:constr type="bMarg" refType="primFontSz" fact="0.1"/>
+              <dgm:constr type="lMarg" refType="primFontSz" fact="0.1"/>
+              <dgm:constr type="rMarg" refType="primFontSz" fact="0.1"/>
+            </dgm:constrLst>
+            <dgm:ruleLst>
+              <dgm:rule type="primFontSz" val="5" fact="NaN" max="NaN"/>
+            </dgm:ruleLst>
+          </dgm:layoutNode>
+        </dgm:forEach>
+        <dgm:forEach name="Name17" axis="ch" ptType="node" st="3" cnt="1">
+          <dgm:layoutNode name="item2" styleLbl="node1">
+            <dgm:varLst>
+              <dgm:bulletEnabled val="1"/>
+            </dgm:varLst>
+            <dgm:alg type="tx">
+              <dgm:param type="txAnchorVertCh" val="mid"/>
+            </dgm:alg>
+            <dgm:shape xmlns:r="http://schemas.openxmlformats.org/officeDocument/2006/relationships" type="ellipse" r:blip="">
+              <dgm:adjLst/>
+            </dgm:shape>
+            <dgm:choose name="Name18">
+              <dgm:if name="Name19" axis="root ch" ptType="all node" func="cnt" op="equ" val="1">
+                <dgm:presOf/>
+              </dgm:if>
+              <dgm:if name="Name20" axis="root ch" ptType="all node" func="cnt" op="equ" val="2">
+                <dgm:presOf/>
+              </dgm:if>
+              <dgm:if name="Name21" axis="root ch" ptType="all node" func="cnt" op="equ" val="3">
+                <dgm:presOf axis="root ch desOrSelf" ptType="all node node" st="1 1 1" cnt="0 1 0"/>
+              </dgm:if>
+              <dgm:else name="Name22">
+                <dgm:presOf axis="root ch desOrSelf" ptType="all node node" st="1 2 1" cnt="0 1 0"/>
+              </dgm:else>
+            </dgm:choose>
+            <dgm:constrLst>
+              <dgm:constr type="tMarg" refType="primFontSz" fact="0.1"/>
+              <dgm:constr type="bMarg" refType="primFontSz" fact="0.1"/>
+              <dgm:constr type="lMarg" refType="primFontSz" fact="0.1"/>
+              <dgm:constr type="rMarg" refType="primFontSz" fact="0.1"/>
+            </dgm:constrLst>
+            <dgm:ruleLst>
+              <dgm:rule type="primFontSz" val="5" fact="NaN" max="NaN"/>
+            </dgm:ruleLst>
+          </dgm:layoutNode>
+        </dgm:forEach>
+        <dgm:forEach name="Name23" axis="ch" ptType="node" st="4" cnt="1">
+          <dgm:layoutNode name="item3" styleLbl="node1">
+            <dgm:varLst>
+              <dgm:bulletEnabled val="1"/>
+            </dgm:varLst>
+            <dgm:alg type="tx">
+              <dgm:param type="txAnchorVertCh" val="mid"/>
+            </dgm:alg>
+            <dgm:shape xmlns:r="http://schemas.openxmlformats.org/officeDocument/2006/relationships" type="ellipse" r:blip="">
+              <dgm:adjLst/>
+            </dgm:shape>
+            <dgm:choose name="Name24">
+              <dgm:if name="Name25" axis="root ch" ptType="all node" func="cnt" op="equ" val="1">
+                <dgm:presOf/>
+              </dgm:if>
+              <dgm:if name="Name26" axis="root ch" ptType="all node" func="cnt" op="equ" val="2">
+                <dgm:presOf/>
+              </dgm:if>
+              <dgm:if name="Name27" axis="root ch" ptType="all node" func="cnt" op="equ" val="3">
+                <dgm:presOf/>
+              </dgm:if>
+              <dgm:else name="Name28">
+                <dgm:presOf axis="root ch desOrSelf" ptType="all node node" st="1 1 1" cnt="0 1 0"/>
+              </dgm:else>
+            </dgm:choose>
+            <dgm:constrLst>
+              <dgm:constr type="tMarg" refType="primFontSz" fact="0.1"/>
+              <dgm:constr type="bMarg" refType="primFontSz" fact="0.1"/>
+              <dgm:constr type="lMarg" refType="primFontSz" fact="0.1"/>
+              <dgm:constr type="rMarg" refType="primFontSz" fact="0.1"/>
+            </dgm:constrLst>
+            <dgm:ruleLst>
+              <dgm:rule type="primFontSz" val="5" fact="NaN" max="NaN"/>
+            </dgm:ruleLst>
+          </dgm:layoutNode>
+        </dgm:forEach>
+        <dgm:layoutNode name="funnel" styleLbl="trAlignAcc1">
+          <dgm:alg type="sp"/>
+          <dgm:shape xmlns:r="http://schemas.openxmlformats.org/officeDocument/2006/relationships" type="funnel" r:blip="">
+            <dgm:adjLst/>
+          </dgm:shape>
+          <dgm:presOf/>
+          <dgm:constrLst/>
+          <dgm:ruleLst/>
+        </dgm:layoutNode>
+      </dgm:if>
+      <dgm:else name="Name29"/>
+    </dgm:choose>
+  </dgm:layoutNode>
+</dgm:layoutDef>
+</file>
+
+<file path=ppt/diagrams/quickStyle1.xml><?xml version="1.0" encoding="utf-8"?>
+<dgm:styleDef xmlns:dgm="http://schemas.openxmlformats.org/drawingml/2006/diagram" xmlns:a="http://schemas.openxmlformats.org/drawingml/2006/main" uniqueId="urn:microsoft.com/office/officeart/2005/8/quickstyle/3d1">
+  <dgm:title val=""/>
+  <dgm:desc val=""/>
+  <dgm:catLst>
+    <dgm:cat type="3D" pri="11100"/>
+  </dgm:catLst>
+  <dgm:scene3d>
+    <a:camera prst="orthographicFront"/>
+    <a:lightRig rig="threePt" dir="t"/>
+  </dgm:scene3d>
+  <dgm:styleLbl name="node0">
+    <dgm:scene3d>
+      <a:camera prst="orthographicFront"/>
+      <a:lightRig rig="flat" dir="t"/>
+    </dgm:scene3d>
+    <dgm:sp3d prstMaterial="plastic">
+      <a:bevelT w="120900" h="88900"/>
+      <a:bevelB w="88900" h="31750" prst="angle"/>
+    </dgm:sp3d>
+    <dgm:txPr/>
+    <dgm:style>
+      <a:lnRef idx="0">
+        <a:scrgbClr r="0" g="0" b="0"/>
+      </a:lnRef>
+      <a:fillRef idx="3">
+        <a:scrgbClr r="0" g="0" b="0"/>
+      </a:fillRef>
+      <a:effectRef idx="2">
+        <a:scrgbClr r="0" g="0" b="0"/>
+      </a:effectRef>
+      <a:fontRef idx="minor">
+        <a:schemeClr val="lt1"/>
+      </a:fontRef>
+    </dgm:style>
+  </dgm:styleLbl>
+  <dgm:styleLbl name="lnNode1">
+    <dgm:scene3d>
+      <a:camera prst="orthographicFront"/>
+      <a:lightRig rig="flat" dir="t"/>
+    </dgm:scene3d>
+    <dgm:sp3d prstMaterial="plastic">
+      <a:bevelT w="120900" h="88900"/>
+      <a:bevelB w="88900" h="31750" prst="angle"/>
+    </dgm:sp3d>
+    <dgm:txPr/>
+    <dgm:style>
+      <a:lnRef idx="0">
+        <a:scrgbClr r="0" g="0" b="0"/>
+      </a:lnRef>
+      <a:fillRef idx="3">
+        <a:scrgbClr r="0" g="0" b="0"/>
+      </a:fillRef>
+      <a:effectRef idx="1">
+        <a:scrgbClr r="0" g="0" b="0"/>
+      </a:effectRef>
+      <a:fontRef idx="minor">
+        <a:schemeClr val="lt1"/>
+      </a:fontRef>
+    </dgm:style>
+  </dgm:styleLbl>
+  <dgm:styleLbl name="vennNode1">
+    <dgm:scene3d>
+      <a:camera prst="orthographicFront"/>
+      <a:lightRig rig="flat" dir="t"/>
+    </dgm:scene3d>
+    <dgm:sp3d prstMaterial="plastic">
+      <a:bevelT w="120900" h="88900"/>
+      <a:bevelB w="88900" h="31750" prst="angle"/>
+    </dgm:sp3d>
+    <dgm:txPr/>
+    <dgm:style>
+      <a:lnRef idx="0">
+        <a:scrgbClr r="0" g="0" b="0"/>
+      </a:lnRef>
+      <a:fillRef idx="1">
+        <a:scrgbClr r="0" g="0" b="0"/>
+      </a:fillRef>
+      <a:effectRef idx="1">
+        <a:scrgbClr r="0" g="0" b="0"/>
+      </a:effectRef>
+      <a:fontRef idx="minor">
+        <a:schemeClr val="tx1"/>
+      </a:fontRef>
+    </dgm:style>
+  </dgm:styleLbl>
+  <dgm:styleLbl name="alignNode1">
+    <dgm:scene3d>
+      <a:camera prst="orthographicFront"/>
+      <a:lightRig rig="flat" dir="t"/>
+    </dgm:scene3d>
+    <dgm:sp3d prstMaterial="plastic">
+      <a:bevelT w="120900" h="88900"/>
+      <a:bevelB w="88900" h="31750" prst="angle"/>
+    </dgm:sp3d>
+    <dgm:txPr/>
+    <dgm:style>
+      <a:lnRef idx="1">
+        <a:scrgbClr r="0" g="0" b="0"/>
+      </a:lnRef>
+      <a:fillRef idx="3">
+        <a:scrgbClr r="0" g="0" b="0"/>
+      </a:fillRef>
+      <a:effectRef idx="2">
+        <a:scrgbClr r="0" g="0" b="0"/>
+      </a:effectRef>
+      <a:fontRef idx="minor">
+        <a:schemeClr val="lt1"/>
+      </a:fontRef>
+    </dgm:style>
+  </dgm:styleLbl>
+  <dgm:styleLbl name="node1">
+    <dgm:scene3d>
+      <a:camera prst="orthographicFront"/>
+      <a:lightRig rig="flat" dir="t"/>
+    </dgm:scene3d>
+    <dgm:sp3d prstMaterial="plastic">
+      <a:bevelT w="120900" h="88900"/>
+      <a:bevelB w="88900" h="31750" prst="angle"/>
+    </dgm:sp3d>
+    <dgm:txPr/>
+    <dgm:style>
+      <a:lnRef idx="0">
+        <a:scrgbClr r="0" g="0" b="0"/>
+      </a:lnRef>
+      <a:fillRef idx="3">
+        <a:scrgbClr r="0" g="0" b="0"/>
+      </a:fillRef>
+      <a:effectRef idx="2">
+        <a:scrgbClr r="0" g="0" b="0"/>
+      </a:effectRef>
+      <a:fontRef idx="minor">
+        <a:schemeClr val="lt1"/>
+      </a:fontRef>
+    </dgm:style>
+  </dgm:styleLbl>
+  <dgm:styleLbl name="node2">
+    <dgm:scene3d>
+      <a:camera prst="orthographicFront"/>
+      <a:lightRig rig="flat" dir="t"/>
+    </dgm:scene3d>
+    <dgm:sp3d prstMaterial="plastic">
+      <a:bevelT w="120900" h="88900"/>
+      <a:bevelB w="88900" h="31750" prst="angle"/>
+    </dgm:sp3d>
+    <dgm:txPr/>
+    <dgm:style>
+      <a:lnRef idx="0">
+        <a:scrgbClr r="0" g="0" b="0"/>
+      </a:lnRef>
+      <a:fillRef idx="3">
+        <a:scrgbClr r="0" g="0" b="0"/>
+      </a:fillRef>
+      <a:effectRef idx="1">
+        <a:scrgbClr r="0" g="0" b="0"/>
+      </a:effectRef>
+      <a:fontRef idx="minor">
+        <a:schemeClr val="lt1"/>
+      </a:fontRef>
+    </dgm:style>
+  </dgm:styleLbl>
+  <dgm:styleLbl name="node3">
+    <dgm:scene3d>
+      <a:camera prst="orthographicFront"/>
+      <a:lightRig rig="flat" dir="t"/>
+    </dgm:scene3d>
+    <dgm:sp3d prstMaterial="plastic">
+      <a:bevelT w="120900" h="88900"/>
+      <a:bevelB w="88900" h="31750" prst="angle"/>
+    </dgm:sp3d>
+    <dgm:txPr/>
+    <dgm:style>
+      <a:lnRef idx="0">
+        <a:scrgbClr r="0" g="0" b="0"/>
+      </a:lnRef>
+      <a:fillRef idx="3">
+        <a:scrgbClr r="0" g="0" b="0"/>
+      </a:fillRef>
+      <a:effectRef idx="1">
+        <a:scrgbClr r="0" g="0" b="0"/>
+      </a:effectRef>
+      <a:fontRef idx="minor">
+        <a:schemeClr val="lt1"/>
+      </a:fontRef>
+    </dgm:style>
+  </dgm:styleLbl>
+  <dgm:styleLbl name="node4">
+    <dgm:scene3d>
+      <a:camera prst="orthographicFront"/>
+      <a:lightRig rig="flat" dir="t"/>
+    </dgm:scene3d>
+    <dgm:sp3d prstMaterial="plastic">
+      <a:bevelT w="120900" h="88900"/>
+      <a:bevelB w="88900" h="31750" prst="angle"/>
+    </dgm:sp3d>
+    <dgm:txPr/>
+    <dgm:style>
+      <a:lnRef idx="0">
+        <a:scrgbClr r="0" g="0" b="0"/>
+      </a:lnRef>
+      <a:fillRef idx="3">
+        <a:scrgbClr r="0" g="0" b="0"/>
+      </a:fillRef>
+      <a:effectRef idx="1">
+        <a:scrgbClr r="0" g="0" b="0"/>
+      </a:effectRef>
+      <a:fontRef idx="minor">
+        <a:schemeClr val="lt1"/>
+      </a:fontRef>
+    </dgm:style>
+  </dgm:styleLbl>
+  <dgm:styleLbl name="fgImgPlace1">
+    <dgm:scene3d>
+      <a:camera prst="orthographicFront"/>
+      <a:lightRig rig="flat" dir="t"/>
+    </dgm:scene3d>
+    <dgm:sp3d z="127000" prstMaterial="plastic">
+      <a:bevelT w="88900" h="88900"/>
+      <a:bevelB w="88900" h="31750" prst="angle"/>
+    </dgm:sp3d>
+    <dgm:txPr/>
+    <dgm:style>
+      <a:lnRef idx="0">
+        <a:scrgbClr r="0" g="0" b="0"/>
+      </a:lnRef>
+      <a:fillRef idx="3">
+        <a:scrgbClr r="0" g="0" b="0"/>
+      </a:fillRef>
+      <a:effectRef idx="2">
+        <a:scrgbClr r="0" g="0" b="0"/>
+      </a:effectRef>
+      <a:fontRef idx="minor"/>
+    </dgm:style>
+  </dgm:styleLbl>
+  <dgm:styleLbl name="alignImgPlace1">
+    <dgm:scene3d>
+      <a:camera prst="orthographicFront"/>
+      <a:lightRig rig="flat" dir="t"/>
+    </dgm:scene3d>
+    <dgm:sp3d prstMaterial="plastic">
+      <a:bevelT w="88900" h="88900"/>
+      <a:bevelB w="88900" h="31750" prst="angle"/>
+    </dgm:sp3d>
+    <dgm:txPr/>
+    <dgm:style>
+      <a:lnRef idx="0">
+        <a:scrgbClr r="0" g="0" b="0"/>
+      </a:lnRef>
+      <a:fillRef idx="3">
+        <a:scrgbClr r="0" g="0" b="0"/>
+      </a:fillRef>
+      <a:effectRef idx="2">
+        <a:scrgbClr r="0" g="0" b="0"/>
+      </a:effectRef>
+      <a:fontRef idx="minor"/>
+    </dgm:style>
+  </dgm:styleLbl>
+  <dgm:styleLbl name="bgImgPlace1">
+    <dgm:scene3d>
+      <a:camera prst="orthographicFront"/>
+      <a:lightRig rig="flat" dir="t"/>
+    </dgm:scene3d>
+    <dgm:sp3d z="-190500" prstMaterial="plastic">
+      <a:bevelT w="88900" h="88900"/>
+      <a:bevelB w="88900" h="31750" prst="angle"/>
+    </dgm:sp3d>
+    <dgm:txPr/>
+    <dgm:style>
+      <a:lnRef idx="0">
+        <a:scrgbClr r="0" g="0" b="0"/>
+      </a:lnRef>
+      <a:fillRef idx="3">
+        <a:scrgbClr r="0" g="0" b="0"/>
+      </a:fillRef>
+      <a:effectRef idx="2">
+        <a:scrgbClr r="0" g="0" b="0"/>
+      </a:effectRef>
+      <a:fontRef idx="minor"/>
+    </dgm:style>
+  </dgm:styleLbl>
+  <dgm:styleLbl name="sibTrans2D1">
+    <dgm:scene3d>
+      <a:camera prst="orthographicFront"/>
+      <a:lightRig rig="flat" dir="t"/>
+    </dgm:scene3d>
+    <dgm:sp3d z="-80000" prstMaterial="plastic">
+      <a:bevelT w="50800" h="50800"/>
+      <a:bevelB w="25400" h="25400" prst="angle"/>
+    </dgm:sp3d>
+    <dgm:txPr/>
+    <dgm:style>
+      <a:lnRef idx="0">
+        <a:scrgbClr r="0" g="0" b="0"/>
+      </a:lnRef>
+      <a:fillRef idx="3">
+        <a:scrgbClr r="0" g="0" b="0"/>
+      </a:fillRef>
+      <a:effectRef idx="2">
+        <a:scrgbClr r="0" g="0" b="0"/>
+      </a:effectRef>
+      <a:fontRef idx="minor">
+        <a:schemeClr val="lt1"/>
+      </a:fontRef>
+    </dgm:style>
+  </dgm:styleLbl>
+  <dgm:styleLbl name="fgSibTrans2D1">
+    <dgm:scene3d>
+      <a:camera prst="orthographicFront"/>
+      <a:lightRig rig="flat" dir="t"/>
+    </dgm:scene3d>
+    <dgm:sp3d z="127000" prstMaterial="plastic">
+      <a:bevelT w="50800" h="50800"/>
+      <a:bevelB w="25400" h="25400" prst="angle"/>
+    </dgm:sp3d>
+    <dgm:txPr/>
+    <dgm:style>
+      <a:lnRef idx="0">
+        <a:scrgbClr r="0" g="0" b="0"/>
+      </a:lnRef>
+      <a:fillRef idx="3">
+        <a:scrgbClr r="0" g="0" b="0"/>
+      </a:fillRef>
+      <a:effectRef idx="2">
+        <a:scrgbClr r="0" g="0" b="0"/>
+      </a:effectRef>
+      <a:fontRef idx="minor">
+        <a:schemeClr val="lt1"/>
+      </a:fontRef>
+    </dgm:style>
+  </dgm:styleLbl>
+  <dgm:styleLbl name="bgSibTrans2D1">
+    <dgm:scene3d>
+      <a:camera prst="orthographicFront"/>
+      <a:lightRig rig="flat" dir="t"/>
+    </dgm:scene3d>
+    <dgm:sp3d z="-190500" prstMaterial="plastic">
+      <a:bevelT w="50800" h="50800"/>
+      <a:bevelB w="25400" h="25400" prst="angle"/>
+    </dgm:sp3d>
+    <dgm:txPr/>
+    <dgm:style>
+      <a:lnRef idx="0">
+        <a:scrgbClr r="0" g="0" b="0"/>
+      </a:lnRef>
+      <a:fillRef idx="3">
+        <a:scrgbClr r="0" g="0" b="0"/>
+      </a:fillRef>
+      <a:effectRef idx="2">
+        <a:scrgbClr r="0" g="0" b="0"/>
+      </a:effectRef>
+      <a:fontRef idx="minor">
+        <a:schemeClr val="lt1"/>
+      </a:fontRef>
+    </dgm:style>
+  </dgm:styleLbl>
+  <dgm:styleLbl name="sibTrans1D1">
+    <dgm:scene3d>
+      <a:camera prst="orthographicFront"/>
+      <a:lightRig rig="flat" dir="t"/>
+    </dgm:scene3d>
+    <dgm:sp3d z="-40000" prstMaterial="matte"/>
+    <dgm:txPr/>
+    <dgm:style>
+      <a:lnRef idx="1">
+        <a:scrgbClr r="0" g="0" b="0"/>
+      </a:lnRef>
+      <a:fillRef idx="0">
+        <a:scrgbClr r="0" g="0" b="0"/>
+      </a:fillRef>
+      <a:effectRef idx="0">
+        <a:scrgbClr r="0" g="0" b="0"/>
+      </a:effectRef>
+      <a:fontRef idx="minor"/>
+    </dgm:style>
+  </dgm:styleLbl>
+  <dgm:styleLbl name="callout">
+    <dgm:scene3d>
+      <a:camera prst="orthographicFront"/>
+      <a:lightRig rig="threePt" dir="t"/>
+    </dgm:scene3d>
+    <dgm:sp3d z="127000" prstMaterial="matte"/>
+    <dgm:txPr/>
+    <dgm:style>
+      <a:lnRef idx="2">
+        <a:scrgbClr r="0" g="0" b="0"/>
+      </a:lnRef>
+      <a:fillRef idx="1">
+        <a:scrgbClr r="0" g="0" b="0"/>
+      </a:fillRef>
+      <a:effectRef idx="0">
+        <a:scrgbClr r="0" g="0" b="0"/>
+      </a:effectRef>
+      <a:fontRef idx="minor"/>
+    </dgm:style>
+  </dgm:styleLbl>
+  <dgm:styleLbl name="asst0">
+    <dgm:scene3d>
+      <a:camera prst="orthographicFront"/>
+      <a:lightRig rig="flat" dir="t"/>
+    </dgm:scene3d>
+    <dgm:sp3d prstMaterial="plastic">
+      <a:bevelT w="120900" h="88900"/>
+      <a:bevelB w="88900" h="31750" prst="angle"/>
+    </dgm:sp3d>
+    <dgm:txPr/>
+    <dgm:style>
+      <a:lnRef idx="0">
+        <a:scrgbClr r="0" g="0" b="0"/>
+      </a:lnRef>
+      <a:fillRef idx="3">
+        <a:scrgbClr r="0" g="0" b="0"/>
+      </a:fillRef>
+      <a:effectRef idx="1">
+        <a:scrgbClr r="0" g="0" b="0"/>
+      </a:effectRef>
+      <a:fontRef idx="minor">
+        <a:schemeClr val="lt1"/>
+      </a:fontRef>
+    </dgm:style>
+  </dgm:styleLbl>
+  <dgm:styleLbl name="asst1">
+    <dgm:scene3d>
+      <a:camera prst="orthographicFront"/>
+      <a:lightRig rig="flat" dir="t"/>
+    </dgm:scene3d>
+    <dgm:sp3d prstMaterial="plastic">
+      <a:bevelT w="120900" h="88900"/>
+      <a:bevelB w="88900" h="31750" prst="angle"/>
+    </dgm:sp3d>
+    <dgm:txPr/>
+    <dgm:style>
+      <a:lnRef idx="0">
+        <a:scrgbClr r="0" g="0" b="0"/>
+      </a:lnRef>
+      <a:fillRef idx="3">
+        <a:scrgbClr r="0" g="0" b="0"/>
+      </a:fillRef>
+      <a:effectRef idx="1">
+        <a:scrgbClr r="0" g="0" b="0"/>
+      </a:effectRef>
+      <a:fontRef idx="minor">
+        <a:schemeClr val="lt1"/>
+      </a:fontRef>
+    </dgm:style>
+  </dgm:styleLbl>
+  <dgm:styleLbl name="asst2">
+    <dgm:scene3d>
+      <a:camera prst="orthographicFront"/>
+      <a:lightRig rig="flat" dir="t"/>
+    </dgm:scene3d>
+    <dgm:sp3d prstMaterial="plastic">
+      <a:bevelT w="120900" h="88900"/>
+      <a:bevelB w="88900" h="31750" prst="angle"/>
+    </dgm:sp3d>
+    <dgm:txPr/>
+    <dgm:style>
+      <a:lnRef idx="0">
+        <a:scrgbClr r="0" g="0" b="0"/>
+      </a:lnRef>
+      <a:fillRef idx="3">
+        <a:scrgbClr r="0" g="0" b="0"/>
+      </a:fillRef>
+      <a:effectRef idx="1">
+        <a:scrgbClr r="0" g="0" b="0"/>
+      </a:effectRef>
+      <a:fontRef idx="minor">
+        <a:schemeClr val="lt1"/>
+      </a:fontRef>
+    </dgm:style>
+  </dgm:styleLbl>
+  <dgm:styleLbl name="asst3">
+    <dgm:scene3d>
+      <a:camera prst="orthographicFront"/>
+      <a:lightRig rig="flat" dir="t"/>
+    </dgm:scene3d>
+    <dgm:sp3d prstMaterial="plastic">
+      <a:bevelT w="120900" h="88900"/>
+      <a:bevelB w="88900" h="31750" prst="angle"/>
+    </dgm:sp3d>
+    <dgm:txPr/>
+    <dgm:style>
+      <a:lnRef idx="0">
+        <a:scrgbClr r="0" g="0" b="0"/>
+      </a:lnRef>
+      <a:fillRef idx="3">
+        <a:scrgbClr r="0" g="0" b="0"/>
+      </a:fillRef>
+      <a:effectRef idx="1">
+        <a:scrgbClr r="0" g="0" b="0"/>
+      </a:effectRef>
+      <a:fontRef idx="minor">
+        <a:schemeClr val="lt1"/>
+      </a:fontRef>
+    </dgm:style>
+  </dgm:styleLbl>
+  <dgm:styleLbl name="parChTrans2D1">
+    <dgm:scene3d>
+      <a:camera prst="orthographicFront"/>
+      <a:lightRig rig="flat" dir="t"/>
+    </dgm:scene3d>
+    <dgm:sp3d z="-100000" prstMaterial="plastic">
+      <a:bevelT w="120900" h="88900"/>
+      <a:bevelB w="88900" h="31750" prst="angle"/>
+    </dgm:sp3d>
+    <dgm:txPr/>
+    <dgm:style>
+      <a:lnRef idx="0">
+        <a:scrgbClr r="0" g="0" b="0"/>
+      </a:lnRef>
+      <a:fillRef idx="3">
+        <a:scrgbClr r="0" g="0" b="0"/>
+      </a:fillRef>
+      <a:effectRef idx="1">
+        <a:scrgbClr r="0" g="0" b="0"/>
+      </a:effectRef>
+      <a:fontRef idx="minor">
+        <a:schemeClr val="lt1"/>
+      </a:fontRef>
+    </dgm:style>
+  </dgm:styleLbl>
+  <dgm:styleLbl name="parChTrans2D2">
+    <dgm:scene3d>
+      <a:camera prst="orthographicFront"/>
+      <a:lightRig rig="flat" dir="t"/>
+    </dgm:scene3d>
+    <dgm:sp3d z="-60000" prstMaterial="plastic">
+      <a:bevelT w="120900" h="88900"/>
+      <a:bevelB w="88900" h="31750" prst="angle"/>
+    </dgm:sp3d>
+    <dgm:txPr/>
+    <dgm:style>
+      <a:lnRef idx="0">
+        <a:scrgbClr r="0" g="0" b="0"/>
+      </a:lnRef>
+      <a:fillRef idx="3">
+        <a:scrgbClr r="0" g="0" b="0"/>
+      </a:fillRef>
+      <a:effectRef idx="1">
+        <a:scrgbClr r="0" g="0" b="0"/>
+      </a:effectRef>
+      <a:fontRef idx="minor">
+        <a:schemeClr val="lt1"/>
+      </a:fontRef>
+    </dgm:style>
+  </dgm:styleLbl>
+  <dgm:styleLbl name="parChTrans2D3">
+    <dgm:scene3d>
+      <a:camera prst="orthographicFront"/>
+      <a:lightRig rig="flat" dir="t"/>
+    </dgm:scene3d>
+    <dgm:sp3d z="-60000" prstMaterial="plastic">
+      <a:bevelT w="120900" h="88900"/>
+      <a:bevelB w="88900" h="31750" prst="angle"/>
+    </dgm:sp3d>
+    <dgm:txPr/>
+    <dgm:style>
+      <a:lnRef idx="0">
+        <a:scrgbClr r="0" g="0" b="0"/>
+      </a:lnRef>
+      <a:fillRef idx="3">
+        <a:scrgbClr r="0" g="0" b="0"/>
+      </a:fillRef>
+      <a:effectRef idx="1">
+        <a:scrgbClr r="0" g="0" b="0"/>
+      </a:effectRef>
+      <a:fontRef idx="minor">
+        <a:schemeClr val="lt1"/>
+      </a:fontRef>
+    </dgm:style>
+  </dgm:styleLbl>
+  <dgm:styleLbl name="parChTrans2D4">
+    <dgm:scene3d>
+      <a:camera prst="orthographicFront"/>
+      <a:lightRig rig="flat" dir="t"/>
+    </dgm:scene3d>
+    <dgm:sp3d z="-60000" prstMaterial="plastic">
+      <a:bevelT w="120900" h="88900"/>
+      <a:bevelB w="88900" h="31750" prst="angle"/>
+    </dgm:sp3d>
+    <dgm:txPr/>
+    <dgm:style>
+      <a:lnRef idx="0">
+        <a:scrgbClr r="0" g="0" b="0"/>
+      </a:lnRef>
+      <a:fillRef idx="3">
+        <a:scrgbClr r="0" g="0" b="0"/>
+      </a:fillRef>
+      <a:effectRef idx="1">
+        <a:scrgbClr r="0" g="0" b="0"/>
+      </a:effectRef>
+      <a:fontRef idx="minor">
+        <a:schemeClr val="lt1"/>
+      </a:fontRef>
+    </dgm:style>
+  </dgm:styleLbl>
+  <dgm:styleLbl name="parChTrans1D1">
+    <dgm:scene3d>
+      <a:camera prst="orthographicFront"/>
+      <a:lightRig rig="flat" dir="t"/>
+    </dgm:scene3d>
+    <dgm:sp3d prstMaterial="matte"/>
+    <dgm:txPr/>
+    <dgm:style>
+      <a:lnRef idx="2">
+        <a:scrgbClr r="0" g="0" b="0"/>
+      </a:lnRef>
+      <a:fillRef idx="0">
+        <a:scrgbClr r="0" g="0" b="0"/>
+      </a:fillRef>
+      <a:effectRef idx="0">
+        <a:scrgbClr r="0" g="0" b="0"/>
+      </a:effectRef>
+      <a:fontRef idx="minor"/>
+    </dgm:style>
+  </dgm:styleLbl>
+  <dgm:styleLbl name="parChTrans1D2">
+    <dgm:scene3d>
+      <a:camera prst="orthographicFront"/>
+      <a:lightRig rig="flat" dir="t"/>
+    </dgm:scene3d>
+    <dgm:sp3d prstMaterial="matte"/>
+    <dgm:txPr/>
+    <dgm:style>
+      <a:lnRef idx="2">
+        <a:scrgbClr r="0" g="0" b="0"/>
+      </a:lnRef>
+      <a:fillRef idx="0">
+        <a:scrgbClr r="0" g="0" b="0"/>
+      </a:fillRef>
+      <a:effectRef idx="0">
+        <a:scrgbClr r="0" g="0" b="0"/>
+      </a:effectRef>
+      <a:fontRef idx="minor"/>
+    </dgm:style>
+  </dgm:styleLbl>
+  <dgm:styleLbl name="parChTrans1D3">
+    <dgm:scene3d>
+      <a:camera prst="orthographicFront"/>
+      <a:lightRig rig="flat" dir="t"/>
+    </dgm:scene3d>
+    <dgm:sp3d prstMaterial="matte"/>
+    <dgm:txPr/>
+    <dgm:style>
+      <a:lnRef idx="2">
+        <a:scrgbClr r="0" g="0" b="0"/>
+      </a:lnRef>
+      <a:fillRef idx="0">
+        <a:scrgbClr r="0" g="0" b="0"/>
+      </a:fillRef>
+      <a:effectRef idx="0">
+        <a:scrgbClr r="0" g="0" b="0"/>
+      </a:effectRef>
+      <a:fontRef idx="minor"/>
+    </dgm:style>
+  </dgm:styleLbl>
+  <dgm:styleLbl name="parChTrans1D4">
+    <dgm:scene3d>
+      <a:camera prst="orthographicFront"/>
+      <a:lightRig rig="flat" dir="t"/>
+    </dgm:scene3d>
+    <dgm:sp3d prstMaterial="matte"/>
+    <dgm:txPr/>
+    <dgm:style>
+      <a:lnRef idx="2">
+        <a:scrgbClr r="0" g="0" b="0"/>
+      </a:lnRef>
+      <a:fillRef idx="0">
+        <a:scrgbClr r="0" g="0" b="0"/>
+      </a:fillRef>
+      <a:effectRef idx="0">
+        <a:scrgbClr r="0" g="0" b="0"/>
+      </a:effectRef>
+      <a:fontRef idx="minor"/>
+    </dgm:style>
+  </dgm:styleLbl>
+  <dgm:styleLbl name="fgAcc1">
+    <dgm:scene3d>
+      <a:camera prst="orthographicFront"/>
+      <a:lightRig rig="flat" dir="t"/>
+    </dgm:scene3d>
+    <dgm:sp3d z="190500" extrusionH="12700" prstMaterial="plastic">
+      <a:bevelT w="50800" h="50800"/>
+    </dgm:sp3d>
+    <dgm:txPr/>
+    <dgm:style>
+      <a:lnRef idx="1">
+        <a:scrgbClr r="0" g="0" b="0"/>
+      </a:lnRef>
+      <a:fillRef idx="1">
+        <a:scrgbClr r="0" g="0" b="0"/>
+      </a:fillRef>
+      <a:effectRef idx="2">
+        <a:scrgbClr r="0" g="0" b="0"/>
+      </a:effectRef>
+      <a:fontRef idx="minor"/>
+    </dgm:style>
+  </dgm:styleLbl>
+  <dgm:styleLbl name="conFgAcc1">
+    <dgm:scene3d>
+      <a:camera prst="orthographicFront"/>
+      <a:lightRig rig="flat" dir="t"/>
+    </dgm:scene3d>
+    <dgm:sp3d z="190500" extrusionH="12700" prstMaterial="plastic">
+      <a:bevelT w="50800" h="50800"/>
+    </dgm:sp3d>
+    <dgm:txPr/>
+    <dgm:style>
+      <a:lnRef idx="1">
+        <a:scrgbClr r="0" g="0" b="0"/>
+      </a:lnRef>
+      <a:fillRef idx="1">
+        <a:scrgbClr r="0" g="0" b="0"/>
+      </a:fillRef>
+      <a:effectRef idx="2">
+        <a:scrgbClr r="0" g="0" b="0"/>
+      </a:effectRef>
+      <a:fontRef idx="minor"/>
+    </dgm:style>
+  </dgm:styleLbl>
+  <dgm:styleLbl name="alignAcc1">
+    <dgm:scene3d>
+      <a:camera prst="orthographicFront"/>
+      <a:lightRig rig="flat" dir="t"/>
+    </dgm:scene3d>
+    <dgm:sp3d extrusionH="12700" prstMaterial="plastic">
+      <a:bevelT w="50800" h="50800"/>
+    </dgm:sp3d>
+    <dgm:txPr/>
+    <dgm:style>
+      <a:lnRef idx="1">
+        <a:scrgbClr r="0" g="0" b="0"/>
+      </a:lnRef>
+      <a:fillRef idx="1">
+        <a:scrgbClr r="0" g="0" b="0"/>
+      </a:fillRef>
+      <a:effectRef idx="2">
+        <a:scrgbClr r="0" g="0" b="0"/>
+      </a:effectRef>
+      <a:fontRef idx="minor"/>
+    </dgm:style>
+  </dgm:styleLbl>
+  <dgm:styleLbl name="trAlignAcc1">
+    <dgm:scene3d>
+      <a:camera prst="orthographicFront"/>
+      <a:lightRig rig="flat" dir="t"/>
+    </dgm:scene3d>
+    <dgm:sp3d extrusionH="12700" prstMaterial="plastic">
+      <a:bevelT w="50800" h="50800"/>
+    </dgm:sp3d>
+    <dgm:txPr/>
+    <dgm:style>
+      <a:lnRef idx="1">
+        <a:scrgbClr r="0" g="0" b="0"/>
+      </a:lnRef>
+      <a:fillRef idx="1">
+        <a:scrgbClr r="0" g="0" b="0"/>
+      </a:fillRef>
+      <a:effectRef idx="2">
+        <a:scrgbClr r="0" g="0" b="0"/>
+      </a:effectRef>
+      <a:fontRef idx="minor"/>
+    </dgm:style>
+  </dgm:styleLbl>
+  <dgm:styleLbl name="bgAcc1">
+    <dgm:scene3d>
+      <a:camera prst="orthographicFront"/>
+      <a:lightRig rig="flat" dir="t"/>
+    </dgm:scene3d>
+    <dgm:sp3d z="-190500" extrusionH="12700" prstMaterial="plastic">
+      <a:bevelT w="50800" h="50800"/>
+    </dgm:sp3d>
+    <dgm:txPr/>
+    <dgm:style>
+      <a:lnRef idx="1">
+        <a:scrgbClr r="0" g="0" b="0"/>
+      </a:lnRef>
+      <a:fillRef idx="1">
+        <a:scrgbClr r="0" g="0" b="0"/>
+      </a:fillRef>
+      <a:effectRef idx="2">
+        <a:scrgbClr r="0" g="0" b="0"/>
+      </a:effectRef>
+      <a:fontRef idx="minor"/>
+    </dgm:style>
+  </dgm:styleLbl>
+  <dgm:styleLbl name="solidFgAcc1">
+    <dgm:scene3d>
+      <a:camera prst="orthographicFront"/>
+      <a:lightRig rig="flat" dir="t"/>
+    </dgm:scene3d>
+    <dgm:sp3d z="190500" extrusionH="12700" prstMaterial="plastic">
+      <a:bevelT w="50800" h="50800"/>
+    </dgm:sp3d>
+    <dgm:txPr/>
+    <dgm:style>
+      <a:lnRef idx="1">
+        <a:scrgbClr r="0" g="0" b="0"/>
+      </a:lnRef>
+      <a:fillRef idx="1">
+        <a:scrgbClr r="0" g="0" b="0"/>
+      </a:fillRef>
+      <a:effectRef idx="2">
+        <a:scrgbClr r="0" g="0" b="0"/>
+      </a:effectRef>
+      <a:fontRef idx="minor"/>
+    </dgm:style>
+  </dgm:styleLbl>
+  <dgm:styleLbl name="solidAlignAcc1">
+    <dgm:scene3d>
+      <a:camera prst="orthographicFront"/>
+      <a:lightRig rig="flat" dir="t"/>
+    </dgm:scene3d>
+    <dgm:sp3d extrusionH="12700" prstMaterial="plastic">
+      <a:bevelT w="50800" h="50800"/>
+    </dgm:sp3d>
+    <dgm:txPr/>
+    <dgm:style>
+      <a:lnRef idx="1">
+        <a:scrgbClr r="0" g="0" b="0"/>
+      </a:lnRef>
+      <a:fillRef idx="1">
+        <a:scrgbClr r="0" g="0" b="0"/>
+      </a:fillRef>
+      <a:effectRef idx="2">
+        <a:scrgbClr r="0" g="0" b="0"/>
+      </a:effectRef>
+      <a:fontRef idx="minor"/>
+    </dgm:style>
+  </dgm:styleLbl>
+  <dgm:styleLbl name="solidBgAcc1">
+    <dgm:scene3d>
+      <a:camera prst="orthographicFront"/>
+      <a:lightRig rig="flat" dir="t"/>
+    </dgm:scene3d>
+    <dgm:sp3d z="-190500" extrusionH="12700" prstMaterial="plastic">
+      <a:bevelT w="50800" h="50800"/>
+    </dgm:sp3d>
+    <dgm:txPr/>
+    <dgm:style>
+      <a:lnRef idx="1">
+        <a:scrgbClr r="0" g="0" b="0"/>
+      </a:lnRef>
+      <a:fillRef idx="1">
+        <a:scrgbClr r="0" g="0" b="0"/>
+      </a:fillRef>
+      <a:effectRef idx="2">
+        <a:scrgbClr r="0" g="0" b="0"/>
+      </a:effectRef>
+      <a:fontRef idx="minor"/>
+    </dgm:style>
+  </dgm:styleLbl>
+  <dgm:styleLbl name="fgAccFollowNode1">
+    <dgm:scene3d>
+      <a:camera prst="orthographicFront"/>
+      <a:lightRig rig="flat" dir="t"/>
+    </dgm:scene3d>
+    <dgm:sp3d z="190500" extrusionH="12700" prstMaterial="plastic">
+      <a:bevelT w="50800" h="50800"/>
+    </dgm:sp3d>
+    <dgm:txPr/>
+    <dgm:style>
+      <a:lnRef idx="1">
+        <a:scrgbClr r="0" g="0" b="0"/>
+      </a:lnRef>
+      <a:fillRef idx="1">
+        <a:scrgbClr r="0" g="0" b="0"/>
+      </a:fillRef>
+      <a:effectRef idx="2">
+        <a:scrgbClr r="0" g="0" b="0"/>
+      </a:effectRef>
+      <a:fontRef idx="minor"/>
+    </dgm:style>
+  </dgm:styleLbl>
+  <dgm:styleLbl name="alignAccFollowNode1">
+    <dgm:scene3d>
+      <a:camera prst="orthographicFront"/>
+      <a:lightRig rig="flat" dir="t"/>
+    </dgm:scene3d>
+    <dgm:sp3d extrusionH="12700" prstMaterial="plastic">
+      <a:bevelT w="50800" h="50800"/>
+    </dgm:sp3d>
+    <dgm:txPr/>
+    <dgm:style>
+      <a:lnRef idx="1">
+        <a:scrgbClr r="0" g="0" b="0"/>
+      </a:lnRef>
+      <a:fillRef idx="1">
+        <a:scrgbClr r="0" g="0" b="0"/>
+      </a:fillRef>
+      <a:effectRef idx="2">
+        <a:scrgbClr r="0" g="0" b="0"/>
+      </a:effectRef>
+      <a:fontRef idx="minor"/>
+    </dgm:style>
+  </dgm:styleLbl>
+  <dgm:styleLbl name="bgAccFollowNode1">
+    <dgm:scene3d>
+      <a:camera prst="orthographicFront"/>
+      <a:lightRig rig="flat" dir="t"/>
+    </dgm:scene3d>
+    <dgm:sp3d z="-190500" extrusionH="12700" prstMaterial="plastic">
+      <a:bevelT w="50800" h="50800"/>
+    </dgm:sp3d>
+    <dgm:txPr/>
+    <dgm:style>
+      <a:lnRef idx="1">
+        <a:scrgbClr r="0" g="0" b="0"/>
+      </a:lnRef>
+      <a:fillRef idx="1">
+        <a:scrgbClr r="0" g="0" b="0"/>
+      </a:fillRef>
+      <a:effectRef idx="2">
+        <a:scrgbClr r="0" g="0" b="0"/>
+      </a:effectRef>
+      <a:fontRef idx="minor"/>
+    </dgm:style>
+  </dgm:styleLbl>
+  <dgm:styleLbl name="fgAcc0">
+    <dgm:scene3d>
+      <a:camera prst="orthographicFront"/>
+      <a:lightRig rig="flat" dir="t"/>
+    </dgm:scene3d>
+    <dgm:sp3d z="190500" extrusionH="12700" prstMaterial="plastic">
+      <a:bevelT w="50800" h="50800"/>
+    </dgm:sp3d>
+    <dgm:txPr/>
+    <dgm:style>
+      <a:lnRef idx="1">
+        <a:scrgbClr r="0" g="0" b="0"/>
+      </a:lnRef>
+      <a:fillRef idx="1">
+        <a:scrgbClr r="0" g="0" b="0"/>
+      </a:fillRef>
+      <a:effectRef idx="2">
+        <a:scrgbClr r="0" g="0" b="0"/>
+      </a:effectRef>
+      <a:fontRef idx="minor"/>
+    </dgm:style>
+  </dgm:styleLbl>
+  <dgm:styleLbl name="fgAcc2">
+    <dgm:scene3d>
+      <a:camera prst="orthographicFront"/>
+      <a:lightRig rig="flat" dir="t"/>
+    </dgm:scene3d>
+    <dgm:sp3d z="190500" extrusionH="12700" prstMaterial="plastic">
+      <a:bevelT w="50800" h="50800"/>
+    </dgm:sp3d>
+    <dgm:txPr/>
+    <dgm:style>
+      <a:lnRef idx="1">
+        <a:scrgbClr r="0" g="0" b="0"/>
+      </a:lnRef>
+      <a:fillRef idx="1">
+        <a:scrgbClr r="0" g="0" b="0"/>
+      </a:fillRef>
+      <a:effectRef idx="2">
+        <a:scrgbClr r="0" g="0" b="0"/>
+      </a:effectRef>
+      <a:fontRef idx="minor"/>
+    </dgm:style>
+  </dgm:styleLbl>
+  <dgm:styleLbl name="fgAcc3">
+    <dgm:scene3d>
+      <a:camera prst="orthographicFront"/>
+      <a:lightRig rig="flat" dir="t"/>
+    </dgm:scene3d>
+    <dgm:sp3d z="190500" extrusionH="12700" prstMaterial="plastic">
+      <a:bevelT w="50800" h="50800"/>
+    </dgm:sp3d>
+    <dgm:txPr/>
+    <dgm:style>
+      <a:lnRef idx="1">
+        <a:scrgbClr r="0" g="0" b="0"/>
+      </a:lnRef>
+      <a:fillRef idx="1">
+        <a:scrgbClr r="0" g="0" b="0"/>
+      </a:fillRef>
+      <a:effectRef idx="2">
+        <a:scrgbClr r="0" g="0" b="0"/>
+      </a:effectRef>
+      <a:fontRef idx="minor"/>
+    </dgm:style>
+  </dgm:styleLbl>
+  <dgm:styleLbl name="fgAcc4">
+    <dgm:scene3d>
+      <a:camera prst="orthographicFront"/>
+      <a:lightRig rig="flat" dir="t"/>
+    </dgm:scene3d>
+    <dgm:sp3d z="190500" extrusionH="12700" prstMaterial="plastic">
+      <a:bevelT w="50800" h="50800"/>
+    </dgm:sp3d>
+    <dgm:txPr/>
+    <dgm:style>
+      <a:lnRef idx="1">
+        <a:scrgbClr r="0" g="0" b="0"/>
+      </a:lnRef>
+      <a:fillRef idx="1">
+        <a:scrgbClr r="0" g="0" b="0"/>
+      </a:fillRef>
+      <a:effectRef idx="2">
+        <a:scrgbClr r="0" g="0" b="0"/>
+      </a:effectRef>
+      <a:fontRef idx="minor"/>
+    </dgm:style>
+  </dgm:styleLbl>
+  <dgm:styleLbl name="bgShp">
+    <dgm:scene3d>
+      <a:camera prst="orthographicFront"/>
+      <a:lightRig rig="flat" dir="t"/>
+    </dgm:scene3d>
+    <dgm:sp3d z="-190500" extrusionH="12700" prstMaterial="plastic">
+      <a:bevelT w="50800" h="50800"/>
+    </dgm:sp3d>
+    <dgm:txPr/>
+    <dgm:style>
+      <a:lnRef idx="0">
+        <a:scrgbClr r="0" g="0" b="0"/>
+      </a:lnRef>
+      <a:fillRef idx="3">
+        <a:scrgbClr r="0" g="0" b="0"/>
+      </a:fillRef>
+      <a:effectRef idx="0">
+        <a:scrgbClr r="0" g="0" b="0"/>
+      </a:effectRef>
+      <a:fontRef idx="minor"/>
+    </dgm:style>
+  </dgm:styleLbl>
+  <dgm:styleLbl name="dkBgShp">
+    <dgm:scene3d>
+      <a:camera prst="orthographicFront"/>
+      <a:lightRig rig="flat" dir="t"/>
+    </dgm:scene3d>
+    <dgm:sp3d z="-190500" extrusionH="12700" prstMaterial="plastic">
+      <a:bevelT w="50800" h="50800"/>
+    </dgm:sp3d>
+    <dgm:txPr/>
+    <dgm:style>
+      <a:lnRef idx="0">
+        <a:scrgbClr r="0" g="0" b="0"/>
+      </a:lnRef>
+      <a:fillRef idx="2">
+        <a:scrgbClr r="0" g="0" b="0"/>
+      </a:fillRef>
+      <a:effectRef idx="0">
+        <a:scrgbClr r="0" g="0" b="0"/>
+      </a:effectRef>
+      <a:fontRef idx="minor"/>
+    </dgm:style>
+  </dgm:styleLbl>
+  <dgm:styleLbl name="trBgShp">
+    <dgm:scene3d>
+      <a:camera prst="orthographicFront"/>
+      <a:lightRig rig="flat" dir="t"/>
+    </dgm:scene3d>
+    <dgm:sp3d z="-190500" extrusionH="12700" prstMaterial="matte"/>
+    <dgm:txPr/>
+    <dgm:style>
+      <a:lnRef idx="0">
+        <a:scrgbClr r="0" g="0" b="0"/>
+      </a:lnRef>
+      <a:fillRef idx="1">
+        <a:scrgbClr r="0" g="0" b="0"/>
+      </a:fillRef>
+      <a:effectRef idx="0">
+        <a:scrgbClr r="0" g="0" b="0"/>
+      </a:effectRef>
+      <a:fontRef idx="minor"/>
+    </dgm:style>
+  </dgm:styleLbl>
+  <dgm:styleLbl name="fgShp">
+    <dgm:scene3d>
+      <a:camera prst="orthographicFront"/>
+      <a:lightRig rig="flat" dir="t"/>
+    </dgm:scene3d>
+    <dgm:sp3d z="190500" prstMaterial="plastic">
+      <a:bevelT w="120900" h="88900"/>
+      <a:bevelB w="88900" h="31750" prst="angle"/>
+    </dgm:sp3d>
+    <dgm:txPr/>
+    <dgm:style>
+      <a:lnRef idx="0">
+        <a:scrgbClr r="0" g="0" b="0"/>
+      </a:lnRef>
+      <a:fillRef idx="1">
+        <a:scrgbClr r="0" g="0" b="0"/>
+      </a:fillRef>
+      <a:effectRef idx="3">
+        <a:scrgbClr r="0" g="0" b="0"/>
+      </a:effectRef>
+      <a:fontRef idx="minor">
+        <a:schemeClr val="lt1"/>
+      </a:fontRef>
+    </dgm:style>
+  </dgm:styleLbl>
+  <dgm:styleLbl name="revTx">
+    <dgm:scene3d>
+      <a:camera prst="orthographicFront"/>
+      <a:lightRig rig="threePt" dir="t"/>
+    </dgm:scene3d>
+    <dgm:sp3d/>
+    <dgm:txPr/>
+    <dgm:style>
+      <a:lnRef idx="0">
+        <a:scrgbClr r="0" g="0" b="0"/>
+      </a:lnRef>
+      <a:fillRef idx="0">
+        <a:scrgbClr r="0" g="0" b="0"/>
+      </a:fillRef>
+      <a:effectRef idx="0">
+        <a:scrgbClr r="0" g="0" b="0"/>
+      </a:effectRef>
+      <a:fontRef idx="minor"/>
+    </dgm:style>
+  </dgm:styleLbl>
+</dgm:styleDef>
 </file>
 
 <file path=ppt/slideLayouts/slideLayout1.xml><?xml version="1.0" encoding="utf-8"?>
@@ -5656,8 +8726,8 @@
           </a:p>
         </p:txBody>
       </p:sp>
-      <mc:AlternateContent xmlns:mc="http://schemas.openxmlformats.org/markup-compatibility/2006">
-        <mc:Choice xmlns:a14="http://schemas.microsoft.com/office/drawing/2010/main" Requires="a14">
+      <mc:AlternateContent xmlns:mc="http://schemas.openxmlformats.org/markup-compatibility/2006" xmlns:a14="http://schemas.microsoft.com/office/drawing/2010/main">
+        <mc:Choice Requires="a14">
           <p:sp>
             <p:nvSpPr>
               <p:cNvPr id="336" name="矩形: 圓角 335">
@@ -5672,7 +8742,7 @@
             </p:nvSpPr>
             <p:spPr bwMode="auto">
               <a:xfrm>
-                <a:off x="945588" y="10730092"/>
+                <a:off x="874109" y="10727865"/>
                 <a:ext cx="19708348" cy="12627999"/>
               </a:xfrm>
               <a:prstGeom prst="roundRect">
@@ -5795,7 +8865,7 @@
             </p:txBody>
           </p:sp>
         </mc:Choice>
-        <mc:Fallback>
+        <mc:Fallback xmlns="">
           <p:sp>
             <p:nvSpPr>
               <p:cNvPr id="336" name="矩形: 圓角 335">
@@ -5812,7 +8882,7 @@
             </p:nvSpPr>
             <p:spPr bwMode="auto">
               <a:xfrm>
-                <a:off x="945588" y="10730092"/>
+                <a:off x="874109" y="10727865"/>
                 <a:ext cx="19708348" cy="12627999"/>
               </a:xfrm>
               <a:prstGeom prst="roundRect">
@@ -8921,405 +11991,6 @@
           </a:prstGeom>
         </p:spPr>
       </p:pic>
-      <p:pic>
-        <p:nvPicPr>
-          <p:cNvPr id="115" name="Picture 4">
-            <a:extLst>
-              <a:ext uri="{FF2B5EF4-FFF2-40B4-BE49-F238E27FC236}">
-                <a16:creationId xmlns:a16="http://schemas.microsoft.com/office/drawing/2014/main" id="{F17F1690-6958-4A8C-AB3D-0304CFCD1F02}"/>
-              </a:ext>
-            </a:extLst>
-          </p:cNvPr>
-          <p:cNvPicPr>
-            <a:picLocks noChangeAspect="1" noChangeArrowheads="1"/>
-          </p:cNvPicPr>
-          <p:nvPr/>
-        </p:nvPicPr>
-        <p:blipFill>
-          <a:blip r:embed="rId11">
-            <a:extLst>
-              <a:ext uri="{28A0092B-C50C-407E-A947-70E740481C1C}">
-                <a14:useLocalDpi xmlns:a14="http://schemas.microsoft.com/office/drawing/2010/main" val="0"/>
-              </a:ext>
-            </a:extLst>
-          </a:blip>
-          <a:srcRect/>
-          <a:stretch>
-            <a:fillRect/>
-          </a:stretch>
-        </p:blipFill>
-        <p:spPr bwMode="auto">
-          <a:xfrm>
-            <a:off x="12364661" y="15951766"/>
-            <a:ext cx="568977" cy="644067"/>
-          </a:xfrm>
-          <a:prstGeom prst="rect">
-            <a:avLst/>
-          </a:prstGeom>
-          <a:noFill/>
-          <a:extLst>
-            <a:ext uri="{909E8E84-426E-40DD-AFC4-6F175D3DCCD1}">
-              <a14:hiddenFill xmlns:a14="http://schemas.microsoft.com/office/drawing/2010/main">
-                <a:solidFill>
-                  <a:srgbClr val="FFFFFF"/>
-                </a:solidFill>
-              </a14:hiddenFill>
-            </a:ext>
-          </a:extLst>
-        </p:spPr>
-      </p:pic>
-      <p:pic>
-        <p:nvPicPr>
-          <p:cNvPr id="116" name="Picture 6">
-            <a:extLst>
-              <a:ext uri="{FF2B5EF4-FFF2-40B4-BE49-F238E27FC236}">
-                <a16:creationId xmlns:a16="http://schemas.microsoft.com/office/drawing/2014/main" id="{8B3292AB-BD6B-4360-BF18-11EDF3907484}"/>
-              </a:ext>
-            </a:extLst>
-          </p:cNvPr>
-          <p:cNvPicPr>
-            <a:picLocks noChangeAspect="1" noChangeArrowheads="1"/>
-          </p:cNvPicPr>
-          <p:nvPr/>
-        </p:nvPicPr>
-        <p:blipFill>
-          <a:blip r:embed="rId12">
-            <a:extLst>
-              <a:ext uri="{28A0092B-C50C-407E-A947-70E740481C1C}">
-                <a14:useLocalDpi xmlns:a14="http://schemas.microsoft.com/office/drawing/2010/main" val="0"/>
-              </a:ext>
-            </a:extLst>
-          </a:blip>
-          <a:srcRect/>
-          <a:stretch>
-            <a:fillRect/>
-          </a:stretch>
-        </p:blipFill>
-        <p:spPr bwMode="auto">
-          <a:xfrm>
-            <a:off x="12305745" y="16822761"/>
-            <a:ext cx="568977" cy="644067"/>
-          </a:xfrm>
-          <a:prstGeom prst="rect">
-            <a:avLst/>
-          </a:prstGeom>
-          <a:noFill/>
-          <a:extLst>
-            <a:ext uri="{909E8E84-426E-40DD-AFC4-6F175D3DCCD1}">
-              <a14:hiddenFill xmlns:a14="http://schemas.microsoft.com/office/drawing/2010/main">
-                <a:solidFill>
-                  <a:srgbClr val="FFFFFF"/>
-                </a:solidFill>
-              </a14:hiddenFill>
-            </a:ext>
-          </a:extLst>
-        </p:spPr>
-      </p:pic>
-      <p:pic>
-        <p:nvPicPr>
-          <p:cNvPr id="117" name="Picture 8">
-            <a:extLst>
-              <a:ext uri="{FF2B5EF4-FFF2-40B4-BE49-F238E27FC236}">
-                <a16:creationId xmlns:a16="http://schemas.microsoft.com/office/drawing/2014/main" id="{5BB6C715-9E8A-4CCC-959E-C5189FBE1F46}"/>
-              </a:ext>
-            </a:extLst>
-          </p:cNvPr>
-          <p:cNvPicPr>
-            <a:picLocks noChangeAspect="1" noChangeArrowheads="1"/>
-          </p:cNvPicPr>
-          <p:nvPr/>
-        </p:nvPicPr>
-        <p:blipFill>
-          <a:blip r:embed="rId13">
-            <a:alphaModFix amt="70000"/>
-            <a:extLst>
-              <a:ext uri="{28A0092B-C50C-407E-A947-70E740481C1C}">
-                <a14:useLocalDpi xmlns:a14="http://schemas.microsoft.com/office/drawing/2010/main" val="0"/>
-              </a:ext>
-            </a:extLst>
-          </a:blip>
-          <a:srcRect/>
-          <a:stretch>
-            <a:fillRect/>
-          </a:stretch>
-        </p:blipFill>
-        <p:spPr bwMode="auto">
-          <a:xfrm>
-            <a:off x="12364661" y="17761115"/>
-            <a:ext cx="495061" cy="644067"/>
-          </a:xfrm>
-          <a:prstGeom prst="rect">
-            <a:avLst/>
-          </a:prstGeom>
-          <a:solidFill>
-            <a:srgbClr val="48A1AE">
-              <a:alpha val="40000"/>
-            </a:srgbClr>
-          </a:solidFill>
-        </p:spPr>
-      </p:pic>
-      <p:sp>
-        <p:nvSpPr>
-          <p:cNvPr id="26" name="文字方塊 25">
-            <a:extLst>
-              <a:ext uri="{FF2B5EF4-FFF2-40B4-BE49-F238E27FC236}">
-                <a16:creationId xmlns:a16="http://schemas.microsoft.com/office/drawing/2014/main" id="{9DC63E5B-1266-4BE7-BA1D-B980C9D9D8B0}"/>
-              </a:ext>
-            </a:extLst>
-          </p:cNvPr>
-          <p:cNvSpPr txBox="1"/>
-          <p:nvPr/>
-        </p:nvSpPr>
-        <p:spPr>
-          <a:xfrm>
-            <a:off x="13495967" y="16005610"/>
-            <a:ext cx="1101584" cy="523220"/>
-          </a:xfrm>
-          <a:prstGeom prst="rect">
-            <a:avLst/>
-          </a:prstGeom>
-          <a:noFill/>
-        </p:spPr>
-        <p:txBody>
-          <a:bodyPr wrap="none" rtlCol="0">
-            <a:spAutoFit/>
-          </a:bodyPr>
-          <a:lstStyle/>
-          <a:p>
-            <a:r>
-              <a:rPr lang="en-US" altLang="zh-TW" sz="2800" dirty="0"/>
-              <a:t>36.3°C</a:t>
-            </a:r>
-            <a:endParaRPr lang="zh-TW" altLang="en-US" sz="2800" dirty="0"/>
-          </a:p>
-        </p:txBody>
-      </p:sp>
-      <p:sp>
-        <p:nvSpPr>
-          <p:cNvPr id="144" name="文字方塊 143">
-            <a:extLst>
-              <a:ext uri="{FF2B5EF4-FFF2-40B4-BE49-F238E27FC236}">
-                <a16:creationId xmlns:a16="http://schemas.microsoft.com/office/drawing/2014/main" id="{3848D176-1B9F-4B04-86EB-27CB285E4D21}"/>
-              </a:ext>
-            </a:extLst>
-          </p:cNvPr>
-          <p:cNvSpPr txBox="1"/>
-          <p:nvPr/>
-        </p:nvSpPr>
-        <p:spPr>
-          <a:xfrm>
-            <a:off x="13503841" y="16901046"/>
-            <a:ext cx="2125903" cy="507831"/>
-          </a:xfrm>
-          <a:prstGeom prst="rect">
-            <a:avLst/>
-          </a:prstGeom>
-          <a:noFill/>
-        </p:spPr>
-        <p:txBody>
-          <a:bodyPr wrap="none" rtlCol="0">
-            <a:spAutoFit/>
-          </a:bodyPr>
-          <a:lstStyle/>
-          <a:p>
-            <a:r>
-              <a:rPr lang="en-US" altLang="zh-TW" sz="2700" dirty="0"/>
-              <a:t>117/65mmHg</a:t>
-            </a:r>
-            <a:endParaRPr lang="zh-TW" altLang="en-US" sz="2700" dirty="0"/>
-          </a:p>
-        </p:txBody>
-      </p:sp>
-      <p:sp>
-        <p:nvSpPr>
-          <p:cNvPr id="146" name="文字方塊 145">
-            <a:extLst>
-              <a:ext uri="{FF2B5EF4-FFF2-40B4-BE49-F238E27FC236}">
-                <a16:creationId xmlns:a16="http://schemas.microsoft.com/office/drawing/2014/main" id="{7942FF27-82D9-4C47-A1E9-659B959F8D94}"/>
-              </a:ext>
-            </a:extLst>
-          </p:cNvPr>
-          <p:cNvSpPr txBox="1"/>
-          <p:nvPr/>
-        </p:nvSpPr>
-        <p:spPr>
-          <a:xfrm>
-            <a:off x="13480310" y="17848740"/>
-            <a:ext cx="1327831" cy="523220"/>
-          </a:xfrm>
-          <a:prstGeom prst="rect">
-            <a:avLst/>
-          </a:prstGeom>
-          <a:noFill/>
-        </p:spPr>
-        <p:txBody>
-          <a:bodyPr wrap="square" rtlCol="0">
-            <a:spAutoFit/>
-          </a:bodyPr>
-          <a:lstStyle/>
-          <a:p>
-            <a:r>
-              <a:rPr lang="en-US" altLang="zh-TW" sz="2800" dirty="0"/>
-              <a:t>57.7kg</a:t>
-            </a:r>
-            <a:endParaRPr lang="zh-TW" altLang="en-US" sz="2800" dirty="0"/>
-          </a:p>
-        </p:txBody>
-      </p:sp>
-      <p:sp>
-        <p:nvSpPr>
-          <p:cNvPr id="18" name="矩形: 圓角 17">
-            <a:extLst>
-              <a:ext uri="{FF2B5EF4-FFF2-40B4-BE49-F238E27FC236}">
-                <a16:creationId xmlns:a16="http://schemas.microsoft.com/office/drawing/2014/main" id="{1947E3AD-A416-4A29-93D3-166350A8AE3D}"/>
-              </a:ext>
-            </a:extLst>
-          </p:cNvPr>
-          <p:cNvSpPr/>
-          <p:nvPr/>
-        </p:nvSpPr>
-        <p:spPr>
-          <a:xfrm>
-            <a:off x="16261465" y="16532963"/>
-            <a:ext cx="1225510" cy="1289446"/>
-          </a:xfrm>
-          <a:prstGeom prst="roundRect">
-            <a:avLst/>
-          </a:prstGeom>
-        </p:spPr>
-        <p:style>
-          <a:lnRef idx="2">
-            <a:schemeClr val="accent1">
-              <a:shade val="50000"/>
-            </a:schemeClr>
-          </a:lnRef>
-          <a:fillRef idx="1">
-            <a:schemeClr val="accent1"/>
-          </a:fillRef>
-          <a:effectRef idx="0">
-            <a:schemeClr val="accent1"/>
-          </a:effectRef>
-          <a:fontRef idx="minor">
-            <a:schemeClr val="lt1"/>
-          </a:fontRef>
-        </p:style>
-        <p:txBody>
-          <a:bodyPr rtlCol="0" anchor="ctr"/>
-          <a:lstStyle/>
-          <a:p>
-            <a:pPr algn="ctr"/>
-            <a:r>
-              <a:rPr lang="en-US" altLang="zh-TW" dirty="0"/>
-              <a:t>SVM</a:t>
-            </a:r>
-            <a:endParaRPr lang="zh-TW" altLang="en-US" dirty="0"/>
-          </a:p>
-        </p:txBody>
-      </p:sp>
-      <p:sp>
-        <p:nvSpPr>
-          <p:cNvPr id="23" name="文字方塊 22">
-            <a:extLst>
-              <a:ext uri="{FF2B5EF4-FFF2-40B4-BE49-F238E27FC236}">
-                <a16:creationId xmlns:a16="http://schemas.microsoft.com/office/drawing/2014/main" id="{4BC8D6BA-8592-43D4-953F-F3181A15A635}"/>
-              </a:ext>
-            </a:extLst>
-          </p:cNvPr>
-          <p:cNvSpPr txBox="1"/>
-          <p:nvPr/>
-        </p:nvSpPr>
-        <p:spPr>
-          <a:xfrm>
-            <a:off x="18415042" y="16344163"/>
-            <a:ext cx="2007806" cy="369332"/>
-          </a:xfrm>
-          <a:prstGeom prst="rect">
-            <a:avLst/>
-          </a:prstGeom>
-          <a:noFill/>
-        </p:spPr>
-        <p:txBody>
-          <a:bodyPr wrap="square" rtlCol="0">
-            <a:spAutoFit/>
-          </a:bodyPr>
-          <a:lstStyle/>
-          <a:p>
-            <a:r>
-              <a:rPr lang="en-US" altLang="zh-TW" b="1" dirty="0">
-                <a:latin typeface="微軟正黑體" panose="020B0604030504040204" pitchFamily="34" charset="-120"/>
-                <a:ea typeface="微軟正黑體" panose="020B0604030504040204" pitchFamily="34" charset="-120"/>
-              </a:rPr>
-              <a:t>True</a:t>
-            </a:r>
-            <a:r>
-              <a:rPr lang="zh-TW" altLang="en-US" b="1" dirty="0">
-                <a:latin typeface="微軟正黑體" panose="020B0604030504040204" pitchFamily="34" charset="-120"/>
-                <a:ea typeface="微軟正黑體" panose="020B0604030504040204" pitchFamily="34" charset="-120"/>
-              </a:rPr>
-              <a:t> </a:t>
-            </a:r>
-            <a:r>
-              <a:rPr lang="en-US" altLang="zh-TW" b="1" dirty="0">
-                <a:latin typeface="微軟正黑體" panose="020B0604030504040204" pitchFamily="34" charset="-120"/>
-                <a:ea typeface="微軟正黑體" panose="020B0604030504040204" pitchFamily="34" charset="-120"/>
-              </a:rPr>
-              <a:t>=</a:t>
-            </a:r>
-            <a:r>
-              <a:rPr lang="zh-TW" altLang="en-US" b="1" dirty="0">
-                <a:latin typeface="微軟正黑體" panose="020B0604030504040204" pitchFamily="34" charset="-120"/>
-                <a:ea typeface="微軟正黑體" panose="020B0604030504040204" pitchFamily="34" charset="-120"/>
-              </a:rPr>
-              <a:t> 數值異常</a:t>
-            </a:r>
-          </a:p>
-        </p:txBody>
-      </p:sp>
-      <p:sp>
-        <p:nvSpPr>
-          <p:cNvPr id="149" name="文字方塊 148">
-            <a:extLst>
-              <a:ext uri="{FF2B5EF4-FFF2-40B4-BE49-F238E27FC236}">
-                <a16:creationId xmlns:a16="http://schemas.microsoft.com/office/drawing/2014/main" id="{6B9FDF4C-D7C9-4428-ABC8-CC727B79EEA0}"/>
-              </a:ext>
-            </a:extLst>
-          </p:cNvPr>
-          <p:cNvSpPr txBox="1"/>
-          <p:nvPr/>
-        </p:nvSpPr>
-        <p:spPr>
-          <a:xfrm>
-            <a:off x="18429766" y="17517727"/>
-            <a:ext cx="2033062" cy="369332"/>
-          </a:xfrm>
-          <a:prstGeom prst="rect">
-            <a:avLst/>
-          </a:prstGeom>
-          <a:noFill/>
-        </p:spPr>
-        <p:txBody>
-          <a:bodyPr wrap="square" rtlCol="0">
-            <a:spAutoFit/>
-          </a:bodyPr>
-          <a:lstStyle/>
-          <a:p>
-            <a:r>
-              <a:rPr lang="en-US" altLang="zh-TW" b="1" dirty="0">
-                <a:latin typeface="微軟正黑體" panose="020B0604030504040204" pitchFamily="34" charset="-120"/>
-                <a:ea typeface="微軟正黑體" panose="020B0604030504040204" pitchFamily="34" charset="-120"/>
-              </a:rPr>
-              <a:t>False = </a:t>
-            </a:r>
-            <a:r>
-              <a:rPr lang="zh-TW" altLang="en-US" b="1" dirty="0">
-                <a:latin typeface="微軟正黑體" panose="020B0604030504040204" pitchFamily="34" charset="-120"/>
-                <a:ea typeface="微軟正黑體" panose="020B0604030504040204" pitchFamily="34" charset="-120"/>
-              </a:rPr>
-              <a:t>健康</a:t>
-            </a:r>
-          </a:p>
-        </p:txBody>
-      </p:sp>
       <p:sp>
         <p:nvSpPr>
           <p:cNvPr id="151" name="文字方塊 150">
@@ -9416,500 +12087,715 @@
           </a:p>
         </p:txBody>
       </p:sp>
-      <p:sp>
-        <p:nvSpPr>
-          <p:cNvPr id="218" name="文字方塊 217">
+      <p:grpSp>
+        <p:nvGrpSpPr>
+          <p:cNvPr id="126" name="群組 125">
             <a:extLst>
               <a:ext uri="{FF2B5EF4-FFF2-40B4-BE49-F238E27FC236}">
-                <a16:creationId xmlns:a16="http://schemas.microsoft.com/office/drawing/2014/main" id="{6A6B7F21-B3D5-40FF-B26C-2252632A54FA}"/>
+                <a16:creationId xmlns:a16="http://schemas.microsoft.com/office/drawing/2014/main" id="{7D7FC7D8-0479-4CF9-8A85-D0A6095DC08B}"/>
               </a:ext>
             </a:extLst>
           </p:cNvPr>
-          <p:cNvSpPr txBox="1"/>
+          <p:cNvGrpSpPr/>
           <p:nvPr/>
-        </p:nvSpPr>
-        <p:spPr>
+        </p:nvGrpSpPr>
+        <p:grpSpPr>
           <a:xfrm>
-            <a:off x="12347436" y="16512221"/>
-            <a:ext cx="755982" cy="307777"/>
+            <a:off x="13888679" y="15782197"/>
+            <a:ext cx="4610690" cy="3290141"/>
+            <a:chOff x="1344246" y="546628"/>
+            <a:chExt cx="8128000" cy="5418667"/>
           </a:xfrm>
-          <a:prstGeom prst="rect">
-            <a:avLst/>
-          </a:prstGeom>
-          <a:noFill/>
-        </p:spPr>
-        <p:txBody>
-          <a:bodyPr wrap="square" rtlCol="0">
-            <a:spAutoFit/>
-          </a:bodyPr>
-          <a:lstStyle/>
-          <a:p>
-            <a:r>
-              <a:rPr lang="zh-TW" altLang="en-US" sz="1400" b="1" dirty="0">
-                <a:latin typeface="微軟正黑體" panose="020B0604030504040204" pitchFamily="34" charset="-120"/>
-                <a:ea typeface="微軟正黑體" panose="020B0604030504040204" pitchFamily="34" charset="-120"/>
-              </a:rPr>
-              <a:t>體溫</a:t>
-            </a:r>
-            <a:endParaRPr lang="en-US" altLang="zh-TW" sz="1400" b="1" dirty="0">
-              <a:latin typeface="微軟正黑體" panose="020B0604030504040204" pitchFamily="34" charset="-120"/>
-              <a:ea typeface="微軟正黑體" panose="020B0604030504040204" pitchFamily="34" charset="-120"/>
-            </a:endParaRPr>
-          </a:p>
-        </p:txBody>
-      </p:sp>
-      <p:sp>
-        <p:nvSpPr>
-          <p:cNvPr id="219" name="文字方塊 218">
-            <a:extLst>
-              <a:ext uri="{FF2B5EF4-FFF2-40B4-BE49-F238E27FC236}">
-                <a16:creationId xmlns:a16="http://schemas.microsoft.com/office/drawing/2014/main" id="{2AF9BDA8-0A31-45F8-90B6-885CCD26548C}"/>
-              </a:ext>
-            </a:extLst>
-          </p:cNvPr>
-          <p:cNvSpPr txBox="1"/>
-          <p:nvPr/>
-        </p:nvSpPr>
-        <p:spPr>
-          <a:xfrm>
-            <a:off x="12347436" y="17425704"/>
-            <a:ext cx="755982" cy="307777"/>
-          </a:xfrm>
-          <a:prstGeom prst="rect">
-            <a:avLst/>
-          </a:prstGeom>
-          <a:noFill/>
-        </p:spPr>
-        <p:txBody>
-          <a:bodyPr wrap="square" rtlCol="0">
-            <a:spAutoFit/>
-          </a:bodyPr>
-          <a:lstStyle/>
-          <a:p>
-            <a:r>
-              <a:rPr lang="zh-TW" altLang="en-US" sz="1400" b="1" dirty="0">
-                <a:latin typeface="微軟正黑體" panose="020B0604030504040204" pitchFamily="34" charset="-120"/>
-                <a:ea typeface="微軟正黑體" panose="020B0604030504040204" pitchFamily="34" charset="-120"/>
-              </a:rPr>
-              <a:t>血壓</a:t>
-            </a:r>
-            <a:endParaRPr lang="en-US" altLang="zh-TW" sz="1400" b="1" dirty="0">
-              <a:latin typeface="微軟正黑體" panose="020B0604030504040204" pitchFamily="34" charset="-120"/>
-              <a:ea typeface="微軟正黑體" panose="020B0604030504040204" pitchFamily="34" charset="-120"/>
-            </a:endParaRPr>
-          </a:p>
-        </p:txBody>
-      </p:sp>
-      <p:sp>
-        <p:nvSpPr>
-          <p:cNvPr id="220" name="文字方塊 219">
-            <a:extLst>
-              <a:ext uri="{FF2B5EF4-FFF2-40B4-BE49-F238E27FC236}">
-                <a16:creationId xmlns:a16="http://schemas.microsoft.com/office/drawing/2014/main" id="{9C93DA77-54EE-4F94-BC2B-8E5739C809D7}"/>
-              </a:ext>
-            </a:extLst>
-          </p:cNvPr>
-          <p:cNvSpPr txBox="1"/>
-          <p:nvPr/>
-        </p:nvSpPr>
-        <p:spPr>
-          <a:xfrm>
-            <a:off x="12335823" y="18366629"/>
-            <a:ext cx="755982" cy="307777"/>
-          </a:xfrm>
-          <a:prstGeom prst="rect">
-            <a:avLst/>
-          </a:prstGeom>
-          <a:noFill/>
-        </p:spPr>
-        <p:txBody>
-          <a:bodyPr wrap="square" rtlCol="0">
-            <a:spAutoFit/>
-          </a:bodyPr>
-          <a:lstStyle/>
-          <a:p>
-            <a:r>
-              <a:rPr lang="zh-TW" altLang="en-US" sz="1400" b="1" dirty="0">
-                <a:latin typeface="微軟正黑體" panose="020B0604030504040204" pitchFamily="34" charset="-120"/>
-                <a:ea typeface="微軟正黑體" panose="020B0604030504040204" pitchFamily="34" charset="-120"/>
-              </a:rPr>
-              <a:t>體重</a:t>
-            </a:r>
-            <a:endParaRPr lang="en-US" altLang="zh-TW" sz="1400" b="1" dirty="0">
-              <a:latin typeface="微軟正黑體" panose="020B0604030504040204" pitchFamily="34" charset="-120"/>
-              <a:ea typeface="微軟正黑體" panose="020B0604030504040204" pitchFamily="34" charset="-120"/>
-            </a:endParaRPr>
-          </a:p>
-        </p:txBody>
-      </p:sp>
-      <p:sp>
-        <p:nvSpPr>
-          <p:cNvPr id="3254" name="箭號: 向下 3253">
-            <a:extLst>
-              <a:ext uri="{FF2B5EF4-FFF2-40B4-BE49-F238E27FC236}">
-                <a16:creationId xmlns:a16="http://schemas.microsoft.com/office/drawing/2014/main" id="{A8D64FC9-B487-42BC-BC52-620DD863B6CA}"/>
-              </a:ext>
-            </a:extLst>
-          </p:cNvPr>
-          <p:cNvSpPr/>
-          <p:nvPr/>
-        </p:nvSpPr>
-        <p:spPr>
-          <a:xfrm rot="17789127">
-            <a:off x="15386166" y="16002431"/>
-            <a:ext cx="269540" cy="1274064"/>
-          </a:xfrm>
-          <a:prstGeom prst="downArrow">
-            <a:avLst/>
-          </a:prstGeom>
-        </p:spPr>
-        <p:style>
-          <a:lnRef idx="2">
-            <a:schemeClr val="accent1">
-              <a:shade val="50000"/>
-            </a:schemeClr>
-          </a:lnRef>
-          <a:fillRef idx="1">
-            <a:schemeClr val="accent1"/>
-          </a:fillRef>
-          <a:effectRef idx="0">
-            <a:schemeClr val="accent1"/>
-          </a:effectRef>
-          <a:fontRef idx="minor">
-            <a:schemeClr val="lt1"/>
-          </a:fontRef>
-        </p:style>
-        <p:txBody>
-          <a:bodyPr rtlCol="0" anchor="ctr"/>
-          <a:lstStyle/>
-          <a:p>
-            <a:pPr algn="ctr"/>
-            <a:endParaRPr lang="zh-TW" altLang="en-US"/>
-          </a:p>
-        </p:txBody>
-      </p:sp>
-      <p:sp>
-        <p:nvSpPr>
-          <p:cNvPr id="222" name="箭號: 向下 221">
-            <a:extLst>
-              <a:ext uri="{FF2B5EF4-FFF2-40B4-BE49-F238E27FC236}">
-                <a16:creationId xmlns:a16="http://schemas.microsoft.com/office/drawing/2014/main" id="{CA5731E0-12E5-473E-BB52-CA12B424D851}"/>
-              </a:ext>
-            </a:extLst>
-          </p:cNvPr>
-          <p:cNvSpPr/>
-          <p:nvPr/>
-        </p:nvSpPr>
-        <p:spPr>
-          <a:xfrm rot="13995682">
-            <a:off x="15411998" y="17142573"/>
-            <a:ext cx="269540" cy="1307334"/>
-          </a:xfrm>
-          <a:prstGeom prst="downArrow">
-            <a:avLst/>
-          </a:prstGeom>
-        </p:spPr>
-        <p:style>
-          <a:lnRef idx="2">
-            <a:schemeClr val="accent1">
-              <a:shade val="50000"/>
-            </a:schemeClr>
-          </a:lnRef>
-          <a:fillRef idx="1">
-            <a:schemeClr val="accent1"/>
-          </a:fillRef>
-          <a:effectRef idx="0">
-            <a:schemeClr val="accent1"/>
-          </a:effectRef>
-          <a:fontRef idx="minor">
-            <a:schemeClr val="lt1"/>
-          </a:fontRef>
-        </p:style>
-        <p:txBody>
-          <a:bodyPr rtlCol="0" anchor="ctr"/>
-          <a:lstStyle/>
-          <a:p>
-            <a:pPr algn="ctr"/>
-            <a:endParaRPr lang="zh-TW" altLang="en-US"/>
-          </a:p>
-        </p:txBody>
-      </p:sp>
-      <p:sp>
-        <p:nvSpPr>
-          <p:cNvPr id="223" name="箭號: 向下 222">
-            <a:extLst>
-              <a:ext uri="{FF2B5EF4-FFF2-40B4-BE49-F238E27FC236}">
-                <a16:creationId xmlns:a16="http://schemas.microsoft.com/office/drawing/2014/main" id="{8B9DCCE7-6CE0-47A4-9187-2FD5007C8927}"/>
-              </a:ext>
-            </a:extLst>
-          </p:cNvPr>
-          <p:cNvSpPr/>
-          <p:nvPr/>
-        </p:nvSpPr>
-        <p:spPr>
-          <a:xfrm rot="16200000">
-            <a:off x="15684283" y="16944327"/>
-            <a:ext cx="324704" cy="467260"/>
-          </a:xfrm>
-          <a:prstGeom prst="downArrow">
-            <a:avLst/>
-          </a:prstGeom>
-        </p:spPr>
-        <p:style>
-          <a:lnRef idx="2">
-            <a:schemeClr val="accent1">
-              <a:shade val="50000"/>
-            </a:schemeClr>
-          </a:lnRef>
-          <a:fillRef idx="1">
-            <a:schemeClr val="accent1"/>
-          </a:fillRef>
-          <a:effectRef idx="0">
-            <a:schemeClr val="accent1"/>
-          </a:effectRef>
-          <a:fontRef idx="minor">
-            <a:schemeClr val="lt1"/>
-          </a:fontRef>
-        </p:style>
-        <p:txBody>
-          <a:bodyPr rtlCol="0" anchor="ctr"/>
-          <a:lstStyle/>
-          <a:p>
-            <a:pPr algn="ctr"/>
-            <a:endParaRPr lang="zh-TW" altLang="en-US"/>
-          </a:p>
-        </p:txBody>
-      </p:sp>
-      <p:sp>
-        <p:nvSpPr>
-          <p:cNvPr id="224" name="箭號: 向下 223">
-            <a:extLst>
-              <a:ext uri="{FF2B5EF4-FFF2-40B4-BE49-F238E27FC236}">
-                <a16:creationId xmlns:a16="http://schemas.microsoft.com/office/drawing/2014/main" id="{7FB570BD-7C34-4BF2-BBE4-22A279D2249C}"/>
-              </a:ext>
-            </a:extLst>
-          </p:cNvPr>
-          <p:cNvSpPr/>
-          <p:nvPr/>
-        </p:nvSpPr>
-        <p:spPr>
-          <a:xfrm rot="16200000">
-            <a:off x="13077938" y="16000949"/>
-            <a:ext cx="298903" cy="593303"/>
-          </a:xfrm>
-          <a:prstGeom prst="downArrow">
-            <a:avLst/>
-          </a:prstGeom>
-        </p:spPr>
-        <p:style>
-          <a:lnRef idx="2">
-            <a:schemeClr val="accent1">
-              <a:shade val="50000"/>
-            </a:schemeClr>
-          </a:lnRef>
-          <a:fillRef idx="1">
-            <a:schemeClr val="accent1"/>
-          </a:fillRef>
-          <a:effectRef idx="0">
-            <a:schemeClr val="accent1"/>
-          </a:effectRef>
-          <a:fontRef idx="minor">
-            <a:schemeClr val="lt1"/>
-          </a:fontRef>
-        </p:style>
-        <p:txBody>
-          <a:bodyPr rtlCol="0" anchor="ctr"/>
-          <a:lstStyle/>
-          <a:p>
-            <a:pPr algn="ctr"/>
-            <a:endParaRPr lang="zh-TW" altLang="en-US"/>
-          </a:p>
-        </p:txBody>
-      </p:sp>
-      <p:sp>
-        <p:nvSpPr>
-          <p:cNvPr id="225" name="箭號: 向下 224">
-            <a:extLst>
-              <a:ext uri="{FF2B5EF4-FFF2-40B4-BE49-F238E27FC236}">
-                <a16:creationId xmlns:a16="http://schemas.microsoft.com/office/drawing/2014/main" id="{8207DCC5-C961-46AA-8BA3-8114F61447AC}"/>
-              </a:ext>
-            </a:extLst>
-          </p:cNvPr>
-          <p:cNvSpPr/>
-          <p:nvPr/>
-        </p:nvSpPr>
-        <p:spPr>
-          <a:xfrm rot="16200000">
-            <a:off x="13078849" y="16850375"/>
-            <a:ext cx="298903" cy="593303"/>
-          </a:xfrm>
-          <a:prstGeom prst="downArrow">
-            <a:avLst/>
-          </a:prstGeom>
-        </p:spPr>
-        <p:style>
-          <a:lnRef idx="2">
-            <a:schemeClr val="accent1">
-              <a:shade val="50000"/>
-            </a:schemeClr>
-          </a:lnRef>
-          <a:fillRef idx="1">
-            <a:schemeClr val="accent1"/>
-          </a:fillRef>
-          <a:effectRef idx="0">
-            <a:schemeClr val="accent1"/>
-          </a:effectRef>
-          <a:fontRef idx="minor">
-            <a:schemeClr val="lt1"/>
-          </a:fontRef>
-        </p:style>
-        <p:txBody>
-          <a:bodyPr rtlCol="0" anchor="ctr"/>
-          <a:lstStyle/>
-          <a:p>
-            <a:pPr algn="ctr"/>
-            <a:endParaRPr lang="zh-TW" altLang="en-US"/>
-          </a:p>
-        </p:txBody>
-      </p:sp>
-      <p:sp>
-        <p:nvSpPr>
-          <p:cNvPr id="226" name="箭號: 向下 225">
-            <a:extLst>
-              <a:ext uri="{FF2B5EF4-FFF2-40B4-BE49-F238E27FC236}">
-                <a16:creationId xmlns:a16="http://schemas.microsoft.com/office/drawing/2014/main" id="{A45AE7A4-E5BF-4E1D-B0B5-4B34903EC54A}"/>
-              </a:ext>
-            </a:extLst>
-          </p:cNvPr>
-          <p:cNvSpPr/>
-          <p:nvPr/>
-        </p:nvSpPr>
-        <p:spPr>
-          <a:xfrm rot="16200000">
-            <a:off x="13071683" y="17807911"/>
-            <a:ext cx="298903" cy="593303"/>
-          </a:xfrm>
-          <a:prstGeom prst="downArrow">
-            <a:avLst/>
-          </a:prstGeom>
-        </p:spPr>
-        <p:style>
-          <a:lnRef idx="2">
-            <a:schemeClr val="accent1">
-              <a:shade val="50000"/>
-            </a:schemeClr>
-          </a:lnRef>
-          <a:fillRef idx="1">
-            <a:schemeClr val="accent1"/>
-          </a:fillRef>
-          <a:effectRef idx="0">
-            <a:schemeClr val="accent1"/>
-          </a:effectRef>
-          <a:fontRef idx="minor">
-            <a:schemeClr val="lt1"/>
-          </a:fontRef>
-        </p:style>
-        <p:txBody>
-          <a:bodyPr rtlCol="0" anchor="ctr"/>
-          <a:lstStyle/>
-          <a:p>
-            <a:pPr algn="ctr"/>
-            <a:endParaRPr lang="zh-TW" altLang="en-US"/>
-          </a:p>
-        </p:txBody>
-      </p:sp>
-      <p:sp>
-        <p:nvSpPr>
-          <p:cNvPr id="227" name="箭號: 向下 226">
-            <a:extLst>
-              <a:ext uri="{FF2B5EF4-FFF2-40B4-BE49-F238E27FC236}">
-                <a16:creationId xmlns:a16="http://schemas.microsoft.com/office/drawing/2014/main" id="{05E3101C-BBA4-4080-BE9A-A9B6E0365146}"/>
-              </a:ext>
-            </a:extLst>
-          </p:cNvPr>
-          <p:cNvSpPr/>
-          <p:nvPr/>
-        </p:nvSpPr>
-        <p:spPr>
-          <a:xfrm rot="14436225">
-            <a:off x="17874478" y="16288087"/>
-            <a:ext cx="335033" cy="924956"/>
-          </a:xfrm>
-          <a:prstGeom prst="downArrow">
-            <a:avLst/>
-          </a:prstGeom>
-        </p:spPr>
-        <p:style>
-          <a:lnRef idx="2">
-            <a:schemeClr val="accent1">
-              <a:shade val="50000"/>
-            </a:schemeClr>
-          </a:lnRef>
-          <a:fillRef idx="1">
-            <a:schemeClr val="accent1"/>
-          </a:fillRef>
-          <a:effectRef idx="0">
-            <a:schemeClr val="accent1"/>
-          </a:effectRef>
-          <a:fontRef idx="minor">
-            <a:schemeClr val="lt1"/>
-          </a:fontRef>
-        </p:style>
-        <p:txBody>
-          <a:bodyPr rtlCol="0" anchor="ctr"/>
-          <a:lstStyle/>
-          <a:p>
-            <a:pPr algn="ctr"/>
-            <a:endParaRPr lang="zh-TW" altLang="en-US"/>
-          </a:p>
-        </p:txBody>
-      </p:sp>
-      <p:sp>
-        <p:nvSpPr>
-          <p:cNvPr id="228" name="箭號: 向下 227">
-            <a:extLst>
-              <a:ext uri="{FF2B5EF4-FFF2-40B4-BE49-F238E27FC236}">
-                <a16:creationId xmlns:a16="http://schemas.microsoft.com/office/drawing/2014/main" id="{97772389-E802-4381-99D9-80DDEC310A5C}"/>
-              </a:ext>
-            </a:extLst>
-          </p:cNvPr>
-          <p:cNvSpPr/>
-          <p:nvPr/>
-        </p:nvSpPr>
-        <p:spPr>
-          <a:xfrm rot="18415438">
-            <a:off x="17862275" y="17020077"/>
-            <a:ext cx="308434" cy="907007"/>
-          </a:xfrm>
-          <a:prstGeom prst="downArrow">
-            <a:avLst/>
-          </a:prstGeom>
-        </p:spPr>
-        <p:style>
-          <a:lnRef idx="2">
-            <a:schemeClr val="accent1">
-              <a:shade val="50000"/>
-            </a:schemeClr>
-          </a:lnRef>
-          <a:fillRef idx="1">
-            <a:schemeClr val="accent1"/>
-          </a:fillRef>
-          <a:effectRef idx="0">
-            <a:schemeClr val="accent1"/>
-          </a:effectRef>
-          <a:fontRef idx="minor">
-            <a:schemeClr val="lt1"/>
-          </a:fontRef>
-        </p:style>
-        <p:txBody>
-          <a:bodyPr rtlCol="0" anchor="ctr"/>
-          <a:lstStyle/>
-          <a:p>
-            <a:pPr algn="ctr"/>
-            <a:endParaRPr lang="zh-TW" altLang="en-US"/>
-          </a:p>
-        </p:txBody>
-      </p:sp>
+        </p:grpSpPr>
+        <p:grpSp>
+          <p:nvGrpSpPr>
+            <p:cNvPr id="143" name="群組 142">
+              <a:extLst>
+                <a:ext uri="{FF2B5EF4-FFF2-40B4-BE49-F238E27FC236}">
+                  <a16:creationId xmlns:a16="http://schemas.microsoft.com/office/drawing/2014/main" id="{B2FBA948-BE39-4293-89AC-5DFE96E2CF2A}"/>
+                </a:ext>
+              </a:extLst>
+            </p:cNvPr>
+            <p:cNvGrpSpPr/>
+            <p:nvPr/>
+          </p:nvGrpSpPr>
+          <p:grpSpPr>
+            <a:xfrm>
+              <a:off x="1344246" y="546628"/>
+              <a:ext cx="8128000" cy="5418667"/>
+              <a:chOff x="2032000" y="719666"/>
+              <a:chExt cx="8128000" cy="5418667"/>
+            </a:xfrm>
+          </p:grpSpPr>
+          <p:graphicFrame>
+            <p:nvGraphicFramePr>
+              <p:cNvPr id="148" name="資料庫圖表 147">
+                <a:extLst>
+                  <a:ext uri="{FF2B5EF4-FFF2-40B4-BE49-F238E27FC236}">
+                    <a16:creationId xmlns:a16="http://schemas.microsoft.com/office/drawing/2014/main" id="{32A96DD1-DC5F-4C78-9AEA-AD8FC6DF118B}"/>
+                  </a:ext>
+                </a:extLst>
+              </p:cNvPr>
+              <p:cNvGraphicFramePr/>
+              <p:nvPr>
+                <p:extLst>
+                  <p:ext uri="{D42A27DB-BD31-4B8C-83A1-F6EECF244321}">
+                    <p14:modId xmlns:p14="http://schemas.microsoft.com/office/powerpoint/2010/main" val="1392474934"/>
+                  </p:ext>
+                </p:extLst>
+              </p:nvPr>
+            </p:nvGraphicFramePr>
+            <p:xfrm>
+              <a:off x="2032000" y="719666"/>
+              <a:ext cx="8128000" cy="5418667"/>
+            </p:xfrm>
+            <a:graphic>
+              <a:graphicData uri="http://schemas.openxmlformats.org/drawingml/2006/diagram">
+                <dgm:relIds xmlns:dgm="http://schemas.openxmlformats.org/drawingml/2006/diagram" xmlns:r="http://schemas.openxmlformats.org/officeDocument/2006/relationships" r:dm="rId24" r:lo="rId25" r:qs="rId26" r:cs="rId27"/>
+              </a:graphicData>
+            </a:graphic>
+          </p:graphicFrame>
+          <p:grpSp>
+            <p:nvGrpSpPr>
+              <p:cNvPr id="150" name="群組 149">
+                <a:extLst>
+                  <a:ext uri="{FF2B5EF4-FFF2-40B4-BE49-F238E27FC236}">
+                    <a16:creationId xmlns:a16="http://schemas.microsoft.com/office/drawing/2014/main" id="{D5047A2A-594C-4376-8DCC-89BD1B73D5B3}"/>
+                  </a:ext>
+                </a:extLst>
+              </p:cNvPr>
+              <p:cNvGrpSpPr/>
+              <p:nvPr/>
+            </p:nvGrpSpPr>
+            <p:grpSpPr>
+              <a:xfrm>
+                <a:off x="3772486" y="719666"/>
+                <a:ext cx="1524000" cy="1524000"/>
+                <a:chOff x="2929654" y="718332"/>
+                <a:chExt cx="1524000" cy="1524000"/>
+              </a:xfrm>
+              <a:scene3d>
+                <a:camera prst="orthographicFront"/>
+                <a:lightRig rig="flat" dir="t"/>
+              </a:scene3d>
+            </p:grpSpPr>
+            <p:sp>
+              <p:nvSpPr>
+                <p:cNvPr id="152" name="橢圓 151">
+                  <a:extLst>
+                    <a:ext uri="{FF2B5EF4-FFF2-40B4-BE49-F238E27FC236}">
+                      <a16:creationId xmlns:a16="http://schemas.microsoft.com/office/drawing/2014/main" id="{4056B033-1162-46AB-B8FD-14F7842FF771}"/>
+                    </a:ext>
+                  </a:extLst>
+                </p:cNvPr>
+                <p:cNvSpPr/>
+                <p:nvPr/>
+              </p:nvSpPr>
+              <p:spPr>
+                <a:xfrm>
+                  <a:off x="2929654" y="718332"/>
+                  <a:ext cx="1524000" cy="1524000"/>
+                </a:xfrm>
+                <a:prstGeom prst="ellipse">
+                  <a:avLst/>
+                </a:prstGeom>
+                <a:solidFill>
+                  <a:schemeClr val="accent2"/>
+                </a:solidFill>
+                <a:ln w="28575"/>
+                <a:sp3d prstMaterial="plastic">
+                  <a:bevelT w="120900" h="88900"/>
+                  <a:bevelB w="88900" h="31750" prst="angle"/>
+                </a:sp3d>
+              </p:spPr>
+              <p:style>
+                <a:lnRef idx="0">
+                  <a:schemeClr val="accent3">
+                    <a:shade val="80000"/>
+                    <a:hueOff val="0"/>
+                    <a:satOff val="0"/>
+                    <a:lumOff val="0"/>
+                    <a:alphaOff val="0"/>
+                  </a:schemeClr>
+                </a:lnRef>
+                <a:fillRef idx="3">
+                  <a:schemeClr val="lt1">
+                    <a:hueOff val="0"/>
+                    <a:satOff val="0"/>
+                    <a:lumOff val="0"/>
+                    <a:alphaOff val="0"/>
+                  </a:schemeClr>
+                </a:fillRef>
+                <a:effectRef idx="2">
+                  <a:schemeClr val="lt1">
+                    <a:hueOff val="0"/>
+                    <a:satOff val="0"/>
+                    <a:lumOff val="0"/>
+                    <a:alphaOff val="0"/>
+                  </a:schemeClr>
+                </a:effectRef>
+                <a:fontRef idx="minor">
+                  <a:schemeClr val="dk1">
+                    <a:hueOff val="0"/>
+                    <a:satOff val="0"/>
+                    <a:lumOff val="0"/>
+                    <a:alphaOff val="0"/>
+                  </a:schemeClr>
+                </a:fontRef>
+              </p:style>
+              <p:txBody>
+                <a:bodyPr/>
+                <a:lstStyle>
+                  <a:defPPr>
+                    <a:defRPr lang="zh-TW"/>
+                  </a:defPPr>
+                  <a:lvl1pPr marL="0" algn="l" defTabSz="914400" rtl="0" eaLnBrk="1" latinLnBrk="0" hangingPunct="1">
+                    <a:defRPr sz="1800" kern="1200">
+                      <a:solidFill>
+                        <a:schemeClr val="dk1">
+                          <a:hueOff val="0"/>
+                          <a:satOff val="0"/>
+                          <a:lumOff val="0"/>
+                          <a:alphaOff val="0"/>
+                        </a:schemeClr>
+                      </a:solidFill>
+                      <a:latin typeface="+mn-lt"/>
+                      <a:ea typeface="+mn-ea"/>
+                      <a:cs typeface="+mn-cs"/>
+                    </a:defRPr>
+                  </a:lvl1pPr>
+                  <a:lvl2pPr marL="457200" algn="l" defTabSz="914400" rtl="0" eaLnBrk="1" latinLnBrk="0" hangingPunct="1">
+                    <a:defRPr sz="1800" kern="1200">
+                      <a:solidFill>
+                        <a:schemeClr val="dk1">
+                          <a:hueOff val="0"/>
+                          <a:satOff val="0"/>
+                          <a:lumOff val="0"/>
+                          <a:alphaOff val="0"/>
+                        </a:schemeClr>
+                      </a:solidFill>
+                      <a:latin typeface="+mn-lt"/>
+                      <a:ea typeface="+mn-ea"/>
+                      <a:cs typeface="+mn-cs"/>
+                    </a:defRPr>
+                  </a:lvl2pPr>
+                  <a:lvl3pPr marL="914400" algn="l" defTabSz="914400" rtl="0" eaLnBrk="1" latinLnBrk="0" hangingPunct="1">
+                    <a:defRPr sz="1800" kern="1200">
+                      <a:solidFill>
+                        <a:schemeClr val="dk1">
+                          <a:hueOff val="0"/>
+                          <a:satOff val="0"/>
+                          <a:lumOff val="0"/>
+                          <a:alphaOff val="0"/>
+                        </a:schemeClr>
+                      </a:solidFill>
+                      <a:latin typeface="+mn-lt"/>
+                      <a:ea typeface="+mn-ea"/>
+                      <a:cs typeface="+mn-cs"/>
+                    </a:defRPr>
+                  </a:lvl3pPr>
+                  <a:lvl4pPr marL="1371600" algn="l" defTabSz="914400" rtl="0" eaLnBrk="1" latinLnBrk="0" hangingPunct="1">
+                    <a:defRPr sz="1800" kern="1200">
+                      <a:solidFill>
+                        <a:schemeClr val="dk1">
+                          <a:hueOff val="0"/>
+                          <a:satOff val="0"/>
+                          <a:lumOff val="0"/>
+                          <a:alphaOff val="0"/>
+                        </a:schemeClr>
+                      </a:solidFill>
+                      <a:latin typeface="+mn-lt"/>
+                      <a:ea typeface="+mn-ea"/>
+                      <a:cs typeface="+mn-cs"/>
+                    </a:defRPr>
+                  </a:lvl4pPr>
+                  <a:lvl5pPr marL="1828800" algn="l" defTabSz="914400" rtl="0" eaLnBrk="1" latinLnBrk="0" hangingPunct="1">
+                    <a:defRPr sz="1800" kern="1200">
+                      <a:solidFill>
+                        <a:schemeClr val="dk1">
+                          <a:hueOff val="0"/>
+                          <a:satOff val="0"/>
+                          <a:lumOff val="0"/>
+                          <a:alphaOff val="0"/>
+                        </a:schemeClr>
+                      </a:solidFill>
+                      <a:latin typeface="+mn-lt"/>
+                      <a:ea typeface="+mn-ea"/>
+                      <a:cs typeface="+mn-cs"/>
+                    </a:defRPr>
+                  </a:lvl5pPr>
+                  <a:lvl6pPr marL="2286000" algn="l" defTabSz="914400" rtl="0" eaLnBrk="1" latinLnBrk="0" hangingPunct="1">
+                    <a:defRPr sz="1800" kern="1200">
+                      <a:solidFill>
+                        <a:schemeClr val="dk1">
+                          <a:hueOff val="0"/>
+                          <a:satOff val="0"/>
+                          <a:lumOff val="0"/>
+                          <a:alphaOff val="0"/>
+                        </a:schemeClr>
+                      </a:solidFill>
+                      <a:latin typeface="+mn-lt"/>
+                      <a:ea typeface="+mn-ea"/>
+                      <a:cs typeface="+mn-cs"/>
+                    </a:defRPr>
+                  </a:lvl6pPr>
+                  <a:lvl7pPr marL="2743200" algn="l" defTabSz="914400" rtl="0" eaLnBrk="1" latinLnBrk="0" hangingPunct="1">
+                    <a:defRPr sz="1800" kern="1200">
+                      <a:solidFill>
+                        <a:schemeClr val="dk1">
+                          <a:hueOff val="0"/>
+                          <a:satOff val="0"/>
+                          <a:lumOff val="0"/>
+                          <a:alphaOff val="0"/>
+                        </a:schemeClr>
+                      </a:solidFill>
+                      <a:latin typeface="+mn-lt"/>
+                      <a:ea typeface="+mn-ea"/>
+                      <a:cs typeface="+mn-cs"/>
+                    </a:defRPr>
+                  </a:lvl7pPr>
+                  <a:lvl8pPr marL="3200400" algn="l" defTabSz="914400" rtl="0" eaLnBrk="1" latinLnBrk="0" hangingPunct="1">
+                    <a:defRPr sz="1800" kern="1200">
+                      <a:solidFill>
+                        <a:schemeClr val="dk1">
+                          <a:hueOff val="0"/>
+                          <a:satOff val="0"/>
+                          <a:lumOff val="0"/>
+                          <a:alphaOff val="0"/>
+                        </a:schemeClr>
+                      </a:solidFill>
+                      <a:latin typeface="+mn-lt"/>
+                      <a:ea typeface="+mn-ea"/>
+                      <a:cs typeface="+mn-cs"/>
+                    </a:defRPr>
+                  </a:lvl8pPr>
+                  <a:lvl9pPr marL="3657600" algn="l" defTabSz="914400" rtl="0" eaLnBrk="1" latinLnBrk="0" hangingPunct="1">
+                    <a:defRPr sz="1800" kern="1200">
+                      <a:solidFill>
+                        <a:schemeClr val="dk1">
+                          <a:hueOff val="0"/>
+                          <a:satOff val="0"/>
+                          <a:lumOff val="0"/>
+                          <a:alphaOff val="0"/>
+                        </a:schemeClr>
+                      </a:solidFill>
+                      <a:latin typeface="+mn-lt"/>
+                      <a:ea typeface="+mn-ea"/>
+                      <a:cs typeface="+mn-cs"/>
+                    </a:defRPr>
+                  </a:lvl9pPr>
+                </a:lstStyle>
+                <a:p>
+                  <a:endParaRPr lang="zh-TW" altLang="en-US" dirty="0"/>
+                </a:p>
+              </p:txBody>
+            </p:sp>
+            <p:sp>
+              <p:nvSpPr>
+                <p:cNvPr id="153" name="橢圓 4">
+                  <a:extLst>
+                    <a:ext uri="{FF2B5EF4-FFF2-40B4-BE49-F238E27FC236}">
+                      <a16:creationId xmlns:a16="http://schemas.microsoft.com/office/drawing/2014/main" id="{B3530D94-5363-4D6D-8C52-5BC4E41623BF}"/>
+                    </a:ext>
+                  </a:extLst>
+                </p:cNvPr>
+                <p:cNvSpPr txBox="1"/>
+                <p:nvPr/>
+              </p:nvSpPr>
+              <p:spPr>
+                <a:xfrm>
+                  <a:off x="3152840" y="941517"/>
+                  <a:ext cx="1077630" cy="1077630"/>
+                </a:xfrm>
+                <a:prstGeom prst="rect">
+                  <a:avLst/>
+                </a:prstGeom>
+                <a:ln w="28575"/>
+                <a:sp3d/>
+              </p:spPr>
+              <p:style>
+                <a:lnRef idx="0">
+                  <a:scrgbClr r="0" g="0" b="0"/>
+                </a:lnRef>
+                <a:fillRef idx="0">
+                  <a:scrgbClr r="0" g="0" b="0"/>
+                </a:fillRef>
+                <a:effectRef idx="0">
+                  <a:scrgbClr r="0" g="0" b="0"/>
+                </a:effectRef>
+                <a:fontRef idx="minor">
+                  <a:schemeClr val="dk1">
+                    <a:hueOff val="0"/>
+                    <a:satOff val="0"/>
+                    <a:lumOff val="0"/>
+                    <a:alphaOff val="0"/>
+                  </a:schemeClr>
+                </a:fontRef>
+              </p:style>
+              <p:txBody>
+                <a:bodyPr spcFirstLastPara="0" vert="horz" wrap="square" lIns="45720" tIns="45720" rIns="45720" bIns="45720" numCol="1" spcCol="1270" anchor="ctr" anchorCtr="0">
+                  <a:noAutofit/>
+                </a:bodyPr>
+                <a:lstStyle>
+                  <a:defPPr>
+                    <a:defRPr lang="zh-TW"/>
+                  </a:defPPr>
+                  <a:lvl1pPr marL="0" algn="l" defTabSz="914400" rtl="0" eaLnBrk="1" latinLnBrk="0" hangingPunct="1">
+                    <a:defRPr sz="1800" kern="1200">
+                      <a:solidFill>
+                        <a:schemeClr val="dk1">
+                          <a:hueOff val="0"/>
+                          <a:satOff val="0"/>
+                          <a:lumOff val="0"/>
+                          <a:alphaOff val="0"/>
+                        </a:schemeClr>
+                      </a:solidFill>
+                      <a:latin typeface="+mn-lt"/>
+                      <a:ea typeface="+mn-ea"/>
+                      <a:cs typeface="+mn-cs"/>
+                    </a:defRPr>
+                  </a:lvl1pPr>
+                  <a:lvl2pPr marL="457200" algn="l" defTabSz="914400" rtl="0" eaLnBrk="1" latinLnBrk="0" hangingPunct="1">
+                    <a:defRPr sz="1800" kern="1200">
+                      <a:solidFill>
+                        <a:schemeClr val="dk1">
+                          <a:hueOff val="0"/>
+                          <a:satOff val="0"/>
+                          <a:lumOff val="0"/>
+                          <a:alphaOff val="0"/>
+                        </a:schemeClr>
+                      </a:solidFill>
+                      <a:latin typeface="+mn-lt"/>
+                      <a:ea typeface="+mn-ea"/>
+                      <a:cs typeface="+mn-cs"/>
+                    </a:defRPr>
+                  </a:lvl2pPr>
+                  <a:lvl3pPr marL="914400" algn="l" defTabSz="914400" rtl="0" eaLnBrk="1" latinLnBrk="0" hangingPunct="1">
+                    <a:defRPr sz="1800" kern="1200">
+                      <a:solidFill>
+                        <a:schemeClr val="dk1">
+                          <a:hueOff val="0"/>
+                          <a:satOff val="0"/>
+                          <a:lumOff val="0"/>
+                          <a:alphaOff val="0"/>
+                        </a:schemeClr>
+                      </a:solidFill>
+                      <a:latin typeface="+mn-lt"/>
+                      <a:ea typeface="+mn-ea"/>
+                      <a:cs typeface="+mn-cs"/>
+                    </a:defRPr>
+                  </a:lvl3pPr>
+                  <a:lvl4pPr marL="1371600" algn="l" defTabSz="914400" rtl="0" eaLnBrk="1" latinLnBrk="0" hangingPunct="1">
+                    <a:defRPr sz="1800" kern="1200">
+                      <a:solidFill>
+                        <a:schemeClr val="dk1">
+                          <a:hueOff val="0"/>
+                          <a:satOff val="0"/>
+                          <a:lumOff val="0"/>
+                          <a:alphaOff val="0"/>
+                        </a:schemeClr>
+                      </a:solidFill>
+                      <a:latin typeface="+mn-lt"/>
+                      <a:ea typeface="+mn-ea"/>
+                      <a:cs typeface="+mn-cs"/>
+                    </a:defRPr>
+                  </a:lvl4pPr>
+                  <a:lvl5pPr marL="1828800" algn="l" defTabSz="914400" rtl="0" eaLnBrk="1" latinLnBrk="0" hangingPunct="1">
+                    <a:defRPr sz="1800" kern="1200">
+                      <a:solidFill>
+                        <a:schemeClr val="dk1">
+                          <a:hueOff val="0"/>
+                          <a:satOff val="0"/>
+                          <a:lumOff val="0"/>
+                          <a:alphaOff val="0"/>
+                        </a:schemeClr>
+                      </a:solidFill>
+                      <a:latin typeface="+mn-lt"/>
+                      <a:ea typeface="+mn-ea"/>
+                      <a:cs typeface="+mn-cs"/>
+                    </a:defRPr>
+                  </a:lvl5pPr>
+                  <a:lvl6pPr marL="2286000" algn="l" defTabSz="914400" rtl="0" eaLnBrk="1" latinLnBrk="0" hangingPunct="1">
+                    <a:defRPr sz="1800" kern="1200">
+                      <a:solidFill>
+                        <a:schemeClr val="dk1">
+                          <a:hueOff val="0"/>
+                          <a:satOff val="0"/>
+                          <a:lumOff val="0"/>
+                          <a:alphaOff val="0"/>
+                        </a:schemeClr>
+                      </a:solidFill>
+                      <a:latin typeface="+mn-lt"/>
+                      <a:ea typeface="+mn-ea"/>
+                      <a:cs typeface="+mn-cs"/>
+                    </a:defRPr>
+                  </a:lvl6pPr>
+                  <a:lvl7pPr marL="2743200" algn="l" defTabSz="914400" rtl="0" eaLnBrk="1" latinLnBrk="0" hangingPunct="1">
+                    <a:defRPr sz="1800" kern="1200">
+                      <a:solidFill>
+                        <a:schemeClr val="dk1">
+                          <a:hueOff val="0"/>
+                          <a:satOff val="0"/>
+                          <a:lumOff val="0"/>
+                          <a:alphaOff val="0"/>
+                        </a:schemeClr>
+                      </a:solidFill>
+                      <a:latin typeface="+mn-lt"/>
+                      <a:ea typeface="+mn-ea"/>
+                      <a:cs typeface="+mn-cs"/>
+                    </a:defRPr>
+                  </a:lvl7pPr>
+                  <a:lvl8pPr marL="3200400" algn="l" defTabSz="914400" rtl="0" eaLnBrk="1" latinLnBrk="0" hangingPunct="1">
+                    <a:defRPr sz="1800" kern="1200">
+                      <a:solidFill>
+                        <a:schemeClr val="dk1">
+                          <a:hueOff val="0"/>
+                          <a:satOff val="0"/>
+                          <a:lumOff val="0"/>
+                          <a:alphaOff val="0"/>
+                        </a:schemeClr>
+                      </a:solidFill>
+                      <a:latin typeface="+mn-lt"/>
+                      <a:ea typeface="+mn-ea"/>
+                      <a:cs typeface="+mn-cs"/>
+                    </a:defRPr>
+                  </a:lvl8pPr>
+                  <a:lvl9pPr marL="3657600" algn="l" defTabSz="914400" rtl="0" eaLnBrk="1" latinLnBrk="0" hangingPunct="1">
+                    <a:defRPr sz="1800" kern="1200">
+                      <a:solidFill>
+                        <a:schemeClr val="dk1">
+                          <a:hueOff val="0"/>
+                          <a:satOff val="0"/>
+                          <a:lumOff val="0"/>
+                          <a:alphaOff val="0"/>
+                        </a:schemeClr>
+                      </a:solidFill>
+                      <a:latin typeface="+mn-lt"/>
+                      <a:ea typeface="+mn-ea"/>
+                      <a:cs typeface="+mn-cs"/>
+                    </a:defRPr>
+                  </a:lvl9pPr>
+                </a:lstStyle>
+                <a:p>
+                  <a:pPr marL="0" lvl="0" indent="0" algn="ctr" defTabSz="1600200">
+                    <a:lnSpc>
+                      <a:spcPct val="90000"/>
+                    </a:lnSpc>
+                    <a:spcBef>
+                      <a:spcPct val="0"/>
+                    </a:spcBef>
+                    <a:spcAft>
+                      <a:spcPct val="35000"/>
+                    </a:spcAft>
+                    <a:buNone/>
+                  </a:pPr>
+                  <a:r>
+                    <a:rPr lang="zh-TW" altLang="en-US" sz="2000" kern="1200" dirty="0">
+                      <a:latin typeface="DFKai-SB" panose="03000509000000000000" pitchFamily="65" charset="-120"/>
+                      <a:ea typeface="DFKai-SB" panose="03000509000000000000" pitchFamily="65" charset="-120"/>
+                    </a:rPr>
+                    <a:t>體重</a:t>
+                  </a:r>
+                </a:p>
+              </p:txBody>
+            </p:sp>
+          </p:grpSp>
+        </p:grpSp>
+        <p:sp>
+          <p:nvSpPr>
+            <p:cNvPr id="145" name="矩形 144">
+              <a:extLst>
+                <a:ext uri="{FF2B5EF4-FFF2-40B4-BE49-F238E27FC236}">
+                  <a16:creationId xmlns:a16="http://schemas.microsoft.com/office/drawing/2014/main" id="{F1B4FF5B-44C5-4954-966F-24EEEAE5F502}"/>
+                </a:ext>
+              </a:extLst>
+            </p:cNvPr>
+            <p:cNvSpPr/>
+            <p:nvPr/>
+          </p:nvSpPr>
+          <p:spPr>
+            <a:xfrm>
+              <a:off x="6233994" y="4095433"/>
+              <a:ext cx="1894011" cy="1064469"/>
+            </a:xfrm>
+            <a:prstGeom prst="rect">
+              <a:avLst/>
+            </a:prstGeom>
+            <a:noFill/>
+          </p:spPr>
+          <p:txBody>
+            <a:bodyPr wrap="none" lIns="91440" tIns="45720" rIns="91440" bIns="45720">
+              <a:spAutoFit/>
+              <a:scene3d>
+                <a:camera prst="orthographicFront"/>
+                <a:lightRig rig="harsh" dir="t"/>
+              </a:scene3d>
+              <a:sp3d extrusionH="57150" prstMaterial="matte">
+                <a:bevelT w="63500" h="12700" prst="angle"/>
+                <a:contourClr>
+                  <a:schemeClr val="bg1">
+                    <a:lumMod val="65000"/>
+                  </a:schemeClr>
+                </a:contourClr>
+              </a:sp3d>
+            </a:bodyPr>
+            <a:lstStyle>
+              <a:defPPr>
+                <a:defRPr lang="zh-TW"/>
+              </a:defPPr>
+              <a:lvl1pPr marL="0" algn="l" defTabSz="914400" rtl="0" eaLnBrk="1" latinLnBrk="0" hangingPunct="1">
+                <a:defRPr sz="1800" kern="1200">
+                  <a:solidFill>
+                    <a:schemeClr val="tx1"/>
+                  </a:solidFill>
+                  <a:latin typeface="+mn-lt"/>
+                  <a:ea typeface="+mn-ea"/>
+                  <a:cs typeface="+mn-cs"/>
+                </a:defRPr>
+              </a:lvl1pPr>
+              <a:lvl2pPr marL="457200" algn="l" defTabSz="914400" rtl="0" eaLnBrk="1" latinLnBrk="0" hangingPunct="1">
+                <a:defRPr sz="1800" kern="1200">
+                  <a:solidFill>
+                    <a:schemeClr val="tx1"/>
+                  </a:solidFill>
+                  <a:latin typeface="+mn-lt"/>
+                  <a:ea typeface="+mn-ea"/>
+                  <a:cs typeface="+mn-cs"/>
+                </a:defRPr>
+              </a:lvl2pPr>
+              <a:lvl3pPr marL="914400" algn="l" defTabSz="914400" rtl="0" eaLnBrk="1" latinLnBrk="0" hangingPunct="1">
+                <a:defRPr sz="1800" kern="1200">
+                  <a:solidFill>
+                    <a:schemeClr val="tx1"/>
+                  </a:solidFill>
+                  <a:latin typeface="+mn-lt"/>
+                  <a:ea typeface="+mn-ea"/>
+                  <a:cs typeface="+mn-cs"/>
+                </a:defRPr>
+              </a:lvl3pPr>
+              <a:lvl4pPr marL="1371600" algn="l" defTabSz="914400" rtl="0" eaLnBrk="1" latinLnBrk="0" hangingPunct="1">
+                <a:defRPr sz="1800" kern="1200">
+                  <a:solidFill>
+                    <a:schemeClr val="tx1"/>
+                  </a:solidFill>
+                  <a:latin typeface="+mn-lt"/>
+                  <a:ea typeface="+mn-ea"/>
+                  <a:cs typeface="+mn-cs"/>
+                </a:defRPr>
+              </a:lvl4pPr>
+              <a:lvl5pPr marL="1828800" algn="l" defTabSz="914400" rtl="0" eaLnBrk="1" latinLnBrk="0" hangingPunct="1">
+                <a:defRPr sz="1800" kern="1200">
+                  <a:solidFill>
+                    <a:schemeClr val="tx1"/>
+                  </a:solidFill>
+                  <a:latin typeface="+mn-lt"/>
+                  <a:ea typeface="+mn-ea"/>
+                  <a:cs typeface="+mn-cs"/>
+                </a:defRPr>
+              </a:lvl5pPr>
+              <a:lvl6pPr marL="2286000" algn="l" defTabSz="914400" rtl="0" eaLnBrk="1" latinLnBrk="0" hangingPunct="1">
+                <a:defRPr sz="1800" kern="1200">
+                  <a:solidFill>
+                    <a:schemeClr val="tx1"/>
+                  </a:solidFill>
+                  <a:latin typeface="+mn-lt"/>
+                  <a:ea typeface="+mn-ea"/>
+                  <a:cs typeface="+mn-cs"/>
+                </a:defRPr>
+              </a:lvl6pPr>
+              <a:lvl7pPr marL="2743200" algn="l" defTabSz="914400" rtl="0" eaLnBrk="1" latinLnBrk="0" hangingPunct="1">
+                <a:defRPr sz="1800" kern="1200">
+                  <a:solidFill>
+                    <a:schemeClr val="tx1"/>
+                  </a:solidFill>
+                  <a:latin typeface="+mn-lt"/>
+                  <a:ea typeface="+mn-ea"/>
+                  <a:cs typeface="+mn-cs"/>
+                </a:defRPr>
+              </a:lvl7pPr>
+              <a:lvl8pPr marL="3200400" algn="l" defTabSz="914400" rtl="0" eaLnBrk="1" latinLnBrk="0" hangingPunct="1">
+                <a:defRPr sz="1800" kern="1200">
+                  <a:solidFill>
+                    <a:schemeClr val="tx1"/>
+                  </a:solidFill>
+                  <a:latin typeface="+mn-lt"/>
+                  <a:ea typeface="+mn-ea"/>
+                  <a:cs typeface="+mn-cs"/>
+                </a:defRPr>
+              </a:lvl8pPr>
+              <a:lvl9pPr marL="3657600" algn="l" defTabSz="914400" rtl="0" eaLnBrk="1" latinLnBrk="0" hangingPunct="1">
+                <a:defRPr sz="1800" kern="1200">
+                  <a:solidFill>
+                    <a:schemeClr val="tx1"/>
+                  </a:solidFill>
+                  <a:latin typeface="+mn-lt"/>
+                  <a:ea typeface="+mn-ea"/>
+                  <a:cs typeface="+mn-cs"/>
+                </a:defRPr>
+              </a:lvl9pPr>
+            </a:lstStyle>
+            <a:p>
+              <a:pPr algn="ctr"/>
+              <a:r>
+                <a:rPr lang="en-US" altLang="zh-TW" sz="3600" b="1" cap="none" spc="0" dirty="0">
+                  <a:ln/>
+                  <a:solidFill>
+                    <a:schemeClr val="accent3"/>
+                  </a:solidFill>
+                  <a:effectLst/>
+                </a:rPr>
+                <a:t>SVM</a:t>
+              </a:r>
+              <a:endParaRPr lang="zh-TW" altLang="en-US" sz="3600" b="1" cap="none" spc="0" dirty="0">
+                <a:ln/>
+                <a:solidFill>
+                  <a:schemeClr val="accent3"/>
+                </a:solidFill>
+                <a:effectLst/>
+              </a:endParaRPr>
+            </a:p>
+          </p:txBody>
+        </p:sp>
+        <p:cxnSp>
+          <p:nvCxnSpPr>
+            <p:cNvPr id="147" name="接點: 弧形 146">
+              <a:extLst>
+                <a:ext uri="{FF2B5EF4-FFF2-40B4-BE49-F238E27FC236}">
+                  <a16:creationId xmlns:a16="http://schemas.microsoft.com/office/drawing/2014/main" id="{F3C7ACC4-DDBC-4474-A519-4FB3A288D1E7}"/>
+                </a:ext>
+              </a:extLst>
+            </p:cNvPr>
+            <p:cNvCxnSpPr/>
+            <p:nvPr/>
+          </p:nvCxnSpPr>
+          <p:spPr>
+            <a:xfrm>
+              <a:off x="5641145" y="4107766"/>
+              <a:ext cx="618978" cy="407963"/>
+            </a:xfrm>
+            <a:prstGeom prst="curvedConnector3">
+              <a:avLst/>
+            </a:prstGeom>
+            <a:ln w="38100">
+              <a:tailEnd type="triangle"/>
+            </a:ln>
+          </p:spPr>
+          <p:style>
+            <a:lnRef idx="3">
+              <a:schemeClr val="dk1"/>
+            </a:lnRef>
+            <a:fillRef idx="0">
+              <a:schemeClr val="dk1"/>
+            </a:fillRef>
+            <a:effectRef idx="2">
+              <a:schemeClr val="dk1"/>
+            </a:effectRef>
+            <a:fontRef idx="minor">
+              <a:schemeClr val="tx1"/>
+            </a:fontRef>
+          </p:style>
+        </p:cxnSp>
+      </p:grpSp>
     </p:spTree>
   </p:cSld>
   <p:clrMapOvr>

--- a/專題海報/專題海報.pptx
+++ b/專題海報/專題海報.pptx
@@ -1231,7 +1231,7 @@
       <dgm:spPr/>
     </dgm:pt>
     <dgm:pt modelId="{DAB41584-19D3-420A-B39F-5E390E6383D4}" type="pres">
-      <dgm:prSet presAssocID="{630D15CF-8AB0-4E6C-9FE1-60B317FC52FB}" presName="funnel" presStyleLbl="trAlignAcc1" presStyleIdx="0" presStyleCnt="1" custLinFactNeighborX="-759" custLinFactNeighborY="-1486"/>
+      <dgm:prSet presAssocID="{630D15CF-8AB0-4E6C-9FE1-60B317FC52FB}" presName="funnel" presStyleLbl="trAlignAcc1" presStyleIdx="0" presStyleCnt="1" custLinFactNeighborX="-759" custLinFactNeighborY="11431"/>
       <dgm:spPr/>
     </dgm:pt>
   </dgm:ptLst>
@@ -1716,7 +1716,7 @@
       </dsp:nvSpPr>
       <dsp:spPr>
         <a:xfrm>
-          <a:off x="844057" y="0"/>
+          <a:off x="844057" y="283830"/>
           <a:ext cx="2878873" cy="2303098"/>
         </a:xfrm>
         <a:prstGeom prst="funnel">
@@ -10746,8 +10746,8 @@
         </p:nvSpPr>
         <p:spPr>
           <a:xfrm>
-            <a:off x="13264500" y="15165176"/>
-            <a:ext cx="6107842" cy="689420"/>
+            <a:off x="12693831" y="15212479"/>
+            <a:ext cx="7309897" cy="689420"/>
           </a:xfrm>
           <a:prstGeom prst="rect">
             <a:avLst/>
@@ -10770,6 +10770,17 @@
                 <a:ea typeface="Microsoft YaHei UI" panose="020B0503020204020204" pitchFamily="34" charset="-122"/>
               </a:rPr>
               <a:t>SupportVectorMachine</a:t>
+            </a:r>
+            <a:r>
+              <a:rPr lang="en-US" altLang="zh-TW" sz="3880" b="1" dirty="0">
+                <a:solidFill>
+                  <a:srgbClr val="000000"/>
+                </a:solidFill>
+                <a:effectLst/>
+                <a:latin typeface="Microsoft YaHei UI" panose="020B0503020204020204" pitchFamily="34" charset="-122"/>
+                <a:ea typeface="Microsoft YaHei UI" panose="020B0503020204020204" pitchFamily="34" charset="-122"/>
+              </a:rPr>
+              <a:t>(SVM)</a:t>
             </a:r>
             <a:endParaRPr lang="zh-TW" altLang="en-US" sz="3880" b="1" dirty="0">
               <a:latin typeface="Microsoft YaHei UI" panose="020B0503020204020204" pitchFamily="34" charset="-122"/>
@@ -12005,7 +12016,7 @@
         </p:nvSpPr>
         <p:spPr>
           <a:xfrm>
-            <a:off x="12014592" y="18922483"/>
+            <a:off x="12424973" y="19139148"/>
             <a:ext cx="7818691" cy="1107996"/>
           </a:xfrm>
           <a:prstGeom prst="rect">
@@ -12035,7 +12046,121 @@
                 <a:ea typeface="微軟正黑體" panose="020B0604030504040204" pitchFamily="34" charset="-120"/>
                 <a:cs typeface="Times New Roman" panose="02020603050405020304" pitchFamily="18" charset="0"/>
               </a:rPr>
-              <a:t>上述數據，並以奇美醫院的數據做判斷標準，我們得知</a:t>
+              <a:t>上述</a:t>
+            </a:r>
+            <a:r>
+              <a:rPr lang="en-US" altLang="zh-TW" sz="2200" b="1" dirty="0">
+                <a:latin typeface="微軟正黑體" panose="020B0604030504040204" pitchFamily="34" charset="-120"/>
+                <a:ea typeface="微軟正黑體" panose="020B0604030504040204" pitchFamily="34" charset="-120"/>
+                <a:cs typeface="Times New Roman" panose="02020603050405020304" pitchFamily="18" charset="0"/>
+              </a:rPr>
+              <a:t>4</a:t>
+            </a:r>
+            <a:r>
+              <a:rPr lang="zh-TW" altLang="en-US" sz="2200" b="1" dirty="0">
+                <a:latin typeface="微軟正黑體" panose="020B0604030504040204" pitchFamily="34" charset="-120"/>
+                <a:ea typeface="微軟正黑體" panose="020B0604030504040204" pitchFamily="34" charset="-120"/>
+                <a:cs typeface="Times New Roman" panose="02020603050405020304" pitchFamily="18" charset="0"/>
+              </a:rPr>
+              <a:t>項</a:t>
+            </a:r>
+            <a:r>
+              <a:rPr lang="zh-TW" altLang="en-US" sz="2200" b="1" dirty="0">
+                <a:effectLst/>
+                <a:latin typeface="微軟正黑體" panose="020B0604030504040204" pitchFamily="34" charset="-120"/>
+                <a:ea typeface="微軟正黑體" panose="020B0604030504040204" pitchFamily="34" charset="-120"/>
+                <a:cs typeface="Times New Roman" panose="02020603050405020304" pitchFamily="18" charset="0"/>
+              </a:rPr>
+              <a:t>生理指標數據</a:t>
+            </a:r>
+            <a:r>
+              <a:rPr lang="en-US" altLang="zh-TW" sz="2200" b="1" dirty="0">
+                <a:latin typeface="微軟正黑體" panose="020B0604030504040204" pitchFamily="34" charset="-120"/>
+                <a:ea typeface="微軟正黑體" panose="020B0604030504040204" pitchFamily="34" charset="-120"/>
+                <a:cs typeface="Times New Roman" panose="02020603050405020304" pitchFamily="18" charset="0"/>
+              </a:rPr>
+              <a:t>(</a:t>
+            </a:r>
+            <a:r>
+              <a:rPr lang="zh-TW" altLang="en-US" sz="2200" b="1" dirty="0">
+                <a:latin typeface="微軟正黑體" panose="020B0604030504040204" pitchFamily="34" charset="-120"/>
+                <a:ea typeface="微軟正黑體" panose="020B0604030504040204" pitchFamily="34" charset="-120"/>
+                <a:cs typeface="Times New Roman" panose="02020603050405020304" pitchFamily="18" charset="0"/>
+              </a:rPr>
+              <a:t>體重、額溫、血壓、心跳</a:t>
+            </a:r>
+            <a:r>
+              <a:rPr lang="en-US" altLang="zh-TW" sz="2200" b="1" dirty="0">
+                <a:latin typeface="微軟正黑體" panose="020B0604030504040204" pitchFamily="34" charset="-120"/>
+                <a:ea typeface="微軟正黑體" panose="020B0604030504040204" pitchFamily="34" charset="-120"/>
+                <a:cs typeface="Times New Roman" panose="02020603050405020304" pitchFamily="18" charset="0"/>
+              </a:rPr>
+              <a:t>)</a:t>
+            </a:r>
+            <a:r>
+              <a:rPr lang="zh-TW" altLang="en-US" sz="2200" b="1" dirty="0">
+                <a:latin typeface="微軟正黑體" panose="020B0604030504040204" pitchFamily="34" charset="-120"/>
+                <a:ea typeface="微軟正黑體" panose="020B0604030504040204" pitchFamily="34" charset="-120"/>
+                <a:cs typeface="Times New Roman" panose="02020603050405020304" pitchFamily="18" charset="0"/>
+              </a:rPr>
+              <a:t> 放入</a:t>
+            </a:r>
+            <a:r>
+              <a:rPr lang="en-US" altLang="zh-TW" sz="2200" b="1" dirty="0">
+                <a:latin typeface="微軟正黑體" panose="020B0604030504040204" pitchFamily="34" charset="-120"/>
+                <a:ea typeface="微軟正黑體" panose="020B0604030504040204" pitchFamily="34" charset="-120"/>
+                <a:cs typeface="Times New Roman" panose="02020603050405020304" pitchFamily="18" charset="0"/>
+              </a:rPr>
+              <a:t>SVM</a:t>
+            </a:r>
+            <a:r>
+              <a:rPr lang="zh-TW" altLang="en-US" sz="2200" b="1" dirty="0">
+                <a:latin typeface="微軟正黑體" panose="020B0604030504040204" pitchFamily="34" charset="-120"/>
+                <a:ea typeface="微軟正黑體" panose="020B0604030504040204" pitchFamily="34" charset="-120"/>
+                <a:cs typeface="Times New Roman" panose="02020603050405020304" pitchFamily="18" charset="0"/>
+              </a:rPr>
+              <a:t>內進行健康預測</a:t>
+            </a:r>
+            <a:r>
+              <a:rPr lang="en-US" altLang="zh-TW" sz="2200" b="1" dirty="0">
+                <a:latin typeface="微軟正黑體" panose="020B0604030504040204" pitchFamily="34" charset="-120"/>
+                <a:ea typeface="微軟正黑體" panose="020B0604030504040204" pitchFamily="34" charset="-120"/>
+                <a:cs typeface="Times New Roman" panose="02020603050405020304" pitchFamily="18" charset="0"/>
+              </a:rPr>
+              <a:t>(</a:t>
+            </a:r>
+            <a:r>
+              <a:rPr lang="zh-TW" altLang="en-US" sz="2200" b="1" dirty="0">
+                <a:latin typeface="微軟正黑體" panose="020B0604030504040204" pitchFamily="34" charset="-120"/>
+                <a:ea typeface="微軟正黑體" panose="020B0604030504040204" pitchFamily="34" charset="-120"/>
+                <a:cs typeface="Times New Roman" panose="02020603050405020304" pitchFamily="18" charset="0"/>
+              </a:rPr>
+              <a:t>預測標準以奇美</a:t>
+            </a:r>
+            <a:r>
+              <a:rPr lang="zh-TW" altLang="en-US" sz="2200" b="1" dirty="0">
+                <a:effectLst/>
+                <a:latin typeface="微軟正黑體" panose="020B0604030504040204" pitchFamily="34" charset="-120"/>
+                <a:ea typeface="微軟正黑體" panose="020B0604030504040204" pitchFamily="34" charset="-120"/>
+                <a:cs typeface="Times New Roman" panose="02020603050405020304" pitchFamily="18" charset="0"/>
+              </a:rPr>
+              <a:t>醫院的標準做為依據</a:t>
+            </a:r>
+            <a:r>
+              <a:rPr lang="en-US" altLang="zh-TW" sz="2200" b="1" dirty="0">
+                <a:latin typeface="微軟正黑體" panose="020B0604030504040204" pitchFamily="34" charset="-120"/>
+                <a:ea typeface="微軟正黑體" panose="020B0604030504040204" pitchFamily="34" charset="-120"/>
+                <a:cs typeface="Times New Roman" panose="02020603050405020304" pitchFamily="18" charset="0"/>
+              </a:rPr>
+              <a:t>)SVM</a:t>
+            </a:r>
+            <a:r>
+              <a:rPr lang="zh-TW" altLang="en-US" sz="2200" b="1" dirty="0">
+                <a:latin typeface="微軟正黑體" panose="020B0604030504040204" pitchFamily="34" charset="-120"/>
+                <a:ea typeface="微軟正黑體" panose="020B0604030504040204" pitchFamily="34" charset="-120"/>
+                <a:cs typeface="Times New Roman" panose="02020603050405020304" pitchFamily="18" charset="0"/>
+              </a:rPr>
+              <a:t>模組在已知樣本的預測測試中</a:t>
             </a:r>
             <a:r>
               <a:rPr lang="zh-TW" altLang="zh-TW" sz="2200" b="1" dirty="0">
@@ -12055,30 +12180,12 @@
               <a:t>1.0</a:t>
             </a:r>
             <a:r>
-              <a:rPr lang="zh-TW" altLang="zh-TW" sz="2200" b="1" dirty="0">
-                <a:effectLst/>
+              <a:rPr lang="zh-TW" altLang="en-US" sz="2200" b="1" dirty="0">
                 <a:latin typeface="微軟正黑體" panose="020B0604030504040204" pitchFamily="34" charset="-120"/>
                 <a:ea typeface="微軟正黑體" panose="020B0604030504040204" pitchFamily="34" charset="-120"/>
                 <a:cs typeface="Times New Roman" panose="02020603050405020304" pitchFamily="18" charset="0"/>
               </a:rPr>
-              <a:t>、召回度也在</a:t>
-            </a:r>
-            <a:r>
-              <a:rPr lang="en-US" altLang="zh-TW" sz="2200" b="1" dirty="0">
-                <a:effectLst/>
-                <a:latin typeface="微軟正黑體" panose="020B0604030504040204" pitchFamily="34" charset="-120"/>
-                <a:ea typeface="微軟正黑體" panose="020B0604030504040204" pitchFamily="34" charset="-120"/>
-              </a:rPr>
-              <a:t>0.9~1.0</a:t>
-            </a:r>
-            <a:r>
-              <a:rPr lang="zh-TW" altLang="zh-TW" sz="2200" b="1" dirty="0">
-                <a:effectLst/>
-                <a:latin typeface="微軟正黑體" panose="020B0604030504040204" pitchFamily="34" charset="-120"/>
-                <a:ea typeface="微軟正黑體" panose="020B0604030504040204" pitchFamily="34" charset="-120"/>
-                <a:cs typeface="Times New Roman" panose="02020603050405020304" pitchFamily="18" charset="0"/>
-              </a:rPr>
-              <a:t>區間內，對於已知樣本的評斷可以說是十分準確。</a:t>
+              <a:t>。</a:t>
             </a:r>
             <a:endParaRPr lang="zh-TW" altLang="en-US" sz="2200" b="1" dirty="0">
               <a:latin typeface="微軟正黑體" panose="020B0604030504040204" pitchFamily="34" charset="-120"/>
@@ -12101,7 +12208,7 @@
         </p:nvGrpSpPr>
         <p:grpSpPr>
           <a:xfrm>
-            <a:off x="13888679" y="15782197"/>
+            <a:off x="13888679" y="15961920"/>
             <a:ext cx="4610690" cy="3290141"/>
             <a:chOff x="1344246" y="546628"/>
             <a:chExt cx="8128000" cy="5418667"/>
@@ -12140,7 +12247,7 @@
               <p:nvPr>
                 <p:extLst>
                   <p:ext uri="{D42A27DB-BD31-4B8C-83A1-F6EECF244321}">
-                    <p14:modId xmlns:p14="http://schemas.microsoft.com/office/powerpoint/2010/main" val="1392474934"/>
+                    <p14:modId xmlns:p14="http://schemas.microsoft.com/office/powerpoint/2010/main" val="633182681"/>
                   </p:ext>
                 </p:extLst>
               </p:nvPr>

--- a/專題海報/專題海報.pptx
+++ b/專題海報/專題海報.pptx
@@ -10025,7 +10025,7 @@
         </p:nvSpPr>
         <p:spPr bwMode="auto">
           <a:xfrm>
-            <a:off x="925044" y="23446007"/>
+            <a:off x="925044" y="23428368"/>
             <a:ext cx="9712541" cy="4953323"/>
           </a:xfrm>
           <a:prstGeom prst="roundRect">
@@ -11876,8 +11876,8 @@
         </p:blipFill>
         <p:spPr>
           <a:xfrm>
-            <a:off x="1229559" y="24095349"/>
-            <a:ext cx="3802772" cy="4131265"/>
+            <a:off x="1106750" y="24092782"/>
+            <a:ext cx="3996597" cy="4131265"/>
           </a:xfrm>
           <a:prstGeom prst="rect">
             <a:avLst/>
@@ -11909,8 +11909,8 @@
         </p:blipFill>
         <p:spPr bwMode="auto">
           <a:xfrm>
-            <a:off x="5624931" y="25892893"/>
-            <a:ext cx="4881928" cy="2498090"/>
+            <a:off x="5513295" y="26019965"/>
+            <a:ext cx="4958702" cy="2053081"/>
           </a:xfrm>
           <a:prstGeom prst="rect">
             <a:avLst/>
@@ -11950,8 +11950,8 @@
         </p:blipFill>
         <p:spPr bwMode="auto">
           <a:xfrm>
-            <a:off x="5625635" y="24095349"/>
-            <a:ext cx="4702035" cy="1847782"/>
+            <a:off x="5509723" y="24092782"/>
+            <a:ext cx="4796686" cy="1940752"/>
           </a:xfrm>
           <a:prstGeom prst="rect">
             <a:avLst/>
@@ -12903,6 +12903,41 @@
           </p:style>
         </p:cxnSp>
       </p:grpSp>
+      <p:pic>
+        <p:nvPicPr>
+          <p:cNvPr id="13" name="圖片 12" descr="一張含有 文字 的圖片&#10;&#10;自動產生的描述">
+            <a:extLst>
+              <a:ext uri="{FF2B5EF4-FFF2-40B4-BE49-F238E27FC236}">
+                <a16:creationId xmlns:a16="http://schemas.microsoft.com/office/drawing/2014/main" id="{F39120A9-AE42-4A9E-9377-8B83C9181C8B}"/>
+              </a:ext>
+            </a:extLst>
+          </p:cNvPr>
+          <p:cNvPicPr>
+            <a:picLocks noChangeAspect="1"/>
+          </p:cNvPicPr>
+          <p:nvPr/>
+        </p:nvPicPr>
+        <p:blipFill rotWithShape="1">
+          <a:blip r:embed="rId29">
+            <a:extLst>
+              <a:ext uri="{28A0092B-C50C-407E-A947-70E740481C1C}">
+                <a14:useLocalDpi xmlns:a14="http://schemas.microsoft.com/office/drawing/2010/main" val="0"/>
+              </a:ext>
+            </a:extLst>
+          </a:blip>
+          <a:srcRect r="20489" b="90576"/>
+          <a:stretch/>
+        </p:blipFill>
+        <p:spPr>
+          <a:xfrm>
+            <a:off x="5642422" y="28073046"/>
+            <a:ext cx="4456089" cy="234169"/>
+          </a:xfrm>
+          <a:prstGeom prst="rect">
+            <a:avLst/>
+          </a:prstGeom>
+        </p:spPr>
+      </p:pic>
     </p:spTree>
   </p:cSld>
   <p:clrMapOvr>
